--- a/chapter-06/diagram.pptx
+++ b/chapter-06/diagram.pptx
@@ -9,6 +9,8 @@
     <p:sldId id="266" r:id="rId3"/>
     <p:sldId id="267" r:id="rId4"/>
     <p:sldId id="268" r:id="rId5"/>
+    <p:sldId id="269" r:id="rId6"/>
+    <p:sldId id="270" r:id="rId7"/>
   </p:sldIdLst>
   <p:sldSz cx="12192000" cy="6858000"/>
   <p:notesSz cx="6858000" cy="9144000"/>
@@ -107,6 +109,11 @@
       </a:defRPr>
     </a:lvl9pPr>
   </p:defaultTextStyle>
+  <p:extLst>
+    <p:ext uri="{EFAFB233-063F-42B5-8137-9DF3F51BA10A}">
+      <p15:sldGuideLst xmlns:p15="http://schemas.microsoft.com/office/powerpoint/2012/main"/>
+    </p:ext>
+  </p:extLst>
 </p:presentation>
 </file>
 
@@ -257,7 +264,7 @@
           <a:p>
             <a:fld id="{B5F83089-3D20-4571-AA23-523345485B56}" type="datetimeFigureOut">
               <a:rPr lang="en-US" smtClean="0"/>
-              <a:t>7/9/2023</a:t>
+              <a:t>7/30/2023</a:t>
             </a:fld>
             <a:endParaRPr lang="en-US"/>
           </a:p>
@@ -455,7 +462,7 @@
           <a:p>
             <a:fld id="{B5F83089-3D20-4571-AA23-523345485B56}" type="datetimeFigureOut">
               <a:rPr lang="en-US" smtClean="0"/>
-              <a:t>7/9/2023</a:t>
+              <a:t>7/30/2023</a:t>
             </a:fld>
             <a:endParaRPr lang="en-US"/>
           </a:p>
@@ -663,7 +670,7 @@
           <a:p>
             <a:fld id="{B5F83089-3D20-4571-AA23-523345485B56}" type="datetimeFigureOut">
               <a:rPr lang="en-US" smtClean="0"/>
-              <a:t>7/9/2023</a:t>
+              <a:t>7/30/2023</a:t>
             </a:fld>
             <a:endParaRPr lang="en-US"/>
           </a:p>
@@ -861,7 +868,7 @@
           <a:p>
             <a:fld id="{B5F83089-3D20-4571-AA23-523345485B56}" type="datetimeFigureOut">
               <a:rPr lang="en-US" smtClean="0"/>
-              <a:t>7/9/2023</a:t>
+              <a:t>7/30/2023</a:t>
             </a:fld>
             <a:endParaRPr lang="en-US"/>
           </a:p>
@@ -1136,7 +1143,7 @@
           <a:p>
             <a:fld id="{B5F83089-3D20-4571-AA23-523345485B56}" type="datetimeFigureOut">
               <a:rPr lang="en-US" smtClean="0"/>
-              <a:t>7/9/2023</a:t>
+              <a:t>7/30/2023</a:t>
             </a:fld>
             <a:endParaRPr lang="en-US"/>
           </a:p>
@@ -1401,7 +1408,7 @@
           <a:p>
             <a:fld id="{B5F83089-3D20-4571-AA23-523345485B56}" type="datetimeFigureOut">
               <a:rPr lang="en-US" smtClean="0"/>
-              <a:t>7/9/2023</a:t>
+              <a:t>7/30/2023</a:t>
             </a:fld>
             <a:endParaRPr lang="en-US"/>
           </a:p>
@@ -1813,7 +1820,7 @@
           <a:p>
             <a:fld id="{B5F83089-3D20-4571-AA23-523345485B56}" type="datetimeFigureOut">
               <a:rPr lang="en-US" smtClean="0"/>
-              <a:t>7/9/2023</a:t>
+              <a:t>7/30/2023</a:t>
             </a:fld>
             <a:endParaRPr lang="en-US"/>
           </a:p>
@@ -1954,7 +1961,7 @@
           <a:p>
             <a:fld id="{B5F83089-3D20-4571-AA23-523345485B56}" type="datetimeFigureOut">
               <a:rPr lang="en-US" smtClean="0"/>
-              <a:t>7/9/2023</a:t>
+              <a:t>7/30/2023</a:t>
             </a:fld>
             <a:endParaRPr lang="en-US"/>
           </a:p>
@@ -2067,7 +2074,7 @@
           <a:p>
             <a:fld id="{B5F83089-3D20-4571-AA23-523345485B56}" type="datetimeFigureOut">
               <a:rPr lang="en-US" smtClean="0"/>
-              <a:t>7/9/2023</a:t>
+              <a:t>7/30/2023</a:t>
             </a:fld>
             <a:endParaRPr lang="en-US"/>
           </a:p>
@@ -2378,7 +2385,7 @@
           <a:p>
             <a:fld id="{B5F83089-3D20-4571-AA23-523345485B56}" type="datetimeFigureOut">
               <a:rPr lang="en-US" smtClean="0"/>
-              <a:t>7/9/2023</a:t>
+              <a:t>7/30/2023</a:t>
             </a:fld>
             <a:endParaRPr lang="en-US"/>
           </a:p>
@@ -2666,7 +2673,7 @@
           <a:p>
             <a:fld id="{B5F83089-3D20-4571-AA23-523345485B56}" type="datetimeFigureOut">
               <a:rPr lang="en-US" smtClean="0"/>
-              <a:t>7/9/2023</a:t>
+              <a:t>7/30/2023</a:t>
             </a:fld>
             <a:endParaRPr lang="en-US"/>
           </a:p>
@@ -2907,7 +2914,7 @@
           <a:p>
             <a:fld id="{B5F83089-3D20-4571-AA23-523345485B56}" type="datetimeFigureOut">
               <a:rPr lang="en-US" smtClean="0"/>
-              <a:t>7/9/2023</a:t>
+              <a:t>7/30/2023</a:t>
             </a:fld>
             <a:endParaRPr lang="en-US"/>
           </a:p>
@@ -8344,6 +8351,1041 @@
     <p:extLst>
       <p:ext uri="{BB962C8B-B14F-4D97-AF65-F5344CB8AC3E}">
         <p14:creationId xmlns:p14="http://schemas.microsoft.com/office/powerpoint/2010/main" val="3558165669"/>
+      </p:ext>
+    </p:extLst>
+  </p:cSld>
+  <p:clrMapOvr>
+    <a:masterClrMapping/>
+  </p:clrMapOvr>
+</p:sld>
+</file>
+
+<file path=ppt/slides/slide5.xml><?xml version="1.0" encoding="utf-8"?>
+<p:sld xmlns:a="http://schemas.openxmlformats.org/drawingml/2006/main" xmlns:r="http://schemas.openxmlformats.org/officeDocument/2006/relationships" xmlns:p="http://schemas.openxmlformats.org/presentationml/2006/main">
+  <p:cSld>
+    <p:spTree>
+      <p:nvGrpSpPr>
+        <p:cNvPr id="1" name=""/>
+        <p:cNvGrpSpPr/>
+        <p:nvPr/>
+      </p:nvGrpSpPr>
+      <p:grpSpPr>
+        <a:xfrm>
+          <a:off x="0" y="0"/>
+          <a:ext cx="0" cy="0"/>
+          <a:chOff x="0" y="0"/>
+          <a:chExt cx="0" cy="0"/>
+        </a:xfrm>
+      </p:grpSpPr>
+      <p:pic>
+        <p:nvPicPr>
+          <p:cNvPr id="3" name="Picture 2">
+            <a:extLst>
+              <a:ext uri="{FF2B5EF4-FFF2-40B4-BE49-F238E27FC236}">
+                <a16:creationId xmlns:a16="http://schemas.microsoft.com/office/drawing/2014/main" id="{2A89C9AB-C3CD-DA7C-51CB-CEB6E5E8330D}"/>
+              </a:ext>
+            </a:extLst>
+          </p:cNvPr>
+          <p:cNvPicPr>
+            <a:picLocks noChangeAspect="1"/>
+          </p:cNvPicPr>
+          <p:nvPr/>
+        </p:nvPicPr>
+        <p:blipFill>
+          <a:blip r:embed="rId2"/>
+          <a:stretch>
+            <a:fillRect/>
+          </a:stretch>
+        </p:blipFill>
+        <p:spPr>
+          <a:xfrm>
+            <a:off x="2667000" y="0"/>
+            <a:ext cx="6858000" cy="6858000"/>
+          </a:xfrm>
+          <a:prstGeom prst="rect">
+            <a:avLst/>
+          </a:prstGeom>
+        </p:spPr>
+      </p:pic>
+      <mc:AlternateContent xmlns:mc="http://schemas.openxmlformats.org/markup-compatibility/2006">
+        <mc:Choice xmlns:a14="http://schemas.microsoft.com/office/drawing/2010/main" Requires="a14">
+          <p:sp>
+            <p:nvSpPr>
+              <p:cNvPr id="5" name="TextBox 4">
+                <a:extLst>
+                  <a:ext uri="{FF2B5EF4-FFF2-40B4-BE49-F238E27FC236}">
+                    <a16:creationId xmlns:a16="http://schemas.microsoft.com/office/drawing/2014/main" id="{7C08AE0F-6D58-535D-6FAE-844D3A19359A}"/>
+                  </a:ext>
+                </a:extLst>
+              </p:cNvPr>
+              <p:cNvSpPr txBox="1"/>
+              <p:nvPr/>
+            </p:nvSpPr>
+            <p:spPr>
+              <a:xfrm>
+                <a:off x="8708418" y="3344270"/>
+                <a:ext cx="363433" cy="553998"/>
+              </a:xfrm>
+              <a:prstGeom prst="rect">
+                <a:avLst/>
+              </a:prstGeom>
+              <a:noFill/>
+            </p:spPr>
+            <p:txBody>
+              <a:bodyPr wrap="none" lIns="0" tIns="0" rIns="0" bIns="0" rtlCol="0">
+                <a:spAutoFit/>
+              </a:bodyPr>
+              <a:lstStyle/>
+              <a:p>
+                <a14:m>
+                  <m:oMathPara xmlns:m="http://schemas.openxmlformats.org/officeDocument/2006/math">
+                    <m:oMathParaPr>
+                      <m:jc m:val="centerGroup"/>
+                    </m:oMathParaPr>
+                    <m:oMath xmlns:m="http://schemas.openxmlformats.org/officeDocument/2006/math">
+                      <m:r>
+                        <a:rPr lang="en-US" sz="3600" b="0" i="1" smtClean="0">
+                          <a:solidFill>
+                            <a:srgbClr val="FF0000"/>
+                          </a:solidFill>
+                          <a:latin typeface="Cambria Math" panose="02040503050406030204" pitchFamily="18" charset="0"/>
+                        </a:rPr>
+                        <m:t>𝑥</m:t>
+                      </m:r>
+                    </m:oMath>
+                  </m:oMathPara>
+                </a14:m>
+                <a:endParaRPr lang="en-US" dirty="0"/>
+              </a:p>
+            </p:txBody>
+          </p:sp>
+        </mc:Choice>
+        <mc:Fallback>
+          <p:sp>
+            <p:nvSpPr>
+              <p:cNvPr id="5" name="TextBox 4">
+                <a:extLst>
+                  <a:ext uri="{FF2B5EF4-FFF2-40B4-BE49-F238E27FC236}">
+                    <a16:creationId xmlns:a16="http://schemas.microsoft.com/office/drawing/2014/main" id="{7C08AE0F-6D58-535D-6FAE-844D3A19359A}"/>
+                  </a:ext>
+                </a:extLst>
+              </p:cNvPr>
+              <p:cNvSpPr txBox="1">
+                <a:spLocks noRot="1" noChangeAspect="1" noMove="1" noResize="1" noEditPoints="1" noAdjustHandles="1" noChangeArrowheads="1" noChangeShapeType="1" noTextEdit="1"/>
+              </p:cNvSpPr>
+              <p:nvPr/>
+            </p:nvSpPr>
+            <p:spPr>
+              <a:xfrm>
+                <a:off x="8708418" y="3344270"/>
+                <a:ext cx="363433" cy="553998"/>
+              </a:xfrm>
+              <a:prstGeom prst="rect">
+                <a:avLst/>
+              </a:prstGeom>
+              <a:blipFill>
+                <a:blip r:embed="rId3"/>
+                <a:stretch>
+                  <a:fillRect/>
+                </a:stretch>
+              </a:blipFill>
+            </p:spPr>
+            <p:txBody>
+              <a:bodyPr/>
+              <a:lstStyle/>
+              <a:p>
+                <a:r>
+                  <a:rPr lang="en-US">
+                    <a:noFill/>
+                  </a:rPr>
+                  <a:t> </a:t>
+                </a:r>
+              </a:p>
+            </p:txBody>
+          </p:sp>
+        </mc:Fallback>
+      </mc:AlternateContent>
+      <mc:AlternateContent xmlns:mc="http://schemas.openxmlformats.org/markup-compatibility/2006">
+        <mc:Choice xmlns:a14="http://schemas.microsoft.com/office/drawing/2010/main" Requires="a14">
+          <p:sp>
+            <p:nvSpPr>
+              <p:cNvPr id="6" name="TextBox 5">
+                <a:extLst>
+                  <a:ext uri="{FF2B5EF4-FFF2-40B4-BE49-F238E27FC236}">
+                    <a16:creationId xmlns:a16="http://schemas.microsoft.com/office/drawing/2014/main" id="{A7883015-8765-ADF9-C116-DC4F3A216089}"/>
+                  </a:ext>
+                </a:extLst>
+              </p:cNvPr>
+              <p:cNvSpPr txBox="1"/>
+              <p:nvPr/>
+            </p:nvSpPr>
+            <p:spPr>
+              <a:xfrm>
+                <a:off x="5914283" y="199797"/>
+                <a:ext cx="370166" cy="553998"/>
+              </a:xfrm>
+              <a:prstGeom prst="rect">
+                <a:avLst/>
+              </a:prstGeom>
+              <a:noFill/>
+            </p:spPr>
+            <p:txBody>
+              <a:bodyPr wrap="none" lIns="0" tIns="0" rIns="0" bIns="0" rtlCol="0">
+                <a:spAutoFit/>
+              </a:bodyPr>
+              <a:lstStyle/>
+              <a:p>
+                <a14:m>
+                  <m:oMathPara xmlns:m="http://schemas.openxmlformats.org/officeDocument/2006/math">
+                    <m:oMathParaPr>
+                      <m:jc m:val="centerGroup"/>
+                    </m:oMathParaPr>
+                    <m:oMath xmlns:m="http://schemas.openxmlformats.org/officeDocument/2006/math">
+                      <m:r>
+                        <a:rPr lang="en-US" sz="3600" b="0" i="1" smtClean="0">
+                          <a:solidFill>
+                            <a:srgbClr val="00B050"/>
+                          </a:solidFill>
+                          <a:latin typeface="Cambria Math" panose="02040503050406030204" pitchFamily="18" charset="0"/>
+                        </a:rPr>
+                        <m:t>𝑦</m:t>
+                      </m:r>
+                    </m:oMath>
+                  </m:oMathPara>
+                </a14:m>
+                <a:endParaRPr lang="en-US" dirty="0"/>
+              </a:p>
+            </p:txBody>
+          </p:sp>
+        </mc:Choice>
+        <mc:Fallback>
+          <p:sp>
+            <p:nvSpPr>
+              <p:cNvPr id="6" name="TextBox 5">
+                <a:extLst>
+                  <a:ext uri="{FF2B5EF4-FFF2-40B4-BE49-F238E27FC236}">
+                    <a16:creationId xmlns:a16="http://schemas.microsoft.com/office/drawing/2014/main" id="{A7883015-8765-ADF9-C116-DC4F3A216089}"/>
+                  </a:ext>
+                </a:extLst>
+              </p:cNvPr>
+              <p:cNvSpPr txBox="1">
+                <a:spLocks noRot="1" noChangeAspect="1" noMove="1" noResize="1" noEditPoints="1" noAdjustHandles="1" noChangeArrowheads="1" noChangeShapeType="1" noTextEdit="1"/>
+              </p:cNvSpPr>
+              <p:nvPr/>
+            </p:nvSpPr>
+            <p:spPr>
+              <a:xfrm>
+                <a:off x="5914283" y="199797"/>
+                <a:ext cx="370166" cy="553998"/>
+              </a:xfrm>
+              <a:prstGeom prst="rect">
+                <a:avLst/>
+              </a:prstGeom>
+              <a:blipFill>
+                <a:blip r:embed="rId4"/>
+                <a:stretch>
+                  <a:fillRect/>
+                </a:stretch>
+              </a:blipFill>
+            </p:spPr>
+            <p:txBody>
+              <a:bodyPr/>
+              <a:lstStyle/>
+              <a:p>
+                <a:r>
+                  <a:rPr lang="en-US">
+                    <a:noFill/>
+                  </a:rPr>
+                  <a:t> </a:t>
+                </a:r>
+              </a:p>
+            </p:txBody>
+          </p:sp>
+        </mc:Fallback>
+      </mc:AlternateContent>
+      <mc:AlternateContent xmlns:mc="http://schemas.openxmlformats.org/markup-compatibility/2006">
+        <mc:Choice xmlns:a14="http://schemas.microsoft.com/office/drawing/2010/main" Requires="a14">
+          <p:sp>
+            <p:nvSpPr>
+              <p:cNvPr id="7" name="TextBox 6">
+                <a:extLst>
+                  <a:ext uri="{FF2B5EF4-FFF2-40B4-BE49-F238E27FC236}">
+                    <a16:creationId xmlns:a16="http://schemas.microsoft.com/office/drawing/2014/main" id="{441577E9-E05E-149B-BC44-4D8742820425}"/>
+                  </a:ext>
+                </a:extLst>
+              </p:cNvPr>
+              <p:cNvSpPr txBox="1"/>
+              <p:nvPr/>
+            </p:nvSpPr>
+            <p:spPr>
+              <a:xfrm>
+                <a:off x="5579384" y="3748665"/>
+                <a:ext cx="334899" cy="553998"/>
+              </a:xfrm>
+              <a:prstGeom prst="rect">
+                <a:avLst/>
+              </a:prstGeom>
+              <a:noFill/>
+            </p:spPr>
+            <p:txBody>
+              <a:bodyPr wrap="none" lIns="0" tIns="0" rIns="0" bIns="0" rtlCol="0">
+                <a:spAutoFit/>
+              </a:bodyPr>
+              <a:lstStyle/>
+              <a:p>
+                <a14:m>
+                  <m:oMathPara xmlns:m="http://schemas.openxmlformats.org/officeDocument/2006/math">
+                    <m:oMathParaPr>
+                      <m:jc m:val="centerGroup"/>
+                    </m:oMathParaPr>
+                    <m:oMath xmlns:m="http://schemas.openxmlformats.org/officeDocument/2006/math">
+                      <m:r>
+                        <a:rPr lang="en-US" sz="3600" b="0" i="1" smtClean="0">
+                          <a:solidFill>
+                            <a:srgbClr val="002060"/>
+                          </a:solidFill>
+                          <a:latin typeface="Cambria Math" panose="02040503050406030204" pitchFamily="18" charset="0"/>
+                        </a:rPr>
+                        <m:t>𝑧</m:t>
+                      </m:r>
+                    </m:oMath>
+                  </m:oMathPara>
+                </a14:m>
+                <a:endParaRPr lang="en-US" dirty="0">
+                  <a:solidFill>
+                    <a:srgbClr val="002060"/>
+                  </a:solidFill>
+                </a:endParaRPr>
+              </a:p>
+            </p:txBody>
+          </p:sp>
+        </mc:Choice>
+        <mc:Fallback>
+          <p:sp>
+            <p:nvSpPr>
+              <p:cNvPr id="7" name="TextBox 6">
+                <a:extLst>
+                  <a:ext uri="{FF2B5EF4-FFF2-40B4-BE49-F238E27FC236}">
+                    <a16:creationId xmlns:a16="http://schemas.microsoft.com/office/drawing/2014/main" id="{441577E9-E05E-149B-BC44-4D8742820425}"/>
+                  </a:ext>
+                </a:extLst>
+              </p:cNvPr>
+              <p:cNvSpPr txBox="1">
+                <a:spLocks noRot="1" noChangeAspect="1" noMove="1" noResize="1" noEditPoints="1" noAdjustHandles="1" noChangeArrowheads="1" noChangeShapeType="1" noTextEdit="1"/>
+              </p:cNvSpPr>
+              <p:nvPr/>
+            </p:nvSpPr>
+            <p:spPr>
+              <a:xfrm>
+                <a:off x="5579384" y="3748665"/>
+                <a:ext cx="334899" cy="553998"/>
+              </a:xfrm>
+              <a:prstGeom prst="rect">
+                <a:avLst/>
+              </a:prstGeom>
+              <a:blipFill>
+                <a:blip r:embed="rId5"/>
+                <a:stretch>
+                  <a:fillRect/>
+                </a:stretch>
+              </a:blipFill>
+            </p:spPr>
+            <p:txBody>
+              <a:bodyPr/>
+              <a:lstStyle/>
+              <a:p>
+                <a:r>
+                  <a:rPr lang="en-US">
+                    <a:noFill/>
+                  </a:rPr>
+                  <a:t> </a:t>
+                </a:r>
+              </a:p>
+            </p:txBody>
+          </p:sp>
+        </mc:Fallback>
+      </mc:AlternateContent>
+    </p:spTree>
+    <p:extLst>
+      <p:ext uri="{BB962C8B-B14F-4D97-AF65-F5344CB8AC3E}">
+        <p14:creationId xmlns:p14="http://schemas.microsoft.com/office/powerpoint/2010/main" val="525528543"/>
+      </p:ext>
+    </p:extLst>
+  </p:cSld>
+  <p:clrMapOvr>
+    <a:masterClrMapping/>
+  </p:clrMapOvr>
+</p:sld>
+</file>
+
+<file path=ppt/slides/slide6.xml><?xml version="1.0" encoding="utf-8"?>
+<p:sld xmlns:a="http://schemas.openxmlformats.org/drawingml/2006/main" xmlns:r="http://schemas.openxmlformats.org/officeDocument/2006/relationships" xmlns:p="http://schemas.openxmlformats.org/presentationml/2006/main">
+  <p:cSld>
+    <p:spTree>
+      <p:nvGrpSpPr>
+        <p:cNvPr id="1" name=""/>
+        <p:cNvGrpSpPr/>
+        <p:nvPr/>
+      </p:nvGrpSpPr>
+      <p:grpSpPr>
+        <a:xfrm>
+          <a:off x="0" y="0"/>
+          <a:ext cx="0" cy="0"/>
+          <a:chOff x="0" y="0"/>
+          <a:chExt cx="0" cy="0"/>
+        </a:xfrm>
+      </p:grpSpPr>
+      <p:pic>
+        <p:nvPicPr>
+          <p:cNvPr id="8" name="Picture 7">
+            <a:extLst>
+              <a:ext uri="{FF2B5EF4-FFF2-40B4-BE49-F238E27FC236}">
+                <a16:creationId xmlns:a16="http://schemas.microsoft.com/office/drawing/2014/main" id="{3D57F85C-6F7B-4DC2-5A4E-E5D47954A23A}"/>
+              </a:ext>
+            </a:extLst>
+          </p:cNvPr>
+          <p:cNvPicPr>
+            <a:picLocks noChangeAspect="1"/>
+          </p:cNvPicPr>
+          <p:nvPr/>
+        </p:nvPicPr>
+        <p:blipFill>
+          <a:blip r:embed="rId2"/>
+          <a:stretch>
+            <a:fillRect/>
+          </a:stretch>
+        </p:blipFill>
+        <p:spPr>
+          <a:xfrm>
+            <a:off x="2667000" y="0"/>
+            <a:ext cx="6858000" cy="6858000"/>
+          </a:xfrm>
+          <a:prstGeom prst="rect">
+            <a:avLst/>
+          </a:prstGeom>
+        </p:spPr>
+      </p:pic>
+      <mc:AlternateContent xmlns:mc="http://schemas.openxmlformats.org/markup-compatibility/2006">
+        <mc:Choice xmlns:a14="http://schemas.microsoft.com/office/drawing/2010/main" Requires="a14">
+          <p:sp>
+            <p:nvSpPr>
+              <p:cNvPr id="4" name="TextBox 3">
+                <a:extLst>
+                  <a:ext uri="{FF2B5EF4-FFF2-40B4-BE49-F238E27FC236}">
+                    <a16:creationId xmlns:a16="http://schemas.microsoft.com/office/drawing/2014/main" id="{981039B8-74F9-A70A-12F5-F2C4B4BF8F7B}"/>
+                  </a:ext>
+                </a:extLst>
+              </p:cNvPr>
+              <p:cNvSpPr txBox="1"/>
+              <p:nvPr/>
+            </p:nvSpPr>
+            <p:spPr>
+              <a:xfrm>
+                <a:off x="6096000" y="3429000"/>
+                <a:ext cx="284822" cy="369332"/>
+              </a:xfrm>
+              <a:prstGeom prst="rect">
+                <a:avLst/>
+              </a:prstGeom>
+              <a:noFill/>
+            </p:spPr>
+            <p:txBody>
+              <a:bodyPr wrap="none" lIns="0" tIns="0" rIns="0" bIns="0" rtlCol="0">
+                <a:spAutoFit/>
+              </a:bodyPr>
+              <a:lstStyle/>
+              <a:p>
+                <a14:m>
+                  <m:oMathPara xmlns:m="http://schemas.openxmlformats.org/officeDocument/2006/math">
+                    <m:oMathParaPr>
+                      <m:jc m:val="centerGroup"/>
+                    </m:oMathParaPr>
+                    <m:oMath xmlns:m="http://schemas.openxmlformats.org/officeDocument/2006/math">
+                      <m:r>
+                        <a:rPr lang="en-US" sz="2400" b="0" i="1" smtClean="0">
+                          <a:solidFill>
+                            <a:schemeClr val="tx1"/>
+                          </a:solidFill>
+                          <a:latin typeface="Cambria Math" panose="02040503050406030204" pitchFamily="18" charset="0"/>
+                        </a:rPr>
+                        <m:t>𝑂</m:t>
+                      </m:r>
+                    </m:oMath>
+                  </m:oMathPara>
+                </a14:m>
+                <a:endParaRPr lang="en-US" dirty="0">
+                  <a:solidFill>
+                    <a:schemeClr val="tx1"/>
+                  </a:solidFill>
+                </a:endParaRPr>
+              </a:p>
+            </p:txBody>
+          </p:sp>
+        </mc:Choice>
+        <mc:Fallback>
+          <p:sp>
+            <p:nvSpPr>
+              <p:cNvPr id="4" name="TextBox 3">
+                <a:extLst>
+                  <a:ext uri="{FF2B5EF4-FFF2-40B4-BE49-F238E27FC236}">
+                    <a16:creationId xmlns:a16="http://schemas.microsoft.com/office/drawing/2014/main" id="{981039B8-74F9-A70A-12F5-F2C4B4BF8F7B}"/>
+                  </a:ext>
+                </a:extLst>
+              </p:cNvPr>
+              <p:cNvSpPr txBox="1">
+                <a:spLocks noRot="1" noChangeAspect="1" noMove="1" noResize="1" noEditPoints="1" noAdjustHandles="1" noChangeArrowheads="1" noChangeShapeType="1" noTextEdit="1"/>
+              </p:cNvSpPr>
+              <p:nvPr/>
+            </p:nvSpPr>
+            <p:spPr>
+              <a:xfrm>
+                <a:off x="6096000" y="3429000"/>
+                <a:ext cx="284822" cy="369332"/>
+              </a:xfrm>
+              <a:prstGeom prst="rect">
+                <a:avLst/>
+              </a:prstGeom>
+              <a:blipFill>
+                <a:blip r:embed="rId3"/>
+                <a:stretch>
+                  <a:fillRect l="-23404" r="-21277" b="-6667"/>
+                </a:stretch>
+              </a:blipFill>
+            </p:spPr>
+            <p:txBody>
+              <a:bodyPr/>
+              <a:lstStyle/>
+              <a:p>
+                <a:r>
+                  <a:rPr lang="en-US">
+                    <a:noFill/>
+                  </a:rPr>
+                  <a:t> </a:t>
+                </a:r>
+              </a:p>
+            </p:txBody>
+          </p:sp>
+        </mc:Fallback>
+      </mc:AlternateContent>
+      <mc:AlternateContent xmlns:mc="http://schemas.openxmlformats.org/markup-compatibility/2006">
+        <mc:Choice xmlns:a14="http://schemas.microsoft.com/office/drawing/2010/main" Requires="a14">
+          <p:sp>
+            <p:nvSpPr>
+              <p:cNvPr id="5" name="TextBox 4">
+                <a:extLst>
+                  <a:ext uri="{FF2B5EF4-FFF2-40B4-BE49-F238E27FC236}">
+                    <a16:creationId xmlns:a16="http://schemas.microsoft.com/office/drawing/2014/main" id="{8BC421AC-372B-3501-9A5A-32A3620E1AF7}"/>
+                  </a:ext>
+                </a:extLst>
+              </p:cNvPr>
+              <p:cNvSpPr txBox="1"/>
+              <p:nvPr/>
+            </p:nvSpPr>
+            <p:spPr>
+              <a:xfrm>
+                <a:off x="6835384" y="2152056"/>
+                <a:ext cx="267189" cy="369332"/>
+              </a:xfrm>
+              <a:prstGeom prst="rect">
+                <a:avLst/>
+              </a:prstGeom>
+              <a:noFill/>
+            </p:spPr>
+            <p:txBody>
+              <a:bodyPr wrap="none" lIns="0" tIns="0" rIns="0" bIns="0" rtlCol="0">
+                <a:spAutoFit/>
+              </a:bodyPr>
+              <a:lstStyle/>
+              <a:p>
+                <a14:m>
+                  <m:oMathPara xmlns:m="http://schemas.openxmlformats.org/officeDocument/2006/math">
+                    <m:oMathParaPr>
+                      <m:jc m:val="centerGroup"/>
+                    </m:oMathParaPr>
+                    <m:oMath xmlns:m="http://schemas.openxmlformats.org/officeDocument/2006/math">
+                      <m:r>
+                        <a:rPr lang="en-US" sz="2400" b="0" i="1" smtClean="0">
+                          <a:solidFill>
+                            <a:schemeClr val="tx1"/>
+                          </a:solidFill>
+                          <a:latin typeface="Cambria Math" panose="02040503050406030204" pitchFamily="18" charset="0"/>
+                        </a:rPr>
+                        <m:t>𝑃</m:t>
+                      </m:r>
+                    </m:oMath>
+                  </m:oMathPara>
+                </a14:m>
+                <a:endParaRPr lang="en-US" sz="1200" dirty="0">
+                  <a:solidFill>
+                    <a:schemeClr val="tx1"/>
+                  </a:solidFill>
+                </a:endParaRPr>
+              </a:p>
+            </p:txBody>
+          </p:sp>
+        </mc:Choice>
+        <mc:Fallback>
+          <p:sp>
+            <p:nvSpPr>
+              <p:cNvPr id="5" name="TextBox 4">
+                <a:extLst>
+                  <a:ext uri="{FF2B5EF4-FFF2-40B4-BE49-F238E27FC236}">
+                    <a16:creationId xmlns:a16="http://schemas.microsoft.com/office/drawing/2014/main" id="{8BC421AC-372B-3501-9A5A-32A3620E1AF7}"/>
+                  </a:ext>
+                </a:extLst>
+              </p:cNvPr>
+              <p:cNvSpPr txBox="1">
+                <a:spLocks noRot="1" noChangeAspect="1" noMove="1" noResize="1" noEditPoints="1" noAdjustHandles="1" noChangeArrowheads="1" noChangeShapeType="1" noTextEdit="1"/>
+              </p:cNvSpPr>
+              <p:nvPr/>
+            </p:nvSpPr>
+            <p:spPr>
+              <a:xfrm>
+                <a:off x="6835384" y="2152056"/>
+                <a:ext cx="267189" cy="369332"/>
+              </a:xfrm>
+              <a:prstGeom prst="rect">
+                <a:avLst/>
+              </a:prstGeom>
+              <a:blipFill>
+                <a:blip r:embed="rId4"/>
+                <a:stretch>
+                  <a:fillRect l="-25000" r="-25000" b="-6557"/>
+                </a:stretch>
+              </a:blipFill>
+            </p:spPr>
+            <p:txBody>
+              <a:bodyPr/>
+              <a:lstStyle/>
+              <a:p>
+                <a:r>
+                  <a:rPr lang="en-US">
+                    <a:noFill/>
+                  </a:rPr>
+                  <a:t> </a:t>
+                </a:r>
+              </a:p>
+            </p:txBody>
+          </p:sp>
+        </mc:Fallback>
+      </mc:AlternateContent>
+      <mc:AlternateContent xmlns:mc="http://schemas.openxmlformats.org/markup-compatibility/2006">
+        <mc:Choice xmlns:a14="http://schemas.microsoft.com/office/drawing/2010/main" Requires="a14">
+          <p:sp>
+            <p:nvSpPr>
+              <p:cNvPr id="6" name="TextBox 5">
+                <a:extLst>
+                  <a:ext uri="{FF2B5EF4-FFF2-40B4-BE49-F238E27FC236}">
+                    <a16:creationId xmlns:a16="http://schemas.microsoft.com/office/drawing/2014/main" id="{C77F266B-3A52-FD6D-FF54-DC649EC6352A}"/>
+                  </a:ext>
+                </a:extLst>
+              </p:cNvPr>
+              <p:cNvSpPr txBox="1"/>
+              <p:nvPr/>
+            </p:nvSpPr>
+            <p:spPr>
+              <a:xfrm>
+                <a:off x="6493399" y="2859737"/>
+                <a:ext cx="475579" cy="370101"/>
+              </a:xfrm>
+              <a:prstGeom prst="rect">
+                <a:avLst/>
+              </a:prstGeom>
+              <a:noFill/>
+            </p:spPr>
+            <p:txBody>
+              <a:bodyPr wrap="none" lIns="0" tIns="0" rIns="0" bIns="0" rtlCol="0">
+                <a:spAutoFit/>
+              </a:bodyPr>
+              <a:lstStyle/>
+              <a:p>
+                <a14:m>
+                  <m:oMathPara xmlns:m="http://schemas.openxmlformats.org/officeDocument/2006/math">
+                    <m:oMathParaPr>
+                      <m:jc m:val="centerGroup"/>
+                    </m:oMathParaPr>
+                    <m:oMath xmlns:m="http://schemas.openxmlformats.org/officeDocument/2006/math">
+                      <m:acc>
+                        <m:accPr>
+                          <m:chr m:val="̅"/>
+                          <m:ctrlPr>
+                            <a:rPr lang="en-US" sz="2400" b="0" i="1" smtClean="0">
+                              <a:solidFill>
+                                <a:srgbClr val="FF0000"/>
+                              </a:solidFill>
+                              <a:latin typeface="Cambria Math" panose="02040503050406030204" pitchFamily="18" charset="0"/>
+                            </a:rPr>
+                          </m:ctrlPr>
+                        </m:accPr>
+                        <m:e>
+                          <m:r>
+                            <a:rPr lang="en-US" sz="2400" b="0" i="1" smtClean="0">
+                              <a:solidFill>
+                                <a:srgbClr val="FF0000"/>
+                              </a:solidFill>
+                              <a:latin typeface="Cambria Math" panose="02040503050406030204" pitchFamily="18" charset="0"/>
+                            </a:rPr>
+                            <m:t>𝑂𝑃</m:t>
+                          </m:r>
+                        </m:e>
+                      </m:acc>
+                    </m:oMath>
+                  </m:oMathPara>
+                </a14:m>
+                <a:endParaRPr lang="en-US" dirty="0">
+                  <a:solidFill>
+                    <a:srgbClr val="FF0000"/>
+                  </a:solidFill>
+                </a:endParaRPr>
+              </a:p>
+            </p:txBody>
+          </p:sp>
+        </mc:Choice>
+        <mc:Fallback>
+          <p:sp>
+            <p:nvSpPr>
+              <p:cNvPr id="6" name="TextBox 5">
+                <a:extLst>
+                  <a:ext uri="{FF2B5EF4-FFF2-40B4-BE49-F238E27FC236}">
+                    <a16:creationId xmlns:a16="http://schemas.microsoft.com/office/drawing/2014/main" id="{C77F266B-3A52-FD6D-FF54-DC649EC6352A}"/>
+                  </a:ext>
+                </a:extLst>
+              </p:cNvPr>
+              <p:cNvSpPr txBox="1">
+                <a:spLocks noRot="1" noChangeAspect="1" noMove="1" noResize="1" noEditPoints="1" noAdjustHandles="1" noChangeArrowheads="1" noChangeShapeType="1" noTextEdit="1"/>
+              </p:cNvSpPr>
+              <p:nvPr/>
+            </p:nvSpPr>
+            <p:spPr>
+              <a:xfrm>
+                <a:off x="6493399" y="2859737"/>
+                <a:ext cx="475579" cy="370101"/>
+              </a:xfrm>
+              <a:prstGeom prst="rect">
+                <a:avLst/>
+              </a:prstGeom>
+              <a:blipFill>
+                <a:blip r:embed="rId5"/>
+                <a:stretch>
+                  <a:fillRect l="-14103" r="-14103" b="-6557"/>
+                </a:stretch>
+              </a:blipFill>
+            </p:spPr>
+            <p:txBody>
+              <a:bodyPr/>
+              <a:lstStyle/>
+              <a:p>
+                <a:r>
+                  <a:rPr lang="en-US">
+                    <a:noFill/>
+                  </a:rPr>
+                  <a:t> </a:t>
+                </a:r>
+              </a:p>
+            </p:txBody>
+          </p:sp>
+        </mc:Fallback>
+      </mc:AlternateContent>
+      <p:sp>
+        <p:nvSpPr>
+          <p:cNvPr id="9" name="TextBox 8">
+            <a:extLst>
+              <a:ext uri="{FF2B5EF4-FFF2-40B4-BE49-F238E27FC236}">
+                <a16:creationId xmlns:a16="http://schemas.microsoft.com/office/drawing/2014/main" id="{4D80641B-D813-CE42-F209-14AB183FDE24}"/>
+              </a:ext>
+            </a:extLst>
+          </p:cNvPr>
+          <p:cNvSpPr txBox="1"/>
+          <p:nvPr/>
+        </p:nvSpPr>
+        <p:spPr>
+          <a:xfrm rot="1965755">
+            <a:off x="4706183" y="1112519"/>
+            <a:ext cx="1401346" cy="369332"/>
+          </a:xfrm>
+          <a:prstGeom prst="rect">
+            <a:avLst/>
+          </a:prstGeom>
+          <a:noFill/>
+        </p:spPr>
+        <p:txBody>
+          <a:bodyPr wrap="none" rtlCol="0">
+            <a:spAutoFit/>
+          </a:bodyPr>
+          <a:lstStyle/>
+          <a:p>
+            <a:r>
+              <a:rPr lang="en-US" dirty="0">
+                <a:solidFill>
+                  <a:schemeClr val="accent6">
+                    <a:lumMod val="75000"/>
+                  </a:schemeClr>
+                </a:solidFill>
+                <a:latin typeface="Georgia" panose="02040502050405020303" pitchFamily="18" charset="0"/>
+              </a:rPr>
+              <a:t>tangent line</a:t>
+            </a:r>
+          </a:p>
+        </p:txBody>
+      </p:sp>
+      <mc:AlternateContent xmlns:mc="http://schemas.openxmlformats.org/markup-compatibility/2006">
+        <mc:Choice xmlns:a14="http://schemas.microsoft.com/office/drawing/2010/main" Requires="a14">
+          <p:sp>
+            <p:nvSpPr>
+              <p:cNvPr id="10" name="TextBox 9">
+                <a:extLst>
+                  <a:ext uri="{FF2B5EF4-FFF2-40B4-BE49-F238E27FC236}">
+                    <a16:creationId xmlns:a16="http://schemas.microsoft.com/office/drawing/2014/main" id="{D5F8E3E5-FD54-F5A8-A173-672CB34EB3CC}"/>
+                  </a:ext>
+                </a:extLst>
+              </p:cNvPr>
+              <p:cNvSpPr txBox="1"/>
+              <p:nvPr/>
+            </p:nvSpPr>
+            <p:spPr>
+              <a:xfrm>
+                <a:off x="7408947" y="927853"/>
+                <a:ext cx="267702" cy="369332"/>
+              </a:xfrm>
+              <a:prstGeom prst="rect">
+                <a:avLst/>
+              </a:prstGeom>
+              <a:noFill/>
+            </p:spPr>
+            <p:txBody>
+              <a:bodyPr wrap="none" lIns="0" tIns="0" rIns="0" bIns="0" rtlCol="0">
+                <a:spAutoFit/>
+              </a:bodyPr>
+              <a:lstStyle/>
+              <a:p>
+                <a14:m>
+                  <m:oMathPara xmlns:m="http://schemas.openxmlformats.org/officeDocument/2006/math">
+                    <m:oMathParaPr>
+                      <m:jc m:val="centerGroup"/>
+                    </m:oMathParaPr>
+                    <m:oMath xmlns:m="http://schemas.openxmlformats.org/officeDocument/2006/math">
+                      <m:r>
+                        <a:rPr lang="en-US" sz="2400" b="1" i="1" smtClean="0">
+                          <a:solidFill>
+                            <a:schemeClr val="tx1"/>
+                          </a:solidFill>
+                          <a:latin typeface="Cambria Math" panose="02040503050406030204" pitchFamily="18" charset="0"/>
+                        </a:rPr>
+                        <m:t>𝒏</m:t>
+                      </m:r>
+                    </m:oMath>
+                  </m:oMathPara>
+                </a14:m>
+                <a:endParaRPr lang="en-US" sz="1200" b="1" dirty="0">
+                  <a:solidFill>
+                    <a:schemeClr val="tx1"/>
+                  </a:solidFill>
+                </a:endParaRPr>
+              </a:p>
+            </p:txBody>
+          </p:sp>
+        </mc:Choice>
+        <mc:Fallback>
+          <p:sp>
+            <p:nvSpPr>
+              <p:cNvPr id="10" name="TextBox 9">
+                <a:extLst>
+                  <a:ext uri="{FF2B5EF4-FFF2-40B4-BE49-F238E27FC236}">
+                    <a16:creationId xmlns:a16="http://schemas.microsoft.com/office/drawing/2014/main" id="{D5F8E3E5-FD54-F5A8-A173-672CB34EB3CC}"/>
+                  </a:ext>
+                </a:extLst>
+              </p:cNvPr>
+              <p:cNvSpPr txBox="1">
+                <a:spLocks noRot="1" noChangeAspect="1" noMove="1" noResize="1" noEditPoints="1" noAdjustHandles="1" noChangeArrowheads="1" noChangeShapeType="1" noTextEdit="1"/>
+              </p:cNvSpPr>
+              <p:nvPr/>
+            </p:nvSpPr>
+            <p:spPr>
+              <a:xfrm>
+                <a:off x="7408947" y="927853"/>
+                <a:ext cx="267702" cy="369332"/>
+              </a:xfrm>
+              <a:prstGeom prst="rect">
+                <a:avLst/>
+              </a:prstGeom>
+              <a:blipFill>
+                <a:blip r:embed="rId6"/>
+                <a:stretch>
+                  <a:fillRect l="-15909" r="-15909"/>
+                </a:stretch>
+              </a:blipFill>
+            </p:spPr>
+            <p:txBody>
+              <a:bodyPr/>
+              <a:lstStyle/>
+              <a:p>
+                <a:r>
+                  <a:rPr lang="en-US">
+                    <a:noFill/>
+                  </a:rPr>
+                  <a:t> </a:t>
+                </a:r>
+              </a:p>
+            </p:txBody>
+          </p:sp>
+        </mc:Fallback>
+      </mc:AlternateContent>
+      <mc:AlternateContent xmlns:mc="http://schemas.openxmlformats.org/markup-compatibility/2006">
+        <mc:Choice xmlns:a14="http://schemas.microsoft.com/office/drawing/2010/main" Requires="a14">
+          <p:sp>
+            <p:nvSpPr>
+              <p:cNvPr id="17" name="TextBox 16">
+                <a:extLst>
+                  <a:ext uri="{FF2B5EF4-FFF2-40B4-BE49-F238E27FC236}">
+                    <a16:creationId xmlns:a16="http://schemas.microsoft.com/office/drawing/2014/main" id="{9BC2083F-008C-C21C-D1A0-2DB1C088A9D1}"/>
+                  </a:ext>
+                </a:extLst>
+              </p:cNvPr>
+              <p:cNvSpPr txBox="1"/>
+              <p:nvPr/>
+            </p:nvSpPr>
+            <p:spPr>
+              <a:xfrm rot="402564">
+                <a:off x="6611947" y="5502037"/>
+                <a:ext cx="1443216" cy="369332"/>
+              </a:xfrm>
+              <a:prstGeom prst="rect">
+                <a:avLst/>
+              </a:prstGeom>
+              <a:noFill/>
+            </p:spPr>
+            <p:txBody>
+              <a:bodyPr wrap="none" rtlCol="0">
+                <a:spAutoFit/>
+              </a:bodyPr>
+              <a:lstStyle/>
+              <a:p>
+                <a:r>
+                  <a:rPr lang="en-US" dirty="0">
+                    <a:solidFill>
+                      <a:srgbClr val="0070C0"/>
+                    </a:solidFill>
+                    <a:latin typeface="Georgia" panose="02040502050405020303" pitchFamily="18" charset="0"/>
+                  </a:rPr>
+                  <a:t>plane </a:t>
+                </a:r>
+                <a14:m>
+                  <m:oMath xmlns:m="http://schemas.openxmlformats.org/officeDocument/2006/math">
+                    <m:r>
+                      <a:rPr lang="en-US" b="0" i="1" smtClean="0">
+                        <a:solidFill>
+                          <a:srgbClr val="0070C0"/>
+                        </a:solidFill>
+                        <a:latin typeface="Cambria Math" panose="02040503050406030204" pitchFamily="18" charset="0"/>
+                      </a:rPr>
+                      <m:t>𝑧</m:t>
+                    </m:r>
+                    <m:r>
+                      <a:rPr lang="en-US" b="0" i="1" smtClean="0">
+                        <a:solidFill>
+                          <a:srgbClr val="0070C0"/>
+                        </a:solidFill>
+                        <a:latin typeface="Cambria Math" panose="02040503050406030204" pitchFamily="18" charset="0"/>
+                      </a:rPr>
+                      <m:t>=</m:t>
+                    </m:r>
+                    <m:sSub>
+                      <m:sSubPr>
+                        <m:ctrlPr>
+                          <a:rPr lang="en-US" b="0" i="1" smtClean="0">
+                            <a:solidFill>
+                              <a:srgbClr val="0070C0"/>
+                            </a:solidFill>
+                            <a:latin typeface="Cambria Math" panose="02040503050406030204" pitchFamily="18" charset="0"/>
+                          </a:rPr>
+                        </m:ctrlPr>
+                      </m:sSubPr>
+                      <m:e>
+                        <m:r>
+                          <a:rPr lang="en-US" b="0" i="1" smtClean="0">
+                            <a:solidFill>
+                              <a:srgbClr val="0070C0"/>
+                            </a:solidFill>
+                            <a:latin typeface="Cambria Math" panose="02040503050406030204" pitchFamily="18" charset="0"/>
+                          </a:rPr>
+                          <m:t>𝑝</m:t>
+                        </m:r>
+                      </m:e>
+                      <m:sub>
+                        <m:r>
+                          <a:rPr lang="en-US" b="0" i="1" smtClean="0">
+                            <a:solidFill>
+                              <a:srgbClr val="0070C0"/>
+                            </a:solidFill>
+                            <a:latin typeface="Cambria Math" panose="02040503050406030204" pitchFamily="18" charset="0"/>
+                          </a:rPr>
+                          <m:t>𝑧</m:t>
+                        </m:r>
+                      </m:sub>
+                    </m:sSub>
+                  </m:oMath>
+                </a14:m>
+                <a:endParaRPr lang="en-US" dirty="0">
+                  <a:solidFill>
+                    <a:schemeClr val="accent6">
+                      <a:lumMod val="75000"/>
+                    </a:schemeClr>
+                  </a:solidFill>
+                  <a:latin typeface="Georgia" panose="02040502050405020303" pitchFamily="18" charset="0"/>
+                </a:endParaRPr>
+              </a:p>
+            </p:txBody>
+          </p:sp>
+        </mc:Choice>
+        <mc:Fallback>
+          <p:sp>
+            <p:nvSpPr>
+              <p:cNvPr id="17" name="TextBox 16">
+                <a:extLst>
+                  <a:ext uri="{FF2B5EF4-FFF2-40B4-BE49-F238E27FC236}">
+                    <a16:creationId xmlns:a16="http://schemas.microsoft.com/office/drawing/2014/main" id="{9BC2083F-008C-C21C-D1A0-2DB1C088A9D1}"/>
+                  </a:ext>
+                </a:extLst>
+              </p:cNvPr>
+              <p:cNvSpPr txBox="1">
+                <a:spLocks noRot="1" noChangeAspect="1" noMove="1" noResize="1" noEditPoints="1" noAdjustHandles="1" noChangeArrowheads="1" noChangeShapeType="1" noTextEdit="1"/>
+              </p:cNvSpPr>
+              <p:nvPr/>
+            </p:nvSpPr>
+            <p:spPr>
+              <a:xfrm rot="402564">
+                <a:off x="6611947" y="5502037"/>
+                <a:ext cx="1443216" cy="369332"/>
+              </a:xfrm>
+              <a:prstGeom prst="rect">
+                <a:avLst/>
+              </a:prstGeom>
+              <a:blipFill>
+                <a:blip r:embed="rId7"/>
+                <a:stretch>
+                  <a:fillRect l="-3689" t="-5618" b="-4494"/>
+                </a:stretch>
+              </a:blipFill>
+            </p:spPr>
+            <p:txBody>
+              <a:bodyPr/>
+              <a:lstStyle/>
+              <a:p>
+                <a:r>
+                  <a:rPr lang="en-US">
+                    <a:noFill/>
+                  </a:rPr>
+                  <a:t> </a:t>
+                </a:r>
+              </a:p>
+            </p:txBody>
+          </p:sp>
+        </mc:Fallback>
+      </mc:AlternateContent>
+    </p:spTree>
+    <p:extLst>
+      <p:ext uri="{BB962C8B-B14F-4D97-AF65-F5344CB8AC3E}">
+        <p14:creationId xmlns:p14="http://schemas.microsoft.com/office/powerpoint/2010/main" val="401767173"/>
       </p:ext>
     </p:extLst>
   </p:cSld>

--- a/chapter-06/diagram.pptx
+++ b/chapter-06/diagram.pptx
@@ -264,7 +264,7 @@
           <a:p>
             <a:fld id="{B5F83089-3D20-4571-AA23-523345485B56}" type="datetimeFigureOut">
               <a:rPr lang="en-US" smtClean="0"/>
-              <a:t>7/30/2023</a:t>
+              <a:t>8/5/2023</a:t>
             </a:fld>
             <a:endParaRPr lang="en-US"/>
           </a:p>
@@ -462,7 +462,7 @@
           <a:p>
             <a:fld id="{B5F83089-3D20-4571-AA23-523345485B56}" type="datetimeFigureOut">
               <a:rPr lang="en-US" smtClean="0"/>
-              <a:t>7/30/2023</a:t>
+              <a:t>8/5/2023</a:t>
             </a:fld>
             <a:endParaRPr lang="en-US"/>
           </a:p>
@@ -670,7 +670,7 @@
           <a:p>
             <a:fld id="{B5F83089-3D20-4571-AA23-523345485B56}" type="datetimeFigureOut">
               <a:rPr lang="en-US" smtClean="0"/>
-              <a:t>7/30/2023</a:t>
+              <a:t>8/5/2023</a:t>
             </a:fld>
             <a:endParaRPr lang="en-US"/>
           </a:p>
@@ -868,7 +868,7 @@
           <a:p>
             <a:fld id="{B5F83089-3D20-4571-AA23-523345485B56}" type="datetimeFigureOut">
               <a:rPr lang="en-US" smtClean="0"/>
-              <a:t>7/30/2023</a:t>
+              <a:t>8/5/2023</a:t>
             </a:fld>
             <a:endParaRPr lang="en-US"/>
           </a:p>
@@ -1143,7 +1143,7 @@
           <a:p>
             <a:fld id="{B5F83089-3D20-4571-AA23-523345485B56}" type="datetimeFigureOut">
               <a:rPr lang="en-US" smtClean="0"/>
-              <a:t>7/30/2023</a:t>
+              <a:t>8/5/2023</a:t>
             </a:fld>
             <a:endParaRPr lang="en-US"/>
           </a:p>
@@ -1408,7 +1408,7 @@
           <a:p>
             <a:fld id="{B5F83089-3D20-4571-AA23-523345485B56}" type="datetimeFigureOut">
               <a:rPr lang="en-US" smtClean="0"/>
-              <a:t>7/30/2023</a:t>
+              <a:t>8/5/2023</a:t>
             </a:fld>
             <a:endParaRPr lang="en-US"/>
           </a:p>
@@ -1820,7 +1820,7 @@
           <a:p>
             <a:fld id="{B5F83089-3D20-4571-AA23-523345485B56}" type="datetimeFigureOut">
               <a:rPr lang="en-US" smtClean="0"/>
-              <a:t>7/30/2023</a:t>
+              <a:t>8/5/2023</a:t>
             </a:fld>
             <a:endParaRPr lang="en-US"/>
           </a:p>
@@ -1961,7 +1961,7 @@
           <a:p>
             <a:fld id="{B5F83089-3D20-4571-AA23-523345485B56}" type="datetimeFigureOut">
               <a:rPr lang="en-US" smtClean="0"/>
-              <a:t>7/30/2023</a:t>
+              <a:t>8/5/2023</a:t>
             </a:fld>
             <a:endParaRPr lang="en-US"/>
           </a:p>
@@ -2074,7 +2074,7 @@
           <a:p>
             <a:fld id="{B5F83089-3D20-4571-AA23-523345485B56}" type="datetimeFigureOut">
               <a:rPr lang="en-US" smtClean="0"/>
-              <a:t>7/30/2023</a:t>
+              <a:t>8/5/2023</a:t>
             </a:fld>
             <a:endParaRPr lang="en-US"/>
           </a:p>
@@ -2385,7 +2385,7 @@
           <a:p>
             <a:fld id="{B5F83089-3D20-4571-AA23-523345485B56}" type="datetimeFigureOut">
               <a:rPr lang="en-US" smtClean="0"/>
-              <a:t>7/30/2023</a:t>
+              <a:t>8/5/2023</a:t>
             </a:fld>
             <a:endParaRPr lang="en-US"/>
           </a:p>
@@ -2673,7 +2673,7 @@
           <a:p>
             <a:fld id="{B5F83089-3D20-4571-AA23-523345485B56}" type="datetimeFigureOut">
               <a:rPr lang="en-US" smtClean="0"/>
-              <a:t>7/30/2023</a:t>
+              <a:t>8/5/2023</a:t>
             </a:fld>
             <a:endParaRPr lang="en-US"/>
           </a:p>
@@ -2914,7 +2914,7 @@
           <a:p>
             <a:fld id="{B5F83089-3D20-4571-AA23-523345485B56}" type="datetimeFigureOut">
               <a:rPr lang="en-US" smtClean="0"/>
-              <a:t>7/30/2023</a:t>
+              <a:t>8/5/2023</a:t>
             </a:fld>
             <a:endParaRPr lang="en-US"/>
           </a:p>
@@ -8407,8 +8407,8 @@
           </a:prstGeom>
         </p:spPr>
       </p:pic>
-      <mc:AlternateContent xmlns:mc="http://schemas.openxmlformats.org/markup-compatibility/2006">
-        <mc:Choice xmlns:a14="http://schemas.microsoft.com/office/drawing/2010/main" Requires="a14">
+      <mc:AlternateContent xmlns:mc="http://schemas.openxmlformats.org/markup-compatibility/2006" xmlns:a14="http://schemas.microsoft.com/office/drawing/2010/main">
+        <mc:Choice Requires="a14">
           <p:sp>
             <p:nvSpPr>
               <p:cNvPr id="5" name="TextBox 4">
@@ -8437,6 +8437,7 @@
               </a:bodyPr>
               <a:lstStyle/>
               <a:p>
+                <a:pPr/>
                 <a14:m>
                   <m:oMathPara xmlns:m="http://schemas.openxmlformats.org/officeDocument/2006/math">
                     <m:oMathParaPr>
@@ -8460,7 +8461,7 @@
             </p:txBody>
           </p:sp>
         </mc:Choice>
-        <mc:Fallback>
+        <mc:Fallback xmlns="">
           <p:sp>
             <p:nvSpPr>
               <p:cNvPr id="5" name="TextBox 4">
@@ -8505,8 +8506,8 @@
           </p:sp>
         </mc:Fallback>
       </mc:AlternateContent>
-      <mc:AlternateContent xmlns:mc="http://schemas.openxmlformats.org/markup-compatibility/2006">
-        <mc:Choice xmlns:a14="http://schemas.microsoft.com/office/drawing/2010/main" Requires="a14">
+      <mc:AlternateContent xmlns:mc="http://schemas.openxmlformats.org/markup-compatibility/2006" xmlns:a14="http://schemas.microsoft.com/office/drawing/2010/main">
+        <mc:Choice Requires="a14">
           <p:sp>
             <p:nvSpPr>
               <p:cNvPr id="6" name="TextBox 5">
@@ -8535,6 +8536,7 @@
               </a:bodyPr>
               <a:lstStyle/>
               <a:p>
+                <a:pPr/>
                 <a14:m>
                   <m:oMathPara xmlns:m="http://schemas.openxmlformats.org/officeDocument/2006/math">
                     <m:oMathParaPr>
@@ -8558,7 +8560,7 @@
             </p:txBody>
           </p:sp>
         </mc:Choice>
-        <mc:Fallback>
+        <mc:Fallback xmlns="">
           <p:sp>
             <p:nvSpPr>
               <p:cNvPr id="6" name="TextBox 5">
@@ -8603,8 +8605,8 @@
           </p:sp>
         </mc:Fallback>
       </mc:AlternateContent>
-      <mc:AlternateContent xmlns:mc="http://schemas.openxmlformats.org/markup-compatibility/2006">
-        <mc:Choice xmlns:a14="http://schemas.microsoft.com/office/drawing/2010/main" Requires="a14">
+      <mc:AlternateContent xmlns:mc="http://schemas.openxmlformats.org/markup-compatibility/2006" xmlns:a14="http://schemas.microsoft.com/office/drawing/2010/main">
+        <mc:Choice Requires="a14">
           <p:sp>
             <p:nvSpPr>
               <p:cNvPr id="7" name="TextBox 6">
@@ -8633,6 +8635,7 @@
               </a:bodyPr>
               <a:lstStyle/>
               <a:p>
+                <a:pPr/>
                 <a14:m>
                   <m:oMathPara xmlns:m="http://schemas.openxmlformats.org/officeDocument/2006/math">
                     <m:oMathParaPr>
@@ -8660,7 +8663,7 @@
             </p:txBody>
           </p:sp>
         </mc:Choice>
-        <mc:Fallback>
+        <mc:Fallback xmlns="">
           <p:sp>
             <p:nvSpPr>
               <p:cNvPr id="7" name="TextBox 6">
@@ -8765,8 +8768,8 @@
           </a:prstGeom>
         </p:spPr>
       </p:pic>
-      <mc:AlternateContent xmlns:mc="http://schemas.openxmlformats.org/markup-compatibility/2006">
-        <mc:Choice xmlns:a14="http://schemas.microsoft.com/office/drawing/2010/main" Requires="a14">
+      <mc:AlternateContent xmlns:mc="http://schemas.openxmlformats.org/markup-compatibility/2006" xmlns:a14="http://schemas.microsoft.com/office/drawing/2010/main">
+        <mc:Choice Requires="a14">
           <p:sp>
             <p:nvSpPr>
               <p:cNvPr id="4" name="TextBox 3">
@@ -8795,6 +8798,7 @@
               </a:bodyPr>
               <a:lstStyle/>
               <a:p>
+                <a:pPr/>
                 <a14:m>
                   <m:oMathPara xmlns:m="http://schemas.openxmlformats.org/officeDocument/2006/math">
                     <m:oMathParaPr>
@@ -8822,7 +8826,7 @@
             </p:txBody>
           </p:sp>
         </mc:Choice>
-        <mc:Fallback>
+        <mc:Fallback xmlns="">
           <p:sp>
             <p:nvSpPr>
               <p:cNvPr id="4" name="TextBox 3">
@@ -8867,8 +8871,8 @@
           </p:sp>
         </mc:Fallback>
       </mc:AlternateContent>
-      <mc:AlternateContent xmlns:mc="http://schemas.openxmlformats.org/markup-compatibility/2006">
-        <mc:Choice xmlns:a14="http://schemas.microsoft.com/office/drawing/2010/main" Requires="a14">
+      <mc:AlternateContent xmlns:mc="http://schemas.openxmlformats.org/markup-compatibility/2006" xmlns:a14="http://schemas.microsoft.com/office/drawing/2010/main">
+        <mc:Choice Requires="a14">
           <p:sp>
             <p:nvSpPr>
               <p:cNvPr id="5" name="TextBox 4">
@@ -8897,6 +8901,7 @@
               </a:bodyPr>
               <a:lstStyle/>
               <a:p>
+                <a:pPr/>
                 <a14:m>
                   <m:oMathPara xmlns:m="http://schemas.openxmlformats.org/officeDocument/2006/math">
                     <m:oMathParaPr>
@@ -8924,7 +8929,7 @@
             </p:txBody>
           </p:sp>
         </mc:Choice>
-        <mc:Fallback>
+        <mc:Fallback xmlns="">
           <p:sp>
             <p:nvSpPr>
               <p:cNvPr id="5" name="TextBox 4">
@@ -8969,8 +8974,8 @@
           </p:sp>
         </mc:Fallback>
       </mc:AlternateContent>
-      <mc:AlternateContent xmlns:mc="http://schemas.openxmlformats.org/markup-compatibility/2006">
-        <mc:Choice xmlns:a14="http://schemas.microsoft.com/office/drawing/2010/main" Requires="a14">
+      <mc:AlternateContent xmlns:mc="http://schemas.openxmlformats.org/markup-compatibility/2006" xmlns:a14="http://schemas.microsoft.com/office/drawing/2010/main">
+        <mc:Choice Requires="a14">
           <p:sp>
             <p:nvSpPr>
               <p:cNvPr id="6" name="TextBox 5">
@@ -8999,6 +9004,7 @@
               </a:bodyPr>
               <a:lstStyle/>
               <a:p>
+                <a:pPr/>
                 <a14:m>
                   <m:oMathPara xmlns:m="http://schemas.openxmlformats.org/officeDocument/2006/math">
                     <m:oMathParaPr>
@@ -9041,7 +9047,7 @@
             </p:txBody>
           </p:sp>
         </mc:Choice>
-        <mc:Fallback>
+        <mc:Fallback xmlns="">
           <p:sp>
             <p:nvSpPr>
               <p:cNvPr id="6" name="TextBox 5">
@@ -9128,8 +9134,8 @@
           </a:p>
         </p:txBody>
       </p:sp>
-      <mc:AlternateContent xmlns:mc="http://schemas.openxmlformats.org/markup-compatibility/2006">
-        <mc:Choice xmlns:a14="http://schemas.microsoft.com/office/drawing/2010/main" Requires="a14">
+      <mc:AlternateContent xmlns:mc="http://schemas.openxmlformats.org/markup-compatibility/2006" xmlns:a14="http://schemas.microsoft.com/office/drawing/2010/main">
+        <mc:Choice Requires="a14">
           <p:sp>
             <p:nvSpPr>
               <p:cNvPr id="10" name="TextBox 9">
@@ -9158,6 +9164,7 @@
               </a:bodyPr>
               <a:lstStyle/>
               <a:p>
+                <a:pPr/>
                 <a14:m>
                   <m:oMathPara xmlns:m="http://schemas.openxmlformats.org/officeDocument/2006/math">
                     <m:oMathParaPr>
@@ -9185,7 +9192,7 @@
             </p:txBody>
           </p:sp>
         </mc:Choice>
-        <mc:Fallback>
+        <mc:Fallback xmlns="">
           <p:sp>
             <p:nvSpPr>
               <p:cNvPr id="10" name="TextBox 9">
@@ -9230,8 +9237,8 @@
           </p:sp>
         </mc:Fallback>
       </mc:AlternateContent>
-      <mc:AlternateContent xmlns:mc="http://schemas.openxmlformats.org/markup-compatibility/2006">
-        <mc:Choice xmlns:a14="http://schemas.microsoft.com/office/drawing/2010/main" Requires="a14">
+      <mc:AlternateContent xmlns:mc="http://schemas.openxmlformats.org/markup-compatibility/2006" xmlns:a14="http://schemas.microsoft.com/office/drawing/2010/main">
+        <mc:Choice Requires="a14">
           <p:sp>
             <p:nvSpPr>
               <p:cNvPr id="17" name="TextBox 16">
@@ -9337,7 +9344,7 @@
             </p:txBody>
           </p:sp>
         </mc:Choice>
-        <mc:Fallback>
+        <mc:Fallback xmlns="">
           <p:sp>
             <p:nvSpPr>
               <p:cNvPr id="17" name="TextBox 16">

--- a/chapter-06/diagram.pptx
+++ b/chapter-06/diagram.pptx
@@ -11,6 +11,7 @@
     <p:sldId id="268" r:id="rId5"/>
     <p:sldId id="269" r:id="rId6"/>
     <p:sldId id="270" r:id="rId7"/>
+    <p:sldId id="271" r:id="rId8"/>
   </p:sldIdLst>
   <p:sldSz cx="12192000" cy="6858000"/>
   <p:notesSz cx="6858000" cy="9144000"/>
@@ -9402,6 +9403,664 @@
 </p:sld>
 </file>
 
+<file path=ppt/slides/slide7.xml><?xml version="1.0" encoding="utf-8"?>
+<p:sld xmlns:a="http://schemas.openxmlformats.org/drawingml/2006/main" xmlns:r="http://schemas.openxmlformats.org/officeDocument/2006/relationships" xmlns:p="http://schemas.openxmlformats.org/presentationml/2006/main">
+  <p:cSld>
+    <p:spTree>
+      <p:nvGrpSpPr>
+        <p:cNvPr id="1" name=""/>
+        <p:cNvGrpSpPr/>
+        <p:nvPr/>
+      </p:nvGrpSpPr>
+      <p:grpSpPr>
+        <a:xfrm>
+          <a:off x="0" y="0"/>
+          <a:ext cx="0" cy="0"/>
+          <a:chOff x="0" y="0"/>
+          <a:chExt cx="0" cy="0"/>
+        </a:xfrm>
+      </p:grpSpPr>
+      <p:pic>
+        <p:nvPicPr>
+          <p:cNvPr id="6" name="Picture 5">
+            <a:extLst>
+              <a:ext uri="{FF2B5EF4-FFF2-40B4-BE49-F238E27FC236}">
+                <a16:creationId xmlns:a16="http://schemas.microsoft.com/office/drawing/2014/main" id="{18287E98-80C6-EA68-ECD4-358045B4F217}"/>
+              </a:ext>
+            </a:extLst>
+          </p:cNvPr>
+          <p:cNvPicPr>
+            <a:picLocks noChangeAspect="1"/>
+          </p:cNvPicPr>
+          <p:nvPr/>
+        </p:nvPicPr>
+        <p:blipFill>
+          <a:blip r:embed="rId2"/>
+          <a:stretch>
+            <a:fillRect/>
+          </a:stretch>
+        </p:blipFill>
+        <p:spPr>
+          <a:xfrm>
+            <a:off x="2667000" y="0"/>
+            <a:ext cx="6858000" cy="6858000"/>
+          </a:xfrm>
+          <a:prstGeom prst="rect">
+            <a:avLst/>
+          </a:prstGeom>
+        </p:spPr>
+      </p:pic>
+      <p:sp>
+        <p:nvSpPr>
+          <p:cNvPr id="7" name="TextBox 6">
+            <a:extLst>
+              <a:ext uri="{FF2B5EF4-FFF2-40B4-BE49-F238E27FC236}">
+                <a16:creationId xmlns:a16="http://schemas.microsoft.com/office/drawing/2014/main" id="{BC236C61-E86C-FE94-C3A2-6296A61BC16E}"/>
+              </a:ext>
+            </a:extLst>
+          </p:cNvPr>
+          <p:cNvSpPr txBox="1"/>
+          <p:nvPr/>
+        </p:nvSpPr>
+        <p:spPr>
+          <a:xfrm rot="20092922">
+            <a:off x="7081486" y="291639"/>
+            <a:ext cx="1396355" cy="369332"/>
+          </a:xfrm>
+          <a:prstGeom prst="rect">
+            <a:avLst/>
+          </a:prstGeom>
+          <a:noFill/>
+        </p:spPr>
+        <p:txBody>
+          <a:bodyPr wrap="square" rtlCol="0">
+            <a:spAutoFit/>
+          </a:bodyPr>
+          <a:lstStyle/>
+          <a:p>
+            <a:r>
+              <a:rPr lang="en-US" dirty="0">
+                <a:solidFill>
+                  <a:schemeClr val="accent6">
+                    <a:lumMod val="75000"/>
+                  </a:schemeClr>
+                </a:solidFill>
+                <a:latin typeface="Georgia" panose="02040502050405020303" pitchFamily="18" charset="0"/>
+              </a:rPr>
+              <a:t>tangent line</a:t>
+            </a:r>
+          </a:p>
+        </p:txBody>
+      </p:sp>
+      <mc:AlternateContent xmlns:mc="http://schemas.openxmlformats.org/markup-compatibility/2006">
+        <mc:Choice xmlns:a14="http://schemas.microsoft.com/office/drawing/2010/main" Requires="a14">
+          <p:sp>
+            <p:nvSpPr>
+              <p:cNvPr id="8" name="TextBox 7">
+                <a:extLst>
+                  <a:ext uri="{FF2B5EF4-FFF2-40B4-BE49-F238E27FC236}">
+                    <a16:creationId xmlns:a16="http://schemas.microsoft.com/office/drawing/2014/main" id="{742EF9C8-7472-D29A-5BD0-3740C0E6408E}"/>
+                  </a:ext>
+                </a:extLst>
+              </p:cNvPr>
+              <p:cNvSpPr txBox="1"/>
+              <p:nvPr/>
+            </p:nvSpPr>
+            <p:spPr>
+              <a:xfrm>
+                <a:off x="6096000" y="3429000"/>
+                <a:ext cx="284822" cy="369332"/>
+              </a:xfrm>
+              <a:prstGeom prst="rect">
+                <a:avLst/>
+              </a:prstGeom>
+              <a:noFill/>
+            </p:spPr>
+            <p:txBody>
+              <a:bodyPr wrap="none" lIns="0" tIns="0" rIns="0" bIns="0" rtlCol="0">
+                <a:spAutoFit/>
+              </a:bodyPr>
+              <a:lstStyle/>
+              <a:p>
+                <a:pPr/>
+                <a14:m>
+                  <m:oMathPara xmlns:m="http://schemas.openxmlformats.org/officeDocument/2006/math">
+                    <m:oMathParaPr>
+                      <m:jc m:val="centerGroup"/>
+                    </m:oMathParaPr>
+                    <m:oMath xmlns:m="http://schemas.openxmlformats.org/officeDocument/2006/math">
+                      <m:r>
+                        <a:rPr lang="en-US" sz="2400" b="0" i="1" smtClean="0">
+                          <a:solidFill>
+                            <a:schemeClr val="tx1"/>
+                          </a:solidFill>
+                          <a:latin typeface="Cambria Math" panose="02040503050406030204" pitchFamily="18" charset="0"/>
+                        </a:rPr>
+                        <m:t>𝑂</m:t>
+                      </m:r>
+                    </m:oMath>
+                  </m:oMathPara>
+                </a14:m>
+                <a:endParaRPr lang="en-US" dirty="0">
+                  <a:solidFill>
+                    <a:schemeClr val="tx1"/>
+                  </a:solidFill>
+                </a:endParaRPr>
+              </a:p>
+            </p:txBody>
+          </p:sp>
+        </mc:Choice>
+        <mc:Fallback>
+          <p:sp>
+            <p:nvSpPr>
+              <p:cNvPr id="8" name="TextBox 7">
+                <a:extLst>
+                  <a:ext uri="{FF2B5EF4-FFF2-40B4-BE49-F238E27FC236}">
+                    <a16:creationId xmlns:a16="http://schemas.microsoft.com/office/drawing/2014/main" id="{742EF9C8-7472-D29A-5BD0-3740C0E6408E}"/>
+                  </a:ext>
+                </a:extLst>
+              </p:cNvPr>
+              <p:cNvSpPr txBox="1">
+                <a:spLocks noRot="1" noChangeAspect="1" noMove="1" noResize="1" noEditPoints="1" noAdjustHandles="1" noChangeArrowheads="1" noChangeShapeType="1" noTextEdit="1"/>
+              </p:cNvSpPr>
+              <p:nvPr/>
+            </p:nvSpPr>
+            <p:spPr>
+              <a:xfrm>
+                <a:off x="6096000" y="3429000"/>
+                <a:ext cx="284822" cy="369332"/>
+              </a:xfrm>
+              <a:prstGeom prst="rect">
+                <a:avLst/>
+              </a:prstGeom>
+              <a:blipFill>
+                <a:blip r:embed="rId3"/>
+                <a:stretch>
+                  <a:fillRect l="-23404" r="-21277" b="-6667"/>
+                </a:stretch>
+              </a:blipFill>
+            </p:spPr>
+            <p:txBody>
+              <a:bodyPr/>
+              <a:lstStyle/>
+              <a:p>
+                <a:r>
+                  <a:rPr lang="en-US">
+                    <a:noFill/>
+                  </a:rPr>
+                  <a:t> </a:t>
+                </a:r>
+              </a:p>
+            </p:txBody>
+          </p:sp>
+        </mc:Fallback>
+      </mc:AlternateContent>
+      <mc:AlternateContent xmlns:mc="http://schemas.openxmlformats.org/markup-compatibility/2006">
+        <mc:Choice xmlns:a14="http://schemas.microsoft.com/office/drawing/2010/main" Requires="a14">
+          <p:sp>
+            <p:nvSpPr>
+              <p:cNvPr id="9" name="TextBox 8">
+                <a:extLst>
+                  <a:ext uri="{FF2B5EF4-FFF2-40B4-BE49-F238E27FC236}">
+                    <a16:creationId xmlns:a16="http://schemas.microsoft.com/office/drawing/2014/main" id="{3DF6AA2D-0341-4D54-8FFB-C531904DBE87}"/>
+                  </a:ext>
+                </a:extLst>
+              </p:cNvPr>
+              <p:cNvSpPr txBox="1"/>
+              <p:nvPr/>
+            </p:nvSpPr>
+            <p:spPr>
+              <a:xfrm>
+                <a:off x="4956250" y="1044709"/>
+                <a:ext cx="267189" cy="369332"/>
+              </a:xfrm>
+              <a:prstGeom prst="rect">
+                <a:avLst/>
+              </a:prstGeom>
+              <a:noFill/>
+            </p:spPr>
+            <p:txBody>
+              <a:bodyPr wrap="none" lIns="0" tIns="0" rIns="0" bIns="0" rtlCol="0">
+                <a:spAutoFit/>
+              </a:bodyPr>
+              <a:lstStyle/>
+              <a:p>
+                <a:pPr/>
+                <a14:m>
+                  <m:oMathPara xmlns:m="http://schemas.openxmlformats.org/officeDocument/2006/math">
+                    <m:oMathParaPr>
+                      <m:jc m:val="centerGroup"/>
+                    </m:oMathParaPr>
+                    <m:oMath xmlns:m="http://schemas.openxmlformats.org/officeDocument/2006/math">
+                      <m:r>
+                        <a:rPr lang="en-US" sz="2400" b="0" i="1" smtClean="0">
+                          <a:solidFill>
+                            <a:schemeClr val="tx1"/>
+                          </a:solidFill>
+                          <a:latin typeface="Cambria Math" panose="02040503050406030204" pitchFamily="18" charset="0"/>
+                        </a:rPr>
+                        <m:t>𝑃</m:t>
+                      </m:r>
+                    </m:oMath>
+                  </m:oMathPara>
+                </a14:m>
+                <a:endParaRPr lang="en-US" sz="1200" dirty="0">
+                  <a:solidFill>
+                    <a:schemeClr val="tx1"/>
+                  </a:solidFill>
+                </a:endParaRPr>
+              </a:p>
+            </p:txBody>
+          </p:sp>
+        </mc:Choice>
+        <mc:Fallback>
+          <p:sp>
+            <p:nvSpPr>
+              <p:cNvPr id="9" name="TextBox 8">
+                <a:extLst>
+                  <a:ext uri="{FF2B5EF4-FFF2-40B4-BE49-F238E27FC236}">
+                    <a16:creationId xmlns:a16="http://schemas.microsoft.com/office/drawing/2014/main" id="{3DF6AA2D-0341-4D54-8FFB-C531904DBE87}"/>
+                  </a:ext>
+                </a:extLst>
+              </p:cNvPr>
+              <p:cNvSpPr txBox="1">
+                <a:spLocks noRot="1" noChangeAspect="1" noMove="1" noResize="1" noEditPoints="1" noAdjustHandles="1" noChangeArrowheads="1" noChangeShapeType="1" noTextEdit="1"/>
+              </p:cNvSpPr>
+              <p:nvPr/>
+            </p:nvSpPr>
+            <p:spPr>
+              <a:xfrm>
+                <a:off x="4956250" y="1044709"/>
+                <a:ext cx="267189" cy="369332"/>
+              </a:xfrm>
+              <a:prstGeom prst="rect">
+                <a:avLst/>
+              </a:prstGeom>
+              <a:blipFill>
+                <a:blip r:embed="rId4"/>
+                <a:stretch>
+                  <a:fillRect l="-25000" r="-25000" b="-6557"/>
+                </a:stretch>
+              </a:blipFill>
+            </p:spPr>
+            <p:txBody>
+              <a:bodyPr/>
+              <a:lstStyle/>
+              <a:p>
+                <a:r>
+                  <a:rPr lang="en-US">
+                    <a:noFill/>
+                  </a:rPr>
+                  <a:t> </a:t>
+                </a:r>
+              </a:p>
+            </p:txBody>
+          </p:sp>
+        </mc:Fallback>
+      </mc:AlternateContent>
+      <mc:AlternateContent xmlns:mc="http://schemas.openxmlformats.org/markup-compatibility/2006">
+        <mc:Choice xmlns:a14="http://schemas.microsoft.com/office/drawing/2010/main" Requires="a14">
+          <p:sp>
+            <p:nvSpPr>
+              <p:cNvPr id="10" name="TextBox 9">
+                <a:extLst>
+                  <a:ext uri="{FF2B5EF4-FFF2-40B4-BE49-F238E27FC236}">
+                    <a16:creationId xmlns:a16="http://schemas.microsoft.com/office/drawing/2014/main" id="{FFE96A8A-D210-B4C3-5CA2-FEC0270F5BFA}"/>
+                  </a:ext>
+                </a:extLst>
+              </p:cNvPr>
+              <p:cNvSpPr txBox="1"/>
+              <p:nvPr/>
+            </p:nvSpPr>
+            <p:spPr>
+              <a:xfrm>
+                <a:off x="5528666" y="2146673"/>
+                <a:ext cx="475579" cy="370101"/>
+              </a:xfrm>
+              <a:prstGeom prst="rect">
+                <a:avLst/>
+              </a:prstGeom>
+              <a:noFill/>
+            </p:spPr>
+            <p:txBody>
+              <a:bodyPr wrap="none" lIns="0" tIns="0" rIns="0" bIns="0" rtlCol="0">
+                <a:spAutoFit/>
+              </a:bodyPr>
+              <a:lstStyle/>
+              <a:p>
+                <a:pPr/>
+                <a14:m>
+                  <m:oMathPara xmlns:m="http://schemas.openxmlformats.org/officeDocument/2006/math">
+                    <m:oMathParaPr>
+                      <m:jc m:val="centerGroup"/>
+                    </m:oMathParaPr>
+                    <m:oMath xmlns:m="http://schemas.openxmlformats.org/officeDocument/2006/math">
+                      <m:acc>
+                        <m:accPr>
+                          <m:chr m:val="̅"/>
+                          <m:ctrlPr>
+                            <a:rPr lang="en-US" sz="2400" b="0" i="1" smtClean="0">
+                              <a:solidFill>
+                                <a:srgbClr val="FF0000"/>
+                              </a:solidFill>
+                              <a:latin typeface="Cambria Math" panose="02040503050406030204" pitchFamily="18" charset="0"/>
+                            </a:rPr>
+                          </m:ctrlPr>
+                        </m:accPr>
+                        <m:e>
+                          <m:r>
+                            <a:rPr lang="en-US" sz="2400" b="0" i="1" smtClean="0">
+                              <a:solidFill>
+                                <a:srgbClr val="FF0000"/>
+                              </a:solidFill>
+                              <a:latin typeface="Cambria Math" panose="02040503050406030204" pitchFamily="18" charset="0"/>
+                            </a:rPr>
+                            <m:t>𝑂𝑃</m:t>
+                          </m:r>
+                        </m:e>
+                      </m:acc>
+                    </m:oMath>
+                  </m:oMathPara>
+                </a14:m>
+                <a:endParaRPr lang="en-US" dirty="0">
+                  <a:solidFill>
+                    <a:srgbClr val="FF0000"/>
+                  </a:solidFill>
+                </a:endParaRPr>
+              </a:p>
+            </p:txBody>
+          </p:sp>
+        </mc:Choice>
+        <mc:Fallback>
+          <p:sp>
+            <p:nvSpPr>
+              <p:cNvPr id="10" name="TextBox 9">
+                <a:extLst>
+                  <a:ext uri="{FF2B5EF4-FFF2-40B4-BE49-F238E27FC236}">
+                    <a16:creationId xmlns:a16="http://schemas.microsoft.com/office/drawing/2014/main" id="{FFE96A8A-D210-B4C3-5CA2-FEC0270F5BFA}"/>
+                  </a:ext>
+                </a:extLst>
+              </p:cNvPr>
+              <p:cNvSpPr txBox="1">
+                <a:spLocks noRot="1" noChangeAspect="1" noMove="1" noResize="1" noEditPoints="1" noAdjustHandles="1" noChangeArrowheads="1" noChangeShapeType="1" noTextEdit="1"/>
+              </p:cNvSpPr>
+              <p:nvPr/>
+            </p:nvSpPr>
+            <p:spPr>
+              <a:xfrm>
+                <a:off x="5528666" y="2146673"/>
+                <a:ext cx="475579" cy="370101"/>
+              </a:xfrm>
+              <a:prstGeom prst="rect">
+                <a:avLst/>
+              </a:prstGeom>
+              <a:blipFill>
+                <a:blip r:embed="rId5"/>
+                <a:stretch>
+                  <a:fillRect l="-15385" r="-12821" b="-6557"/>
+                </a:stretch>
+              </a:blipFill>
+            </p:spPr>
+            <p:txBody>
+              <a:bodyPr/>
+              <a:lstStyle/>
+              <a:p>
+                <a:r>
+                  <a:rPr lang="en-US">
+                    <a:noFill/>
+                  </a:rPr>
+                  <a:t> </a:t>
+                </a:r>
+              </a:p>
+            </p:txBody>
+          </p:sp>
+        </mc:Fallback>
+      </mc:AlternateContent>
+      <mc:AlternateContent xmlns:mc="http://schemas.openxmlformats.org/markup-compatibility/2006">
+        <mc:Choice xmlns:a14="http://schemas.microsoft.com/office/drawing/2010/main" Requires="a14">
+          <p:sp>
+            <p:nvSpPr>
+              <p:cNvPr id="11" name="TextBox 10">
+                <a:extLst>
+                  <a:ext uri="{FF2B5EF4-FFF2-40B4-BE49-F238E27FC236}">
+                    <a16:creationId xmlns:a16="http://schemas.microsoft.com/office/drawing/2014/main" id="{27C9EAFF-9956-7B59-F765-E7665F2FDEAC}"/>
+                  </a:ext>
+                </a:extLst>
+              </p:cNvPr>
+              <p:cNvSpPr txBox="1"/>
+              <p:nvPr/>
+            </p:nvSpPr>
+            <p:spPr>
+              <a:xfrm>
+                <a:off x="4271464" y="106974"/>
+                <a:ext cx="267702" cy="369332"/>
+              </a:xfrm>
+              <a:prstGeom prst="rect">
+                <a:avLst/>
+              </a:prstGeom>
+              <a:noFill/>
+            </p:spPr>
+            <p:txBody>
+              <a:bodyPr wrap="none" lIns="0" tIns="0" rIns="0" bIns="0" rtlCol="0">
+                <a:spAutoFit/>
+              </a:bodyPr>
+              <a:lstStyle/>
+              <a:p>
+                <a:pPr/>
+                <a14:m>
+                  <m:oMathPara xmlns:m="http://schemas.openxmlformats.org/officeDocument/2006/math">
+                    <m:oMathParaPr>
+                      <m:jc m:val="centerGroup"/>
+                    </m:oMathParaPr>
+                    <m:oMath xmlns:m="http://schemas.openxmlformats.org/officeDocument/2006/math">
+                      <m:r>
+                        <a:rPr lang="en-US" sz="2400" b="1" i="1" smtClean="0">
+                          <a:solidFill>
+                            <a:schemeClr val="tx1"/>
+                          </a:solidFill>
+                          <a:latin typeface="Cambria Math" panose="02040503050406030204" pitchFamily="18" charset="0"/>
+                        </a:rPr>
+                        <m:t>𝒏</m:t>
+                      </m:r>
+                    </m:oMath>
+                  </m:oMathPara>
+                </a14:m>
+                <a:endParaRPr lang="en-US" sz="1200" b="1" dirty="0">
+                  <a:solidFill>
+                    <a:schemeClr val="tx1"/>
+                  </a:solidFill>
+                </a:endParaRPr>
+              </a:p>
+            </p:txBody>
+          </p:sp>
+        </mc:Choice>
+        <mc:Fallback>
+          <p:sp>
+            <p:nvSpPr>
+              <p:cNvPr id="11" name="TextBox 10">
+                <a:extLst>
+                  <a:ext uri="{FF2B5EF4-FFF2-40B4-BE49-F238E27FC236}">
+                    <a16:creationId xmlns:a16="http://schemas.microsoft.com/office/drawing/2014/main" id="{27C9EAFF-9956-7B59-F765-E7665F2FDEAC}"/>
+                  </a:ext>
+                </a:extLst>
+              </p:cNvPr>
+              <p:cNvSpPr txBox="1">
+                <a:spLocks noRot="1" noChangeAspect="1" noMove="1" noResize="1" noEditPoints="1" noAdjustHandles="1" noChangeArrowheads="1" noChangeShapeType="1" noTextEdit="1"/>
+              </p:cNvSpPr>
+              <p:nvPr/>
+            </p:nvSpPr>
+            <p:spPr>
+              <a:xfrm>
+                <a:off x="4271464" y="106974"/>
+                <a:ext cx="267702" cy="369332"/>
+              </a:xfrm>
+              <a:prstGeom prst="rect">
+                <a:avLst/>
+              </a:prstGeom>
+              <a:blipFill>
+                <a:blip r:embed="rId6"/>
+                <a:stretch>
+                  <a:fillRect l="-15909" r="-15909"/>
+                </a:stretch>
+              </a:blipFill>
+            </p:spPr>
+            <p:txBody>
+              <a:bodyPr/>
+              <a:lstStyle/>
+              <a:p>
+                <a:r>
+                  <a:rPr lang="en-US">
+                    <a:noFill/>
+                  </a:rPr>
+                  <a:t> </a:t>
+                </a:r>
+              </a:p>
+            </p:txBody>
+          </p:sp>
+        </mc:Fallback>
+      </mc:AlternateContent>
+      <p:sp>
+        <p:nvSpPr>
+          <p:cNvPr id="12" name="TextBox 11">
+            <a:extLst>
+              <a:ext uri="{FF2B5EF4-FFF2-40B4-BE49-F238E27FC236}">
+                <a16:creationId xmlns:a16="http://schemas.microsoft.com/office/drawing/2014/main" id="{0B74A7BE-B773-7C84-1C7A-6BA588CBD92E}"/>
+              </a:ext>
+            </a:extLst>
+          </p:cNvPr>
+          <p:cNvSpPr txBox="1"/>
+          <p:nvPr/>
+        </p:nvSpPr>
+        <p:spPr>
+          <a:xfrm rot="532115">
+            <a:off x="4218722" y="5871153"/>
+            <a:ext cx="3754554" cy="369332"/>
+          </a:xfrm>
+          <a:prstGeom prst="rect">
+            <a:avLst/>
+          </a:prstGeom>
+          <a:noFill/>
+        </p:spPr>
+        <p:txBody>
+          <a:bodyPr wrap="none" rtlCol="0">
+            <a:spAutoFit/>
+          </a:bodyPr>
+          <a:lstStyle/>
+          <a:p>
+            <a:r>
+              <a:rPr lang="en-US" dirty="0">
+                <a:solidFill>
+                  <a:srgbClr val="0070C0"/>
+                </a:solidFill>
+                <a:latin typeface="Georgia" panose="02040502050405020303" pitchFamily="18" charset="0"/>
+              </a:rPr>
+              <a:t>plane</a:t>
+            </a:r>
+            <a:r>
+              <a:rPr lang="ja-JP" altLang="en-US" dirty="0">
+                <a:solidFill>
+                  <a:srgbClr val="0070C0"/>
+                </a:solidFill>
+                <a:latin typeface="Georgia" panose="02040502050405020303" pitchFamily="18" charset="0"/>
+              </a:rPr>
+              <a:t> </a:t>
+            </a:r>
+            <a:r>
+              <a:rPr lang="en-US" altLang="ja-JP" dirty="0">
+                <a:solidFill>
+                  <a:srgbClr val="0070C0"/>
+                </a:solidFill>
+                <a:latin typeface="Georgia" panose="02040502050405020303" pitchFamily="18" charset="0"/>
+              </a:rPr>
+              <a:t>of a</a:t>
+            </a:r>
+            <a:r>
+              <a:rPr lang="ja-JP" altLang="en-US" dirty="0">
+                <a:solidFill>
+                  <a:srgbClr val="0070C0"/>
+                </a:solidFill>
+                <a:latin typeface="Georgia" panose="02040502050405020303" pitchFamily="18" charset="0"/>
+              </a:rPr>
+              <a:t> </a:t>
+            </a:r>
+            <a:r>
+              <a:rPr lang="en-US" altLang="ja-JP" dirty="0">
+                <a:solidFill>
+                  <a:srgbClr val="0070C0"/>
+                </a:solidFill>
+                <a:latin typeface="Georgia" panose="02040502050405020303" pitchFamily="18" charset="0"/>
+              </a:rPr>
+              <a:t>great</a:t>
+            </a:r>
+            <a:r>
+              <a:rPr lang="ja-JP" altLang="en-US" dirty="0">
+                <a:solidFill>
+                  <a:srgbClr val="0070C0"/>
+                </a:solidFill>
+                <a:latin typeface="Georgia" panose="02040502050405020303" pitchFamily="18" charset="0"/>
+              </a:rPr>
+              <a:t> </a:t>
+            </a:r>
+            <a:r>
+              <a:rPr lang="en-US" altLang="ja-JP" dirty="0">
+                <a:solidFill>
+                  <a:srgbClr val="0070C0"/>
+                </a:solidFill>
+                <a:latin typeface="Georgia" panose="02040502050405020303" pitchFamily="18" charset="0"/>
+              </a:rPr>
+              <a:t>circle</a:t>
+            </a:r>
+            <a:r>
+              <a:rPr lang="ja-JP" altLang="en-US" dirty="0">
+                <a:solidFill>
+                  <a:srgbClr val="0070C0"/>
+                </a:solidFill>
+                <a:latin typeface="Georgia" panose="02040502050405020303" pitchFamily="18" charset="0"/>
+              </a:rPr>
+              <a:t> </a:t>
+            </a:r>
+            <a:r>
+              <a:rPr lang="en-US" altLang="ja-JP" dirty="0">
+                <a:solidFill>
+                  <a:srgbClr val="0070C0"/>
+                </a:solidFill>
+                <a:latin typeface="Georgia" panose="02040502050405020303" pitchFamily="18" charset="0"/>
+              </a:rPr>
+              <a:t>containing P</a:t>
+            </a:r>
+            <a:r>
+              <a:rPr lang="ja-JP" altLang="en-US" dirty="0">
+                <a:solidFill>
+                  <a:srgbClr val="0070C0"/>
+                </a:solidFill>
+                <a:latin typeface="Georgia" panose="02040502050405020303" pitchFamily="18" charset="0"/>
+              </a:rPr>
+              <a:t> </a:t>
+            </a:r>
+            <a:endParaRPr lang="en-US" dirty="0">
+              <a:solidFill>
+                <a:schemeClr val="accent6">
+                  <a:lumMod val="75000"/>
+                </a:schemeClr>
+              </a:solidFill>
+              <a:latin typeface="Georgia" panose="02040502050405020303" pitchFamily="18" charset="0"/>
+            </a:endParaRPr>
+          </a:p>
+        </p:txBody>
+      </p:sp>
+    </p:spTree>
+    <p:extLst>
+      <p:ext uri="{BB962C8B-B14F-4D97-AF65-F5344CB8AC3E}">
+        <p14:creationId xmlns:p14="http://schemas.microsoft.com/office/powerpoint/2010/main" val="3547897026"/>
+      </p:ext>
+    </p:extLst>
+  </p:cSld>
+  <p:clrMapOvr>
+    <a:masterClrMapping/>
+  </p:clrMapOvr>
+</p:sld>
+</file>
+
 <file path=ppt/theme/theme1.xml><?xml version="1.0" encoding="utf-8"?>
 <a:theme xmlns:a="http://schemas.openxmlformats.org/drawingml/2006/main" name="Office Theme">
   <a:themeElements>

--- a/chapter-06/diagram.pptx
+++ b/chapter-06/diagram.pptx
@@ -12,6 +12,12 @@
     <p:sldId id="269" r:id="rId6"/>
     <p:sldId id="270" r:id="rId7"/>
     <p:sldId id="271" r:id="rId8"/>
+    <p:sldId id="272" r:id="rId9"/>
+    <p:sldId id="273" r:id="rId10"/>
+    <p:sldId id="274" r:id="rId11"/>
+    <p:sldId id="275" r:id="rId12"/>
+    <p:sldId id="276" r:id="rId13"/>
+    <p:sldId id="277" r:id="rId14"/>
   </p:sldIdLst>
   <p:sldSz cx="12192000" cy="6858000"/>
   <p:notesSz cx="6858000" cy="9144000"/>
@@ -265,7 +271,7 @@
           <a:p>
             <a:fld id="{B5F83089-3D20-4571-AA23-523345485B56}" type="datetimeFigureOut">
               <a:rPr lang="en-US" smtClean="0"/>
-              <a:t>8/5/2023</a:t>
+              <a:t>8/14/2023</a:t>
             </a:fld>
             <a:endParaRPr lang="en-US"/>
           </a:p>
@@ -463,7 +469,7 @@
           <a:p>
             <a:fld id="{B5F83089-3D20-4571-AA23-523345485B56}" type="datetimeFigureOut">
               <a:rPr lang="en-US" smtClean="0"/>
-              <a:t>8/5/2023</a:t>
+              <a:t>8/14/2023</a:t>
             </a:fld>
             <a:endParaRPr lang="en-US"/>
           </a:p>
@@ -671,7 +677,7 @@
           <a:p>
             <a:fld id="{B5F83089-3D20-4571-AA23-523345485B56}" type="datetimeFigureOut">
               <a:rPr lang="en-US" smtClean="0"/>
-              <a:t>8/5/2023</a:t>
+              <a:t>8/14/2023</a:t>
             </a:fld>
             <a:endParaRPr lang="en-US"/>
           </a:p>
@@ -869,7 +875,7 @@
           <a:p>
             <a:fld id="{B5F83089-3D20-4571-AA23-523345485B56}" type="datetimeFigureOut">
               <a:rPr lang="en-US" smtClean="0"/>
-              <a:t>8/5/2023</a:t>
+              <a:t>8/14/2023</a:t>
             </a:fld>
             <a:endParaRPr lang="en-US"/>
           </a:p>
@@ -1144,7 +1150,7 @@
           <a:p>
             <a:fld id="{B5F83089-3D20-4571-AA23-523345485B56}" type="datetimeFigureOut">
               <a:rPr lang="en-US" smtClean="0"/>
-              <a:t>8/5/2023</a:t>
+              <a:t>8/14/2023</a:t>
             </a:fld>
             <a:endParaRPr lang="en-US"/>
           </a:p>
@@ -1409,7 +1415,7 @@
           <a:p>
             <a:fld id="{B5F83089-3D20-4571-AA23-523345485B56}" type="datetimeFigureOut">
               <a:rPr lang="en-US" smtClean="0"/>
-              <a:t>8/5/2023</a:t>
+              <a:t>8/14/2023</a:t>
             </a:fld>
             <a:endParaRPr lang="en-US"/>
           </a:p>
@@ -1821,7 +1827,7 @@
           <a:p>
             <a:fld id="{B5F83089-3D20-4571-AA23-523345485B56}" type="datetimeFigureOut">
               <a:rPr lang="en-US" smtClean="0"/>
-              <a:t>8/5/2023</a:t>
+              <a:t>8/14/2023</a:t>
             </a:fld>
             <a:endParaRPr lang="en-US"/>
           </a:p>
@@ -1962,7 +1968,7 @@
           <a:p>
             <a:fld id="{B5F83089-3D20-4571-AA23-523345485B56}" type="datetimeFigureOut">
               <a:rPr lang="en-US" smtClean="0"/>
-              <a:t>8/5/2023</a:t>
+              <a:t>8/14/2023</a:t>
             </a:fld>
             <a:endParaRPr lang="en-US"/>
           </a:p>
@@ -2075,7 +2081,7 @@
           <a:p>
             <a:fld id="{B5F83089-3D20-4571-AA23-523345485B56}" type="datetimeFigureOut">
               <a:rPr lang="en-US" smtClean="0"/>
-              <a:t>8/5/2023</a:t>
+              <a:t>8/14/2023</a:t>
             </a:fld>
             <a:endParaRPr lang="en-US"/>
           </a:p>
@@ -2386,7 +2392,7 @@
           <a:p>
             <a:fld id="{B5F83089-3D20-4571-AA23-523345485B56}" type="datetimeFigureOut">
               <a:rPr lang="en-US" smtClean="0"/>
-              <a:t>8/5/2023</a:t>
+              <a:t>8/14/2023</a:t>
             </a:fld>
             <a:endParaRPr lang="en-US"/>
           </a:p>
@@ -2674,7 +2680,7 @@
           <a:p>
             <a:fld id="{B5F83089-3D20-4571-AA23-523345485B56}" type="datetimeFigureOut">
               <a:rPr lang="en-US" smtClean="0"/>
-              <a:t>8/5/2023</a:t>
+              <a:t>8/14/2023</a:t>
             </a:fld>
             <a:endParaRPr lang="en-US"/>
           </a:p>
@@ -2915,7 +2921,7 @@
           <a:p>
             <a:fld id="{B5F83089-3D20-4571-AA23-523345485B56}" type="datetimeFigureOut">
               <a:rPr lang="en-US" smtClean="0"/>
-              <a:t>8/5/2023</a:t>
+              <a:t>8/14/2023</a:t>
             </a:fld>
             <a:endParaRPr lang="en-US"/>
           </a:p>
@@ -5427,6 +5433,2686 @@
 </p:sld>
 </file>
 
+<file path=ppt/slides/slide10.xml><?xml version="1.0" encoding="utf-8"?>
+<p:sld xmlns:a="http://schemas.openxmlformats.org/drawingml/2006/main" xmlns:r="http://schemas.openxmlformats.org/officeDocument/2006/relationships" xmlns:p="http://schemas.openxmlformats.org/presentationml/2006/main">
+  <p:cSld>
+    <p:spTree>
+      <p:nvGrpSpPr>
+        <p:cNvPr id="1" name=""/>
+        <p:cNvGrpSpPr/>
+        <p:nvPr/>
+      </p:nvGrpSpPr>
+      <p:grpSpPr>
+        <a:xfrm>
+          <a:off x="0" y="0"/>
+          <a:ext cx="0" cy="0"/>
+          <a:chOff x="0" y="0"/>
+          <a:chExt cx="0" cy="0"/>
+        </a:xfrm>
+      </p:grpSpPr>
+      <p:pic>
+        <p:nvPicPr>
+          <p:cNvPr id="3" name="Picture 2">
+            <a:extLst>
+              <a:ext uri="{FF2B5EF4-FFF2-40B4-BE49-F238E27FC236}">
+                <a16:creationId xmlns:a16="http://schemas.microsoft.com/office/drawing/2014/main" id="{8E582AA0-5FE1-628E-125C-641848875EA3}"/>
+              </a:ext>
+            </a:extLst>
+          </p:cNvPr>
+          <p:cNvPicPr>
+            <a:picLocks noChangeAspect="1"/>
+          </p:cNvPicPr>
+          <p:nvPr/>
+        </p:nvPicPr>
+        <p:blipFill>
+          <a:blip r:embed="rId2"/>
+          <a:stretch>
+            <a:fillRect/>
+          </a:stretch>
+        </p:blipFill>
+        <p:spPr>
+          <a:xfrm>
+            <a:off x="2667000" y="0"/>
+            <a:ext cx="6858000" cy="6858000"/>
+          </a:xfrm>
+          <a:prstGeom prst="rect">
+            <a:avLst/>
+          </a:prstGeom>
+        </p:spPr>
+      </p:pic>
+      <mc:AlternateContent xmlns:mc="http://schemas.openxmlformats.org/markup-compatibility/2006">
+        <mc:Choice xmlns:a14="http://schemas.microsoft.com/office/drawing/2010/main" Requires="a14">
+          <p:sp>
+            <p:nvSpPr>
+              <p:cNvPr id="4" name="TextBox 3">
+                <a:extLst>
+                  <a:ext uri="{FF2B5EF4-FFF2-40B4-BE49-F238E27FC236}">
+                    <a16:creationId xmlns:a16="http://schemas.microsoft.com/office/drawing/2014/main" id="{FEBE6E67-D2C9-1C0B-9297-99611730968C}"/>
+                  </a:ext>
+                </a:extLst>
+              </p:cNvPr>
+              <p:cNvSpPr txBox="1"/>
+              <p:nvPr/>
+            </p:nvSpPr>
+            <p:spPr>
+              <a:xfrm>
+                <a:off x="4253631" y="6126269"/>
+                <a:ext cx="183319" cy="276999"/>
+              </a:xfrm>
+              <a:prstGeom prst="rect">
+                <a:avLst/>
+              </a:prstGeom>
+              <a:noFill/>
+            </p:spPr>
+            <p:txBody>
+              <a:bodyPr wrap="none" lIns="0" tIns="0" rIns="0" bIns="0" rtlCol="0">
+                <a:spAutoFit/>
+              </a:bodyPr>
+              <a:lstStyle/>
+              <a:p>
+                <a:pPr/>
+                <a14:m>
+                  <m:oMathPara xmlns:m="http://schemas.openxmlformats.org/officeDocument/2006/math">
+                    <m:oMathParaPr>
+                      <m:jc m:val="centerGroup"/>
+                    </m:oMathParaPr>
+                    <m:oMath xmlns:m="http://schemas.openxmlformats.org/officeDocument/2006/math">
+                      <m:r>
+                        <a:rPr lang="en-US" b="0" i="1" smtClean="0">
+                          <a:solidFill>
+                            <a:srgbClr val="FF0000"/>
+                          </a:solidFill>
+                          <a:latin typeface="Cambria Math" panose="02040503050406030204" pitchFamily="18" charset="0"/>
+                        </a:rPr>
+                        <m:t>𝑥</m:t>
+                      </m:r>
+                    </m:oMath>
+                  </m:oMathPara>
+                </a14:m>
+                <a:endParaRPr lang="en-US" dirty="0"/>
+              </a:p>
+            </p:txBody>
+          </p:sp>
+        </mc:Choice>
+        <mc:Fallback>
+          <p:sp>
+            <p:nvSpPr>
+              <p:cNvPr id="4" name="TextBox 3">
+                <a:extLst>
+                  <a:ext uri="{FF2B5EF4-FFF2-40B4-BE49-F238E27FC236}">
+                    <a16:creationId xmlns:a16="http://schemas.microsoft.com/office/drawing/2014/main" id="{FEBE6E67-D2C9-1C0B-9297-99611730968C}"/>
+                  </a:ext>
+                </a:extLst>
+              </p:cNvPr>
+              <p:cNvSpPr txBox="1">
+                <a:spLocks noRot="1" noChangeAspect="1" noMove="1" noResize="1" noEditPoints="1" noAdjustHandles="1" noChangeArrowheads="1" noChangeShapeType="1" noTextEdit="1"/>
+              </p:cNvSpPr>
+              <p:nvPr/>
+            </p:nvSpPr>
+            <p:spPr>
+              <a:xfrm>
+                <a:off x="4253631" y="6126269"/>
+                <a:ext cx="183319" cy="276999"/>
+              </a:xfrm>
+              <a:prstGeom prst="rect">
+                <a:avLst/>
+              </a:prstGeom>
+              <a:blipFill>
+                <a:blip r:embed="rId3"/>
+                <a:stretch>
+                  <a:fillRect l="-20000" r="-13333"/>
+                </a:stretch>
+              </a:blipFill>
+            </p:spPr>
+            <p:txBody>
+              <a:bodyPr/>
+              <a:lstStyle/>
+              <a:p>
+                <a:r>
+                  <a:rPr lang="en-US">
+                    <a:noFill/>
+                  </a:rPr>
+                  <a:t> </a:t>
+                </a:r>
+              </a:p>
+            </p:txBody>
+          </p:sp>
+        </mc:Fallback>
+      </mc:AlternateContent>
+      <mc:AlternateContent xmlns:mc="http://schemas.openxmlformats.org/markup-compatibility/2006">
+        <mc:Choice xmlns:a14="http://schemas.microsoft.com/office/drawing/2010/main" Requires="a14">
+          <p:sp>
+            <p:nvSpPr>
+              <p:cNvPr id="5" name="TextBox 4">
+                <a:extLst>
+                  <a:ext uri="{FF2B5EF4-FFF2-40B4-BE49-F238E27FC236}">
+                    <a16:creationId xmlns:a16="http://schemas.microsoft.com/office/drawing/2014/main" id="{839E6CC2-9C79-C572-CB13-5C38576165F1}"/>
+                  </a:ext>
+                </a:extLst>
+              </p:cNvPr>
+              <p:cNvSpPr txBox="1"/>
+              <p:nvPr/>
+            </p:nvSpPr>
+            <p:spPr>
+              <a:xfrm>
+                <a:off x="3195084" y="5109319"/>
+                <a:ext cx="186718" cy="276999"/>
+              </a:xfrm>
+              <a:prstGeom prst="rect">
+                <a:avLst/>
+              </a:prstGeom>
+              <a:noFill/>
+            </p:spPr>
+            <p:txBody>
+              <a:bodyPr wrap="none" lIns="0" tIns="0" rIns="0" bIns="0" rtlCol="0">
+                <a:spAutoFit/>
+              </a:bodyPr>
+              <a:lstStyle/>
+              <a:p>
+                <a:pPr/>
+                <a14:m>
+                  <m:oMathPara xmlns:m="http://schemas.openxmlformats.org/officeDocument/2006/math">
+                    <m:oMathParaPr>
+                      <m:jc m:val="centerGroup"/>
+                    </m:oMathParaPr>
+                    <m:oMath xmlns:m="http://schemas.openxmlformats.org/officeDocument/2006/math">
+                      <m:r>
+                        <a:rPr lang="en-US" b="0" i="1" smtClean="0">
+                          <a:solidFill>
+                            <a:srgbClr val="00B050"/>
+                          </a:solidFill>
+                          <a:latin typeface="Cambria Math" panose="02040503050406030204" pitchFamily="18" charset="0"/>
+                        </a:rPr>
+                        <m:t>𝑦</m:t>
+                      </m:r>
+                    </m:oMath>
+                  </m:oMathPara>
+                </a14:m>
+                <a:endParaRPr lang="en-US" dirty="0"/>
+              </a:p>
+            </p:txBody>
+          </p:sp>
+        </mc:Choice>
+        <mc:Fallback>
+          <p:sp>
+            <p:nvSpPr>
+              <p:cNvPr id="5" name="TextBox 4">
+                <a:extLst>
+                  <a:ext uri="{FF2B5EF4-FFF2-40B4-BE49-F238E27FC236}">
+                    <a16:creationId xmlns:a16="http://schemas.microsoft.com/office/drawing/2014/main" id="{839E6CC2-9C79-C572-CB13-5C38576165F1}"/>
+                  </a:ext>
+                </a:extLst>
+              </p:cNvPr>
+              <p:cNvSpPr txBox="1">
+                <a:spLocks noRot="1" noChangeAspect="1" noMove="1" noResize="1" noEditPoints="1" noAdjustHandles="1" noChangeArrowheads="1" noChangeShapeType="1" noTextEdit="1"/>
+              </p:cNvSpPr>
+              <p:nvPr/>
+            </p:nvSpPr>
+            <p:spPr>
+              <a:xfrm>
+                <a:off x="3195084" y="5109319"/>
+                <a:ext cx="186718" cy="276999"/>
+              </a:xfrm>
+              <a:prstGeom prst="rect">
+                <a:avLst/>
+              </a:prstGeom>
+              <a:blipFill>
+                <a:blip r:embed="rId4"/>
+                <a:stretch>
+                  <a:fillRect l="-32258" r="-25806" b="-23913"/>
+                </a:stretch>
+              </a:blipFill>
+            </p:spPr>
+            <p:txBody>
+              <a:bodyPr/>
+              <a:lstStyle/>
+              <a:p>
+                <a:r>
+                  <a:rPr lang="en-US">
+                    <a:noFill/>
+                  </a:rPr>
+                  <a:t> </a:t>
+                </a:r>
+              </a:p>
+            </p:txBody>
+          </p:sp>
+        </mc:Fallback>
+      </mc:AlternateContent>
+      <mc:AlternateContent xmlns:mc="http://schemas.openxmlformats.org/markup-compatibility/2006">
+        <mc:Choice xmlns:a14="http://schemas.microsoft.com/office/drawing/2010/main" Requires="a14">
+          <p:sp>
+            <p:nvSpPr>
+              <p:cNvPr id="6" name="TextBox 5">
+                <a:extLst>
+                  <a:ext uri="{FF2B5EF4-FFF2-40B4-BE49-F238E27FC236}">
+                    <a16:creationId xmlns:a16="http://schemas.microsoft.com/office/drawing/2014/main" id="{E59384B0-CB03-16CE-A421-BE28058AA693}"/>
+                  </a:ext>
+                </a:extLst>
+              </p:cNvPr>
+              <p:cNvSpPr txBox="1"/>
+              <p:nvPr/>
+            </p:nvSpPr>
+            <p:spPr>
+              <a:xfrm>
+                <a:off x="3763583" y="6532973"/>
+                <a:ext cx="169084" cy="276999"/>
+              </a:xfrm>
+              <a:prstGeom prst="rect">
+                <a:avLst/>
+              </a:prstGeom>
+              <a:noFill/>
+            </p:spPr>
+            <p:txBody>
+              <a:bodyPr wrap="none" lIns="0" tIns="0" rIns="0" bIns="0" rtlCol="0">
+                <a:spAutoFit/>
+              </a:bodyPr>
+              <a:lstStyle/>
+              <a:p>
+                <a:pPr/>
+                <a14:m>
+                  <m:oMathPara xmlns:m="http://schemas.openxmlformats.org/officeDocument/2006/math">
+                    <m:oMathParaPr>
+                      <m:jc m:val="centerGroup"/>
+                    </m:oMathParaPr>
+                    <m:oMath xmlns:m="http://schemas.openxmlformats.org/officeDocument/2006/math">
+                      <m:r>
+                        <a:rPr lang="en-US" b="0" i="1" smtClean="0">
+                          <a:solidFill>
+                            <a:srgbClr val="002060"/>
+                          </a:solidFill>
+                          <a:latin typeface="Cambria Math" panose="02040503050406030204" pitchFamily="18" charset="0"/>
+                        </a:rPr>
+                        <m:t>𝑧</m:t>
+                      </m:r>
+                    </m:oMath>
+                  </m:oMathPara>
+                </a14:m>
+                <a:endParaRPr lang="en-US" dirty="0">
+                  <a:solidFill>
+                    <a:srgbClr val="002060"/>
+                  </a:solidFill>
+                </a:endParaRPr>
+              </a:p>
+            </p:txBody>
+          </p:sp>
+        </mc:Choice>
+        <mc:Fallback>
+          <p:sp>
+            <p:nvSpPr>
+              <p:cNvPr id="6" name="TextBox 5">
+                <a:extLst>
+                  <a:ext uri="{FF2B5EF4-FFF2-40B4-BE49-F238E27FC236}">
+                    <a16:creationId xmlns:a16="http://schemas.microsoft.com/office/drawing/2014/main" id="{E59384B0-CB03-16CE-A421-BE28058AA693}"/>
+                  </a:ext>
+                </a:extLst>
+              </p:cNvPr>
+              <p:cNvSpPr txBox="1">
+                <a:spLocks noRot="1" noChangeAspect="1" noMove="1" noResize="1" noEditPoints="1" noAdjustHandles="1" noChangeArrowheads="1" noChangeShapeType="1" noTextEdit="1"/>
+              </p:cNvSpPr>
+              <p:nvPr/>
+            </p:nvSpPr>
+            <p:spPr>
+              <a:xfrm>
+                <a:off x="3763583" y="6532973"/>
+                <a:ext cx="169084" cy="276999"/>
+              </a:xfrm>
+              <a:prstGeom prst="rect">
+                <a:avLst/>
+              </a:prstGeom>
+              <a:blipFill>
+                <a:blip r:embed="rId5"/>
+                <a:stretch>
+                  <a:fillRect l="-21429" r="-14286"/>
+                </a:stretch>
+              </a:blipFill>
+            </p:spPr>
+            <p:txBody>
+              <a:bodyPr/>
+              <a:lstStyle/>
+              <a:p>
+                <a:r>
+                  <a:rPr lang="en-US">
+                    <a:noFill/>
+                  </a:rPr>
+                  <a:t> </a:t>
+                </a:r>
+              </a:p>
+            </p:txBody>
+          </p:sp>
+        </mc:Fallback>
+      </mc:AlternateContent>
+      <mc:AlternateContent xmlns:mc="http://schemas.openxmlformats.org/markup-compatibility/2006">
+        <mc:Choice xmlns:a14="http://schemas.microsoft.com/office/drawing/2010/main" Requires="a14">
+          <p:sp>
+            <p:nvSpPr>
+              <p:cNvPr id="7" name="TextBox 6">
+                <a:extLst>
+                  <a:ext uri="{FF2B5EF4-FFF2-40B4-BE49-F238E27FC236}">
+                    <a16:creationId xmlns:a16="http://schemas.microsoft.com/office/drawing/2014/main" id="{63FAE6CF-1104-C3CA-3493-694D09C4DDEC}"/>
+                  </a:ext>
+                </a:extLst>
+              </p:cNvPr>
+              <p:cNvSpPr txBox="1"/>
+              <p:nvPr/>
+            </p:nvSpPr>
+            <p:spPr>
+              <a:xfrm>
+                <a:off x="3754317" y="5140097"/>
+                <a:ext cx="356701" cy="492443"/>
+              </a:xfrm>
+              <a:prstGeom prst="rect">
+                <a:avLst/>
+              </a:prstGeom>
+              <a:noFill/>
+            </p:spPr>
+            <p:txBody>
+              <a:bodyPr wrap="none" lIns="0" tIns="0" rIns="0" bIns="0" rtlCol="0">
+                <a:spAutoFit/>
+              </a:bodyPr>
+              <a:lstStyle/>
+              <a:p>
+                <a:pPr/>
+                <a14:m>
+                  <m:oMathPara xmlns:m="http://schemas.openxmlformats.org/officeDocument/2006/math">
+                    <m:oMathParaPr>
+                      <m:jc m:val="centerGroup"/>
+                    </m:oMathParaPr>
+                    <m:oMath xmlns:m="http://schemas.openxmlformats.org/officeDocument/2006/math">
+                      <m:r>
+                        <a:rPr lang="en-US" sz="3200" b="0" i="1" smtClean="0">
+                          <a:solidFill>
+                            <a:schemeClr val="tx1"/>
+                          </a:solidFill>
+                          <a:latin typeface="Cambria Math" panose="02040503050406030204" pitchFamily="18" charset="0"/>
+                        </a:rPr>
+                        <m:t>𝐴</m:t>
+                      </m:r>
+                    </m:oMath>
+                  </m:oMathPara>
+                </a14:m>
+                <a:endParaRPr lang="en-US" sz="1600" dirty="0">
+                  <a:solidFill>
+                    <a:schemeClr val="tx1"/>
+                  </a:solidFill>
+                </a:endParaRPr>
+              </a:p>
+            </p:txBody>
+          </p:sp>
+        </mc:Choice>
+        <mc:Fallback>
+          <p:sp>
+            <p:nvSpPr>
+              <p:cNvPr id="7" name="TextBox 6">
+                <a:extLst>
+                  <a:ext uri="{FF2B5EF4-FFF2-40B4-BE49-F238E27FC236}">
+                    <a16:creationId xmlns:a16="http://schemas.microsoft.com/office/drawing/2014/main" id="{63FAE6CF-1104-C3CA-3493-694D09C4DDEC}"/>
+                  </a:ext>
+                </a:extLst>
+              </p:cNvPr>
+              <p:cNvSpPr txBox="1">
+                <a:spLocks noRot="1" noChangeAspect="1" noMove="1" noResize="1" noEditPoints="1" noAdjustHandles="1" noChangeArrowheads="1" noChangeShapeType="1" noTextEdit="1"/>
+              </p:cNvSpPr>
+              <p:nvPr/>
+            </p:nvSpPr>
+            <p:spPr>
+              <a:xfrm>
+                <a:off x="3754317" y="5140097"/>
+                <a:ext cx="356701" cy="492443"/>
+              </a:xfrm>
+              <a:prstGeom prst="rect">
+                <a:avLst/>
+              </a:prstGeom>
+              <a:blipFill>
+                <a:blip r:embed="rId6"/>
+                <a:stretch>
+                  <a:fillRect/>
+                </a:stretch>
+              </a:blipFill>
+            </p:spPr>
+            <p:txBody>
+              <a:bodyPr/>
+              <a:lstStyle/>
+              <a:p>
+                <a:r>
+                  <a:rPr lang="en-US">
+                    <a:noFill/>
+                  </a:rPr>
+                  <a:t> </a:t>
+                </a:r>
+              </a:p>
+            </p:txBody>
+          </p:sp>
+        </mc:Fallback>
+      </mc:AlternateContent>
+      <mc:AlternateContent xmlns:mc="http://schemas.openxmlformats.org/markup-compatibility/2006">
+        <mc:Choice xmlns:a14="http://schemas.microsoft.com/office/drawing/2010/main" Requires="a14">
+          <p:sp>
+            <p:nvSpPr>
+              <p:cNvPr id="8" name="TextBox 7">
+                <a:extLst>
+                  <a:ext uri="{FF2B5EF4-FFF2-40B4-BE49-F238E27FC236}">
+                    <a16:creationId xmlns:a16="http://schemas.microsoft.com/office/drawing/2014/main" id="{7F4CA6B6-8C12-5077-96A8-8DFF42738708}"/>
+                  </a:ext>
+                </a:extLst>
+              </p:cNvPr>
+              <p:cNvSpPr txBox="1"/>
+              <p:nvPr/>
+            </p:nvSpPr>
+            <p:spPr>
+              <a:xfrm>
+                <a:off x="8080984" y="5140097"/>
+                <a:ext cx="356701" cy="492443"/>
+              </a:xfrm>
+              <a:prstGeom prst="rect">
+                <a:avLst/>
+              </a:prstGeom>
+              <a:noFill/>
+            </p:spPr>
+            <p:txBody>
+              <a:bodyPr wrap="square" lIns="0" tIns="0" rIns="0" bIns="0" rtlCol="0">
+                <a:spAutoFit/>
+              </a:bodyPr>
+              <a:lstStyle/>
+              <a:p>
+                <a:pPr/>
+                <a14:m>
+                  <m:oMathPara xmlns:m="http://schemas.openxmlformats.org/officeDocument/2006/math">
+                    <m:oMathParaPr>
+                      <m:jc m:val="centerGroup"/>
+                    </m:oMathParaPr>
+                    <m:oMath xmlns:m="http://schemas.openxmlformats.org/officeDocument/2006/math">
+                      <m:r>
+                        <a:rPr lang="en-US" sz="3200" b="0" i="1" smtClean="0">
+                          <a:solidFill>
+                            <a:schemeClr val="tx1"/>
+                          </a:solidFill>
+                          <a:latin typeface="Cambria Math" panose="02040503050406030204" pitchFamily="18" charset="0"/>
+                        </a:rPr>
+                        <m:t>𝐵</m:t>
+                      </m:r>
+                    </m:oMath>
+                  </m:oMathPara>
+                </a14:m>
+                <a:endParaRPr lang="en-US" sz="1600" dirty="0">
+                  <a:solidFill>
+                    <a:schemeClr val="tx1"/>
+                  </a:solidFill>
+                </a:endParaRPr>
+              </a:p>
+            </p:txBody>
+          </p:sp>
+        </mc:Choice>
+        <mc:Fallback>
+          <p:sp>
+            <p:nvSpPr>
+              <p:cNvPr id="8" name="TextBox 7">
+                <a:extLst>
+                  <a:ext uri="{FF2B5EF4-FFF2-40B4-BE49-F238E27FC236}">
+                    <a16:creationId xmlns:a16="http://schemas.microsoft.com/office/drawing/2014/main" id="{7F4CA6B6-8C12-5077-96A8-8DFF42738708}"/>
+                  </a:ext>
+                </a:extLst>
+              </p:cNvPr>
+              <p:cNvSpPr txBox="1">
+                <a:spLocks noRot="1" noChangeAspect="1" noMove="1" noResize="1" noEditPoints="1" noAdjustHandles="1" noChangeArrowheads="1" noChangeShapeType="1" noTextEdit="1"/>
+              </p:cNvSpPr>
+              <p:nvPr/>
+            </p:nvSpPr>
+            <p:spPr>
+              <a:xfrm>
+                <a:off x="8080984" y="5140097"/>
+                <a:ext cx="356701" cy="492443"/>
+              </a:xfrm>
+              <a:prstGeom prst="rect">
+                <a:avLst/>
+              </a:prstGeom>
+              <a:blipFill>
+                <a:blip r:embed="rId7"/>
+                <a:stretch>
+                  <a:fillRect/>
+                </a:stretch>
+              </a:blipFill>
+            </p:spPr>
+            <p:txBody>
+              <a:bodyPr/>
+              <a:lstStyle/>
+              <a:p>
+                <a:r>
+                  <a:rPr lang="en-US">
+                    <a:noFill/>
+                  </a:rPr>
+                  <a:t> </a:t>
+                </a:r>
+              </a:p>
+            </p:txBody>
+          </p:sp>
+        </mc:Fallback>
+      </mc:AlternateContent>
+      <mc:AlternateContent xmlns:mc="http://schemas.openxmlformats.org/markup-compatibility/2006">
+        <mc:Choice xmlns:a14="http://schemas.microsoft.com/office/drawing/2010/main" Requires="a14">
+          <p:sp>
+            <p:nvSpPr>
+              <p:cNvPr id="9" name="TextBox 8">
+                <a:extLst>
+                  <a:ext uri="{FF2B5EF4-FFF2-40B4-BE49-F238E27FC236}">
+                    <a16:creationId xmlns:a16="http://schemas.microsoft.com/office/drawing/2014/main" id="{7CB403EE-3A71-1370-CB4A-CA4979FCF472}"/>
+                  </a:ext>
+                </a:extLst>
+              </p:cNvPr>
+              <p:cNvSpPr txBox="1"/>
+              <p:nvPr/>
+            </p:nvSpPr>
+            <p:spPr>
+              <a:xfrm>
+                <a:off x="5935518" y="889233"/>
+                <a:ext cx="320963" cy="492443"/>
+              </a:xfrm>
+              <a:prstGeom prst="rect">
+                <a:avLst/>
+              </a:prstGeom>
+              <a:noFill/>
+            </p:spPr>
+            <p:txBody>
+              <a:bodyPr wrap="square" lIns="0" tIns="0" rIns="0" bIns="0" rtlCol="0">
+                <a:spAutoFit/>
+              </a:bodyPr>
+              <a:lstStyle/>
+              <a:p>
+                <a:pPr/>
+                <a14:m>
+                  <m:oMathPara xmlns:m="http://schemas.openxmlformats.org/officeDocument/2006/math">
+                    <m:oMathParaPr>
+                      <m:jc m:val="centerGroup"/>
+                    </m:oMathParaPr>
+                    <m:oMath xmlns:m="http://schemas.openxmlformats.org/officeDocument/2006/math">
+                      <m:r>
+                        <a:rPr lang="en-US" sz="3200" b="0" i="1" smtClean="0">
+                          <a:solidFill>
+                            <a:schemeClr val="tx1"/>
+                          </a:solidFill>
+                          <a:latin typeface="Cambria Math" panose="02040503050406030204" pitchFamily="18" charset="0"/>
+                        </a:rPr>
+                        <m:t>𝐶</m:t>
+                      </m:r>
+                    </m:oMath>
+                  </m:oMathPara>
+                </a14:m>
+                <a:endParaRPr lang="en-US" sz="1600" dirty="0">
+                  <a:solidFill>
+                    <a:schemeClr val="tx1"/>
+                  </a:solidFill>
+                </a:endParaRPr>
+              </a:p>
+            </p:txBody>
+          </p:sp>
+        </mc:Choice>
+        <mc:Fallback>
+          <p:sp>
+            <p:nvSpPr>
+              <p:cNvPr id="9" name="TextBox 8">
+                <a:extLst>
+                  <a:ext uri="{FF2B5EF4-FFF2-40B4-BE49-F238E27FC236}">
+                    <a16:creationId xmlns:a16="http://schemas.microsoft.com/office/drawing/2014/main" id="{7CB403EE-3A71-1370-CB4A-CA4979FCF472}"/>
+                  </a:ext>
+                </a:extLst>
+              </p:cNvPr>
+              <p:cNvSpPr txBox="1">
+                <a:spLocks noRot="1" noChangeAspect="1" noMove="1" noResize="1" noEditPoints="1" noAdjustHandles="1" noChangeArrowheads="1" noChangeShapeType="1" noTextEdit="1"/>
+              </p:cNvSpPr>
+              <p:nvPr/>
+            </p:nvSpPr>
+            <p:spPr>
+              <a:xfrm>
+                <a:off x="5935518" y="889233"/>
+                <a:ext cx="320963" cy="492443"/>
+              </a:xfrm>
+              <a:prstGeom prst="rect">
+                <a:avLst/>
+              </a:prstGeom>
+              <a:blipFill>
+                <a:blip r:embed="rId8"/>
+                <a:stretch>
+                  <a:fillRect/>
+                </a:stretch>
+              </a:blipFill>
+            </p:spPr>
+            <p:txBody>
+              <a:bodyPr/>
+              <a:lstStyle/>
+              <a:p>
+                <a:r>
+                  <a:rPr lang="en-US">
+                    <a:noFill/>
+                  </a:rPr>
+                  <a:t> </a:t>
+                </a:r>
+              </a:p>
+            </p:txBody>
+          </p:sp>
+        </mc:Fallback>
+      </mc:AlternateContent>
+    </p:spTree>
+    <p:extLst>
+      <p:ext uri="{BB962C8B-B14F-4D97-AF65-F5344CB8AC3E}">
+        <p14:creationId xmlns:p14="http://schemas.microsoft.com/office/powerpoint/2010/main" val="3483904295"/>
+      </p:ext>
+    </p:extLst>
+  </p:cSld>
+  <p:clrMapOvr>
+    <a:masterClrMapping/>
+  </p:clrMapOvr>
+</p:sld>
+</file>
+
+<file path=ppt/slides/slide11.xml><?xml version="1.0" encoding="utf-8"?>
+<p:sld xmlns:a="http://schemas.openxmlformats.org/drawingml/2006/main" xmlns:r="http://schemas.openxmlformats.org/officeDocument/2006/relationships" xmlns:p="http://schemas.openxmlformats.org/presentationml/2006/main">
+  <p:cSld>
+    <p:spTree>
+      <p:nvGrpSpPr>
+        <p:cNvPr id="1" name=""/>
+        <p:cNvGrpSpPr/>
+        <p:nvPr/>
+      </p:nvGrpSpPr>
+      <p:grpSpPr>
+        <a:xfrm>
+          <a:off x="0" y="0"/>
+          <a:ext cx="0" cy="0"/>
+          <a:chOff x="0" y="0"/>
+          <a:chExt cx="0" cy="0"/>
+        </a:xfrm>
+      </p:grpSpPr>
+      <p:pic>
+        <p:nvPicPr>
+          <p:cNvPr id="3" name="Picture 2">
+            <a:extLst>
+              <a:ext uri="{FF2B5EF4-FFF2-40B4-BE49-F238E27FC236}">
+                <a16:creationId xmlns:a16="http://schemas.microsoft.com/office/drawing/2014/main" id="{F615066C-5919-4534-C500-1150327436F2}"/>
+              </a:ext>
+            </a:extLst>
+          </p:cNvPr>
+          <p:cNvPicPr>
+            <a:picLocks noChangeAspect="1"/>
+          </p:cNvPicPr>
+          <p:nvPr/>
+        </p:nvPicPr>
+        <p:blipFill>
+          <a:blip r:embed="rId2"/>
+          <a:stretch>
+            <a:fillRect/>
+          </a:stretch>
+        </p:blipFill>
+        <p:spPr>
+          <a:xfrm>
+            <a:off x="2667000" y="0"/>
+            <a:ext cx="6858000" cy="6858000"/>
+          </a:xfrm>
+          <a:prstGeom prst="rect">
+            <a:avLst/>
+          </a:prstGeom>
+        </p:spPr>
+      </p:pic>
+      <mc:AlternateContent xmlns:mc="http://schemas.openxmlformats.org/markup-compatibility/2006">
+        <mc:Choice xmlns:a14="http://schemas.microsoft.com/office/drawing/2010/main" Requires="a14">
+          <p:sp>
+            <p:nvSpPr>
+              <p:cNvPr id="4" name="TextBox 3">
+                <a:extLst>
+                  <a:ext uri="{FF2B5EF4-FFF2-40B4-BE49-F238E27FC236}">
+                    <a16:creationId xmlns:a16="http://schemas.microsoft.com/office/drawing/2014/main" id="{945412D8-45DD-4E20-48A2-9B9BED8BDACA}"/>
+                  </a:ext>
+                </a:extLst>
+              </p:cNvPr>
+              <p:cNvSpPr txBox="1"/>
+              <p:nvPr/>
+            </p:nvSpPr>
+            <p:spPr>
+              <a:xfrm>
+                <a:off x="4111018" y="6201770"/>
+                <a:ext cx="183319" cy="276999"/>
+              </a:xfrm>
+              <a:prstGeom prst="rect">
+                <a:avLst/>
+              </a:prstGeom>
+              <a:noFill/>
+            </p:spPr>
+            <p:txBody>
+              <a:bodyPr wrap="none" lIns="0" tIns="0" rIns="0" bIns="0" rtlCol="0">
+                <a:spAutoFit/>
+              </a:bodyPr>
+              <a:lstStyle/>
+              <a:p>
+                <a:pPr/>
+                <a14:m>
+                  <m:oMathPara xmlns:m="http://schemas.openxmlformats.org/officeDocument/2006/math">
+                    <m:oMathParaPr>
+                      <m:jc m:val="centerGroup"/>
+                    </m:oMathParaPr>
+                    <m:oMath xmlns:m="http://schemas.openxmlformats.org/officeDocument/2006/math">
+                      <m:r>
+                        <a:rPr lang="en-US" b="0" i="1" smtClean="0">
+                          <a:solidFill>
+                            <a:srgbClr val="FF0000"/>
+                          </a:solidFill>
+                          <a:latin typeface="Cambria Math" panose="02040503050406030204" pitchFamily="18" charset="0"/>
+                        </a:rPr>
+                        <m:t>𝑥</m:t>
+                      </m:r>
+                    </m:oMath>
+                  </m:oMathPara>
+                </a14:m>
+                <a:endParaRPr lang="en-US" dirty="0"/>
+              </a:p>
+            </p:txBody>
+          </p:sp>
+        </mc:Choice>
+        <mc:Fallback>
+          <p:sp>
+            <p:nvSpPr>
+              <p:cNvPr id="4" name="TextBox 3">
+                <a:extLst>
+                  <a:ext uri="{FF2B5EF4-FFF2-40B4-BE49-F238E27FC236}">
+                    <a16:creationId xmlns:a16="http://schemas.microsoft.com/office/drawing/2014/main" id="{945412D8-45DD-4E20-48A2-9B9BED8BDACA}"/>
+                  </a:ext>
+                </a:extLst>
+              </p:cNvPr>
+              <p:cNvSpPr txBox="1">
+                <a:spLocks noRot="1" noChangeAspect="1" noMove="1" noResize="1" noEditPoints="1" noAdjustHandles="1" noChangeArrowheads="1" noChangeShapeType="1" noTextEdit="1"/>
+              </p:cNvSpPr>
+              <p:nvPr/>
+            </p:nvSpPr>
+            <p:spPr>
+              <a:xfrm>
+                <a:off x="4111018" y="6201770"/>
+                <a:ext cx="183319" cy="276999"/>
+              </a:xfrm>
+              <a:prstGeom prst="rect">
+                <a:avLst/>
+              </a:prstGeom>
+              <a:blipFill>
+                <a:blip r:embed="rId3"/>
+                <a:stretch>
+                  <a:fillRect l="-20000" r="-13333"/>
+                </a:stretch>
+              </a:blipFill>
+            </p:spPr>
+            <p:txBody>
+              <a:bodyPr/>
+              <a:lstStyle/>
+              <a:p>
+                <a:r>
+                  <a:rPr lang="en-US">
+                    <a:noFill/>
+                  </a:rPr>
+                  <a:t> </a:t>
+                </a:r>
+              </a:p>
+            </p:txBody>
+          </p:sp>
+        </mc:Fallback>
+      </mc:AlternateContent>
+      <mc:AlternateContent xmlns:mc="http://schemas.openxmlformats.org/markup-compatibility/2006">
+        <mc:Choice xmlns:a14="http://schemas.microsoft.com/office/drawing/2010/main" Requires="a14">
+          <p:sp>
+            <p:nvSpPr>
+              <p:cNvPr id="5" name="TextBox 4">
+                <a:extLst>
+                  <a:ext uri="{FF2B5EF4-FFF2-40B4-BE49-F238E27FC236}">
+                    <a16:creationId xmlns:a16="http://schemas.microsoft.com/office/drawing/2014/main" id="{389D6BD8-55A6-0E44-7D8C-5CCF639BD71E}"/>
+                  </a:ext>
+                </a:extLst>
+              </p:cNvPr>
+              <p:cNvSpPr txBox="1"/>
+              <p:nvPr/>
+            </p:nvSpPr>
+            <p:spPr>
+              <a:xfrm>
+                <a:off x="3044083" y="5140097"/>
+                <a:ext cx="186718" cy="276999"/>
+              </a:xfrm>
+              <a:prstGeom prst="rect">
+                <a:avLst/>
+              </a:prstGeom>
+              <a:noFill/>
+            </p:spPr>
+            <p:txBody>
+              <a:bodyPr wrap="none" lIns="0" tIns="0" rIns="0" bIns="0" rtlCol="0">
+                <a:spAutoFit/>
+              </a:bodyPr>
+              <a:lstStyle/>
+              <a:p>
+                <a:pPr/>
+                <a14:m>
+                  <m:oMathPara xmlns:m="http://schemas.openxmlformats.org/officeDocument/2006/math">
+                    <m:oMathParaPr>
+                      <m:jc m:val="centerGroup"/>
+                    </m:oMathParaPr>
+                    <m:oMath xmlns:m="http://schemas.openxmlformats.org/officeDocument/2006/math">
+                      <m:r>
+                        <a:rPr lang="en-US" b="0" i="1" smtClean="0">
+                          <a:solidFill>
+                            <a:srgbClr val="00B050"/>
+                          </a:solidFill>
+                          <a:latin typeface="Cambria Math" panose="02040503050406030204" pitchFamily="18" charset="0"/>
+                        </a:rPr>
+                        <m:t>𝑦</m:t>
+                      </m:r>
+                    </m:oMath>
+                  </m:oMathPara>
+                </a14:m>
+                <a:endParaRPr lang="en-US" dirty="0"/>
+              </a:p>
+            </p:txBody>
+          </p:sp>
+        </mc:Choice>
+        <mc:Fallback>
+          <p:sp>
+            <p:nvSpPr>
+              <p:cNvPr id="5" name="TextBox 4">
+                <a:extLst>
+                  <a:ext uri="{FF2B5EF4-FFF2-40B4-BE49-F238E27FC236}">
+                    <a16:creationId xmlns:a16="http://schemas.microsoft.com/office/drawing/2014/main" id="{389D6BD8-55A6-0E44-7D8C-5CCF639BD71E}"/>
+                  </a:ext>
+                </a:extLst>
+              </p:cNvPr>
+              <p:cNvSpPr txBox="1">
+                <a:spLocks noRot="1" noChangeAspect="1" noMove="1" noResize="1" noEditPoints="1" noAdjustHandles="1" noChangeArrowheads="1" noChangeShapeType="1" noTextEdit="1"/>
+              </p:cNvSpPr>
+              <p:nvPr/>
+            </p:nvSpPr>
+            <p:spPr>
+              <a:xfrm>
+                <a:off x="3044083" y="5140097"/>
+                <a:ext cx="186718" cy="276999"/>
+              </a:xfrm>
+              <a:prstGeom prst="rect">
+                <a:avLst/>
+              </a:prstGeom>
+              <a:blipFill>
+                <a:blip r:embed="rId4"/>
+                <a:stretch>
+                  <a:fillRect l="-32258" r="-25806" b="-23913"/>
+                </a:stretch>
+              </a:blipFill>
+            </p:spPr>
+            <p:txBody>
+              <a:bodyPr/>
+              <a:lstStyle/>
+              <a:p>
+                <a:r>
+                  <a:rPr lang="en-US">
+                    <a:noFill/>
+                  </a:rPr>
+                  <a:t> </a:t>
+                </a:r>
+              </a:p>
+            </p:txBody>
+          </p:sp>
+        </mc:Fallback>
+      </mc:AlternateContent>
+      <mc:AlternateContent xmlns:mc="http://schemas.openxmlformats.org/markup-compatibility/2006">
+        <mc:Choice xmlns:a14="http://schemas.microsoft.com/office/drawing/2010/main" Requires="a14">
+          <p:sp>
+            <p:nvSpPr>
+              <p:cNvPr id="6" name="TextBox 5">
+                <a:extLst>
+                  <a:ext uri="{FF2B5EF4-FFF2-40B4-BE49-F238E27FC236}">
+                    <a16:creationId xmlns:a16="http://schemas.microsoft.com/office/drawing/2014/main" id="{CB8878EC-C810-00E8-B170-24790D068BFC}"/>
+                  </a:ext>
+                </a:extLst>
+              </p:cNvPr>
+              <p:cNvSpPr txBox="1"/>
+              <p:nvPr/>
+            </p:nvSpPr>
+            <p:spPr>
+              <a:xfrm>
+                <a:off x="2874999" y="6201770"/>
+                <a:ext cx="169084" cy="276999"/>
+              </a:xfrm>
+              <a:prstGeom prst="rect">
+                <a:avLst/>
+              </a:prstGeom>
+              <a:noFill/>
+            </p:spPr>
+            <p:txBody>
+              <a:bodyPr wrap="none" lIns="0" tIns="0" rIns="0" bIns="0" rtlCol="0">
+                <a:spAutoFit/>
+              </a:bodyPr>
+              <a:lstStyle/>
+              <a:p>
+                <a:pPr/>
+                <a14:m>
+                  <m:oMathPara xmlns:m="http://schemas.openxmlformats.org/officeDocument/2006/math">
+                    <m:oMathParaPr>
+                      <m:jc m:val="centerGroup"/>
+                    </m:oMathParaPr>
+                    <m:oMath xmlns:m="http://schemas.openxmlformats.org/officeDocument/2006/math">
+                      <m:r>
+                        <a:rPr lang="en-US" b="0" i="1" smtClean="0">
+                          <a:solidFill>
+                            <a:srgbClr val="002060"/>
+                          </a:solidFill>
+                          <a:latin typeface="Cambria Math" panose="02040503050406030204" pitchFamily="18" charset="0"/>
+                        </a:rPr>
+                        <m:t>𝑧</m:t>
+                      </m:r>
+                    </m:oMath>
+                  </m:oMathPara>
+                </a14:m>
+                <a:endParaRPr lang="en-US" dirty="0">
+                  <a:solidFill>
+                    <a:srgbClr val="002060"/>
+                  </a:solidFill>
+                </a:endParaRPr>
+              </a:p>
+            </p:txBody>
+          </p:sp>
+        </mc:Choice>
+        <mc:Fallback>
+          <p:sp>
+            <p:nvSpPr>
+              <p:cNvPr id="6" name="TextBox 5">
+                <a:extLst>
+                  <a:ext uri="{FF2B5EF4-FFF2-40B4-BE49-F238E27FC236}">
+                    <a16:creationId xmlns:a16="http://schemas.microsoft.com/office/drawing/2014/main" id="{CB8878EC-C810-00E8-B170-24790D068BFC}"/>
+                  </a:ext>
+                </a:extLst>
+              </p:cNvPr>
+              <p:cNvSpPr txBox="1">
+                <a:spLocks noRot="1" noChangeAspect="1" noMove="1" noResize="1" noEditPoints="1" noAdjustHandles="1" noChangeArrowheads="1" noChangeShapeType="1" noTextEdit="1"/>
+              </p:cNvSpPr>
+              <p:nvPr/>
+            </p:nvSpPr>
+            <p:spPr>
+              <a:xfrm>
+                <a:off x="2874999" y="6201770"/>
+                <a:ext cx="169084" cy="276999"/>
+              </a:xfrm>
+              <a:prstGeom prst="rect">
+                <a:avLst/>
+              </a:prstGeom>
+              <a:blipFill>
+                <a:blip r:embed="rId5"/>
+                <a:stretch>
+                  <a:fillRect l="-22222" r="-18519"/>
+                </a:stretch>
+              </a:blipFill>
+            </p:spPr>
+            <p:txBody>
+              <a:bodyPr/>
+              <a:lstStyle/>
+              <a:p>
+                <a:r>
+                  <a:rPr lang="en-US">
+                    <a:noFill/>
+                  </a:rPr>
+                  <a:t> </a:t>
+                </a:r>
+              </a:p>
+            </p:txBody>
+          </p:sp>
+        </mc:Fallback>
+      </mc:AlternateContent>
+      <mc:AlternateContent xmlns:mc="http://schemas.openxmlformats.org/markup-compatibility/2006">
+        <mc:Choice xmlns:a14="http://schemas.microsoft.com/office/drawing/2010/main" Requires="a14">
+          <p:sp>
+            <p:nvSpPr>
+              <p:cNvPr id="7" name="TextBox 6">
+                <a:extLst>
+                  <a:ext uri="{FF2B5EF4-FFF2-40B4-BE49-F238E27FC236}">
+                    <a16:creationId xmlns:a16="http://schemas.microsoft.com/office/drawing/2014/main" id="{41F9F551-5C4C-E1ED-B057-572BAFF76BD5}"/>
+                  </a:ext>
+                </a:extLst>
+              </p:cNvPr>
+              <p:cNvSpPr txBox="1"/>
+              <p:nvPr/>
+            </p:nvSpPr>
+            <p:spPr>
+              <a:xfrm>
+                <a:off x="3669400" y="5140097"/>
+                <a:ext cx="356701" cy="492443"/>
+              </a:xfrm>
+              <a:prstGeom prst="rect">
+                <a:avLst/>
+              </a:prstGeom>
+              <a:noFill/>
+            </p:spPr>
+            <p:txBody>
+              <a:bodyPr wrap="none" lIns="0" tIns="0" rIns="0" bIns="0" rtlCol="0">
+                <a:spAutoFit/>
+              </a:bodyPr>
+              <a:lstStyle/>
+              <a:p>
+                <a:pPr/>
+                <a14:m>
+                  <m:oMathPara xmlns:m="http://schemas.openxmlformats.org/officeDocument/2006/math">
+                    <m:oMathParaPr>
+                      <m:jc m:val="centerGroup"/>
+                    </m:oMathParaPr>
+                    <m:oMath xmlns:m="http://schemas.openxmlformats.org/officeDocument/2006/math">
+                      <m:r>
+                        <a:rPr lang="en-US" sz="3200" b="0" i="1" smtClean="0">
+                          <a:solidFill>
+                            <a:schemeClr val="tx1"/>
+                          </a:solidFill>
+                          <a:latin typeface="Cambria Math" panose="02040503050406030204" pitchFamily="18" charset="0"/>
+                        </a:rPr>
+                        <m:t>𝐴</m:t>
+                      </m:r>
+                    </m:oMath>
+                  </m:oMathPara>
+                </a14:m>
+                <a:endParaRPr lang="en-US" sz="1600" dirty="0">
+                  <a:solidFill>
+                    <a:schemeClr val="tx1"/>
+                  </a:solidFill>
+                </a:endParaRPr>
+              </a:p>
+            </p:txBody>
+          </p:sp>
+        </mc:Choice>
+        <mc:Fallback>
+          <p:sp>
+            <p:nvSpPr>
+              <p:cNvPr id="7" name="TextBox 6">
+                <a:extLst>
+                  <a:ext uri="{FF2B5EF4-FFF2-40B4-BE49-F238E27FC236}">
+                    <a16:creationId xmlns:a16="http://schemas.microsoft.com/office/drawing/2014/main" id="{41F9F551-5C4C-E1ED-B057-572BAFF76BD5}"/>
+                  </a:ext>
+                </a:extLst>
+              </p:cNvPr>
+              <p:cNvSpPr txBox="1">
+                <a:spLocks noRot="1" noChangeAspect="1" noMove="1" noResize="1" noEditPoints="1" noAdjustHandles="1" noChangeArrowheads="1" noChangeShapeType="1" noTextEdit="1"/>
+              </p:cNvSpPr>
+              <p:nvPr/>
+            </p:nvSpPr>
+            <p:spPr>
+              <a:xfrm>
+                <a:off x="3669400" y="5140097"/>
+                <a:ext cx="356701" cy="492443"/>
+              </a:xfrm>
+              <a:prstGeom prst="rect">
+                <a:avLst/>
+              </a:prstGeom>
+              <a:blipFill>
+                <a:blip r:embed="rId6"/>
+                <a:stretch>
+                  <a:fillRect/>
+                </a:stretch>
+              </a:blipFill>
+            </p:spPr>
+            <p:txBody>
+              <a:bodyPr/>
+              <a:lstStyle/>
+              <a:p>
+                <a:r>
+                  <a:rPr lang="en-US">
+                    <a:noFill/>
+                  </a:rPr>
+                  <a:t> </a:t>
+                </a:r>
+              </a:p>
+            </p:txBody>
+          </p:sp>
+        </mc:Fallback>
+      </mc:AlternateContent>
+      <mc:AlternateContent xmlns:mc="http://schemas.openxmlformats.org/markup-compatibility/2006">
+        <mc:Choice xmlns:a14="http://schemas.microsoft.com/office/drawing/2010/main" Requires="a14">
+          <p:sp>
+            <p:nvSpPr>
+              <p:cNvPr id="8" name="TextBox 7">
+                <a:extLst>
+                  <a:ext uri="{FF2B5EF4-FFF2-40B4-BE49-F238E27FC236}">
+                    <a16:creationId xmlns:a16="http://schemas.microsoft.com/office/drawing/2014/main" id="{3C03C898-D12E-C462-9BD7-B56D1035B93A}"/>
+                  </a:ext>
+                </a:extLst>
+              </p:cNvPr>
+              <p:cNvSpPr txBox="1"/>
+              <p:nvPr/>
+            </p:nvSpPr>
+            <p:spPr>
+              <a:xfrm>
+                <a:off x="8165901" y="5140097"/>
+                <a:ext cx="356701" cy="492443"/>
+              </a:xfrm>
+              <a:prstGeom prst="rect">
+                <a:avLst/>
+              </a:prstGeom>
+              <a:noFill/>
+            </p:spPr>
+            <p:txBody>
+              <a:bodyPr wrap="square" lIns="0" tIns="0" rIns="0" bIns="0" rtlCol="0">
+                <a:spAutoFit/>
+              </a:bodyPr>
+              <a:lstStyle/>
+              <a:p>
+                <a:pPr/>
+                <a14:m>
+                  <m:oMathPara xmlns:m="http://schemas.openxmlformats.org/officeDocument/2006/math">
+                    <m:oMathParaPr>
+                      <m:jc m:val="centerGroup"/>
+                    </m:oMathParaPr>
+                    <m:oMath xmlns:m="http://schemas.openxmlformats.org/officeDocument/2006/math">
+                      <m:r>
+                        <a:rPr lang="en-US" sz="3200" b="0" i="1" smtClean="0">
+                          <a:solidFill>
+                            <a:schemeClr val="tx1"/>
+                          </a:solidFill>
+                          <a:latin typeface="Cambria Math" panose="02040503050406030204" pitchFamily="18" charset="0"/>
+                        </a:rPr>
+                        <m:t>𝐶</m:t>
+                      </m:r>
+                    </m:oMath>
+                  </m:oMathPara>
+                </a14:m>
+                <a:endParaRPr lang="en-US" sz="1600" dirty="0">
+                  <a:solidFill>
+                    <a:schemeClr val="tx1"/>
+                  </a:solidFill>
+                </a:endParaRPr>
+              </a:p>
+            </p:txBody>
+          </p:sp>
+        </mc:Choice>
+        <mc:Fallback>
+          <p:sp>
+            <p:nvSpPr>
+              <p:cNvPr id="8" name="TextBox 7">
+                <a:extLst>
+                  <a:ext uri="{FF2B5EF4-FFF2-40B4-BE49-F238E27FC236}">
+                    <a16:creationId xmlns:a16="http://schemas.microsoft.com/office/drawing/2014/main" id="{3C03C898-D12E-C462-9BD7-B56D1035B93A}"/>
+                  </a:ext>
+                </a:extLst>
+              </p:cNvPr>
+              <p:cNvSpPr txBox="1">
+                <a:spLocks noRot="1" noChangeAspect="1" noMove="1" noResize="1" noEditPoints="1" noAdjustHandles="1" noChangeArrowheads="1" noChangeShapeType="1" noTextEdit="1"/>
+              </p:cNvSpPr>
+              <p:nvPr/>
+            </p:nvSpPr>
+            <p:spPr>
+              <a:xfrm>
+                <a:off x="8165901" y="5140097"/>
+                <a:ext cx="356701" cy="492443"/>
+              </a:xfrm>
+              <a:prstGeom prst="rect">
+                <a:avLst/>
+              </a:prstGeom>
+              <a:blipFill>
+                <a:blip r:embed="rId7"/>
+                <a:stretch>
+                  <a:fillRect/>
+                </a:stretch>
+              </a:blipFill>
+            </p:spPr>
+            <p:txBody>
+              <a:bodyPr/>
+              <a:lstStyle/>
+              <a:p>
+                <a:r>
+                  <a:rPr lang="en-US">
+                    <a:noFill/>
+                  </a:rPr>
+                  <a:t> </a:t>
+                </a:r>
+              </a:p>
+            </p:txBody>
+          </p:sp>
+        </mc:Fallback>
+      </mc:AlternateContent>
+      <mc:AlternateContent xmlns:mc="http://schemas.openxmlformats.org/markup-compatibility/2006">
+        <mc:Choice xmlns:a14="http://schemas.microsoft.com/office/drawing/2010/main" Requires="a14">
+          <p:sp>
+            <p:nvSpPr>
+              <p:cNvPr id="9" name="TextBox 8">
+                <a:extLst>
+                  <a:ext uri="{FF2B5EF4-FFF2-40B4-BE49-F238E27FC236}">
+                    <a16:creationId xmlns:a16="http://schemas.microsoft.com/office/drawing/2014/main" id="{923F1D28-60C9-4E66-0C50-94E882708F08}"/>
+                  </a:ext>
+                </a:extLst>
+              </p:cNvPr>
+              <p:cNvSpPr txBox="1"/>
+              <p:nvPr/>
+            </p:nvSpPr>
+            <p:spPr>
+              <a:xfrm>
+                <a:off x="5935518" y="889233"/>
+                <a:ext cx="320963" cy="492443"/>
+              </a:xfrm>
+              <a:prstGeom prst="rect">
+                <a:avLst/>
+              </a:prstGeom>
+              <a:noFill/>
+            </p:spPr>
+            <p:txBody>
+              <a:bodyPr wrap="square" lIns="0" tIns="0" rIns="0" bIns="0" rtlCol="0">
+                <a:spAutoFit/>
+              </a:bodyPr>
+              <a:lstStyle/>
+              <a:p>
+                <a:pPr/>
+                <a14:m>
+                  <m:oMathPara xmlns:m="http://schemas.openxmlformats.org/officeDocument/2006/math">
+                    <m:oMathParaPr>
+                      <m:jc m:val="centerGroup"/>
+                    </m:oMathParaPr>
+                    <m:oMath xmlns:m="http://schemas.openxmlformats.org/officeDocument/2006/math">
+                      <m:r>
+                        <a:rPr lang="en-US" sz="3200" b="0" i="1" smtClean="0">
+                          <a:solidFill>
+                            <a:schemeClr val="tx1"/>
+                          </a:solidFill>
+                          <a:latin typeface="Cambria Math" panose="02040503050406030204" pitchFamily="18" charset="0"/>
+                        </a:rPr>
+                        <m:t>𝐵</m:t>
+                      </m:r>
+                    </m:oMath>
+                  </m:oMathPara>
+                </a14:m>
+                <a:endParaRPr lang="en-US" sz="1600" dirty="0">
+                  <a:solidFill>
+                    <a:schemeClr val="tx1"/>
+                  </a:solidFill>
+                </a:endParaRPr>
+              </a:p>
+            </p:txBody>
+          </p:sp>
+        </mc:Choice>
+        <mc:Fallback>
+          <p:sp>
+            <p:nvSpPr>
+              <p:cNvPr id="9" name="TextBox 8">
+                <a:extLst>
+                  <a:ext uri="{FF2B5EF4-FFF2-40B4-BE49-F238E27FC236}">
+                    <a16:creationId xmlns:a16="http://schemas.microsoft.com/office/drawing/2014/main" id="{923F1D28-60C9-4E66-0C50-94E882708F08}"/>
+                  </a:ext>
+                </a:extLst>
+              </p:cNvPr>
+              <p:cNvSpPr txBox="1">
+                <a:spLocks noRot="1" noChangeAspect="1" noMove="1" noResize="1" noEditPoints="1" noAdjustHandles="1" noChangeArrowheads="1" noChangeShapeType="1" noTextEdit="1"/>
+              </p:cNvSpPr>
+              <p:nvPr/>
+            </p:nvSpPr>
+            <p:spPr>
+              <a:xfrm>
+                <a:off x="5935518" y="889233"/>
+                <a:ext cx="320963" cy="492443"/>
+              </a:xfrm>
+              <a:prstGeom prst="rect">
+                <a:avLst/>
+              </a:prstGeom>
+              <a:blipFill>
+                <a:blip r:embed="rId8"/>
+                <a:stretch>
+                  <a:fillRect/>
+                </a:stretch>
+              </a:blipFill>
+            </p:spPr>
+            <p:txBody>
+              <a:bodyPr/>
+              <a:lstStyle/>
+              <a:p>
+                <a:r>
+                  <a:rPr lang="en-US">
+                    <a:noFill/>
+                  </a:rPr>
+                  <a:t> </a:t>
+                </a:r>
+              </a:p>
+            </p:txBody>
+          </p:sp>
+        </mc:Fallback>
+      </mc:AlternateContent>
+    </p:spTree>
+    <p:extLst>
+      <p:ext uri="{BB962C8B-B14F-4D97-AF65-F5344CB8AC3E}">
+        <p14:creationId xmlns:p14="http://schemas.microsoft.com/office/powerpoint/2010/main" val="3115965400"/>
+      </p:ext>
+    </p:extLst>
+  </p:cSld>
+  <p:clrMapOvr>
+    <a:masterClrMapping/>
+  </p:clrMapOvr>
+</p:sld>
+</file>
+
+<file path=ppt/slides/slide12.xml><?xml version="1.0" encoding="utf-8"?>
+<p:sld xmlns:a="http://schemas.openxmlformats.org/drawingml/2006/main" xmlns:r="http://schemas.openxmlformats.org/officeDocument/2006/relationships" xmlns:p="http://schemas.openxmlformats.org/presentationml/2006/main">
+  <p:cSld>
+    <p:spTree>
+      <p:nvGrpSpPr>
+        <p:cNvPr id="1" name=""/>
+        <p:cNvGrpSpPr/>
+        <p:nvPr/>
+      </p:nvGrpSpPr>
+      <p:grpSpPr>
+        <a:xfrm>
+          <a:off x="0" y="0"/>
+          <a:ext cx="0" cy="0"/>
+          <a:chOff x="0" y="0"/>
+          <a:chExt cx="0" cy="0"/>
+        </a:xfrm>
+      </p:grpSpPr>
+      <p:pic>
+        <p:nvPicPr>
+          <p:cNvPr id="3" name="Picture 2">
+            <a:extLst>
+              <a:ext uri="{FF2B5EF4-FFF2-40B4-BE49-F238E27FC236}">
+                <a16:creationId xmlns:a16="http://schemas.microsoft.com/office/drawing/2014/main" id="{D87E8BCC-4410-2C55-6328-B0621341F1B7}"/>
+              </a:ext>
+            </a:extLst>
+          </p:cNvPr>
+          <p:cNvPicPr>
+            <a:picLocks noChangeAspect="1"/>
+          </p:cNvPicPr>
+          <p:nvPr/>
+        </p:nvPicPr>
+        <p:blipFill>
+          <a:blip r:embed="rId2"/>
+          <a:stretch>
+            <a:fillRect/>
+          </a:stretch>
+        </p:blipFill>
+        <p:spPr>
+          <a:xfrm>
+            <a:off x="2667000" y="0"/>
+            <a:ext cx="6858000" cy="6858000"/>
+          </a:xfrm>
+          <a:prstGeom prst="rect">
+            <a:avLst/>
+          </a:prstGeom>
+        </p:spPr>
+      </p:pic>
+      <mc:AlternateContent xmlns:mc="http://schemas.openxmlformats.org/markup-compatibility/2006">
+        <mc:Choice xmlns:a14="http://schemas.microsoft.com/office/drawing/2010/main" Requires="a14">
+          <p:sp>
+            <p:nvSpPr>
+              <p:cNvPr id="4" name="TextBox 3">
+                <a:extLst>
+                  <a:ext uri="{FF2B5EF4-FFF2-40B4-BE49-F238E27FC236}">
+                    <a16:creationId xmlns:a16="http://schemas.microsoft.com/office/drawing/2014/main" id="{D584731F-6A41-03E2-CA28-DB6D0385F11C}"/>
+                  </a:ext>
+                </a:extLst>
+              </p:cNvPr>
+              <p:cNvSpPr txBox="1"/>
+              <p:nvPr/>
+            </p:nvSpPr>
+            <p:spPr>
+              <a:xfrm>
+                <a:off x="4111018" y="6201770"/>
+                <a:ext cx="183319" cy="276999"/>
+              </a:xfrm>
+              <a:prstGeom prst="rect">
+                <a:avLst/>
+              </a:prstGeom>
+              <a:noFill/>
+            </p:spPr>
+            <p:txBody>
+              <a:bodyPr wrap="none" lIns="0" tIns="0" rIns="0" bIns="0" rtlCol="0">
+                <a:spAutoFit/>
+              </a:bodyPr>
+              <a:lstStyle/>
+              <a:p>
+                <a:pPr/>
+                <a14:m>
+                  <m:oMathPara xmlns:m="http://schemas.openxmlformats.org/officeDocument/2006/math">
+                    <m:oMathParaPr>
+                      <m:jc m:val="centerGroup"/>
+                    </m:oMathParaPr>
+                    <m:oMath xmlns:m="http://schemas.openxmlformats.org/officeDocument/2006/math">
+                      <m:r>
+                        <a:rPr lang="en-US" b="0" i="1" smtClean="0">
+                          <a:solidFill>
+                            <a:srgbClr val="FF0000"/>
+                          </a:solidFill>
+                          <a:latin typeface="Cambria Math" panose="02040503050406030204" pitchFamily="18" charset="0"/>
+                        </a:rPr>
+                        <m:t>𝑥</m:t>
+                      </m:r>
+                    </m:oMath>
+                  </m:oMathPara>
+                </a14:m>
+                <a:endParaRPr lang="en-US" dirty="0"/>
+              </a:p>
+            </p:txBody>
+          </p:sp>
+        </mc:Choice>
+        <mc:Fallback>
+          <p:sp>
+            <p:nvSpPr>
+              <p:cNvPr id="4" name="TextBox 3">
+                <a:extLst>
+                  <a:ext uri="{FF2B5EF4-FFF2-40B4-BE49-F238E27FC236}">
+                    <a16:creationId xmlns:a16="http://schemas.microsoft.com/office/drawing/2014/main" id="{D584731F-6A41-03E2-CA28-DB6D0385F11C}"/>
+                  </a:ext>
+                </a:extLst>
+              </p:cNvPr>
+              <p:cNvSpPr txBox="1">
+                <a:spLocks noRot="1" noChangeAspect="1" noMove="1" noResize="1" noEditPoints="1" noAdjustHandles="1" noChangeArrowheads="1" noChangeShapeType="1" noTextEdit="1"/>
+              </p:cNvSpPr>
+              <p:nvPr/>
+            </p:nvSpPr>
+            <p:spPr>
+              <a:xfrm>
+                <a:off x="4111018" y="6201770"/>
+                <a:ext cx="183319" cy="276999"/>
+              </a:xfrm>
+              <a:prstGeom prst="rect">
+                <a:avLst/>
+              </a:prstGeom>
+              <a:blipFill>
+                <a:blip r:embed="rId3"/>
+                <a:stretch>
+                  <a:fillRect l="-20000" r="-13333"/>
+                </a:stretch>
+              </a:blipFill>
+            </p:spPr>
+            <p:txBody>
+              <a:bodyPr/>
+              <a:lstStyle/>
+              <a:p>
+                <a:r>
+                  <a:rPr lang="en-US">
+                    <a:noFill/>
+                  </a:rPr>
+                  <a:t> </a:t>
+                </a:r>
+              </a:p>
+            </p:txBody>
+          </p:sp>
+        </mc:Fallback>
+      </mc:AlternateContent>
+      <mc:AlternateContent xmlns:mc="http://schemas.openxmlformats.org/markup-compatibility/2006">
+        <mc:Choice xmlns:a14="http://schemas.microsoft.com/office/drawing/2010/main" Requires="a14">
+          <p:sp>
+            <p:nvSpPr>
+              <p:cNvPr id="5" name="TextBox 4">
+                <a:extLst>
+                  <a:ext uri="{FF2B5EF4-FFF2-40B4-BE49-F238E27FC236}">
+                    <a16:creationId xmlns:a16="http://schemas.microsoft.com/office/drawing/2014/main" id="{07892959-3FA6-1AC0-69C9-5C75B73D133A}"/>
+                  </a:ext>
+                </a:extLst>
+              </p:cNvPr>
+              <p:cNvSpPr txBox="1"/>
+              <p:nvPr/>
+            </p:nvSpPr>
+            <p:spPr>
+              <a:xfrm>
+                <a:off x="3044083" y="5140097"/>
+                <a:ext cx="186718" cy="276999"/>
+              </a:xfrm>
+              <a:prstGeom prst="rect">
+                <a:avLst/>
+              </a:prstGeom>
+              <a:noFill/>
+            </p:spPr>
+            <p:txBody>
+              <a:bodyPr wrap="none" lIns="0" tIns="0" rIns="0" bIns="0" rtlCol="0">
+                <a:spAutoFit/>
+              </a:bodyPr>
+              <a:lstStyle/>
+              <a:p>
+                <a:pPr/>
+                <a14:m>
+                  <m:oMathPara xmlns:m="http://schemas.openxmlformats.org/officeDocument/2006/math">
+                    <m:oMathParaPr>
+                      <m:jc m:val="centerGroup"/>
+                    </m:oMathParaPr>
+                    <m:oMath xmlns:m="http://schemas.openxmlformats.org/officeDocument/2006/math">
+                      <m:r>
+                        <a:rPr lang="en-US" b="0" i="1" smtClean="0">
+                          <a:solidFill>
+                            <a:srgbClr val="00B050"/>
+                          </a:solidFill>
+                          <a:latin typeface="Cambria Math" panose="02040503050406030204" pitchFamily="18" charset="0"/>
+                        </a:rPr>
+                        <m:t>𝑦</m:t>
+                      </m:r>
+                    </m:oMath>
+                  </m:oMathPara>
+                </a14:m>
+                <a:endParaRPr lang="en-US" dirty="0"/>
+              </a:p>
+            </p:txBody>
+          </p:sp>
+        </mc:Choice>
+        <mc:Fallback>
+          <p:sp>
+            <p:nvSpPr>
+              <p:cNvPr id="5" name="TextBox 4">
+                <a:extLst>
+                  <a:ext uri="{FF2B5EF4-FFF2-40B4-BE49-F238E27FC236}">
+                    <a16:creationId xmlns:a16="http://schemas.microsoft.com/office/drawing/2014/main" id="{07892959-3FA6-1AC0-69C9-5C75B73D133A}"/>
+                  </a:ext>
+                </a:extLst>
+              </p:cNvPr>
+              <p:cNvSpPr txBox="1">
+                <a:spLocks noRot="1" noChangeAspect="1" noMove="1" noResize="1" noEditPoints="1" noAdjustHandles="1" noChangeArrowheads="1" noChangeShapeType="1" noTextEdit="1"/>
+              </p:cNvSpPr>
+              <p:nvPr/>
+            </p:nvSpPr>
+            <p:spPr>
+              <a:xfrm>
+                <a:off x="3044083" y="5140097"/>
+                <a:ext cx="186718" cy="276999"/>
+              </a:xfrm>
+              <a:prstGeom prst="rect">
+                <a:avLst/>
+              </a:prstGeom>
+              <a:blipFill>
+                <a:blip r:embed="rId4"/>
+                <a:stretch>
+                  <a:fillRect l="-32258" r="-25806" b="-23913"/>
+                </a:stretch>
+              </a:blipFill>
+            </p:spPr>
+            <p:txBody>
+              <a:bodyPr/>
+              <a:lstStyle/>
+              <a:p>
+                <a:r>
+                  <a:rPr lang="en-US">
+                    <a:noFill/>
+                  </a:rPr>
+                  <a:t> </a:t>
+                </a:r>
+              </a:p>
+            </p:txBody>
+          </p:sp>
+        </mc:Fallback>
+      </mc:AlternateContent>
+      <mc:AlternateContent xmlns:mc="http://schemas.openxmlformats.org/markup-compatibility/2006">
+        <mc:Choice xmlns:a14="http://schemas.microsoft.com/office/drawing/2010/main" Requires="a14">
+          <p:sp>
+            <p:nvSpPr>
+              <p:cNvPr id="6" name="TextBox 5">
+                <a:extLst>
+                  <a:ext uri="{FF2B5EF4-FFF2-40B4-BE49-F238E27FC236}">
+                    <a16:creationId xmlns:a16="http://schemas.microsoft.com/office/drawing/2014/main" id="{D2B5388D-DD44-FDEE-6D68-15986F87A322}"/>
+                  </a:ext>
+                </a:extLst>
+              </p:cNvPr>
+              <p:cNvSpPr txBox="1"/>
+              <p:nvPr/>
+            </p:nvSpPr>
+            <p:spPr>
+              <a:xfrm>
+                <a:off x="2874999" y="6201770"/>
+                <a:ext cx="169084" cy="276999"/>
+              </a:xfrm>
+              <a:prstGeom prst="rect">
+                <a:avLst/>
+              </a:prstGeom>
+              <a:noFill/>
+            </p:spPr>
+            <p:txBody>
+              <a:bodyPr wrap="none" lIns="0" tIns="0" rIns="0" bIns="0" rtlCol="0">
+                <a:spAutoFit/>
+              </a:bodyPr>
+              <a:lstStyle/>
+              <a:p>
+                <a:pPr/>
+                <a14:m>
+                  <m:oMathPara xmlns:m="http://schemas.openxmlformats.org/officeDocument/2006/math">
+                    <m:oMathParaPr>
+                      <m:jc m:val="centerGroup"/>
+                    </m:oMathParaPr>
+                    <m:oMath xmlns:m="http://schemas.openxmlformats.org/officeDocument/2006/math">
+                      <m:r>
+                        <a:rPr lang="en-US" b="0" i="1" smtClean="0">
+                          <a:solidFill>
+                            <a:srgbClr val="002060"/>
+                          </a:solidFill>
+                          <a:latin typeface="Cambria Math" panose="02040503050406030204" pitchFamily="18" charset="0"/>
+                        </a:rPr>
+                        <m:t>𝑧</m:t>
+                      </m:r>
+                    </m:oMath>
+                  </m:oMathPara>
+                </a14:m>
+                <a:endParaRPr lang="en-US" dirty="0">
+                  <a:solidFill>
+                    <a:srgbClr val="002060"/>
+                  </a:solidFill>
+                </a:endParaRPr>
+              </a:p>
+            </p:txBody>
+          </p:sp>
+        </mc:Choice>
+        <mc:Fallback>
+          <p:sp>
+            <p:nvSpPr>
+              <p:cNvPr id="6" name="TextBox 5">
+                <a:extLst>
+                  <a:ext uri="{FF2B5EF4-FFF2-40B4-BE49-F238E27FC236}">
+                    <a16:creationId xmlns:a16="http://schemas.microsoft.com/office/drawing/2014/main" id="{D2B5388D-DD44-FDEE-6D68-15986F87A322}"/>
+                  </a:ext>
+                </a:extLst>
+              </p:cNvPr>
+              <p:cNvSpPr txBox="1">
+                <a:spLocks noRot="1" noChangeAspect="1" noMove="1" noResize="1" noEditPoints="1" noAdjustHandles="1" noChangeArrowheads="1" noChangeShapeType="1" noTextEdit="1"/>
+              </p:cNvSpPr>
+              <p:nvPr/>
+            </p:nvSpPr>
+            <p:spPr>
+              <a:xfrm>
+                <a:off x="2874999" y="6201770"/>
+                <a:ext cx="169084" cy="276999"/>
+              </a:xfrm>
+              <a:prstGeom prst="rect">
+                <a:avLst/>
+              </a:prstGeom>
+              <a:blipFill>
+                <a:blip r:embed="rId5"/>
+                <a:stretch>
+                  <a:fillRect l="-22222" r="-18519"/>
+                </a:stretch>
+              </a:blipFill>
+            </p:spPr>
+            <p:txBody>
+              <a:bodyPr/>
+              <a:lstStyle/>
+              <a:p>
+                <a:r>
+                  <a:rPr lang="en-US">
+                    <a:noFill/>
+                  </a:rPr>
+                  <a:t> </a:t>
+                </a:r>
+              </a:p>
+            </p:txBody>
+          </p:sp>
+        </mc:Fallback>
+      </mc:AlternateContent>
+      <mc:AlternateContent xmlns:mc="http://schemas.openxmlformats.org/markup-compatibility/2006">
+        <mc:Choice xmlns:a14="http://schemas.microsoft.com/office/drawing/2010/main" Requires="a14">
+          <p:sp>
+            <p:nvSpPr>
+              <p:cNvPr id="7" name="TextBox 6">
+                <a:extLst>
+                  <a:ext uri="{FF2B5EF4-FFF2-40B4-BE49-F238E27FC236}">
+                    <a16:creationId xmlns:a16="http://schemas.microsoft.com/office/drawing/2014/main" id="{7D2C4C6B-6B07-19DA-4213-83CF6E0E8431}"/>
+                  </a:ext>
+                </a:extLst>
+              </p:cNvPr>
+              <p:cNvSpPr txBox="1"/>
+              <p:nvPr/>
+            </p:nvSpPr>
+            <p:spPr>
+              <a:xfrm>
+                <a:off x="3669400" y="5140097"/>
+                <a:ext cx="356701" cy="492443"/>
+              </a:xfrm>
+              <a:prstGeom prst="rect">
+                <a:avLst/>
+              </a:prstGeom>
+              <a:noFill/>
+            </p:spPr>
+            <p:txBody>
+              <a:bodyPr wrap="none" lIns="0" tIns="0" rIns="0" bIns="0" rtlCol="0">
+                <a:spAutoFit/>
+              </a:bodyPr>
+              <a:lstStyle/>
+              <a:p>
+                <a:pPr/>
+                <a14:m>
+                  <m:oMathPara xmlns:m="http://schemas.openxmlformats.org/officeDocument/2006/math">
+                    <m:oMathParaPr>
+                      <m:jc m:val="centerGroup"/>
+                    </m:oMathParaPr>
+                    <m:oMath xmlns:m="http://schemas.openxmlformats.org/officeDocument/2006/math">
+                      <m:r>
+                        <a:rPr lang="en-US" sz="3200" b="0" i="1" smtClean="0">
+                          <a:solidFill>
+                            <a:schemeClr val="tx1"/>
+                          </a:solidFill>
+                          <a:latin typeface="Cambria Math" panose="02040503050406030204" pitchFamily="18" charset="0"/>
+                        </a:rPr>
+                        <m:t>𝐴</m:t>
+                      </m:r>
+                    </m:oMath>
+                  </m:oMathPara>
+                </a14:m>
+                <a:endParaRPr lang="en-US" sz="1600" dirty="0">
+                  <a:solidFill>
+                    <a:schemeClr val="tx1"/>
+                  </a:solidFill>
+                </a:endParaRPr>
+              </a:p>
+            </p:txBody>
+          </p:sp>
+        </mc:Choice>
+        <mc:Fallback>
+          <p:sp>
+            <p:nvSpPr>
+              <p:cNvPr id="7" name="TextBox 6">
+                <a:extLst>
+                  <a:ext uri="{FF2B5EF4-FFF2-40B4-BE49-F238E27FC236}">
+                    <a16:creationId xmlns:a16="http://schemas.microsoft.com/office/drawing/2014/main" id="{7D2C4C6B-6B07-19DA-4213-83CF6E0E8431}"/>
+                  </a:ext>
+                </a:extLst>
+              </p:cNvPr>
+              <p:cNvSpPr txBox="1">
+                <a:spLocks noRot="1" noChangeAspect="1" noMove="1" noResize="1" noEditPoints="1" noAdjustHandles="1" noChangeArrowheads="1" noChangeShapeType="1" noTextEdit="1"/>
+              </p:cNvSpPr>
+              <p:nvPr/>
+            </p:nvSpPr>
+            <p:spPr>
+              <a:xfrm>
+                <a:off x="3669400" y="5140097"/>
+                <a:ext cx="356701" cy="492443"/>
+              </a:xfrm>
+              <a:prstGeom prst="rect">
+                <a:avLst/>
+              </a:prstGeom>
+              <a:blipFill>
+                <a:blip r:embed="rId6"/>
+                <a:stretch>
+                  <a:fillRect/>
+                </a:stretch>
+              </a:blipFill>
+            </p:spPr>
+            <p:txBody>
+              <a:bodyPr/>
+              <a:lstStyle/>
+              <a:p>
+                <a:r>
+                  <a:rPr lang="en-US">
+                    <a:noFill/>
+                  </a:rPr>
+                  <a:t> </a:t>
+                </a:r>
+              </a:p>
+            </p:txBody>
+          </p:sp>
+        </mc:Fallback>
+      </mc:AlternateContent>
+      <mc:AlternateContent xmlns:mc="http://schemas.openxmlformats.org/markup-compatibility/2006">
+        <mc:Choice xmlns:a14="http://schemas.microsoft.com/office/drawing/2010/main" Requires="a14">
+          <p:sp>
+            <p:nvSpPr>
+              <p:cNvPr id="8" name="TextBox 7">
+                <a:extLst>
+                  <a:ext uri="{FF2B5EF4-FFF2-40B4-BE49-F238E27FC236}">
+                    <a16:creationId xmlns:a16="http://schemas.microsoft.com/office/drawing/2014/main" id="{B3EE582F-C0DC-19BD-2C87-572A1BAF3167}"/>
+                  </a:ext>
+                </a:extLst>
+              </p:cNvPr>
+              <p:cNvSpPr txBox="1"/>
+              <p:nvPr/>
+            </p:nvSpPr>
+            <p:spPr>
+              <a:xfrm>
+                <a:off x="8165901" y="5140097"/>
+                <a:ext cx="356701" cy="492443"/>
+              </a:xfrm>
+              <a:prstGeom prst="rect">
+                <a:avLst/>
+              </a:prstGeom>
+              <a:noFill/>
+            </p:spPr>
+            <p:txBody>
+              <a:bodyPr wrap="square" lIns="0" tIns="0" rIns="0" bIns="0" rtlCol="0">
+                <a:spAutoFit/>
+              </a:bodyPr>
+              <a:lstStyle/>
+              <a:p>
+                <a:pPr/>
+                <a14:m>
+                  <m:oMathPara xmlns:m="http://schemas.openxmlformats.org/officeDocument/2006/math">
+                    <m:oMathParaPr>
+                      <m:jc m:val="centerGroup"/>
+                    </m:oMathParaPr>
+                    <m:oMath xmlns:m="http://schemas.openxmlformats.org/officeDocument/2006/math">
+                      <m:r>
+                        <a:rPr lang="en-US" sz="3200" b="0" i="1" smtClean="0">
+                          <a:solidFill>
+                            <a:schemeClr val="tx1"/>
+                          </a:solidFill>
+                          <a:latin typeface="Cambria Math" panose="02040503050406030204" pitchFamily="18" charset="0"/>
+                        </a:rPr>
+                        <m:t>𝐶</m:t>
+                      </m:r>
+                    </m:oMath>
+                  </m:oMathPara>
+                </a14:m>
+                <a:endParaRPr lang="en-US" sz="1600" dirty="0">
+                  <a:solidFill>
+                    <a:schemeClr val="tx1"/>
+                  </a:solidFill>
+                </a:endParaRPr>
+              </a:p>
+            </p:txBody>
+          </p:sp>
+        </mc:Choice>
+        <mc:Fallback>
+          <p:sp>
+            <p:nvSpPr>
+              <p:cNvPr id="8" name="TextBox 7">
+                <a:extLst>
+                  <a:ext uri="{FF2B5EF4-FFF2-40B4-BE49-F238E27FC236}">
+                    <a16:creationId xmlns:a16="http://schemas.microsoft.com/office/drawing/2014/main" id="{B3EE582F-C0DC-19BD-2C87-572A1BAF3167}"/>
+                  </a:ext>
+                </a:extLst>
+              </p:cNvPr>
+              <p:cNvSpPr txBox="1">
+                <a:spLocks noRot="1" noChangeAspect="1" noMove="1" noResize="1" noEditPoints="1" noAdjustHandles="1" noChangeArrowheads="1" noChangeShapeType="1" noTextEdit="1"/>
+              </p:cNvSpPr>
+              <p:nvPr/>
+            </p:nvSpPr>
+            <p:spPr>
+              <a:xfrm>
+                <a:off x="8165901" y="5140097"/>
+                <a:ext cx="356701" cy="492443"/>
+              </a:xfrm>
+              <a:prstGeom prst="rect">
+                <a:avLst/>
+              </a:prstGeom>
+              <a:blipFill>
+                <a:blip r:embed="rId7"/>
+                <a:stretch>
+                  <a:fillRect/>
+                </a:stretch>
+              </a:blipFill>
+            </p:spPr>
+            <p:txBody>
+              <a:bodyPr/>
+              <a:lstStyle/>
+              <a:p>
+                <a:r>
+                  <a:rPr lang="en-US">
+                    <a:noFill/>
+                  </a:rPr>
+                  <a:t> </a:t>
+                </a:r>
+              </a:p>
+            </p:txBody>
+          </p:sp>
+        </mc:Fallback>
+      </mc:AlternateContent>
+      <mc:AlternateContent xmlns:mc="http://schemas.openxmlformats.org/markup-compatibility/2006">
+        <mc:Choice xmlns:a14="http://schemas.microsoft.com/office/drawing/2010/main" Requires="a14">
+          <p:sp>
+            <p:nvSpPr>
+              <p:cNvPr id="9" name="TextBox 8">
+                <a:extLst>
+                  <a:ext uri="{FF2B5EF4-FFF2-40B4-BE49-F238E27FC236}">
+                    <a16:creationId xmlns:a16="http://schemas.microsoft.com/office/drawing/2014/main" id="{73EE22AB-8410-EA33-DE8A-27A6C1BC2150}"/>
+                  </a:ext>
+                </a:extLst>
+              </p:cNvPr>
+              <p:cNvSpPr txBox="1"/>
+              <p:nvPr/>
+            </p:nvSpPr>
+            <p:spPr>
+              <a:xfrm>
+                <a:off x="5935518" y="889233"/>
+                <a:ext cx="320963" cy="492443"/>
+              </a:xfrm>
+              <a:prstGeom prst="rect">
+                <a:avLst/>
+              </a:prstGeom>
+              <a:noFill/>
+            </p:spPr>
+            <p:txBody>
+              <a:bodyPr wrap="square" lIns="0" tIns="0" rIns="0" bIns="0" rtlCol="0">
+                <a:spAutoFit/>
+              </a:bodyPr>
+              <a:lstStyle/>
+              <a:p>
+                <a:pPr/>
+                <a14:m>
+                  <m:oMathPara xmlns:m="http://schemas.openxmlformats.org/officeDocument/2006/math">
+                    <m:oMathParaPr>
+                      <m:jc m:val="centerGroup"/>
+                    </m:oMathParaPr>
+                    <m:oMath xmlns:m="http://schemas.openxmlformats.org/officeDocument/2006/math">
+                      <m:r>
+                        <a:rPr lang="en-US" sz="3200" b="0" i="1" smtClean="0">
+                          <a:solidFill>
+                            <a:schemeClr val="tx1"/>
+                          </a:solidFill>
+                          <a:latin typeface="Cambria Math" panose="02040503050406030204" pitchFamily="18" charset="0"/>
+                        </a:rPr>
+                        <m:t>𝐵</m:t>
+                      </m:r>
+                    </m:oMath>
+                  </m:oMathPara>
+                </a14:m>
+                <a:endParaRPr lang="en-US" sz="1600" dirty="0">
+                  <a:solidFill>
+                    <a:schemeClr val="tx1"/>
+                  </a:solidFill>
+                </a:endParaRPr>
+              </a:p>
+            </p:txBody>
+          </p:sp>
+        </mc:Choice>
+        <mc:Fallback>
+          <p:sp>
+            <p:nvSpPr>
+              <p:cNvPr id="9" name="TextBox 8">
+                <a:extLst>
+                  <a:ext uri="{FF2B5EF4-FFF2-40B4-BE49-F238E27FC236}">
+                    <a16:creationId xmlns:a16="http://schemas.microsoft.com/office/drawing/2014/main" id="{73EE22AB-8410-EA33-DE8A-27A6C1BC2150}"/>
+                  </a:ext>
+                </a:extLst>
+              </p:cNvPr>
+              <p:cNvSpPr txBox="1">
+                <a:spLocks noRot="1" noChangeAspect="1" noMove="1" noResize="1" noEditPoints="1" noAdjustHandles="1" noChangeArrowheads="1" noChangeShapeType="1" noTextEdit="1"/>
+              </p:cNvSpPr>
+              <p:nvPr/>
+            </p:nvSpPr>
+            <p:spPr>
+              <a:xfrm>
+                <a:off x="5935518" y="889233"/>
+                <a:ext cx="320963" cy="492443"/>
+              </a:xfrm>
+              <a:prstGeom prst="rect">
+                <a:avLst/>
+              </a:prstGeom>
+              <a:blipFill>
+                <a:blip r:embed="rId8"/>
+                <a:stretch>
+                  <a:fillRect/>
+                </a:stretch>
+              </a:blipFill>
+            </p:spPr>
+            <p:txBody>
+              <a:bodyPr/>
+              <a:lstStyle/>
+              <a:p>
+                <a:r>
+                  <a:rPr lang="en-US">
+                    <a:noFill/>
+                  </a:rPr>
+                  <a:t> </a:t>
+                </a:r>
+              </a:p>
+            </p:txBody>
+          </p:sp>
+        </mc:Fallback>
+      </mc:AlternateContent>
+    </p:spTree>
+    <p:extLst>
+      <p:ext uri="{BB962C8B-B14F-4D97-AF65-F5344CB8AC3E}">
+        <p14:creationId xmlns:p14="http://schemas.microsoft.com/office/powerpoint/2010/main" val="1134650894"/>
+      </p:ext>
+    </p:extLst>
+  </p:cSld>
+  <p:clrMapOvr>
+    <a:masterClrMapping/>
+  </p:clrMapOvr>
+</p:sld>
+</file>
+
+<file path=ppt/slides/slide13.xml><?xml version="1.0" encoding="utf-8"?>
+<p:sld xmlns:a="http://schemas.openxmlformats.org/drawingml/2006/main" xmlns:r="http://schemas.openxmlformats.org/officeDocument/2006/relationships" xmlns:p="http://schemas.openxmlformats.org/presentationml/2006/main">
+  <p:cSld>
+    <p:spTree>
+      <p:nvGrpSpPr>
+        <p:cNvPr id="1" name=""/>
+        <p:cNvGrpSpPr/>
+        <p:nvPr/>
+      </p:nvGrpSpPr>
+      <p:grpSpPr>
+        <a:xfrm>
+          <a:off x="0" y="0"/>
+          <a:ext cx="0" cy="0"/>
+          <a:chOff x="0" y="0"/>
+          <a:chExt cx="0" cy="0"/>
+        </a:xfrm>
+      </p:grpSpPr>
+      <p:pic>
+        <p:nvPicPr>
+          <p:cNvPr id="3" name="Picture 2">
+            <a:extLst>
+              <a:ext uri="{FF2B5EF4-FFF2-40B4-BE49-F238E27FC236}">
+                <a16:creationId xmlns:a16="http://schemas.microsoft.com/office/drawing/2014/main" id="{9117BBDC-9522-6646-ABB4-B8AEA58FD4EB}"/>
+              </a:ext>
+            </a:extLst>
+          </p:cNvPr>
+          <p:cNvPicPr>
+            <a:picLocks noChangeAspect="1"/>
+          </p:cNvPicPr>
+          <p:nvPr/>
+        </p:nvPicPr>
+        <p:blipFill>
+          <a:blip r:embed="rId2"/>
+          <a:stretch>
+            <a:fillRect/>
+          </a:stretch>
+        </p:blipFill>
+        <p:spPr>
+          <a:xfrm>
+            <a:off x="2667000" y="0"/>
+            <a:ext cx="6858000" cy="6858000"/>
+          </a:xfrm>
+          <a:prstGeom prst="rect">
+            <a:avLst/>
+          </a:prstGeom>
+        </p:spPr>
+      </p:pic>
+      <mc:AlternateContent xmlns:mc="http://schemas.openxmlformats.org/markup-compatibility/2006">
+        <mc:Choice xmlns:a14="http://schemas.microsoft.com/office/drawing/2010/main" Requires="a14">
+          <p:sp>
+            <p:nvSpPr>
+              <p:cNvPr id="5" name="TextBox 4">
+                <a:extLst>
+                  <a:ext uri="{FF2B5EF4-FFF2-40B4-BE49-F238E27FC236}">
+                    <a16:creationId xmlns:a16="http://schemas.microsoft.com/office/drawing/2014/main" id="{1DE1C749-FB29-F69C-6E92-125B883EB33C}"/>
+                  </a:ext>
+                </a:extLst>
+              </p:cNvPr>
+              <p:cNvSpPr txBox="1"/>
+              <p:nvPr/>
+            </p:nvSpPr>
+            <p:spPr>
+              <a:xfrm>
+                <a:off x="4253631" y="6126269"/>
+                <a:ext cx="183319" cy="276999"/>
+              </a:xfrm>
+              <a:prstGeom prst="rect">
+                <a:avLst/>
+              </a:prstGeom>
+              <a:noFill/>
+            </p:spPr>
+            <p:txBody>
+              <a:bodyPr wrap="none" lIns="0" tIns="0" rIns="0" bIns="0" rtlCol="0">
+                <a:spAutoFit/>
+              </a:bodyPr>
+              <a:lstStyle/>
+              <a:p>
+                <a:pPr/>
+                <a14:m>
+                  <m:oMathPara xmlns:m="http://schemas.openxmlformats.org/officeDocument/2006/math">
+                    <m:oMathParaPr>
+                      <m:jc m:val="centerGroup"/>
+                    </m:oMathParaPr>
+                    <m:oMath xmlns:m="http://schemas.openxmlformats.org/officeDocument/2006/math">
+                      <m:r>
+                        <a:rPr lang="en-US" b="0" i="1" smtClean="0">
+                          <a:solidFill>
+                            <a:srgbClr val="FF0000"/>
+                          </a:solidFill>
+                          <a:latin typeface="Cambria Math" panose="02040503050406030204" pitchFamily="18" charset="0"/>
+                        </a:rPr>
+                        <m:t>𝑥</m:t>
+                      </m:r>
+                    </m:oMath>
+                  </m:oMathPara>
+                </a14:m>
+                <a:endParaRPr lang="en-US" dirty="0"/>
+              </a:p>
+            </p:txBody>
+          </p:sp>
+        </mc:Choice>
+        <mc:Fallback>
+          <p:sp>
+            <p:nvSpPr>
+              <p:cNvPr id="5" name="TextBox 4">
+                <a:extLst>
+                  <a:ext uri="{FF2B5EF4-FFF2-40B4-BE49-F238E27FC236}">
+                    <a16:creationId xmlns:a16="http://schemas.microsoft.com/office/drawing/2014/main" id="{1DE1C749-FB29-F69C-6E92-125B883EB33C}"/>
+                  </a:ext>
+                </a:extLst>
+              </p:cNvPr>
+              <p:cNvSpPr txBox="1">
+                <a:spLocks noRot="1" noChangeAspect="1" noMove="1" noResize="1" noEditPoints="1" noAdjustHandles="1" noChangeArrowheads="1" noChangeShapeType="1" noTextEdit="1"/>
+              </p:cNvSpPr>
+              <p:nvPr/>
+            </p:nvSpPr>
+            <p:spPr>
+              <a:xfrm>
+                <a:off x="4253631" y="6126269"/>
+                <a:ext cx="183319" cy="276999"/>
+              </a:xfrm>
+              <a:prstGeom prst="rect">
+                <a:avLst/>
+              </a:prstGeom>
+              <a:blipFill>
+                <a:blip r:embed="rId3"/>
+                <a:stretch>
+                  <a:fillRect l="-20000" r="-13333"/>
+                </a:stretch>
+              </a:blipFill>
+            </p:spPr>
+            <p:txBody>
+              <a:bodyPr/>
+              <a:lstStyle/>
+              <a:p>
+                <a:r>
+                  <a:rPr lang="en-US">
+                    <a:noFill/>
+                  </a:rPr>
+                  <a:t> </a:t>
+                </a:r>
+              </a:p>
+            </p:txBody>
+          </p:sp>
+        </mc:Fallback>
+      </mc:AlternateContent>
+      <mc:AlternateContent xmlns:mc="http://schemas.openxmlformats.org/markup-compatibility/2006">
+        <mc:Choice xmlns:a14="http://schemas.microsoft.com/office/drawing/2010/main" Requires="a14">
+          <p:sp>
+            <p:nvSpPr>
+              <p:cNvPr id="6" name="TextBox 5">
+                <a:extLst>
+                  <a:ext uri="{FF2B5EF4-FFF2-40B4-BE49-F238E27FC236}">
+                    <a16:creationId xmlns:a16="http://schemas.microsoft.com/office/drawing/2014/main" id="{0BD7B9DF-B26C-A9D5-0B77-E005207B0DBE}"/>
+                  </a:ext>
+                </a:extLst>
+              </p:cNvPr>
+              <p:cNvSpPr txBox="1"/>
+              <p:nvPr/>
+            </p:nvSpPr>
+            <p:spPr>
+              <a:xfrm>
+                <a:off x="3195084" y="5109319"/>
+                <a:ext cx="186718" cy="276999"/>
+              </a:xfrm>
+              <a:prstGeom prst="rect">
+                <a:avLst/>
+              </a:prstGeom>
+              <a:noFill/>
+            </p:spPr>
+            <p:txBody>
+              <a:bodyPr wrap="none" lIns="0" tIns="0" rIns="0" bIns="0" rtlCol="0">
+                <a:spAutoFit/>
+              </a:bodyPr>
+              <a:lstStyle/>
+              <a:p>
+                <a:pPr/>
+                <a14:m>
+                  <m:oMathPara xmlns:m="http://schemas.openxmlformats.org/officeDocument/2006/math">
+                    <m:oMathParaPr>
+                      <m:jc m:val="centerGroup"/>
+                    </m:oMathParaPr>
+                    <m:oMath xmlns:m="http://schemas.openxmlformats.org/officeDocument/2006/math">
+                      <m:r>
+                        <a:rPr lang="en-US" b="0" i="1" smtClean="0">
+                          <a:solidFill>
+                            <a:srgbClr val="00B050"/>
+                          </a:solidFill>
+                          <a:latin typeface="Cambria Math" panose="02040503050406030204" pitchFamily="18" charset="0"/>
+                        </a:rPr>
+                        <m:t>𝑦</m:t>
+                      </m:r>
+                    </m:oMath>
+                  </m:oMathPara>
+                </a14:m>
+                <a:endParaRPr lang="en-US" dirty="0"/>
+              </a:p>
+            </p:txBody>
+          </p:sp>
+        </mc:Choice>
+        <mc:Fallback>
+          <p:sp>
+            <p:nvSpPr>
+              <p:cNvPr id="6" name="TextBox 5">
+                <a:extLst>
+                  <a:ext uri="{FF2B5EF4-FFF2-40B4-BE49-F238E27FC236}">
+                    <a16:creationId xmlns:a16="http://schemas.microsoft.com/office/drawing/2014/main" id="{0BD7B9DF-B26C-A9D5-0B77-E005207B0DBE}"/>
+                  </a:ext>
+                </a:extLst>
+              </p:cNvPr>
+              <p:cNvSpPr txBox="1">
+                <a:spLocks noRot="1" noChangeAspect="1" noMove="1" noResize="1" noEditPoints="1" noAdjustHandles="1" noChangeArrowheads="1" noChangeShapeType="1" noTextEdit="1"/>
+              </p:cNvSpPr>
+              <p:nvPr/>
+            </p:nvSpPr>
+            <p:spPr>
+              <a:xfrm>
+                <a:off x="3195084" y="5109319"/>
+                <a:ext cx="186718" cy="276999"/>
+              </a:xfrm>
+              <a:prstGeom prst="rect">
+                <a:avLst/>
+              </a:prstGeom>
+              <a:blipFill>
+                <a:blip r:embed="rId4"/>
+                <a:stretch>
+                  <a:fillRect l="-32258" r="-25806" b="-23913"/>
+                </a:stretch>
+              </a:blipFill>
+            </p:spPr>
+            <p:txBody>
+              <a:bodyPr/>
+              <a:lstStyle/>
+              <a:p>
+                <a:r>
+                  <a:rPr lang="en-US">
+                    <a:noFill/>
+                  </a:rPr>
+                  <a:t> </a:t>
+                </a:r>
+              </a:p>
+            </p:txBody>
+          </p:sp>
+        </mc:Fallback>
+      </mc:AlternateContent>
+      <mc:AlternateContent xmlns:mc="http://schemas.openxmlformats.org/markup-compatibility/2006">
+        <mc:Choice xmlns:a14="http://schemas.microsoft.com/office/drawing/2010/main" Requires="a14">
+          <p:sp>
+            <p:nvSpPr>
+              <p:cNvPr id="7" name="TextBox 6">
+                <a:extLst>
+                  <a:ext uri="{FF2B5EF4-FFF2-40B4-BE49-F238E27FC236}">
+                    <a16:creationId xmlns:a16="http://schemas.microsoft.com/office/drawing/2014/main" id="{A453AEF2-D1B7-6722-789C-E5FD5E13AE60}"/>
+                  </a:ext>
+                </a:extLst>
+              </p:cNvPr>
+              <p:cNvSpPr txBox="1"/>
+              <p:nvPr/>
+            </p:nvSpPr>
+            <p:spPr>
+              <a:xfrm>
+                <a:off x="3763583" y="6532973"/>
+                <a:ext cx="169084" cy="276999"/>
+              </a:xfrm>
+              <a:prstGeom prst="rect">
+                <a:avLst/>
+              </a:prstGeom>
+              <a:noFill/>
+            </p:spPr>
+            <p:txBody>
+              <a:bodyPr wrap="none" lIns="0" tIns="0" rIns="0" bIns="0" rtlCol="0">
+                <a:spAutoFit/>
+              </a:bodyPr>
+              <a:lstStyle/>
+              <a:p>
+                <a:pPr/>
+                <a14:m>
+                  <m:oMathPara xmlns:m="http://schemas.openxmlformats.org/officeDocument/2006/math">
+                    <m:oMathParaPr>
+                      <m:jc m:val="centerGroup"/>
+                    </m:oMathParaPr>
+                    <m:oMath xmlns:m="http://schemas.openxmlformats.org/officeDocument/2006/math">
+                      <m:r>
+                        <a:rPr lang="en-US" b="0" i="1" smtClean="0">
+                          <a:solidFill>
+                            <a:srgbClr val="002060"/>
+                          </a:solidFill>
+                          <a:latin typeface="Cambria Math" panose="02040503050406030204" pitchFamily="18" charset="0"/>
+                        </a:rPr>
+                        <m:t>𝑧</m:t>
+                      </m:r>
+                    </m:oMath>
+                  </m:oMathPara>
+                </a14:m>
+                <a:endParaRPr lang="en-US" dirty="0">
+                  <a:solidFill>
+                    <a:srgbClr val="002060"/>
+                  </a:solidFill>
+                </a:endParaRPr>
+              </a:p>
+            </p:txBody>
+          </p:sp>
+        </mc:Choice>
+        <mc:Fallback>
+          <p:sp>
+            <p:nvSpPr>
+              <p:cNvPr id="7" name="TextBox 6">
+                <a:extLst>
+                  <a:ext uri="{FF2B5EF4-FFF2-40B4-BE49-F238E27FC236}">
+                    <a16:creationId xmlns:a16="http://schemas.microsoft.com/office/drawing/2014/main" id="{A453AEF2-D1B7-6722-789C-E5FD5E13AE60}"/>
+                  </a:ext>
+                </a:extLst>
+              </p:cNvPr>
+              <p:cNvSpPr txBox="1">
+                <a:spLocks noRot="1" noChangeAspect="1" noMove="1" noResize="1" noEditPoints="1" noAdjustHandles="1" noChangeArrowheads="1" noChangeShapeType="1" noTextEdit="1"/>
+              </p:cNvSpPr>
+              <p:nvPr/>
+            </p:nvSpPr>
+            <p:spPr>
+              <a:xfrm>
+                <a:off x="3763583" y="6532973"/>
+                <a:ext cx="169084" cy="276999"/>
+              </a:xfrm>
+              <a:prstGeom prst="rect">
+                <a:avLst/>
+              </a:prstGeom>
+              <a:blipFill>
+                <a:blip r:embed="rId5"/>
+                <a:stretch>
+                  <a:fillRect l="-21429" r="-14286"/>
+                </a:stretch>
+              </a:blipFill>
+            </p:spPr>
+            <p:txBody>
+              <a:bodyPr/>
+              <a:lstStyle/>
+              <a:p>
+                <a:r>
+                  <a:rPr lang="en-US">
+                    <a:noFill/>
+                  </a:rPr>
+                  <a:t> </a:t>
+                </a:r>
+              </a:p>
+            </p:txBody>
+          </p:sp>
+        </mc:Fallback>
+      </mc:AlternateContent>
+      <mc:AlternateContent xmlns:mc="http://schemas.openxmlformats.org/markup-compatibility/2006">
+        <mc:Choice xmlns:a14="http://schemas.microsoft.com/office/drawing/2010/main" Requires="a14">
+          <p:sp>
+            <p:nvSpPr>
+              <p:cNvPr id="8" name="TextBox 7">
+                <a:extLst>
+                  <a:ext uri="{FF2B5EF4-FFF2-40B4-BE49-F238E27FC236}">
+                    <a16:creationId xmlns:a16="http://schemas.microsoft.com/office/drawing/2014/main" id="{1EBB89CE-F3C6-92D8-CA84-8ED584A388F9}"/>
+                  </a:ext>
+                </a:extLst>
+              </p:cNvPr>
+              <p:cNvSpPr txBox="1"/>
+              <p:nvPr/>
+            </p:nvSpPr>
+            <p:spPr>
+              <a:xfrm>
+                <a:off x="3754317" y="5140097"/>
+                <a:ext cx="356701" cy="492443"/>
+              </a:xfrm>
+              <a:prstGeom prst="rect">
+                <a:avLst/>
+              </a:prstGeom>
+              <a:noFill/>
+            </p:spPr>
+            <p:txBody>
+              <a:bodyPr wrap="none" lIns="0" tIns="0" rIns="0" bIns="0" rtlCol="0">
+                <a:spAutoFit/>
+              </a:bodyPr>
+              <a:lstStyle/>
+              <a:p>
+                <a:pPr/>
+                <a14:m>
+                  <m:oMathPara xmlns:m="http://schemas.openxmlformats.org/officeDocument/2006/math">
+                    <m:oMathParaPr>
+                      <m:jc m:val="centerGroup"/>
+                    </m:oMathParaPr>
+                    <m:oMath xmlns:m="http://schemas.openxmlformats.org/officeDocument/2006/math">
+                      <m:r>
+                        <a:rPr lang="en-US" sz="3200" b="0" i="1" smtClean="0">
+                          <a:solidFill>
+                            <a:schemeClr val="tx1"/>
+                          </a:solidFill>
+                          <a:latin typeface="Cambria Math" panose="02040503050406030204" pitchFamily="18" charset="0"/>
+                        </a:rPr>
+                        <m:t>𝐴</m:t>
+                      </m:r>
+                    </m:oMath>
+                  </m:oMathPara>
+                </a14:m>
+                <a:endParaRPr lang="en-US" sz="1600" dirty="0">
+                  <a:solidFill>
+                    <a:schemeClr val="tx1"/>
+                  </a:solidFill>
+                </a:endParaRPr>
+              </a:p>
+            </p:txBody>
+          </p:sp>
+        </mc:Choice>
+        <mc:Fallback>
+          <p:sp>
+            <p:nvSpPr>
+              <p:cNvPr id="8" name="TextBox 7">
+                <a:extLst>
+                  <a:ext uri="{FF2B5EF4-FFF2-40B4-BE49-F238E27FC236}">
+                    <a16:creationId xmlns:a16="http://schemas.microsoft.com/office/drawing/2014/main" id="{1EBB89CE-F3C6-92D8-CA84-8ED584A388F9}"/>
+                  </a:ext>
+                </a:extLst>
+              </p:cNvPr>
+              <p:cNvSpPr txBox="1">
+                <a:spLocks noRot="1" noChangeAspect="1" noMove="1" noResize="1" noEditPoints="1" noAdjustHandles="1" noChangeArrowheads="1" noChangeShapeType="1" noTextEdit="1"/>
+              </p:cNvSpPr>
+              <p:nvPr/>
+            </p:nvSpPr>
+            <p:spPr>
+              <a:xfrm>
+                <a:off x="3754317" y="5140097"/>
+                <a:ext cx="356701" cy="492443"/>
+              </a:xfrm>
+              <a:prstGeom prst="rect">
+                <a:avLst/>
+              </a:prstGeom>
+              <a:blipFill>
+                <a:blip r:embed="rId6"/>
+                <a:stretch>
+                  <a:fillRect/>
+                </a:stretch>
+              </a:blipFill>
+            </p:spPr>
+            <p:txBody>
+              <a:bodyPr/>
+              <a:lstStyle/>
+              <a:p>
+                <a:r>
+                  <a:rPr lang="en-US">
+                    <a:noFill/>
+                  </a:rPr>
+                  <a:t> </a:t>
+                </a:r>
+              </a:p>
+            </p:txBody>
+          </p:sp>
+        </mc:Fallback>
+      </mc:AlternateContent>
+      <mc:AlternateContent xmlns:mc="http://schemas.openxmlformats.org/markup-compatibility/2006">
+        <mc:Choice xmlns:a14="http://schemas.microsoft.com/office/drawing/2010/main" Requires="a14">
+          <p:sp>
+            <p:nvSpPr>
+              <p:cNvPr id="9" name="TextBox 8">
+                <a:extLst>
+                  <a:ext uri="{FF2B5EF4-FFF2-40B4-BE49-F238E27FC236}">
+                    <a16:creationId xmlns:a16="http://schemas.microsoft.com/office/drawing/2014/main" id="{02AB1E9C-1DB3-191C-14F7-4C68D87C7A3F}"/>
+                  </a:ext>
+                </a:extLst>
+              </p:cNvPr>
+              <p:cNvSpPr txBox="1"/>
+              <p:nvPr/>
+            </p:nvSpPr>
+            <p:spPr>
+              <a:xfrm>
+                <a:off x="8080984" y="5140097"/>
+                <a:ext cx="356701" cy="492443"/>
+              </a:xfrm>
+              <a:prstGeom prst="rect">
+                <a:avLst/>
+              </a:prstGeom>
+              <a:noFill/>
+            </p:spPr>
+            <p:txBody>
+              <a:bodyPr wrap="square" lIns="0" tIns="0" rIns="0" bIns="0" rtlCol="0">
+                <a:spAutoFit/>
+              </a:bodyPr>
+              <a:lstStyle/>
+              <a:p>
+                <a:pPr/>
+                <a14:m>
+                  <m:oMathPara xmlns:m="http://schemas.openxmlformats.org/officeDocument/2006/math">
+                    <m:oMathParaPr>
+                      <m:jc m:val="centerGroup"/>
+                    </m:oMathParaPr>
+                    <m:oMath xmlns:m="http://schemas.openxmlformats.org/officeDocument/2006/math">
+                      <m:r>
+                        <a:rPr lang="en-US" sz="3200" b="0" i="1" smtClean="0">
+                          <a:solidFill>
+                            <a:schemeClr val="tx1"/>
+                          </a:solidFill>
+                          <a:latin typeface="Cambria Math" panose="02040503050406030204" pitchFamily="18" charset="0"/>
+                        </a:rPr>
+                        <m:t>𝐶</m:t>
+                      </m:r>
+                    </m:oMath>
+                  </m:oMathPara>
+                </a14:m>
+                <a:endParaRPr lang="en-US" sz="1600" dirty="0">
+                  <a:solidFill>
+                    <a:schemeClr val="tx1"/>
+                  </a:solidFill>
+                </a:endParaRPr>
+              </a:p>
+            </p:txBody>
+          </p:sp>
+        </mc:Choice>
+        <mc:Fallback>
+          <p:sp>
+            <p:nvSpPr>
+              <p:cNvPr id="9" name="TextBox 8">
+                <a:extLst>
+                  <a:ext uri="{FF2B5EF4-FFF2-40B4-BE49-F238E27FC236}">
+                    <a16:creationId xmlns:a16="http://schemas.microsoft.com/office/drawing/2014/main" id="{02AB1E9C-1DB3-191C-14F7-4C68D87C7A3F}"/>
+                  </a:ext>
+                </a:extLst>
+              </p:cNvPr>
+              <p:cNvSpPr txBox="1">
+                <a:spLocks noRot="1" noChangeAspect="1" noMove="1" noResize="1" noEditPoints="1" noAdjustHandles="1" noChangeArrowheads="1" noChangeShapeType="1" noTextEdit="1"/>
+              </p:cNvSpPr>
+              <p:nvPr/>
+            </p:nvSpPr>
+            <p:spPr>
+              <a:xfrm>
+                <a:off x="8080984" y="5140097"/>
+                <a:ext cx="356701" cy="492443"/>
+              </a:xfrm>
+              <a:prstGeom prst="rect">
+                <a:avLst/>
+              </a:prstGeom>
+              <a:blipFill>
+                <a:blip r:embed="rId7"/>
+                <a:stretch>
+                  <a:fillRect/>
+                </a:stretch>
+              </a:blipFill>
+            </p:spPr>
+            <p:txBody>
+              <a:bodyPr/>
+              <a:lstStyle/>
+              <a:p>
+                <a:r>
+                  <a:rPr lang="en-US">
+                    <a:noFill/>
+                  </a:rPr>
+                  <a:t> </a:t>
+                </a:r>
+              </a:p>
+            </p:txBody>
+          </p:sp>
+        </mc:Fallback>
+      </mc:AlternateContent>
+      <mc:AlternateContent xmlns:mc="http://schemas.openxmlformats.org/markup-compatibility/2006">
+        <mc:Choice xmlns:a14="http://schemas.microsoft.com/office/drawing/2010/main" Requires="a14">
+          <p:sp>
+            <p:nvSpPr>
+              <p:cNvPr id="10" name="TextBox 9">
+                <a:extLst>
+                  <a:ext uri="{FF2B5EF4-FFF2-40B4-BE49-F238E27FC236}">
+                    <a16:creationId xmlns:a16="http://schemas.microsoft.com/office/drawing/2014/main" id="{8C456856-FFF4-CE30-BBA9-0407960D8A09}"/>
+                  </a:ext>
+                </a:extLst>
+              </p:cNvPr>
+              <p:cNvSpPr txBox="1"/>
+              <p:nvPr/>
+            </p:nvSpPr>
+            <p:spPr>
+              <a:xfrm>
+                <a:off x="5935518" y="889233"/>
+                <a:ext cx="320963" cy="492443"/>
+              </a:xfrm>
+              <a:prstGeom prst="rect">
+                <a:avLst/>
+              </a:prstGeom>
+              <a:noFill/>
+            </p:spPr>
+            <p:txBody>
+              <a:bodyPr wrap="square" lIns="0" tIns="0" rIns="0" bIns="0" rtlCol="0">
+                <a:spAutoFit/>
+              </a:bodyPr>
+              <a:lstStyle/>
+              <a:p>
+                <a:pPr/>
+                <a14:m>
+                  <m:oMathPara xmlns:m="http://schemas.openxmlformats.org/officeDocument/2006/math">
+                    <m:oMathParaPr>
+                      <m:jc m:val="centerGroup"/>
+                    </m:oMathParaPr>
+                    <m:oMath xmlns:m="http://schemas.openxmlformats.org/officeDocument/2006/math">
+                      <m:r>
+                        <a:rPr lang="en-US" sz="3200" b="0" i="1" smtClean="0">
+                          <a:solidFill>
+                            <a:schemeClr val="tx1"/>
+                          </a:solidFill>
+                          <a:latin typeface="Cambria Math" panose="02040503050406030204" pitchFamily="18" charset="0"/>
+                        </a:rPr>
+                        <m:t>𝐵</m:t>
+                      </m:r>
+                    </m:oMath>
+                  </m:oMathPara>
+                </a14:m>
+                <a:endParaRPr lang="en-US" sz="1600" dirty="0">
+                  <a:solidFill>
+                    <a:schemeClr val="tx1"/>
+                  </a:solidFill>
+                </a:endParaRPr>
+              </a:p>
+            </p:txBody>
+          </p:sp>
+        </mc:Choice>
+        <mc:Fallback>
+          <p:sp>
+            <p:nvSpPr>
+              <p:cNvPr id="10" name="TextBox 9">
+                <a:extLst>
+                  <a:ext uri="{FF2B5EF4-FFF2-40B4-BE49-F238E27FC236}">
+                    <a16:creationId xmlns:a16="http://schemas.microsoft.com/office/drawing/2014/main" id="{8C456856-FFF4-CE30-BBA9-0407960D8A09}"/>
+                  </a:ext>
+                </a:extLst>
+              </p:cNvPr>
+              <p:cNvSpPr txBox="1">
+                <a:spLocks noRot="1" noChangeAspect="1" noMove="1" noResize="1" noEditPoints="1" noAdjustHandles="1" noChangeArrowheads="1" noChangeShapeType="1" noTextEdit="1"/>
+              </p:cNvSpPr>
+              <p:nvPr/>
+            </p:nvSpPr>
+            <p:spPr>
+              <a:xfrm>
+                <a:off x="5935518" y="889233"/>
+                <a:ext cx="320963" cy="492443"/>
+              </a:xfrm>
+              <a:prstGeom prst="rect">
+                <a:avLst/>
+              </a:prstGeom>
+              <a:blipFill>
+                <a:blip r:embed="rId8"/>
+                <a:stretch>
+                  <a:fillRect/>
+                </a:stretch>
+              </a:blipFill>
+            </p:spPr>
+            <p:txBody>
+              <a:bodyPr/>
+              <a:lstStyle/>
+              <a:p>
+                <a:r>
+                  <a:rPr lang="en-US">
+                    <a:noFill/>
+                  </a:rPr>
+                  <a:t> </a:t>
+                </a:r>
+              </a:p>
+            </p:txBody>
+          </p:sp>
+        </mc:Fallback>
+      </mc:AlternateContent>
+    </p:spTree>
+    <p:extLst>
+      <p:ext uri="{BB962C8B-B14F-4D97-AF65-F5344CB8AC3E}">
+        <p14:creationId xmlns:p14="http://schemas.microsoft.com/office/powerpoint/2010/main" val="3420482267"/>
+      </p:ext>
+    </p:extLst>
+  </p:cSld>
+  <p:clrMapOvr>
+    <a:masterClrMapping/>
+  </p:clrMapOvr>
+</p:sld>
+</file>
+
 <file path=ppt/slides/slide2.xml><?xml version="1.0" encoding="utf-8"?>
 <p:sld xmlns:a="http://schemas.openxmlformats.org/drawingml/2006/main" xmlns:r="http://schemas.openxmlformats.org/officeDocument/2006/relationships" xmlns:p="http://schemas.openxmlformats.org/presentationml/2006/main">
   <p:cSld>
@@ -9492,8 +12178,8 @@
           </a:p>
         </p:txBody>
       </p:sp>
-      <mc:AlternateContent xmlns:mc="http://schemas.openxmlformats.org/markup-compatibility/2006">
-        <mc:Choice xmlns:a14="http://schemas.microsoft.com/office/drawing/2010/main" Requires="a14">
+      <mc:AlternateContent xmlns:mc="http://schemas.openxmlformats.org/markup-compatibility/2006" xmlns:a14="http://schemas.microsoft.com/office/drawing/2010/main">
+        <mc:Choice Requires="a14">
           <p:sp>
             <p:nvSpPr>
               <p:cNvPr id="8" name="TextBox 7">
@@ -9550,7 +12236,7 @@
             </p:txBody>
           </p:sp>
         </mc:Choice>
-        <mc:Fallback>
+        <mc:Fallback xmlns="">
           <p:sp>
             <p:nvSpPr>
               <p:cNvPr id="8" name="TextBox 7">
@@ -9595,8 +12281,8 @@
           </p:sp>
         </mc:Fallback>
       </mc:AlternateContent>
-      <mc:AlternateContent xmlns:mc="http://schemas.openxmlformats.org/markup-compatibility/2006">
-        <mc:Choice xmlns:a14="http://schemas.microsoft.com/office/drawing/2010/main" Requires="a14">
+      <mc:AlternateContent xmlns:mc="http://schemas.openxmlformats.org/markup-compatibility/2006" xmlns:a14="http://schemas.microsoft.com/office/drawing/2010/main">
+        <mc:Choice Requires="a14">
           <p:sp>
             <p:nvSpPr>
               <p:cNvPr id="9" name="TextBox 8">
@@ -9653,7 +12339,7 @@
             </p:txBody>
           </p:sp>
         </mc:Choice>
-        <mc:Fallback>
+        <mc:Fallback xmlns="">
           <p:sp>
             <p:nvSpPr>
               <p:cNvPr id="9" name="TextBox 8">
@@ -9698,8 +12384,8 @@
           </p:sp>
         </mc:Fallback>
       </mc:AlternateContent>
-      <mc:AlternateContent xmlns:mc="http://schemas.openxmlformats.org/markup-compatibility/2006">
-        <mc:Choice xmlns:a14="http://schemas.microsoft.com/office/drawing/2010/main" Requires="a14">
+      <mc:AlternateContent xmlns:mc="http://schemas.openxmlformats.org/markup-compatibility/2006" xmlns:a14="http://schemas.microsoft.com/office/drawing/2010/main">
+        <mc:Choice Requires="a14">
           <p:sp>
             <p:nvSpPr>
               <p:cNvPr id="10" name="TextBox 9">
@@ -9771,7 +12457,7 @@
             </p:txBody>
           </p:sp>
         </mc:Choice>
-        <mc:Fallback>
+        <mc:Fallback xmlns="">
           <p:sp>
             <p:nvSpPr>
               <p:cNvPr id="10" name="TextBox 9">
@@ -9816,8 +12502,8 @@
           </p:sp>
         </mc:Fallback>
       </mc:AlternateContent>
-      <mc:AlternateContent xmlns:mc="http://schemas.openxmlformats.org/markup-compatibility/2006">
-        <mc:Choice xmlns:a14="http://schemas.microsoft.com/office/drawing/2010/main" Requires="a14">
+      <mc:AlternateContent xmlns:mc="http://schemas.openxmlformats.org/markup-compatibility/2006" xmlns:a14="http://schemas.microsoft.com/office/drawing/2010/main">
+        <mc:Choice Requires="a14">
           <p:sp>
             <p:nvSpPr>
               <p:cNvPr id="11" name="TextBox 10">
@@ -9874,7 +12560,7 @@
             </p:txBody>
           </p:sp>
         </mc:Choice>
-        <mc:Fallback>
+        <mc:Fallback xmlns="">
           <p:sp>
             <p:nvSpPr>
               <p:cNvPr id="11" name="TextBox 10">
@@ -10052,6 +12738,1346 @@
     <p:extLst>
       <p:ext uri="{BB962C8B-B14F-4D97-AF65-F5344CB8AC3E}">
         <p14:creationId xmlns:p14="http://schemas.microsoft.com/office/powerpoint/2010/main" val="3547897026"/>
+      </p:ext>
+    </p:extLst>
+  </p:cSld>
+  <p:clrMapOvr>
+    <a:masterClrMapping/>
+  </p:clrMapOvr>
+</p:sld>
+</file>
+
+<file path=ppt/slides/slide8.xml><?xml version="1.0" encoding="utf-8"?>
+<p:sld xmlns:a="http://schemas.openxmlformats.org/drawingml/2006/main" xmlns:r="http://schemas.openxmlformats.org/officeDocument/2006/relationships" xmlns:p="http://schemas.openxmlformats.org/presentationml/2006/main">
+  <p:cSld>
+    <p:spTree>
+      <p:nvGrpSpPr>
+        <p:cNvPr id="1" name=""/>
+        <p:cNvGrpSpPr/>
+        <p:nvPr/>
+      </p:nvGrpSpPr>
+      <p:grpSpPr>
+        <a:xfrm>
+          <a:off x="0" y="0"/>
+          <a:ext cx="0" cy="0"/>
+          <a:chOff x="0" y="0"/>
+          <a:chExt cx="0" cy="0"/>
+        </a:xfrm>
+      </p:grpSpPr>
+      <p:pic>
+        <p:nvPicPr>
+          <p:cNvPr id="3" name="Picture 2">
+            <a:extLst>
+              <a:ext uri="{FF2B5EF4-FFF2-40B4-BE49-F238E27FC236}">
+                <a16:creationId xmlns:a16="http://schemas.microsoft.com/office/drawing/2014/main" id="{F615066C-5919-4534-C500-1150327436F2}"/>
+              </a:ext>
+            </a:extLst>
+          </p:cNvPr>
+          <p:cNvPicPr>
+            <a:picLocks noChangeAspect="1"/>
+          </p:cNvPicPr>
+          <p:nvPr/>
+        </p:nvPicPr>
+        <p:blipFill>
+          <a:blip r:embed="rId2"/>
+          <a:stretch>
+            <a:fillRect/>
+          </a:stretch>
+        </p:blipFill>
+        <p:spPr>
+          <a:xfrm>
+            <a:off x="2667000" y="0"/>
+            <a:ext cx="6858000" cy="6858000"/>
+          </a:xfrm>
+          <a:prstGeom prst="rect">
+            <a:avLst/>
+          </a:prstGeom>
+        </p:spPr>
+      </p:pic>
+      <mc:AlternateContent xmlns:mc="http://schemas.openxmlformats.org/markup-compatibility/2006">
+        <mc:Choice xmlns:a14="http://schemas.microsoft.com/office/drawing/2010/main" Requires="a14">
+          <p:sp>
+            <p:nvSpPr>
+              <p:cNvPr id="4" name="TextBox 3">
+                <a:extLst>
+                  <a:ext uri="{FF2B5EF4-FFF2-40B4-BE49-F238E27FC236}">
+                    <a16:creationId xmlns:a16="http://schemas.microsoft.com/office/drawing/2014/main" id="{945412D8-45DD-4E20-48A2-9B9BED8BDACA}"/>
+                  </a:ext>
+                </a:extLst>
+              </p:cNvPr>
+              <p:cNvSpPr txBox="1"/>
+              <p:nvPr/>
+            </p:nvSpPr>
+            <p:spPr>
+              <a:xfrm>
+                <a:off x="4111018" y="6201770"/>
+                <a:ext cx="183319" cy="276999"/>
+              </a:xfrm>
+              <a:prstGeom prst="rect">
+                <a:avLst/>
+              </a:prstGeom>
+              <a:noFill/>
+            </p:spPr>
+            <p:txBody>
+              <a:bodyPr wrap="none" lIns="0" tIns="0" rIns="0" bIns="0" rtlCol="0">
+                <a:spAutoFit/>
+              </a:bodyPr>
+              <a:lstStyle/>
+              <a:p>
+                <a:pPr/>
+                <a14:m>
+                  <m:oMathPara xmlns:m="http://schemas.openxmlformats.org/officeDocument/2006/math">
+                    <m:oMathParaPr>
+                      <m:jc m:val="centerGroup"/>
+                    </m:oMathParaPr>
+                    <m:oMath xmlns:m="http://schemas.openxmlformats.org/officeDocument/2006/math">
+                      <m:r>
+                        <a:rPr lang="en-US" b="0" i="1" smtClean="0">
+                          <a:solidFill>
+                            <a:srgbClr val="FF0000"/>
+                          </a:solidFill>
+                          <a:latin typeface="Cambria Math" panose="02040503050406030204" pitchFamily="18" charset="0"/>
+                        </a:rPr>
+                        <m:t>𝑥</m:t>
+                      </m:r>
+                    </m:oMath>
+                  </m:oMathPara>
+                </a14:m>
+                <a:endParaRPr lang="en-US" dirty="0"/>
+              </a:p>
+            </p:txBody>
+          </p:sp>
+        </mc:Choice>
+        <mc:Fallback>
+          <p:sp>
+            <p:nvSpPr>
+              <p:cNvPr id="4" name="TextBox 3">
+                <a:extLst>
+                  <a:ext uri="{FF2B5EF4-FFF2-40B4-BE49-F238E27FC236}">
+                    <a16:creationId xmlns:a16="http://schemas.microsoft.com/office/drawing/2014/main" id="{945412D8-45DD-4E20-48A2-9B9BED8BDACA}"/>
+                  </a:ext>
+                </a:extLst>
+              </p:cNvPr>
+              <p:cNvSpPr txBox="1">
+                <a:spLocks noRot="1" noChangeAspect="1" noMove="1" noResize="1" noEditPoints="1" noAdjustHandles="1" noChangeArrowheads="1" noChangeShapeType="1" noTextEdit="1"/>
+              </p:cNvSpPr>
+              <p:nvPr/>
+            </p:nvSpPr>
+            <p:spPr>
+              <a:xfrm>
+                <a:off x="4111018" y="6201770"/>
+                <a:ext cx="183319" cy="276999"/>
+              </a:xfrm>
+              <a:prstGeom prst="rect">
+                <a:avLst/>
+              </a:prstGeom>
+              <a:blipFill>
+                <a:blip r:embed="rId3"/>
+                <a:stretch>
+                  <a:fillRect l="-20000" r="-13333"/>
+                </a:stretch>
+              </a:blipFill>
+            </p:spPr>
+            <p:txBody>
+              <a:bodyPr/>
+              <a:lstStyle/>
+              <a:p>
+                <a:r>
+                  <a:rPr lang="en-US">
+                    <a:noFill/>
+                  </a:rPr>
+                  <a:t> </a:t>
+                </a:r>
+              </a:p>
+            </p:txBody>
+          </p:sp>
+        </mc:Fallback>
+      </mc:AlternateContent>
+      <mc:AlternateContent xmlns:mc="http://schemas.openxmlformats.org/markup-compatibility/2006">
+        <mc:Choice xmlns:a14="http://schemas.microsoft.com/office/drawing/2010/main" Requires="a14">
+          <p:sp>
+            <p:nvSpPr>
+              <p:cNvPr id="5" name="TextBox 4">
+                <a:extLst>
+                  <a:ext uri="{FF2B5EF4-FFF2-40B4-BE49-F238E27FC236}">
+                    <a16:creationId xmlns:a16="http://schemas.microsoft.com/office/drawing/2014/main" id="{389D6BD8-55A6-0E44-7D8C-5CCF639BD71E}"/>
+                  </a:ext>
+                </a:extLst>
+              </p:cNvPr>
+              <p:cNvSpPr txBox="1"/>
+              <p:nvPr/>
+            </p:nvSpPr>
+            <p:spPr>
+              <a:xfrm>
+                <a:off x="3044083" y="5140097"/>
+                <a:ext cx="186718" cy="276999"/>
+              </a:xfrm>
+              <a:prstGeom prst="rect">
+                <a:avLst/>
+              </a:prstGeom>
+              <a:noFill/>
+            </p:spPr>
+            <p:txBody>
+              <a:bodyPr wrap="none" lIns="0" tIns="0" rIns="0" bIns="0" rtlCol="0">
+                <a:spAutoFit/>
+              </a:bodyPr>
+              <a:lstStyle/>
+              <a:p>
+                <a:pPr/>
+                <a14:m>
+                  <m:oMathPara xmlns:m="http://schemas.openxmlformats.org/officeDocument/2006/math">
+                    <m:oMathParaPr>
+                      <m:jc m:val="centerGroup"/>
+                    </m:oMathParaPr>
+                    <m:oMath xmlns:m="http://schemas.openxmlformats.org/officeDocument/2006/math">
+                      <m:r>
+                        <a:rPr lang="en-US" b="0" i="1" smtClean="0">
+                          <a:solidFill>
+                            <a:srgbClr val="00B050"/>
+                          </a:solidFill>
+                          <a:latin typeface="Cambria Math" panose="02040503050406030204" pitchFamily="18" charset="0"/>
+                        </a:rPr>
+                        <m:t>𝑦</m:t>
+                      </m:r>
+                    </m:oMath>
+                  </m:oMathPara>
+                </a14:m>
+                <a:endParaRPr lang="en-US" dirty="0"/>
+              </a:p>
+            </p:txBody>
+          </p:sp>
+        </mc:Choice>
+        <mc:Fallback>
+          <p:sp>
+            <p:nvSpPr>
+              <p:cNvPr id="5" name="TextBox 4">
+                <a:extLst>
+                  <a:ext uri="{FF2B5EF4-FFF2-40B4-BE49-F238E27FC236}">
+                    <a16:creationId xmlns:a16="http://schemas.microsoft.com/office/drawing/2014/main" id="{389D6BD8-55A6-0E44-7D8C-5CCF639BD71E}"/>
+                  </a:ext>
+                </a:extLst>
+              </p:cNvPr>
+              <p:cNvSpPr txBox="1">
+                <a:spLocks noRot="1" noChangeAspect="1" noMove="1" noResize="1" noEditPoints="1" noAdjustHandles="1" noChangeArrowheads="1" noChangeShapeType="1" noTextEdit="1"/>
+              </p:cNvSpPr>
+              <p:nvPr/>
+            </p:nvSpPr>
+            <p:spPr>
+              <a:xfrm>
+                <a:off x="3044083" y="5140097"/>
+                <a:ext cx="186718" cy="276999"/>
+              </a:xfrm>
+              <a:prstGeom prst="rect">
+                <a:avLst/>
+              </a:prstGeom>
+              <a:blipFill>
+                <a:blip r:embed="rId4"/>
+                <a:stretch>
+                  <a:fillRect l="-32258" r="-25806" b="-23913"/>
+                </a:stretch>
+              </a:blipFill>
+            </p:spPr>
+            <p:txBody>
+              <a:bodyPr/>
+              <a:lstStyle/>
+              <a:p>
+                <a:r>
+                  <a:rPr lang="en-US">
+                    <a:noFill/>
+                  </a:rPr>
+                  <a:t> </a:t>
+                </a:r>
+              </a:p>
+            </p:txBody>
+          </p:sp>
+        </mc:Fallback>
+      </mc:AlternateContent>
+      <mc:AlternateContent xmlns:mc="http://schemas.openxmlformats.org/markup-compatibility/2006">
+        <mc:Choice xmlns:a14="http://schemas.microsoft.com/office/drawing/2010/main" Requires="a14">
+          <p:sp>
+            <p:nvSpPr>
+              <p:cNvPr id="6" name="TextBox 5">
+                <a:extLst>
+                  <a:ext uri="{FF2B5EF4-FFF2-40B4-BE49-F238E27FC236}">
+                    <a16:creationId xmlns:a16="http://schemas.microsoft.com/office/drawing/2014/main" id="{CB8878EC-C810-00E8-B170-24790D068BFC}"/>
+                  </a:ext>
+                </a:extLst>
+              </p:cNvPr>
+              <p:cNvSpPr txBox="1"/>
+              <p:nvPr/>
+            </p:nvSpPr>
+            <p:spPr>
+              <a:xfrm>
+                <a:off x="2874999" y="6201770"/>
+                <a:ext cx="169084" cy="276999"/>
+              </a:xfrm>
+              <a:prstGeom prst="rect">
+                <a:avLst/>
+              </a:prstGeom>
+              <a:noFill/>
+            </p:spPr>
+            <p:txBody>
+              <a:bodyPr wrap="none" lIns="0" tIns="0" rIns="0" bIns="0" rtlCol="0">
+                <a:spAutoFit/>
+              </a:bodyPr>
+              <a:lstStyle/>
+              <a:p>
+                <a:pPr/>
+                <a14:m>
+                  <m:oMathPara xmlns:m="http://schemas.openxmlformats.org/officeDocument/2006/math">
+                    <m:oMathParaPr>
+                      <m:jc m:val="centerGroup"/>
+                    </m:oMathParaPr>
+                    <m:oMath xmlns:m="http://schemas.openxmlformats.org/officeDocument/2006/math">
+                      <m:r>
+                        <a:rPr lang="en-US" b="0" i="1" smtClean="0">
+                          <a:solidFill>
+                            <a:srgbClr val="002060"/>
+                          </a:solidFill>
+                          <a:latin typeface="Cambria Math" panose="02040503050406030204" pitchFamily="18" charset="0"/>
+                        </a:rPr>
+                        <m:t>𝑧</m:t>
+                      </m:r>
+                    </m:oMath>
+                  </m:oMathPara>
+                </a14:m>
+                <a:endParaRPr lang="en-US" dirty="0">
+                  <a:solidFill>
+                    <a:srgbClr val="002060"/>
+                  </a:solidFill>
+                </a:endParaRPr>
+              </a:p>
+            </p:txBody>
+          </p:sp>
+        </mc:Choice>
+        <mc:Fallback>
+          <p:sp>
+            <p:nvSpPr>
+              <p:cNvPr id="6" name="TextBox 5">
+                <a:extLst>
+                  <a:ext uri="{FF2B5EF4-FFF2-40B4-BE49-F238E27FC236}">
+                    <a16:creationId xmlns:a16="http://schemas.microsoft.com/office/drawing/2014/main" id="{CB8878EC-C810-00E8-B170-24790D068BFC}"/>
+                  </a:ext>
+                </a:extLst>
+              </p:cNvPr>
+              <p:cNvSpPr txBox="1">
+                <a:spLocks noRot="1" noChangeAspect="1" noMove="1" noResize="1" noEditPoints="1" noAdjustHandles="1" noChangeArrowheads="1" noChangeShapeType="1" noTextEdit="1"/>
+              </p:cNvSpPr>
+              <p:nvPr/>
+            </p:nvSpPr>
+            <p:spPr>
+              <a:xfrm>
+                <a:off x="2874999" y="6201770"/>
+                <a:ext cx="169084" cy="276999"/>
+              </a:xfrm>
+              <a:prstGeom prst="rect">
+                <a:avLst/>
+              </a:prstGeom>
+              <a:blipFill>
+                <a:blip r:embed="rId5"/>
+                <a:stretch>
+                  <a:fillRect l="-22222" r="-18519"/>
+                </a:stretch>
+              </a:blipFill>
+            </p:spPr>
+            <p:txBody>
+              <a:bodyPr/>
+              <a:lstStyle/>
+              <a:p>
+                <a:r>
+                  <a:rPr lang="en-US">
+                    <a:noFill/>
+                  </a:rPr>
+                  <a:t> </a:t>
+                </a:r>
+              </a:p>
+            </p:txBody>
+          </p:sp>
+        </mc:Fallback>
+      </mc:AlternateContent>
+      <mc:AlternateContent xmlns:mc="http://schemas.openxmlformats.org/markup-compatibility/2006">
+        <mc:Choice xmlns:a14="http://schemas.microsoft.com/office/drawing/2010/main" Requires="a14">
+          <p:sp>
+            <p:nvSpPr>
+              <p:cNvPr id="7" name="TextBox 6">
+                <a:extLst>
+                  <a:ext uri="{FF2B5EF4-FFF2-40B4-BE49-F238E27FC236}">
+                    <a16:creationId xmlns:a16="http://schemas.microsoft.com/office/drawing/2014/main" id="{41F9F551-5C4C-E1ED-B057-572BAFF76BD5}"/>
+                  </a:ext>
+                </a:extLst>
+              </p:cNvPr>
+              <p:cNvSpPr txBox="1"/>
+              <p:nvPr/>
+            </p:nvSpPr>
+            <p:spPr>
+              <a:xfrm>
+                <a:off x="3669400" y="5140097"/>
+                <a:ext cx="356701" cy="492443"/>
+              </a:xfrm>
+              <a:prstGeom prst="rect">
+                <a:avLst/>
+              </a:prstGeom>
+              <a:noFill/>
+            </p:spPr>
+            <p:txBody>
+              <a:bodyPr wrap="none" lIns="0" tIns="0" rIns="0" bIns="0" rtlCol="0">
+                <a:spAutoFit/>
+              </a:bodyPr>
+              <a:lstStyle/>
+              <a:p>
+                <a:pPr/>
+                <a14:m>
+                  <m:oMathPara xmlns:m="http://schemas.openxmlformats.org/officeDocument/2006/math">
+                    <m:oMathParaPr>
+                      <m:jc m:val="centerGroup"/>
+                    </m:oMathParaPr>
+                    <m:oMath xmlns:m="http://schemas.openxmlformats.org/officeDocument/2006/math">
+                      <m:r>
+                        <a:rPr lang="en-US" sz="3200" b="0" i="1" smtClean="0">
+                          <a:solidFill>
+                            <a:schemeClr val="tx1"/>
+                          </a:solidFill>
+                          <a:latin typeface="Cambria Math" panose="02040503050406030204" pitchFamily="18" charset="0"/>
+                        </a:rPr>
+                        <m:t>𝐴</m:t>
+                      </m:r>
+                    </m:oMath>
+                  </m:oMathPara>
+                </a14:m>
+                <a:endParaRPr lang="en-US" sz="1600" dirty="0">
+                  <a:solidFill>
+                    <a:schemeClr val="tx1"/>
+                  </a:solidFill>
+                </a:endParaRPr>
+              </a:p>
+            </p:txBody>
+          </p:sp>
+        </mc:Choice>
+        <mc:Fallback>
+          <p:sp>
+            <p:nvSpPr>
+              <p:cNvPr id="7" name="TextBox 6">
+                <a:extLst>
+                  <a:ext uri="{FF2B5EF4-FFF2-40B4-BE49-F238E27FC236}">
+                    <a16:creationId xmlns:a16="http://schemas.microsoft.com/office/drawing/2014/main" id="{41F9F551-5C4C-E1ED-B057-572BAFF76BD5}"/>
+                  </a:ext>
+                </a:extLst>
+              </p:cNvPr>
+              <p:cNvSpPr txBox="1">
+                <a:spLocks noRot="1" noChangeAspect="1" noMove="1" noResize="1" noEditPoints="1" noAdjustHandles="1" noChangeArrowheads="1" noChangeShapeType="1" noTextEdit="1"/>
+              </p:cNvSpPr>
+              <p:nvPr/>
+            </p:nvSpPr>
+            <p:spPr>
+              <a:xfrm>
+                <a:off x="3669400" y="5140097"/>
+                <a:ext cx="356701" cy="492443"/>
+              </a:xfrm>
+              <a:prstGeom prst="rect">
+                <a:avLst/>
+              </a:prstGeom>
+              <a:blipFill>
+                <a:blip r:embed="rId6"/>
+                <a:stretch>
+                  <a:fillRect/>
+                </a:stretch>
+              </a:blipFill>
+            </p:spPr>
+            <p:txBody>
+              <a:bodyPr/>
+              <a:lstStyle/>
+              <a:p>
+                <a:r>
+                  <a:rPr lang="en-US">
+                    <a:noFill/>
+                  </a:rPr>
+                  <a:t> </a:t>
+                </a:r>
+              </a:p>
+            </p:txBody>
+          </p:sp>
+        </mc:Fallback>
+      </mc:AlternateContent>
+      <mc:AlternateContent xmlns:mc="http://schemas.openxmlformats.org/markup-compatibility/2006">
+        <mc:Choice xmlns:a14="http://schemas.microsoft.com/office/drawing/2010/main" Requires="a14">
+          <p:sp>
+            <p:nvSpPr>
+              <p:cNvPr id="8" name="TextBox 7">
+                <a:extLst>
+                  <a:ext uri="{FF2B5EF4-FFF2-40B4-BE49-F238E27FC236}">
+                    <a16:creationId xmlns:a16="http://schemas.microsoft.com/office/drawing/2014/main" id="{3C03C898-D12E-C462-9BD7-B56D1035B93A}"/>
+                  </a:ext>
+                </a:extLst>
+              </p:cNvPr>
+              <p:cNvSpPr txBox="1"/>
+              <p:nvPr/>
+            </p:nvSpPr>
+            <p:spPr>
+              <a:xfrm>
+                <a:off x="8165901" y="5140097"/>
+                <a:ext cx="356701" cy="492443"/>
+              </a:xfrm>
+              <a:prstGeom prst="rect">
+                <a:avLst/>
+              </a:prstGeom>
+              <a:noFill/>
+            </p:spPr>
+            <p:txBody>
+              <a:bodyPr wrap="square" lIns="0" tIns="0" rIns="0" bIns="0" rtlCol="0">
+                <a:spAutoFit/>
+              </a:bodyPr>
+              <a:lstStyle/>
+              <a:p>
+                <a:pPr/>
+                <a14:m>
+                  <m:oMathPara xmlns:m="http://schemas.openxmlformats.org/officeDocument/2006/math">
+                    <m:oMathParaPr>
+                      <m:jc m:val="centerGroup"/>
+                    </m:oMathParaPr>
+                    <m:oMath xmlns:m="http://schemas.openxmlformats.org/officeDocument/2006/math">
+                      <m:r>
+                        <a:rPr lang="en-US" sz="3200" b="0" i="1" smtClean="0">
+                          <a:solidFill>
+                            <a:schemeClr val="tx1"/>
+                          </a:solidFill>
+                          <a:latin typeface="Cambria Math" panose="02040503050406030204" pitchFamily="18" charset="0"/>
+                        </a:rPr>
+                        <m:t>𝐵</m:t>
+                      </m:r>
+                    </m:oMath>
+                  </m:oMathPara>
+                </a14:m>
+                <a:endParaRPr lang="en-US" sz="1600" dirty="0">
+                  <a:solidFill>
+                    <a:schemeClr val="tx1"/>
+                  </a:solidFill>
+                </a:endParaRPr>
+              </a:p>
+            </p:txBody>
+          </p:sp>
+        </mc:Choice>
+        <mc:Fallback>
+          <p:sp>
+            <p:nvSpPr>
+              <p:cNvPr id="8" name="TextBox 7">
+                <a:extLst>
+                  <a:ext uri="{FF2B5EF4-FFF2-40B4-BE49-F238E27FC236}">
+                    <a16:creationId xmlns:a16="http://schemas.microsoft.com/office/drawing/2014/main" id="{3C03C898-D12E-C462-9BD7-B56D1035B93A}"/>
+                  </a:ext>
+                </a:extLst>
+              </p:cNvPr>
+              <p:cNvSpPr txBox="1">
+                <a:spLocks noRot="1" noChangeAspect="1" noMove="1" noResize="1" noEditPoints="1" noAdjustHandles="1" noChangeArrowheads="1" noChangeShapeType="1" noTextEdit="1"/>
+              </p:cNvSpPr>
+              <p:nvPr/>
+            </p:nvSpPr>
+            <p:spPr>
+              <a:xfrm>
+                <a:off x="8165901" y="5140097"/>
+                <a:ext cx="356701" cy="492443"/>
+              </a:xfrm>
+              <a:prstGeom prst="rect">
+                <a:avLst/>
+              </a:prstGeom>
+              <a:blipFill>
+                <a:blip r:embed="rId7"/>
+                <a:stretch>
+                  <a:fillRect/>
+                </a:stretch>
+              </a:blipFill>
+            </p:spPr>
+            <p:txBody>
+              <a:bodyPr/>
+              <a:lstStyle/>
+              <a:p>
+                <a:r>
+                  <a:rPr lang="en-US">
+                    <a:noFill/>
+                  </a:rPr>
+                  <a:t> </a:t>
+                </a:r>
+              </a:p>
+            </p:txBody>
+          </p:sp>
+        </mc:Fallback>
+      </mc:AlternateContent>
+      <mc:AlternateContent xmlns:mc="http://schemas.openxmlformats.org/markup-compatibility/2006">
+        <mc:Choice xmlns:a14="http://schemas.microsoft.com/office/drawing/2010/main" Requires="a14">
+          <p:sp>
+            <p:nvSpPr>
+              <p:cNvPr id="9" name="TextBox 8">
+                <a:extLst>
+                  <a:ext uri="{FF2B5EF4-FFF2-40B4-BE49-F238E27FC236}">
+                    <a16:creationId xmlns:a16="http://schemas.microsoft.com/office/drawing/2014/main" id="{923F1D28-60C9-4E66-0C50-94E882708F08}"/>
+                  </a:ext>
+                </a:extLst>
+              </p:cNvPr>
+              <p:cNvSpPr txBox="1"/>
+              <p:nvPr/>
+            </p:nvSpPr>
+            <p:spPr>
+              <a:xfrm>
+                <a:off x="5935518" y="889233"/>
+                <a:ext cx="320963" cy="492443"/>
+              </a:xfrm>
+              <a:prstGeom prst="rect">
+                <a:avLst/>
+              </a:prstGeom>
+              <a:noFill/>
+            </p:spPr>
+            <p:txBody>
+              <a:bodyPr wrap="square" lIns="0" tIns="0" rIns="0" bIns="0" rtlCol="0">
+                <a:spAutoFit/>
+              </a:bodyPr>
+              <a:lstStyle/>
+              <a:p>
+                <a:pPr/>
+                <a14:m>
+                  <m:oMathPara xmlns:m="http://schemas.openxmlformats.org/officeDocument/2006/math">
+                    <m:oMathParaPr>
+                      <m:jc m:val="centerGroup"/>
+                    </m:oMathParaPr>
+                    <m:oMath xmlns:m="http://schemas.openxmlformats.org/officeDocument/2006/math">
+                      <m:r>
+                        <a:rPr lang="en-US" sz="3200" b="0" i="1" smtClean="0">
+                          <a:solidFill>
+                            <a:schemeClr val="tx1"/>
+                          </a:solidFill>
+                          <a:latin typeface="Cambria Math" panose="02040503050406030204" pitchFamily="18" charset="0"/>
+                        </a:rPr>
+                        <m:t>𝐶</m:t>
+                      </m:r>
+                    </m:oMath>
+                  </m:oMathPara>
+                </a14:m>
+                <a:endParaRPr lang="en-US" sz="1600" dirty="0">
+                  <a:solidFill>
+                    <a:schemeClr val="tx1"/>
+                  </a:solidFill>
+                </a:endParaRPr>
+              </a:p>
+            </p:txBody>
+          </p:sp>
+        </mc:Choice>
+        <mc:Fallback>
+          <p:sp>
+            <p:nvSpPr>
+              <p:cNvPr id="9" name="TextBox 8">
+                <a:extLst>
+                  <a:ext uri="{FF2B5EF4-FFF2-40B4-BE49-F238E27FC236}">
+                    <a16:creationId xmlns:a16="http://schemas.microsoft.com/office/drawing/2014/main" id="{923F1D28-60C9-4E66-0C50-94E882708F08}"/>
+                  </a:ext>
+                </a:extLst>
+              </p:cNvPr>
+              <p:cNvSpPr txBox="1">
+                <a:spLocks noRot="1" noChangeAspect="1" noMove="1" noResize="1" noEditPoints="1" noAdjustHandles="1" noChangeArrowheads="1" noChangeShapeType="1" noTextEdit="1"/>
+              </p:cNvSpPr>
+              <p:nvPr/>
+            </p:nvSpPr>
+            <p:spPr>
+              <a:xfrm>
+                <a:off x="5935518" y="889233"/>
+                <a:ext cx="320963" cy="492443"/>
+              </a:xfrm>
+              <a:prstGeom prst="rect">
+                <a:avLst/>
+              </a:prstGeom>
+              <a:blipFill>
+                <a:blip r:embed="rId8"/>
+                <a:stretch>
+                  <a:fillRect/>
+                </a:stretch>
+              </a:blipFill>
+            </p:spPr>
+            <p:txBody>
+              <a:bodyPr/>
+              <a:lstStyle/>
+              <a:p>
+                <a:r>
+                  <a:rPr lang="en-US">
+                    <a:noFill/>
+                  </a:rPr>
+                  <a:t> </a:t>
+                </a:r>
+              </a:p>
+            </p:txBody>
+          </p:sp>
+        </mc:Fallback>
+      </mc:AlternateContent>
+    </p:spTree>
+    <p:extLst>
+      <p:ext uri="{BB962C8B-B14F-4D97-AF65-F5344CB8AC3E}">
+        <p14:creationId xmlns:p14="http://schemas.microsoft.com/office/powerpoint/2010/main" val="3241689590"/>
+      </p:ext>
+    </p:extLst>
+  </p:cSld>
+  <p:clrMapOvr>
+    <a:masterClrMapping/>
+  </p:clrMapOvr>
+</p:sld>
+</file>
+
+<file path=ppt/slides/slide9.xml><?xml version="1.0" encoding="utf-8"?>
+<p:sld xmlns:a="http://schemas.openxmlformats.org/drawingml/2006/main" xmlns:r="http://schemas.openxmlformats.org/officeDocument/2006/relationships" xmlns:p="http://schemas.openxmlformats.org/presentationml/2006/main">
+  <p:cSld>
+    <p:spTree>
+      <p:nvGrpSpPr>
+        <p:cNvPr id="1" name=""/>
+        <p:cNvGrpSpPr/>
+        <p:nvPr/>
+      </p:nvGrpSpPr>
+      <p:grpSpPr>
+        <a:xfrm>
+          <a:off x="0" y="0"/>
+          <a:ext cx="0" cy="0"/>
+          <a:chOff x="0" y="0"/>
+          <a:chExt cx="0" cy="0"/>
+        </a:xfrm>
+      </p:grpSpPr>
+      <p:pic>
+        <p:nvPicPr>
+          <p:cNvPr id="3" name="Picture 2">
+            <a:extLst>
+              <a:ext uri="{FF2B5EF4-FFF2-40B4-BE49-F238E27FC236}">
+                <a16:creationId xmlns:a16="http://schemas.microsoft.com/office/drawing/2014/main" id="{1C836D1B-BB2D-13E7-BD27-E8F11A99525B}"/>
+              </a:ext>
+            </a:extLst>
+          </p:cNvPr>
+          <p:cNvPicPr>
+            <a:picLocks noChangeAspect="1"/>
+          </p:cNvPicPr>
+          <p:nvPr/>
+        </p:nvPicPr>
+        <p:blipFill>
+          <a:blip r:embed="rId2"/>
+          <a:stretch>
+            <a:fillRect/>
+          </a:stretch>
+        </p:blipFill>
+        <p:spPr>
+          <a:xfrm>
+            <a:off x="2667000" y="0"/>
+            <a:ext cx="6858000" cy="6858000"/>
+          </a:xfrm>
+          <a:prstGeom prst="rect">
+            <a:avLst/>
+          </a:prstGeom>
+        </p:spPr>
+      </p:pic>
+      <mc:AlternateContent xmlns:mc="http://schemas.openxmlformats.org/markup-compatibility/2006">
+        <mc:Choice xmlns:a14="http://schemas.microsoft.com/office/drawing/2010/main" Requires="a14">
+          <p:sp>
+            <p:nvSpPr>
+              <p:cNvPr id="4" name="TextBox 3">
+                <a:extLst>
+                  <a:ext uri="{FF2B5EF4-FFF2-40B4-BE49-F238E27FC236}">
+                    <a16:creationId xmlns:a16="http://schemas.microsoft.com/office/drawing/2014/main" id="{0CD170C2-71EE-833F-5BE8-0447E0D1E476}"/>
+                  </a:ext>
+                </a:extLst>
+              </p:cNvPr>
+              <p:cNvSpPr txBox="1"/>
+              <p:nvPr/>
+            </p:nvSpPr>
+            <p:spPr>
+              <a:xfrm>
+                <a:off x="4111018" y="6201770"/>
+                <a:ext cx="183319" cy="276999"/>
+              </a:xfrm>
+              <a:prstGeom prst="rect">
+                <a:avLst/>
+              </a:prstGeom>
+              <a:noFill/>
+            </p:spPr>
+            <p:txBody>
+              <a:bodyPr wrap="none" lIns="0" tIns="0" rIns="0" bIns="0" rtlCol="0">
+                <a:spAutoFit/>
+              </a:bodyPr>
+              <a:lstStyle/>
+              <a:p>
+                <a:pPr/>
+                <a14:m>
+                  <m:oMathPara xmlns:m="http://schemas.openxmlformats.org/officeDocument/2006/math">
+                    <m:oMathParaPr>
+                      <m:jc m:val="centerGroup"/>
+                    </m:oMathParaPr>
+                    <m:oMath xmlns:m="http://schemas.openxmlformats.org/officeDocument/2006/math">
+                      <m:r>
+                        <a:rPr lang="en-US" b="0" i="1" smtClean="0">
+                          <a:solidFill>
+                            <a:srgbClr val="FF0000"/>
+                          </a:solidFill>
+                          <a:latin typeface="Cambria Math" panose="02040503050406030204" pitchFamily="18" charset="0"/>
+                        </a:rPr>
+                        <m:t>𝑥</m:t>
+                      </m:r>
+                    </m:oMath>
+                  </m:oMathPara>
+                </a14:m>
+                <a:endParaRPr lang="en-US" dirty="0"/>
+              </a:p>
+            </p:txBody>
+          </p:sp>
+        </mc:Choice>
+        <mc:Fallback>
+          <p:sp>
+            <p:nvSpPr>
+              <p:cNvPr id="4" name="TextBox 3">
+                <a:extLst>
+                  <a:ext uri="{FF2B5EF4-FFF2-40B4-BE49-F238E27FC236}">
+                    <a16:creationId xmlns:a16="http://schemas.microsoft.com/office/drawing/2014/main" id="{0CD170C2-71EE-833F-5BE8-0447E0D1E476}"/>
+                  </a:ext>
+                </a:extLst>
+              </p:cNvPr>
+              <p:cNvSpPr txBox="1">
+                <a:spLocks noRot="1" noChangeAspect="1" noMove="1" noResize="1" noEditPoints="1" noAdjustHandles="1" noChangeArrowheads="1" noChangeShapeType="1" noTextEdit="1"/>
+              </p:cNvSpPr>
+              <p:nvPr/>
+            </p:nvSpPr>
+            <p:spPr>
+              <a:xfrm>
+                <a:off x="4111018" y="6201770"/>
+                <a:ext cx="183319" cy="276999"/>
+              </a:xfrm>
+              <a:prstGeom prst="rect">
+                <a:avLst/>
+              </a:prstGeom>
+              <a:blipFill>
+                <a:blip r:embed="rId3"/>
+                <a:stretch>
+                  <a:fillRect l="-20000" r="-13333"/>
+                </a:stretch>
+              </a:blipFill>
+            </p:spPr>
+            <p:txBody>
+              <a:bodyPr/>
+              <a:lstStyle/>
+              <a:p>
+                <a:r>
+                  <a:rPr lang="en-US">
+                    <a:noFill/>
+                  </a:rPr>
+                  <a:t> </a:t>
+                </a:r>
+              </a:p>
+            </p:txBody>
+          </p:sp>
+        </mc:Fallback>
+      </mc:AlternateContent>
+      <mc:AlternateContent xmlns:mc="http://schemas.openxmlformats.org/markup-compatibility/2006">
+        <mc:Choice xmlns:a14="http://schemas.microsoft.com/office/drawing/2010/main" Requires="a14">
+          <p:sp>
+            <p:nvSpPr>
+              <p:cNvPr id="5" name="TextBox 4">
+                <a:extLst>
+                  <a:ext uri="{FF2B5EF4-FFF2-40B4-BE49-F238E27FC236}">
+                    <a16:creationId xmlns:a16="http://schemas.microsoft.com/office/drawing/2014/main" id="{6C790666-65A0-E9DB-049C-287639AC825E}"/>
+                  </a:ext>
+                </a:extLst>
+              </p:cNvPr>
+              <p:cNvSpPr txBox="1"/>
+              <p:nvPr/>
+            </p:nvSpPr>
+            <p:spPr>
+              <a:xfrm>
+                <a:off x="3044083" y="5140097"/>
+                <a:ext cx="186718" cy="276999"/>
+              </a:xfrm>
+              <a:prstGeom prst="rect">
+                <a:avLst/>
+              </a:prstGeom>
+              <a:noFill/>
+            </p:spPr>
+            <p:txBody>
+              <a:bodyPr wrap="none" lIns="0" tIns="0" rIns="0" bIns="0" rtlCol="0">
+                <a:spAutoFit/>
+              </a:bodyPr>
+              <a:lstStyle/>
+              <a:p>
+                <a:pPr/>
+                <a14:m>
+                  <m:oMathPara xmlns:m="http://schemas.openxmlformats.org/officeDocument/2006/math">
+                    <m:oMathParaPr>
+                      <m:jc m:val="centerGroup"/>
+                    </m:oMathParaPr>
+                    <m:oMath xmlns:m="http://schemas.openxmlformats.org/officeDocument/2006/math">
+                      <m:r>
+                        <a:rPr lang="en-US" b="0" i="1" smtClean="0">
+                          <a:solidFill>
+                            <a:srgbClr val="00B050"/>
+                          </a:solidFill>
+                          <a:latin typeface="Cambria Math" panose="02040503050406030204" pitchFamily="18" charset="0"/>
+                        </a:rPr>
+                        <m:t>𝑦</m:t>
+                      </m:r>
+                    </m:oMath>
+                  </m:oMathPara>
+                </a14:m>
+                <a:endParaRPr lang="en-US" dirty="0"/>
+              </a:p>
+            </p:txBody>
+          </p:sp>
+        </mc:Choice>
+        <mc:Fallback>
+          <p:sp>
+            <p:nvSpPr>
+              <p:cNvPr id="5" name="TextBox 4">
+                <a:extLst>
+                  <a:ext uri="{FF2B5EF4-FFF2-40B4-BE49-F238E27FC236}">
+                    <a16:creationId xmlns:a16="http://schemas.microsoft.com/office/drawing/2014/main" id="{6C790666-65A0-E9DB-049C-287639AC825E}"/>
+                  </a:ext>
+                </a:extLst>
+              </p:cNvPr>
+              <p:cNvSpPr txBox="1">
+                <a:spLocks noRot="1" noChangeAspect="1" noMove="1" noResize="1" noEditPoints="1" noAdjustHandles="1" noChangeArrowheads="1" noChangeShapeType="1" noTextEdit="1"/>
+              </p:cNvSpPr>
+              <p:nvPr/>
+            </p:nvSpPr>
+            <p:spPr>
+              <a:xfrm>
+                <a:off x="3044083" y="5140097"/>
+                <a:ext cx="186718" cy="276999"/>
+              </a:xfrm>
+              <a:prstGeom prst="rect">
+                <a:avLst/>
+              </a:prstGeom>
+              <a:blipFill>
+                <a:blip r:embed="rId4"/>
+                <a:stretch>
+                  <a:fillRect l="-32258" r="-25806" b="-23913"/>
+                </a:stretch>
+              </a:blipFill>
+            </p:spPr>
+            <p:txBody>
+              <a:bodyPr/>
+              <a:lstStyle/>
+              <a:p>
+                <a:r>
+                  <a:rPr lang="en-US">
+                    <a:noFill/>
+                  </a:rPr>
+                  <a:t> </a:t>
+                </a:r>
+              </a:p>
+            </p:txBody>
+          </p:sp>
+        </mc:Fallback>
+      </mc:AlternateContent>
+      <mc:AlternateContent xmlns:mc="http://schemas.openxmlformats.org/markup-compatibility/2006">
+        <mc:Choice xmlns:a14="http://schemas.microsoft.com/office/drawing/2010/main" Requires="a14">
+          <p:sp>
+            <p:nvSpPr>
+              <p:cNvPr id="6" name="TextBox 5">
+                <a:extLst>
+                  <a:ext uri="{FF2B5EF4-FFF2-40B4-BE49-F238E27FC236}">
+                    <a16:creationId xmlns:a16="http://schemas.microsoft.com/office/drawing/2014/main" id="{8267507E-7361-61E5-9CF0-91BF1FBAC22B}"/>
+                  </a:ext>
+                </a:extLst>
+              </p:cNvPr>
+              <p:cNvSpPr txBox="1"/>
+              <p:nvPr/>
+            </p:nvSpPr>
+            <p:spPr>
+              <a:xfrm>
+                <a:off x="2874999" y="6201770"/>
+                <a:ext cx="169084" cy="276999"/>
+              </a:xfrm>
+              <a:prstGeom prst="rect">
+                <a:avLst/>
+              </a:prstGeom>
+              <a:noFill/>
+            </p:spPr>
+            <p:txBody>
+              <a:bodyPr wrap="none" lIns="0" tIns="0" rIns="0" bIns="0" rtlCol="0">
+                <a:spAutoFit/>
+              </a:bodyPr>
+              <a:lstStyle/>
+              <a:p>
+                <a:pPr/>
+                <a14:m>
+                  <m:oMathPara xmlns:m="http://schemas.openxmlformats.org/officeDocument/2006/math">
+                    <m:oMathParaPr>
+                      <m:jc m:val="centerGroup"/>
+                    </m:oMathParaPr>
+                    <m:oMath xmlns:m="http://schemas.openxmlformats.org/officeDocument/2006/math">
+                      <m:r>
+                        <a:rPr lang="en-US" b="0" i="1" smtClean="0">
+                          <a:solidFill>
+                            <a:srgbClr val="002060"/>
+                          </a:solidFill>
+                          <a:latin typeface="Cambria Math" panose="02040503050406030204" pitchFamily="18" charset="0"/>
+                        </a:rPr>
+                        <m:t>𝑧</m:t>
+                      </m:r>
+                    </m:oMath>
+                  </m:oMathPara>
+                </a14:m>
+                <a:endParaRPr lang="en-US" dirty="0">
+                  <a:solidFill>
+                    <a:srgbClr val="002060"/>
+                  </a:solidFill>
+                </a:endParaRPr>
+              </a:p>
+            </p:txBody>
+          </p:sp>
+        </mc:Choice>
+        <mc:Fallback>
+          <p:sp>
+            <p:nvSpPr>
+              <p:cNvPr id="6" name="TextBox 5">
+                <a:extLst>
+                  <a:ext uri="{FF2B5EF4-FFF2-40B4-BE49-F238E27FC236}">
+                    <a16:creationId xmlns:a16="http://schemas.microsoft.com/office/drawing/2014/main" id="{8267507E-7361-61E5-9CF0-91BF1FBAC22B}"/>
+                  </a:ext>
+                </a:extLst>
+              </p:cNvPr>
+              <p:cNvSpPr txBox="1">
+                <a:spLocks noRot="1" noChangeAspect="1" noMove="1" noResize="1" noEditPoints="1" noAdjustHandles="1" noChangeArrowheads="1" noChangeShapeType="1" noTextEdit="1"/>
+              </p:cNvSpPr>
+              <p:nvPr/>
+            </p:nvSpPr>
+            <p:spPr>
+              <a:xfrm>
+                <a:off x="2874999" y="6201770"/>
+                <a:ext cx="169084" cy="276999"/>
+              </a:xfrm>
+              <a:prstGeom prst="rect">
+                <a:avLst/>
+              </a:prstGeom>
+              <a:blipFill>
+                <a:blip r:embed="rId5"/>
+                <a:stretch>
+                  <a:fillRect l="-22222" r="-18519"/>
+                </a:stretch>
+              </a:blipFill>
+            </p:spPr>
+            <p:txBody>
+              <a:bodyPr/>
+              <a:lstStyle/>
+              <a:p>
+                <a:r>
+                  <a:rPr lang="en-US">
+                    <a:noFill/>
+                  </a:rPr>
+                  <a:t> </a:t>
+                </a:r>
+              </a:p>
+            </p:txBody>
+          </p:sp>
+        </mc:Fallback>
+      </mc:AlternateContent>
+      <mc:AlternateContent xmlns:mc="http://schemas.openxmlformats.org/markup-compatibility/2006">
+        <mc:Choice xmlns:a14="http://schemas.microsoft.com/office/drawing/2010/main" Requires="a14">
+          <p:sp>
+            <p:nvSpPr>
+              <p:cNvPr id="7" name="TextBox 6">
+                <a:extLst>
+                  <a:ext uri="{FF2B5EF4-FFF2-40B4-BE49-F238E27FC236}">
+                    <a16:creationId xmlns:a16="http://schemas.microsoft.com/office/drawing/2014/main" id="{EA2E7037-7985-CA78-4E90-5C3A785C7343}"/>
+                  </a:ext>
+                </a:extLst>
+              </p:cNvPr>
+              <p:cNvSpPr txBox="1"/>
+              <p:nvPr/>
+            </p:nvSpPr>
+            <p:spPr>
+              <a:xfrm>
+                <a:off x="3669400" y="5140097"/>
+                <a:ext cx="356701" cy="492443"/>
+              </a:xfrm>
+              <a:prstGeom prst="rect">
+                <a:avLst/>
+              </a:prstGeom>
+              <a:noFill/>
+            </p:spPr>
+            <p:txBody>
+              <a:bodyPr wrap="none" lIns="0" tIns="0" rIns="0" bIns="0" rtlCol="0">
+                <a:spAutoFit/>
+              </a:bodyPr>
+              <a:lstStyle/>
+              <a:p>
+                <a:pPr/>
+                <a14:m>
+                  <m:oMathPara xmlns:m="http://schemas.openxmlformats.org/officeDocument/2006/math">
+                    <m:oMathParaPr>
+                      <m:jc m:val="centerGroup"/>
+                    </m:oMathParaPr>
+                    <m:oMath xmlns:m="http://schemas.openxmlformats.org/officeDocument/2006/math">
+                      <m:r>
+                        <a:rPr lang="en-US" sz="3200" b="0" i="1" smtClean="0">
+                          <a:solidFill>
+                            <a:schemeClr val="tx1"/>
+                          </a:solidFill>
+                          <a:latin typeface="Cambria Math" panose="02040503050406030204" pitchFamily="18" charset="0"/>
+                        </a:rPr>
+                        <m:t>𝐴</m:t>
+                      </m:r>
+                    </m:oMath>
+                  </m:oMathPara>
+                </a14:m>
+                <a:endParaRPr lang="en-US" sz="1600" dirty="0">
+                  <a:solidFill>
+                    <a:schemeClr val="tx1"/>
+                  </a:solidFill>
+                </a:endParaRPr>
+              </a:p>
+            </p:txBody>
+          </p:sp>
+        </mc:Choice>
+        <mc:Fallback>
+          <p:sp>
+            <p:nvSpPr>
+              <p:cNvPr id="7" name="TextBox 6">
+                <a:extLst>
+                  <a:ext uri="{FF2B5EF4-FFF2-40B4-BE49-F238E27FC236}">
+                    <a16:creationId xmlns:a16="http://schemas.microsoft.com/office/drawing/2014/main" id="{EA2E7037-7985-CA78-4E90-5C3A785C7343}"/>
+                  </a:ext>
+                </a:extLst>
+              </p:cNvPr>
+              <p:cNvSpPr txBox="1">
+                <a:spLocks noRot="1" noChangeAspect="1" noMove="1" noResize="1" noEditPoints="1" noAdjustHandles="1" noChangeArrowheads="1" noChangeShapeType="1" noTextEdit="1"/>
+              </p:cNvSpPr>
+              <p:nvPr/>
+            </p:nvSpPr>
+            <p:spPr>
+              <a:xfrm>
+                <a:off x="3669400" y="5140097"/>
+                <a:ext cx="356701" cy="492443"/>
+              </a:xfrm>
+              <a:prstGeom prst="rect">
+                <a:avLst/>
+              </a:prstGeom>
+              <a:blipFill>
+                <a:blip r:embed="rId6"/>
+                <a:stretch>
+                  <a:fillRect/>
+                </a:stretch>
+              </a:blipFill>
+            </p:spPr>
+            <p:txBody>
+              <a:bodyPr/>
+              <a:lstStyle/>
+              <a:p>
+                <a:r>
+                  <a:rPr lang="en-US">
+                    <a:noFill/>
+                  </a:rPr>
+                  <a:t> </a:t>
+                </a:r>
+              </a:p>
+            </p:txBody>
+          </p:sp>
+        </mc:Fallback>
+      </mc:AlternateContent>
+      <mc:AlternateContent xmlns:mc="http://schemas.openxmlformats.org/markup-compatibility/2006">
+        <mc:Choice xmlns:a14="http://schemas.microsoft.com/office/drawing/2010/main" Requires="a14">
+          <p:sp>
+            <p:nvSpPr>
+              <p:cNvPr id="8" name="TextBox 7">
+                <a:extLst>
+                  <a:ext uri="{FF2B5EF4-FFF2-40B4-BE49-F238E27FC236}">
+                    <a16:creationId xmlns:a16="http://schemas.microsoft.com/office/drawing/2014/main" id="{5477003B-7D84-CBBF-3C15-DE890D0107B8}"/>
+                  </a:ext>
+                </a:extLst>
+              </p:cNvPr>
+              <p:cNvSpPr txBox="1"/>
+              <p:nvPr/>
+            </p:nvSpPr>
+            <p:spPr>
+              <a:xfrm>
+                <a:off x="8165901" y="5140097"/>
+                <a:ext cx="356701" cy="492443"/>
+              </a:xfrm>
+              <a:prstGeom prst="rect">
+                <a:avLst/>
+              </a:prstGeom>
+              <a:noFill/>
+            </p:spPr>
+            <p:txBody>
+              <a:bodyPr wrap="square" lIns="0" tIns="0" rIns="0" bIns="0" rtlCol="0">
+                <a:spAutoFit/>
+              </a:bodyPr>
+              <a:lstStyle/>
+              <a:p>
+                <a:pPr/>
+                <a14:m>
+                  <m:oMathPara xmlns:m="http://schemas.openxmlformats.org/officeDocument/2006/math">
+                    <m:oMathParaPr>
+                      <m:jc m:val="centerGroup"/>
+                    </m:oMathParaPr>
+                    <m:oMath xmlns:m="http://schemas.openxmlformats.org/officeDocument/2006/math">
+                      <m:r>
+                        <a:rPr lang="en-US" sz="3200" b="0" i="1" smtClean="0">
+                          <a:solidFill>
+                            <a:schemeClr val="tx1"/>
+                          </a:solidFill>
+                          <a:latin typeface="Cambria Math" panose="02040503050406030204" pitchFamily="18" charset="0"/>
+                        </a:rPr>
+                        <m:t>𝐵</m:t>
+                      </m:r>
+                    </m:oMath>
+                  </m:oMathPara>
+                </a14:m>
+                <a:endParaRPr lang="en-US" sz="1600" dirty="0">
+                  <a:solidFill>
+                    <a:schemeClr val="tx1"/>
+                  </a:solidFill>
+                </a:endParaRPr>
+              </a:p>
+            </p:txBody>
+          </p:sp>
+        </mc:Choice>
+        <mc:Fallback>
+          <p:sp>
+            <p:nvSpPr>
+              <p:cNvPr id="8" name="TextBox 7">
+                <a:extLst>
+                  <a:ext uri="{FF2B5EF4-FFF2-40B4-BE49-F238E27FC236}">
+                    <a16:creationId xmlns:a16="http://schemas.microsoft.com/office/drawing/2014/main" id="{5477003B-7D84-CBBF-3C15-DE890D0107B8}"/>
+                  </a:ext>
+                </a:extLst>
+              </p:cNvPr>
+              <p:cNvSpPr txBox="1">
+                <a:spLocks noRot="1" noChangeAspect="1" noMove="1" noResize="1" noEditPoints="1" noAdjustHandles="1" noChangeArrowheads="1" noChangeShapeType="1" noTextEdit="1"/>
+              </p:cNvSpPr>
+              <p:nvPr/>
+            </p:nvSpPr>
+            <p:spPr>
+              <a:xfrm>
+                <a:off x="8165901" y="5140097"/>
+                <a:ext cx="356701" cy="492443"/>
+              </a:xfrm>
+              <a:prstGeom prst="rect">
+                <a:avLst/>
+              </a:prstGeom>
+              <a:blipFill>
+                <a:blip r:embed="rId7"/>
+                <a:stretch>
+                  <a:fillRect/>
+                </a:stretch>
+              </a:blipFill>
+            </p:spPr>
+            <p:txBody>
+              <a:bodyPr/>
+              <a:lstStyle/>
+              <a:p>
+                <a:r>
+                  <a:rPr lang="en-US">
+                    <a:noFill/>
+                  </a:rPr>
+                  <a:t> </a:t>
+                </a:r>
+              </a:p>
+            </p:txBody>
+          </p:sp>
+        </mc:Fallback>
+      </mc:AlternateContent>
+      <mc:AlternateContent xmlns:mc="http://schemas.openxmlformats.org/markup-compatibility/2006">
+        <mc:Choice xmlns:a14="http://schemas.microsoft.com/office/drawing/2010/main" Requires="a14">
+          <p:sp>
+            <p:nvSpPr>
+              <p:cNvPr id="9" name="TextBox 8">
+                <a:extLst>
+                  <a:ext uri="{FF2B5EF4-FFF2-40B4-BE49-F238E27FC236}">
+                    <a16:creationId xmlns:a16="http://schemas.microsoft.com/office/drawing/2014/main" id="{650F583C-4DA0-A8A9-F3AA-AEA79EB730BB}"/>
+                  </a:ext>
+                </a:extLst>
+              </p:cNvPr>
+              <p:cNvSpPr txBox="1"/>
+              <p:nvPr/>
+            </p:nvSpPr>
+            <p:spPr>
+              <a:xfrm>
+                <a:off x="5935518" y="889233"/>
+                <a:ext cx="320963" cy="492443"/>
+              </a:xfrm>
+              <a:prstGeom prst="rect">
+                <a:avLst/>
+              </a:prstGeom>
+              <a:noFill/>
+            </p:spPr>
+            <p:txBody>
+              <a:bodyPr wrap="square" lIns="0" tIns="0" rIns="0" bIns="0" rtlCol="0">
+                <a:spAutoFit/>
+              </a:bodyPr>
+              <a:lstStyle/>
+              <a:p>
+                <a:pPr/>
+                <a14:m>
+                  <m:oMathPara xmlns:m="http://schemas.openxmlformats.org/officeDocument/2006/math">
+                    <m:oMathParaPr>
+                      <m:jc m:val="centerGroup"/>
+                    </m:oMathParaPr>
+                    <m:oMath xmlns:m="http://schemas.openxmlformats.org/officeDocument/2006/math">
+                      <m:r>
+                        <a:rPr lang="en-US" sz="3200" b="0" i="1" smtClean="0">
+                          <a:solidFill>
+                            <a:schemeClr val="tx1"/>
+                          </a:solidFill>
+                          <a:latin typeface="Cambria Math" panose="02040503050406030204" pitchFamily="18" charset="0"/>
+                        </a:rPr>
+                        <m:t>𝐶</m:t>
+                      </m:r>
+                    </m:oMath>
+                  </m:oMathPara>
+                </a14:m>
+                <a:endParaRPr lang="en-US" sz="1600" dirty="0">
+                  <a:solidFill>
+                    <a:schemeClr val="tx1"/>
+                  </a:solidFill>
+                </a:endParaRPr>
+              </a:p>
+            </p:txBody>
+          </p:sp>
+        </mc:Choice>
+        <mc:Fallback>
+          <p:sp>
+            <p:nvSpPr>
+              <p:cNvPr id="9" name="TextBox 8">
+                <a:extLst>
+                  <a:ext uri="{FF2B5EF4-FFF2-40B4-BE49-F238E27FC236}">
+                    <a16:creationId xmlns:a16="http://schemas.microsoft.com/office/drawing/2014/main" id="{650F583C-4DA0-A8A9-F3AA-AEA79EB730BB}"/>
+                  </a:ext>
+                </a:extLst>
+              </p:cNvPr>
+              <p:cNvSpPr txBox="1">
+                <a:spLocks noRot="1" noChangeAspect="1" noMove="1" noResize="1" noEditPoints="1" noAdjustHandles="1" noChangeArrowheads="1" noChangeShapeType="1" noTextEdit="1"/>
+              </p:cNvSpPr>
+              <p:nvPr/>
+            </p:nvSpPr>
+            <p:spPr>
+              <a:xfrm>
+                <a:off x="5935518" y="889233"/>
+                <a:ext cx="320963" cy="492443"/>
+              </a:xfrm>
+              <a:prstGeom prst="rect">
+                <a:avLst/>
+              </a:prstGeom>
+              <a:blipFill>
+                <a:blip r:embed="rId8"/>
+                <a:stretch>
+                  <a:fillRect/>
+                </a:stretch>
+              </a:blipFill>
+            </p:spPr>
+            <p:txBody>
+              <a:bodyPr/>
+              <a:lstStyle/>
+              <a:p>
+                <a:r>
+                  <a:rPr lang="en-US">
+                    <a:noFill/>
+                  </a:rPr>
+                  <a:t> </a:t>
+                </a:r>
+              </a:p>
+            </p:txBody>
+          </p:sp>
+        </mc:Fallback>
+      </mc:AlternateContent>
+    </p:spTree>
+    <p:extLst>
+      <p:ext uri="{BB962C8B-B14F-4D97-AF65-F5344CB8AC3E}">
+        <p14:creationId xmlns:p14="http://schemas.microsoft.com/office/powerpoint/2010/main" val="470116573"/>
       </p:ext>
     </p:extLst>
   </p:cSld>

--- a/chapter-06/diagram.pptx
+++ b/chapter-06/diagram.pptx
@@ -18,6 +18,11 @@
     <p:sldId id="275" r:id="rId12"/>
     <p:sldId id="276" r:id="rId13"/>
     <p:sldId id="277" r:id="rId14"/>
+    <p:sldId id="278" r:id="rId15"/>
+    <p:sldId id="279" r:id="rId16"/>
+    <p:sldId id="280" r:id="rId17"/>
+    <p:sldId id="281" r:id="rId18"/>
+    <p:sldId id="282" r:id="rId19"/>
   </p:sldIdLst>
   <p:sldSz cx="12192000" cy="6858000"/>
   <p:notesSz cx="6858000" cy="9144000"/>
@@ -271,7 +276,7 @@
           <a:p>
             <a:fld id="{B5F83089-3D20-4571-AA23-523345485B56}" type="datetimeFigureOut">
               <a:rPr lang="en-US" smtClean="0"/>
-              <a:t>8/14/2023</a:t>
+              <a:t>8/20/2023</a:t>
             </a:fld>
             <a:endParaRPr lang="en-US"/>
           </a:p>
@@ -469,7 +474,7 @@
           <a:p>
             <a:fld id="{B5F83089-3D20-4571-AA23-523345485B56}" type="datetimeFigureOut">
               <a:rPr lang="en-US" smtClean="0"/>
-              <a:t>8/14/2023</a:t>
+              <a:t>8/20/2023</a:t>
             </a:fld>
             <a:endParaRPr lang="en-US"/>
           </a:p>
@@ -677,7 +682,7 @@
           <a:p>
             <a:fld id="{B5F83089-3D20-4571-AA23-523345485B56}" type="datetimeFigureOut">
               <a:rPr lang="en-US" smtClean="0"/>
-              <a:t>8/14/2023</a:t>
+              <a:t>8/20/2023</a:t>
             </a:fld>
             <a:endParaRPr lang="en-US"/>
           </a:p>
@@ -875,7 +880,7 @@
           <a:p>
             <a:fld id="{B5F83089-3D20-4571-AA23-523345485B56}" type="datetimeFigureOut">
               <a:rPr lang="en-US" smtClean="0"/>
-              <a:t>8/14/2023</a:t>
+              <a:t>8/20/2023</a:t>
             </a:fld>
             <a:endParaRPr lang="en-US"/>
           </a:p>
@@ -1150,7 +1155,7 @@
           <a:p>
             <a:fld id="{B5F83089-3D20-4571-AA23-523345485B56}" type="datetimeFigureOut">
               <a:rPr lang="en-US" smtClean="0"/>
-              <a:t>8/14/2023</a:t>
+              <a:t>8/20/2023</a:t>
             </a:fld>
             <a:endParaRPr lang="en-US"/>
           </a:p>
@@ -1415,7 +1420,7 @@
           <a:p>
             <a:fld id="{B5F83089-3D20-4571-AA23-523345485B56}" type="datetimeFigureOut">
               <a:rPr lang="en-US" smtClean="0"/>
-              <a:t>8/14/2023</a:t>
+              <a:t>8/20/2023</a:t>
             </a:fld>
             <a:endParaRPr lang="en-US"/>
           </a:p>
@@ -1827,7 +1832,7 @@
           <a:p>
             <a:fld id="{B5F83089-3D20-4571-AA23-523345485B56}" type="datetimeFigureOut">
               <a:rPr lang="en-US" smtClean="0"/>
-              <a:t>8/14/2023</a:t>
+              <a:t>8/20/2023</a:t>
             </a:fld>
             <a:endParaRPr lang="en-US"/>
           </a:p>
@@ -1968,7 +1973,7 @@
           <a:p>
             <a:fld id="{B5F83089-3D20-4571-AA23-523345485B56}" type="datetimeFigureOut">
               <a:rPr lang="en-US" smtClean="0"/>
-              <a:t>8/14/2023</a:t>
+              <a:t>8/20/2023</a:t>
             </a:fld>
             <a:endParaRPr lang="en-US"/>
           </a:p>
@@ -2081,7 +2086,7 @@
           <a:p>
             <a:fld id="{B5F83089-3D20-4571-AA23-523345485B56}" type="datetimeFigureOut">
               <a:rPr lang="en-US" smtClean="0"/>
-              <a:t>8/14/2023</a:t>
+              <a:t>8/20/2023</a:t>
             </a:fld>
             <a:endParaRPr lang="en-US"/>
           </a:p>
@@ -2392,7 +2397,7 @@
           <a:p>
             <a:fld id="{B5F83089-3D20-4571-AA23-523345485B56}" type="datetimeFigureOut">
               <a:rPr lang="en-US" smtClean="0"/>
-              <a:t>8/14/2023</a:t>
+              <a:t>8/20/2023</a:t>
             </a:fld>
             <a:endParaRPr lang="en-US"/>
           </a:p>
@@ -2680,7 +2685,7 @@
           <a:p>
             <a:fld id="{B5F83089-3D20-4571-AA23-523345485B56}" type="datetimeFigureOut">
               <a:rPr lang="en-US" smtClean="0"/>
-              <a:t>8/14/2023</a:t>
+              <a:t>8/20/2023</a:t>
             </a:fld>
             <a:endParaRPr lang="en-US"/>
           </a:p>
@@ -2921,7 +2926,7 @@
           <a:p>
             <a:fld id="{B5F83089-3D20-4571-AA23-523345485B56}" type="datetimeFigureOut">
               <a:rPr lang="en-US" smtClean="0"/>
-              <a:t>8/14/2023</a:t>
+              <a:t>8/20/2023</a:t>
             </a:fld>
             <a:endParaRPr lang="en-US"/>
           </a:p>
@@ -5480,8 +5485,8 @@
           </a:prstGeom>
         </p:spPr>
       </p:pic>
-      <mc:AlternateContent xmlns:mc="http://schemas.openxmlformats.org/markup-compatibility/2006">
-        <mc:Choice xmlns:a14="http://schemas.microsoft.com/office/drawing/2010/main" Requires="a14">
+      <mc:AlternateContent xmlns:mc="http://schemas.openxmlformats.org/markup-compatibility/2006" xmlns:a14="http://schemas.microsoft.com/office/drawing/2010/main">
+        <mc:Choice Requires="a14">
           <p:sp>
             <p:nvSpPr>
               <p:cNvPr id="4" name="TextBox 3">
@@ -5534,7 +5539,7 @@
             </p:txBody>
           </p:sp>
         </mc:Choice>
-        <mc:Fallback>
+        <mc:Fallback xmlns="">
           <p:sp>
             <p:nvSpPr>
               <p:cNvPr id="4" name="TextBox 3">
@@ -5579,8 +5584,8 @@
           </p:sp>
         </mc:Fallback>
       </mc:AlternateContent>
-      <mc:AlternateContent xmlns:mc="http://schemas.openxmlformats.org/markup-compatibility/2006">
-        <mc:Choice xmlns:a14="http://schemas.microsoft.com/office/drawing/2010/main" Requires="a14">
+      <mc:AlternateContent xmlns:mc="http://schemas.openxmlformats.org/markup-compatibility/2006" xmlns:a14="http://schemas.microsoft.com/office/drawing/2010/main">
+        <mc:Choice Requires="a14">
           <p:sp>
             <p:nvSpPr>
               <p:cNvPr id="5" name="TextBox 4">
@@ -5633,7 +5638,7 @@
             </p:txBody>
           </p:sp>
         </mc:Choice>
-        <mc:Fallback>
+        <mc:Fallback xmlns="">
           <p:sp>
             <p:nvSpPr>
               <p:cNvPr id="5" name="TextBox 4">
@@ -5678,8 +5683,8 @@
           </p:sp>
         </mc:Fallback>
       </mc:AlternateContent>
-      <mc:AlternateContent xmlns:mc="http://schemas.openxmlformats.org/markup-compatibility/2006">
-        <mc:Choice xmlns:a14="http://schemas.microsoft.com/office/drawing/2010/main" Requires="a14">
+      <mc:AlternateContent xmlns:mc="http://schemas.openxmlformats.org/markup-compatibility/2006" xmlns:a14="http://schemas.microsoft.com/office/drawing/2010/main">
+        <mc:Choice Requires="a14">
           <p:sp>
             <p:nvSpPr>
               <p:cNvPr id="6" name="TextBox 5">
@@ -5736,7 +5741,7 @@
             </p:txBody>
           </p:sp>
         </mc:Choice>
-        <mc:Fallback>
+        <mc:Fallback xmlns="">
           <p:sp>
             <p:nvSpPr>
               <p:cNvPr id="6" name="TextBox 5">
@@ -5781,8 +5786,8 @@
           </p:sp>
         </mc:Fallback>
       </mc:AlternateContent>
-      <mc:AlternateContent xmlns:mc="http://schemas.openxmlformats.org/markup-compatibility/2006">
-        <mc:Choice xmlns:a14="http://schemas.microsoft.com/office/drawing/2010/main" Requires="a14">
+      <mc:AlternateContent xmlns:mc="http://schemas.openxmlformats.org/markup-compatibility/2006" xmlns:a14="http://schemas.microsoft.com/office/drawing/2010/main">
+        <mc:Choice Requires="a14">
           <p:sp>
             <p:nvSpPr>
               <p:cNvPr id="7" name="TextBox 6">
@@ -5839,7 +5844,7 @@
             </p:txBody>
           </p:sp>
         </mc:Choice>
-        <mc:Fallback>
+        <mc:Fallback xmlns="">
           <p:sp>
             <p:nvSpPr>
               <p:cNvPr id="7" name="TextBox 6">
@@ -5884,8 +5889,8 @@
           </p:sp>
         </mc:Fallback>
       </mc:AlternateContent>
-      <mc:AlternateContent xmlns:mc="http://schemas.openxmlformats.org/markup-compatibility/2006">
-        <mc:Choice xmlns:a14="http://schemas.microsoft.com/office/drawing/2010/main" Requires="a14">
+      <mc:AlternateContent xmlns:mc="http://schemas.openxmlformats.org/markup-compatibility/2006" xmlns:a14="http://schemas.microsoft.com/office/drawing/2010/main">
+        <mc:Choice Requires="a14">
           <p:sp>
             <p:nvSpPr>
               <p:cNvPr id="8" name="TextBox 7">
@@ -5942,7 +5947,7 @@
             </p:txBody>
           </p:sp>
         </mc:Choice>
-        <mc:Fallback>
+        <mc:Fallback xmlns="">
           <p:sp>
             <p:nvSpPr>
               <p:cNvPr id="8" name="TextBox 7">
@@ -5987,8 +5992,8 @@
           </p:sp>
         </mc:Fallback>
       </mc:AlternateContent>
-      <mc:AlternateContent xmlns:mc="http://schemas.openxmlformats.org/markup-compatibility/2006">
-        <mc:Choice xmlns:a14="http://schemas.microsoft.com/office/drawing/2010/main" Requires="a14">
+      <mc:AlternateContent xmlns:mc="http://schemas.openxmlformats.org/markup-compatibility/2006" xmlns:a14="http://schemas.microsoft.com/office/drawing/2010/main">
+        <mc:Choice Requires="a14">
           <p:sp>
             <p:nvSpPr>
               <p:cNvPr id="9" name="TextBox 8">
@@ -6045,7 +6050,7 @@
             </p:txBody>
           </p:sp>
         </mc:Choice>
-        <mc:Fallback>
+        <mc:Fallback xmlns="">
           <p:sp>
             <p:nvSpPr>
               <p:cNvPr id="9" name="TextBox 8">
@@ -6150,8 +6155,8 @@
           </a:prstGeom>
         </p:spPr>
       </p:pic>
-      <mc:AlternateContent xmlns:mc="http://schemas.openxmlformats.org/markup-compatibility/2006">
-        <mc:Choice xmlns:a14="http://schemas.microsoft.com/office/drawing/2010/main" Requires="a14">
+      <mc:AlternateContent xmlns:mc="http://schemas.openxmlformats.org/markup-compatibility/2006" xmlns:a14="http://schemas.microsoft.com/office/drawing/2010/main">
+        <mc:Choice Requires="a14">
           <p:sp>
             <p:nvSpPr>
               <p:cNvPr id="4" name="TextBox 3">
@@ -6204,7 +6209,7 @@
             </p:txBody>
           </p:sp>
         </mc:Choice>
-        <mc:Fallback>
+        <mc:Fallback xmlns="">
           <p:sp>
             <p:nvSpPr>
               <p:cNvPr id="4" name="TextBox 3">
@@ -6249,8 +6254,8 @@
           </p:sp>
         </mc:Fallback>
       </mc:AlternateContent>
-      <mc:AlternateContent xmlns:mc="http://schemas.openxmlformats.org/markup-compatibility/2006">
-        <mc:Choice xmlns:a14="http://schemas.microsoft.com/office/drawing/2010/main" Requires="a14">
+      <mc:AlternateContent xmlns:mc="http://schemas.openxmlformats.org/markup-compatibility/2006" xmlns:a14="http://schemas.microsoft.com/office/drawing/2010/main">
+        <mc:Choice Requires="a14">
           <p:sp>
             <p:nvSpPr>
               <p:cNvPr id="5" name="TextBox 4">
@@ -6303,7 +6308,7 @@
             </p:txBody>
           </p:sp>
         </mc:Choice>
-        <mc:Fallback>
+        <mc:Fallback xmlns="">
           <p:sp>
             <p:nvSpPr>
               <p:cNvPr id="5" name="TextBox 4">
@@ -6348,8 +6353,8 @@
           </p:sp>
         </mc:Fallback>
       </mc:AlternateContent>
-      <mc:AlternateContent xmlns:mc="http://schemas.openxmlformats.org/markup-compatibility/2006">
-        <mc:Choice xmlns:a14="http://schemas.microsoft.com/office/drawing/2010/main" Requires="a14">
+      <mc:AlternateContent xmlns:mc="http://schemas.openxmlformats.org/markup-compatibility/2006" xmlns:a14="http://schemas.microsoft.com/office/drawing/2010/main">
+        <mc:Choice Requires="a14">
           <p:sp>
             <p:nvSpPr>
               <p:cNvPr id="6" name="TextBox 5">
@@ -6406,7 +6411,7 @@
             </p:txBody>
           </p:sp>
         </mc:Choice>
-        <mc:Fallback>
+        <mc:Fallback xmlns="">
           <p:sp>
             <p:nvSpPr>
               <p:cNvPr id="6" name="TextBox 5">
@@ -6451,8 +6456,8 @@
           </p:sp>
         </mc:Fallback>
       </mc:AlternateContent>
-      <mc:AlternateContent xmlns:mc="http://schemas.openxmlformats.org/markup-compatibility/2006">
-        <mc:Choice xmlns:a14="http://schemas.microsoft.com/office/drawing/2010/main" Requires="a14">
+      <mc:AlternateContent xmlns:mc="http://schemas.openxmlformats.org/markup-compatibility/2006" xmlns:a14="http://schemas.microsoft.com/office/drawing/2010/main">
+        <mc:Choice Requires="a14">
           <p:sp>
             <p:nvSpPr>
               <p:cNvPr id="7" name="TextBox 6">
@@ -6509,7 +6514,7 @@
             </p:txBody>
           </p:sp>
         </mc:Choice>
-        <mc:Fallback>
+        <mc:Fallback xmlns="">
           <p:sp>
             <p:nvSpPr>
               <p:cNvPr id="7" name="TextBox 6">
@@ -6554,8 +6559,8 @@
           </p:sp>
         </mc:Fallback>
       </mc:AlternateContent>
-      <mc:AlternateContent xmlns:mc="http://schemas.openxmlformats.org/markup-compatibility/2006">
-        <mc:Choice xmlns:a14="http://schemas.microsoft.com/office/drawing/2010/main" Requires="a14">
+      <mc:AlternateContent xmlns:mc="http://schemas.openxmlformats.org/markup-compatibility/2006" xmlns:a14="http://schemas.microsoft.com/office/drawing/2010/main">
+        <mc:Choice Requires="a14">
           <p:sp>
             <p:nvSpPr>
               <p:cNvPr id="8" name="TextBox 7">
@@ -6612,7 +6617,7 @@
             </p:txBody>
           </p:sp>
         </mc:Choice>
-        <mc:Fallback>
+        <mc:Fallback xmlns="">
           <p:sp>
             <p:nvSpPr>
               <p:cNvPr id="8" name="TextBox 7">
@@ -6657,8 +6662,8 @@
           </p:sp>
         </mc:Fallback>
       </mc:AlternateContent>
-      <mc:AlternateContent xmlns:mc="http://schemas.openxmlformats.org/markup-compatibility/2006">
-        <mc:Choice xmlns:a14="http://schemas.microsoft.com/office/drawing/2010/main" Requires="a14">
+      <mc:AlternateContent xmlns:mc="http://schemas.openxmlformats.org/markup-compatibility/2006" xmlns:a14="http://schemas.microsoft.com/office/drawing/2010/main">
+        <mc:Choice Requires="a14">
           <p:sp>
             <p:nvSpPr>
               <p:cNvPr id="9" name="TextBox 8">
@@ -6715,7 +6720,7 @@
             </p:txBody>
           </p:sp>
         </mc:Choice>
-        <mc:Fallback>
+        <mc:Fallback xmlns="">
           <p:sp>
             <p:nvSpPr>
               <p:cNvPr id="9" name="TextBox 8">
@@ -6820,8 +6825,8 @@
           </a:prstGeom>
         </p:spPr>
       </p:pic>
-      <mc:AlternateContent xmlns:mc="http://schemas.openxmlformats.org/markup-compatibility/2006">
-        <mc:Choice xmlns:a14="http://schemas.microsoft.com/office/drawing/2010/main" Requires="a14">
+      <mc:AlternateContent xmlns:mc="http://schemas.openxmlformats.org/markup-compatibility/2006" xmlns:a14="http://schemas.microsoft.com/office/drawing/2010/main">
+        <mc:Choice Requires="a14">
           <p:sp>
             <p:nvSpPr>
               <p:cNvPr id="4" name="TextBox 3">
@@ -6874,7 +6879,7 @@
             </p:txBody>
           </p:sp>
         </mc:Choice>
-        <mc:Fallback>
+        <mc:Fallback xmlns="">
           <p:sp>
             <p:nvSpPr>
               <p:cNvPr id="4" name="TextBox 3">
@@ -6919,8 +6924,8 @@
           </p:sp>
         </mc:Fallback>
       </mc:AlternateContent>
-      <mc:AlternateContent xmlns:mc="http://schemas.openxmlformats.org/markup-compatibility/2006">
-        <mc:Choice xmlns:a14="http://schemas.microsoft.com/office/drawing/2010/main" Requires="a14">
+      <mc:AlternateContent xmlns:mc="http://schemas.openxmlformats.org/markup-compatibility/2006" xmlns:a14="http://schemas.microsoft.com/office/drawing/2010/main">
+        <mc:Choice Requires="a14">
           <p:sp>
             <p:nvSpPr>
               <p:cNvPr id="5" name="TextBox 4">
@@ -6973,7 +6978,7 @@
             </p:txBody>
           </p:sp>
         </mc:Choice>
-        <mc:Fallback>
+        <mc:Fallback xmlns="">
           <p:sp>
             <p:nvSpPr>
               <p:cNvPr id="5" name="TextBox 4">
@@ -7018,8 +7023,8 @@
           </p:sp>
         </mc:Fallback>
       </mc:AlternateContent>
-      <mc:AlternateContent xmlns:mc="http://schemas.openxmlformats.org/markup-compatibility/2006">
-        <mc:Choice xmlns:a14="http://schemas.microsoft.com/office/drawing/2010/main" Requires="a14">
+      <mc:AlternateContent xmlns:mc="http://schemas.openxmlformats.org/markup-compatibility/2006" xmlns:a14="http://schemas.microsoft.com/office/drawing/2010/main">
+        <mc:Choice Requires="a14">
           <p:sp>
             <p:nvSpPr>
               <p:cNvPr id="6" name="TextBox 5">
@@ -7076,7 +7081,7 @@
             </p:txBody>
           </p:sp>
         </mc:Choice>
-        <mc:Fallback>
+        <mc:Fallback xmlns="">
           <p:sp>
             <p:nvSpPr>
               <p:cNvPr id="6" name="TextBox 5">
@@ -7121,8 +7126,8 @@
           </p:sp>
         </mc:Fallback>
       </mc:AlternateContent>
-      <mc:AlternateContent xmlns:mc="http://schemas.openxmlformats.org/markup-compatibility/2006">
-        <mc:Choice xmlns:a14="http://schemas.microsoft.com/office/drawing/2010/main" Requires="a14">
+      <mc:AlternateContent xmlns:mc="http://schemas.openxmlformats.org/markup-compatibility/2006" xmlns:a14="http://schemas.microsoft.com/office/drawing/2010/main">
+        <mc:Choice Requires="a14">
           <p:sp>
             <p:nvSpPr>
               <p:cNvPr id="7" name="TextBox 6">
@@ -7179,7 +7184,7 @@
             </p:txBody>
           </p:sp>
         </mc:Choice>
-        <mc:Fallback>
+        <mc:Fallback xmlns="">
           <p:sp>
             <p:nvSpPr>
               <p:cNvPr id="7" name="TextBox 6">
@@ -7224,8 +7229,8 @@
           </p:sp>
         </mc:Fallback>
       </mc:AlternateContent>
-      <mc:AlternateContent xmlns:mc="http://schemas.openxmlformats.org/markup-compatibility/2006">
-        <mc:Choice xmlns:a14="http://schemas.microsoft.com/office/drawing/2010/main" Requires="a14">
+      <mc:AlternateContent xmlns:mc="http://schemas.openxmlformats.org/markup-compatibility/2006" xmlns:a14="http://schemas.microsoft.com/office/drawing/2010/main">
+        <mc:Choice Requires="a14">
           <p:sp>
             <p:nvSpPr>
               <p:cNvPr id="8" name="TextBox 7">
@@ -7282,7 +7287,7 @@
             </p:txBody>
           </p:sp>
         </mc:Choice>
-        <mc:Fallback>
+        <mc:Fallback xmlns="">
           <p:sp>
             <p:nvSpPr>
               <p:cNvPr id="8" name="TextBox 7">
@@ -7327,8 +7332,8 @@
           </p:sp>
         </mc:Fallback>
       </mc:AlternateContent>
-      <mc:AlternateContent xmlns:mc="http://schemas.openxmlformats.org/markup-compatibility/2006">
-        <mc:Choice xmlns:a14="http://schemas.microsoft.com/office/drawing/2010/main" Requires="a14">
+      <mc:AlternateContent xmlns:mc="http://schemas.openxmlformats.org/markup-compatibility/2006" xmlns:a14="http://schemas.microsoft.com/office/drawing/2010/main">
+        <mc:Choice Requires="a14">
           <p:sp>
             <p:nvSpPr>
               <p:cNvPr id="9" name="TextBox 8">
@@ -7385,7 +7390,7 @@
             </p:txBody>
           </p:sp>
         </mc:Choice>
-        <mc:Fallback>
+        <mc:Fallback xmlns="">
           <p:sp>
             <p:nvSpPr>
               <p:cNvPr id="9" name="TextBox 8">
@@ -7490,8 +7495,8 @@
           </a:prstGeom>
         </p:spPr>
       </p:pic>
-      <mc:AlternateContent xmlns:mc="http://schemas.openxmlformats.org/markup-compatibility/2006">
-        <mc:Choice xmlns:a14="http://schemas.microsoft.com/office/drawing/2010/main" Requires="a14">
+      <mc:AlternateContent xmlns:mc="http://schemas.openxmlformats.org/markup-compatibility/2006" xmlns:a14="http://schemas.microsoft.com/office/drawing/2010/main">
+        <mc:Choice Requires="a14">
           <p:sp>
             <p:nvSpPr>
               <p:cNvPr id="5" name="TextBox 4">
@@ -7544,7 +7549,7 @@
             </p:txBody>
           </p:sp>
         </mc:Choice>
-        <mc:Fallback>
+        <mc:Fallback xmlns="">
           <p:sp>
             <p:nvSpPr>
               <p:cNvPr id="5" name="TextBox 4">
@@ -7589,8 +7594,8 @@
           </p:sp>
         </mc:Fallback>
       </mc:AlternateContent>
-      <mc:AlternateContent xmlns:mc="http://schemas.openxmlformats.org/markup-compatibility/2006">
-        <mc:Choice xmlns:a14="http://schemas.microsoft.com/office/drawing/2010/main" Requires="a14">
+      <mc:AlternateContent xmlns:mc="http://schemas.openxmlformats.org/markup-compatibility/2006" xmlns:a14="http://schemas.microsoft.com/office/drawing/2010/main">
+        <mc:Choice Requires="a14">
           <p:sp>
             <p:nvSpPr>
               <p:cNvPr id="6" name="TextBox 5">
@@ -7643,7 +7648,7 @@
             </p:txBody>
           </p:sp>
         </mc:Choice>
-        <mc:Fallback>
+        <mc:Fallback xmlns="">
           <p:sp>
             <p:nvSpPr>
               <p:cNvPr id="6" name="TextBox 5">
@@ -7688,8 +7693,8 @@
           </p:sp>
         </mc:Fallback>
       </mc:AlternateContent>
-      <mc:AlternateContent xmlns:mc="http://schemas.openxmlformats.org/markup-compatibility/2006">
-        <mc:Choice xmlns:a14="http://schemas.microsoft.com/office/drawing/2010/main" Requires="a14">
+      <mc:AlternateContent xmlns:mc="http://schemas.openxmlformats.org/markup-compatibility/2006" xmlns:a14="http://schemas.microsoft.com/office/drawing/2010/main">
+        <mc:Choice Requires="a14">
           <p:sp>
             <p:nvSpPr>
               <p:cNvPr id="7" name="TextBox 6">
@@ -7746,7 +7751,7 @@
             </p:txBody>
           </p:sp>
         </mc:Choice>
-        <mc:Fallback>
+        <mc:Fallback xmlns="">
           <p:sp>
             <p:nvSpPr>
               <p:cNvPr id="7" name="TextBox 6">
@@ -7791,8 +7796,8 @@
           </p:sp>
         </mc:Fallback>
       </mc:AlternateContent>
-      <mc:AlternateContent xmlns:mc="http://schemas.openxmlformats.org/markup-compatibility/2006">
-        <mc:Choice xmlns:a14="http://schemas.microsoft.com/office/drawing/2010/main" Requires="a14">
+      <mc:AlternateContent xmlns:mc="http://schemas.openxmlformats.org/markup-compatibility/2006" xmlns:a14="http://schemas.microsoft.com/office/drawing/2010/main">
+        <mc:Choice Requires="a14">
           <p:sp>
             <p:nvSpPr>
               <p:cNvPr id="8" name="TextBox 7">
@@ -7849,7 +7854,7 @@
             </p:txBody>
           </p:sp>
         </mc:Choice>
-        <mc:Fallback>
+        <mc:Fallback xmlns="">
           <p:sp>
             <p:nvSpPr>
               <p:cNvPr id="8" name="TextBox 7">
@@ -7894,8 +7899,8 @@
           </p:sp>
         </mc:Fallback>
       </mc:AlternateContent>
-      <mc:AlternateContent xmlns:mc="http://schemas.openxmlformats.org/markup-compatibility/2006">
-        <mc:Choice xmlns:a14="http://schemas.microsoft.com/office/drawing/2010/main" Requires="a14">
+      <mc:AlternateContent xmlns:mc="http://schemas.openxmlformats.org/markup-compatibility/2006" xmlns:a14="http://schemas.microsoft.com/office/drawing/2010/main">
+        <mc:Choice Requires="a14">
           <p:sp>
             <p:nvSpPr>
               <p:cNvPr id="9" name="TextBox 8">
@@ -7952,7 +7957,7 @@
             </p:txBody>
           </p:sp>
         </mc:Choice>
-        <mc:Fallback>
+        <mc:Fallback xmlns="">
           <p:sp>
             <p:nvSpPr>
               <p:cNvPr id="9" name="TextBox 8">
@@ -7997,8 +8002,8 @@
           </p:sp>
         </mc:Fallback>
       </mc:AlternateContent>
-      <mc:AlternateContent xmlns:mc="http://schemas.openxmlformats.org/markup-compatibility/2006">
-        <mc:Choice xmlns:a14="http://schemas.microsoft.com/office/drawing/2010/main" Requires="a14">
+      <mc:AlternateContent xmlns:mc="http://schemas.openxmlformats.org/markup-compatibility/2006" xmlns:a14="http://schemas.microsoft.com/office/drawing/2010/main">
+        <mc:Choice Requires="a14">
           <p:sp>
             <p:nvSpPr>
               <p:cNvPr id="10" name="TextBox 9">
@@ -8055,7 +8060,7 @@
             </p:txBody>
           </p:sp>
         </mc:Choice>
-        <mc:Fallback>
+        <mc:Fallback xmlns="">
           <p:sp>
             <p:nvSpPr>
               <p:cNvPr id="10" name="TextBox 9">
@@ -8104,6 +8109,3948 @@
     <p:extLst>
       <p:ext uri="{BB962C8B-B14F-4D97-AF65-F5344CB8AC3E}">
         <p14:creationId xmlns:p14="http://schemas.microsoft.com/office/powerpoint/2010/main" val="3420482267"/>
+      </p:ext>
+    </p:extLst>
+  </p:cSld>
+  <p:clrMapOvr>
+    <a:masterClrMapping/>
+  </p:clrMapOvr>
+</p:sld>
+</file>
+
+<file path=ppt/slides/slide14.xml><?xml version="1.0" encoding="utf-8"?>
+<p:sld xmlns:a="http://schemas.openxmlformats.org/drawingml/2006/main" xmlns:r="http://schemas.openxmlformats.org/officeDocument/2006/relationships" xmlns:p="http://schemas.openxmlformats.org/presentationml/2006/main">
+  <p:cSld>
+    <p:spTree>
+      <p:nvGrpSpPr>
+        <p:cNvPr id="1" name=""/>
+        <p:cNvGrpSpPr/>
+        <p:nvPr/>
+      </p:nvGrpSpPr>
+      <p:grpSpPr>
+        <a:xfrm>
+          <a:off x="0" y="0"/>
+          <a:ext cx="0" cy="0"/>
+          <a:chOff x="0" y="0"/>
+          <a:chExt cx="0" cy="0"/>
+        </a:xfrm>
+      </p:grpSpPr>
+      <p:pic>
+        <p:nvPicPr>
+          <p:cNvPr id="3" name="Picture 2">
+            <a:extLst>
+              <a:ext uri="{FF2B5EF4-FFF2-40B4-BE49-F238E27FC236}">
+                <a16:creationId xmlns:a16="http://schemas.microsoft.com/office/drawing/2014/main" id="{4E17BFB7-E21E-DF8C-5F35-D56995DC6FF0}"/>
+              </a:ext>
+            </a:extLst>
+          </p:cNvPr>
+          <p:cNvPicPr>
+            <a:picLocks noChangeAspect="1"/>
+          </p:cNvPicPr>
+          <p:nvPr/>
+        </p:nvPicPr>
+        <p:blipFill>
+          <a:blip r:embed="rId2"/>
+          <a:stretch>
+            <a:fillRect/>
+          </a:stretch>
+        </p:blipFill>
+        <p:spPr>
+          <a:xfrm>
+            <a:off x="2286000" y="571500"/>
+            <a:ext cx="7620000" cy="5715000"/>
+          </a:xfrm>
+          <a:prstGeom prst="rect">
+            <a:avLst/>
+          </a:prstGeom>
+        </p:spPr>
+      </p:pic>
+      <mc:AlternateContent xmlns:mc="http://schemas.openxmlformats.org/markup-compatibility/2006">
+        <mc:Choice xmlns:a14="http://schemas.microsoft.com/office/drawing/2010/main" Requires="a14">
+          <p:sp>
+            <p:nvSpPr>
+              <p:cNvPr id="4" name="TextBox 3">
+                <a:extLst>
+                  <a:ext uri="{FF2B5EF4-FFF2-40B4-BE49-F238E27FC236}">
+                    <a16:creationId xmlns:a16="http://schemas.microsoft.com/office/drawing/2014/main" id="{EFA4A2F2-2543-05F0-D707-34BE6B03F0A0}"/>
+                  </a:ext>
+                </a:extLst>
+              </p:cNvPr>
+              <p:cNvSpPr txBox="1"/>
+              <p:nvPr/>
+            </p:nvSpPr>
+            <p:spPr>
+              <a:xfrm>
+                <a:off x="3796326" y="4935665"/>
+                <a:ext cx="320963" cy="492443"/>
+              </a:xfrm>
+              <a:prstGeom prst="rect">
+                <a:avLst/>
+              </a:prstGeom>
+              <a:noFill/>
+            </p:spPr>
+            <p:txBody>
+              <a:bodyPr wrap="square" lIns="0" tIns="0" rIns="0" bIns="0" rtlCol="0">
+                <a:spAutoFit/>
+              </a:bodyPr>
+              <a:lstStyle/>
+              <a:p>
+                <a:pPr/>
+                <a14:m>
+                  <m:oMathPara xmlns:m="http://schemas.openxmlformats.org/officeDocument/2006/math">
+                    <m:oMathParaPr>
+                      <m:jc m:val="centerGroup"/>
+                    </m:oMathParaPr>
+                    <m:oMath xmlns:m="http://schemas.openxmlformats.org/officeDocument/2006/math">
+                      <m:r>
+                        <a:rPr lang="en-US" sz="3200" b="0" i="1" smtClean="0">
+                          <a:solidFill>
+                            <a:schemeClr val="tx1"/>
+                          </a:solidFill>
+                          <a:latin typeface="Cambria Math" panose="02040503050406030204" pitchFamily="18" charset="0"/>
+                        </a:rPr>
+                        <m:t>0</m:t>
+                      </m:r>
+                    </m:oMath>
+                  </m:oMathPara>
+                </a14:m>
+                <a:endParaRPr lang="en-US" sz="1600" dirty="0">
+                  <a:solidFill>
+                    <a:schemeClr val="tx1"/>
+                  </a:solidFill>
+                </a:endParaRPr>
+              </a:p>
+            </p:txBody>
+          </p:sp>
+        </mc:Choice>
+        <mc:Fallback>
+          <p:sp>
+            <p:nvSpPr>
+              <p:cNvPr id="4" name="TextBox 3">
+                <a:extLst>
+                  <a:ext uri="{FF2B5EF4-FFF2-40B4-BE49-F238E27FC236}">
+                    <a16:creationId xmlns:a16="http://schemas.microsoft.com/office/drawing/2014/main" id="{EFA4A2F2-2543-05F0-D707-34BE6B03F0A0}"/>
+                  </a:ext>
+                </a:extLst>
+              </p:cNvPr>
+              <p:cNvSpPr txBox="1">
+                <a:spLocks noRot="1" noChangeAspect="1" noMove="1" noResize="1" noEditPoints="1" noAdjustHandles="1" noChangeArrowheads="1" noChangeShapeType="1" noTextEdit="1"/>
+              </p:cNvSpPr>
+              <p:nvPr/>
+            </p:nvSpPr>
+            <p:spPr>
+              <a:xfrm>
+                <a:off x="3796326" y="4935665"/>
+                <a:ext cx="320963" cy="492443"/>
+              </a:xfrm>
+              <a:prstGeom prst="rect">
+                <a:avLst/>
+              </a:prstGeom>
+              <a:blipFill>
+                <a:blip r:embed="rId3"/>
+                <a:stretch>
+                  <a:fillRect/>
+                </a:stretch>
+              </a:blipFill>
+            </p:spPr>
+            <p:txBody>
+              <a:bodyPr/>
+              <a:lstStyle/>
+              <a:p>
+                <a:r>
+                  <a:rPr lang="en-US">
+                    <a:noFill/>
+                  </a:rPr>
+                  <a:t> </a:t>
+                </a:r>
+              </a:p>
+            </p:txBody>
+          </p:sp>
+        </mc:Fallback>
+      </mc:AlternateContent>
+      <mc:AlternateContent xmlns:mc="http://schemas.openxmlformats.org/markup-compatibility/2006">
+        <mc:Choice xmlns:a14="http://schemas.microsoft.com/office/drawing/2010/main" Requires="a14">
+          <p:sp>
+            <p:nvSpPr>
+              <p:cNvPr id="5" name="TextBox 4">
+                <a:extLst>
+                  <a:ext uri="{FF2B5EF4-FFF2-40B4-BE49-F238E27FC236}">
+                    <a16:creationId xmlns:a16="http://schemas.microsoft.com/office/drawing/2014/main" id="{36D4A373-DB92-0EB1-75DC-5E18E229F4AE}"/>
+                  </a:ext>
+                </a:extLst>
+              </p:cNvPr>
+              <p:cNvSpPr txBox="1"/>
+              <p:nvPr/>
+            </p:nvSpPr>
+            <p:spPr>
+              <a:xfrm>
+                <a:off x="6608035" y="4935664"/>
+                <a:ext cx="320963" cy="492443"/>
+              </a:xfrm>
+              <a:prstGeom prst="rect">
+                <a:avLst/>
+              </a:prstGeom>
+              <a:noFill/>
+            </p:spPr>
+            <p:txBody>
+              <a:bodyPr wrap="square" lIns="0" tIns="0" rIns="0" bIns="0" rtlCol="0">
+                <a:spAutoFit/>
+              </a:bodyPr>
+              <a:lstStyle/>
+              <a:p>
+                <a:pPr/>
+                <a14:m>
+                  <m:oMathPara xmlns:m="http://schemas.openxmlformats.org/officeDocument/2006/math">
+                    <m:oMathParaPr>
+                      <m:jc m:val="centerGroup"/>
+                    </m:oMathParaPr>
+                    <m:oMath xmlns:m="http://schemas.openxmlformats.org/officeDocument/2006/math">
+                      <m:r>
+                        <a:rPr lang="en-US" sz="3200" b="0" i="1" smtClean="0">
+                          <a:solidFill>
+                            <a:schemeClr val="tx1"/>
+                          </a:solidFill>
+                          <a:latin typeface="Cambria Math" panose="02040503050406030204" pitchFamily="18" charset="0"/>
+                        </a:rPr>
+                        <m:t>1</m:t>
+                      </m:r>
+                    </m:oMath>
+                  </m:oMathPara>
+                </a14:m>
+                <a:endParaRPr lang="en-US" sz="1600" dirty="0">
+                  <a:solidFill>
+                    <a:schemeClr val="tx1"/>
+                  </a:solidFill>
+                </a:endParaRPr>
+              </a:p>
+            </p:txBody>
+          </p:sp>
+        </mc:Choice>
+        <mc:Fallback>
+          <p:sp>
+            <p:nvSpPr>
+              <p:cNvPr id="5" name="TextBox 4">
+                <a:extLst>
+                  <a:ext uri="{FF2B5EF4-FFF2-40B4-BE49-F238E27FC236}">
+                    <a16:creationId xmlns:a16="http://schemas.microsoft.com/office/drawing/2014/main" id="{36D4A373-DB92-0EB1-75DC-5E18E229F4AE}"/>
+                  </a:ext>
+                </a:extLst>
+              </p:cNvPr>
+              <p:cNvSpPr txBox="1">
+                <a:spLocks noRot="1" noChangeAspect="1" noMove="1" noResize="1" noEditPoints="1" noAdjustHandles="1" noChangeArrowheads="1" noChangeShapeType="1" noTextEdit="1"/>
+              </p:cNvSpPr>
+              <p:nvPr/>
+            </p:nvSpPr>
+            <p:spPr>
+              <a:xfrm>
+                <a:off x="6608035" y="4935664"/>
+                <a:ext cx="320963" cy="492443"/>
+              </a:xfrm>
+              <a:prstGeom prst="rect">
+                <a:avLst/>
+              </a:prstGeom>
+              <a:blipFill>
+                <a:blip r:embed="rId4"/>
+                <a:stretch>
+                  <a:fillRect/>
+                </a:stretch>
+              </a:blipFill>
+            </p:spPr>
+            <p:txBody>
+              <a:bodyPr/>
+              <a:lstStyle/>
+              <a:p>
+                <a:r>
+                  <a:rPr lang="en-US">
+                    <a:noFill/>
+                  </a:rPr>
+                  <a:t> </a:t>
+                </a:r>
+              </a:p>
+            </p:txBody>
+          </p:sp>
+        </mc:Fallback>
+      </mc:AlternateContent>
+      <mc:AlternateContent xmlns:mc="http://schemas.openxmlformats.org/markup-compatibility/2006">
+        <mc:Choice xmlns:a14="http://schemas.microsoft.com/office/drawing/2010/main" Requires="a14">
+          <p:sp>
+            <p:nvSpPr>
+              <p:cNvPr id="6" name="TextBox 5">
+                <a:extLst>
+                  <a:ext uri="{FF2B5EF4-FFF2-40B4-BE49-F238E27FC236}">
+                    <a16:creationId xmlns:a16="http://schemas.microsoft.com/office/drawing/2014/main" id="{B72E7FA8-1815-40CF-77DF-CD408A8081A3}"/>
+                  </a:ext>
+                </a:extLst>
+              </p:cNvPr>
+              <p:cNvSpPr txBox="1"/>
+              <p:nvPr/>
+            </p:nvSpPr>
+            <p:spPr>
+              <a:xfrm>
+                <a:off x="5191694" y="1360414"/>
+                <a:ext cx="320963" cy="492443"/>
+              </a:xfrm>
+              <a:prstGeom prst="rect">
+                <a:avLst/>
+              </a:prstGeom>
+              <a:noFill/>
+            </p:spPr>
+            <p:txBody>
+              <a:bodyPr wrap="square" lIns="0" tIns="0" rIns="0" bIns="0" rtlCol="0">
+                <a:spAutoFit/>
+              </a:bodyPr>
+              <a:lstStyle/>
+              <a:p>
+                <a:pPr/>
+                <a14:m>
+                  <m:oMathPara xmlns:m="http://schemas.openxmlformats.org/officeDocument/2006/math">
+                    <m:oMathParaPr>
+                      <m:jc m:val="centerGroup"/>
+                    </m:oMathParaPr>
+                    <m:oMath xmlns:m="http://schemas.openxmlformats.org/officeDocument/2006/math">
+                      <m:r>
+                        <a:rPr lang="en-US" sz="3200" b="0" i="1" smtClean="0">
+                          <a:solidFill>
+                            <a:schemeClr val="tx1"/>
+                          </a:solidFill>
+                          <a:latin typeface="Cambria Math" panose="02040503050406030204" pitchFamily="18" charset="0"/>
+                        </a:rPr>
+                        <m:t>2</m:t>
+                      </m:r>
+                    </m:oMath>
+                  </m:oMathPara>
+                </a14:m>
+                <a:endParaRPr lang="en-US" sz="1600" dirty="0">
+                  <a:solidFill>
+                    <a:schemeClr val="tx1"/>
+                  </a:solidFill>
+                </a:endParaRPr>
+              </a:p>
+            </p:txBody>
+          </p:sp>
+        </mc:Choice>
+        <mc:Fallback>
+          <p:sp>
+            <p:nvSpPr>
+              <p:cNvPr id="6" name="TextBox 5">
+                <a:extLst>
+                  <a:ext uri="{FF2B5EF4-FFF2-40B4-BE49-F238E27FC236}">
+                    <a16:creationId xmlns:a16="http://schemas.microsoft.com/office/drawing/2014/main" id="{B72E7FA8-1815-40CF-77DF-CD408A8081A3}"/>
+                  </a:ext>
+                </a:extLst>
+              </p:cNvPr>
+              <p:cNvSpPr txBox="1">
+                <a:spLocks noRot="1" noChangeAspect="1" noMove="1" noResize="1" noEditPoints="1" noAdjustHandles="1" noChangeArrowheads="1" noChangeShapeType="1" noTextEdit="1"/>
+              </p:cNvSpPr>
+              <p:nvPr/>
+            </p:nvSpPr>
+            <p:spPr>
+              <a:xfrm>
+                <a:off x="5191694" y="1360414"/>
+                <a:ext cx="320963" cy="492443"/>
+              </a:xfrm>
+              <a:prstGeom prst="rect">
+                <a:avLst/>
+              </a:prstGeom>
+              <a:blipFill>
+                <a:blip r:embed="rId5"/>
+                <a:stretch>
+                  <a:fillRect/>
+                </a:stretch>
+              </a:blipFill>
+            </p:spPr>
+            <p:txBody>
+              <a:bodyPr/>
+              <a:lstStyle/>
+              <a:p>
+                <a:r>
+                  <a:rPr lang="en-US">
+                    <a:noFill/>
+                  </a:rPr>
+                  <a:t> </a:t>
+                </a:r>
+              </a:p>
+            </p:txBody>
+          </p:sp>
+        </mc:Fallback>
+      </mc:AlternateContent>
+      <mc:AlternateContent xmlns:mc="http://schemas.openxmlformats.org/markup-compatibility/2006">
+        <mc:Choice xmlns:a14="http://schemas.microsoft.com/office/drawing/2010/main" Requires="a14">
+          <p:sp>
+            <p:nvSpPr>
+              <p:cNvPr id="7" name="TextBox 6">
+                <a:extLst>
+                  <a:ext uri="{FF2B5EF4-FFF2-40B4-BE49-F238E27FC236}">
+                    <a16:creationId xmlns:a16="http://schemas.microsoft.com/office/drawing/2014/main" id="{3B385CAD-4FAC-0EE3-FC6F-0A6F3C0492B0}"/>
+                  </a:ext>
+                </a:extLst>
+              </p:cNvPr>
+              <p:cNvSpPr txBox="1"/>
+              <p:nvPr/>
+            </p:nvSpPr>
+            <p:spPr>
+              <a:xfrm>
+                <a:off x="8028571" y="1360413"/>
+                <a:ext cx="320963" cy="492443"/>
+              </a:xfrm>
+              <a:prstGeom prst="rect">
+                <a:avLst/>
+              </a:prstGeom>
+              <a:noFill/>
+            </p:spPr>
+            <p:txBody>
+              <a:bodyPr wrap="square" lIns="0" tIns="0" rIns="0" bIns="0" rtlCol="0">
+                <a:spAutoFit/>
+              </a:bodyPr>
+              <a:lstStyle/>
+              <a:p>
+                <a:pPr/>
+                <a14:m>
+                  <m:oMathPara xmlns:m="http://schemas.openxmlformats.org/officeDocument/2006/math">
+                    <m:oMathParaPr>
+                      <m:jc m:val="centerGroup"/>
+                    </m:oMathParaPr>
+                    <m:oMath xmlns:m="http://schemas.openxmlformats.org/officeDocument/2006/math">
+                      <m:r>
+                        <a:rPr lang="en-US" sz="3200" i="1">
+                          <a:latin typeface="Cambria Math" panose="02040503050406030204" pitchFamily="18" charset="0"/>
+                        </a:rPr>
+                        <m:t>3</m:t>
+                      </m:r>
+                    </m:oMath>
+                  </m:oMathPara>
+                </a14:m>
+                <a:endParaRPr lang="en-US" sz="1600" dirty="0">
+                  <a:solidFill>
+                    <a:schemeClr val="tx1"/>
+                  </a:solidFill>
+                </a:endParaRPr>
+              </a:p>
+            </p:txBody>
+          </p:sp>
+        </mc:Choice>
+        <mc:Fallback>
+          <p:sp>
+            <p:nvSpPr>
+              <p:cNvPr id="7" name="TextBox 6">
+                <a:extLst>
+                  <a:ext uri="{FF2B5EF4-FFF2-40B4-BE49-F238E27FC236}">
+                    <a16:creationId xmlns:a16="http://schemas.microsoft.com/office/drawing/2014/main" id="{3B385CAD-4FAC-0EE3-FC6F-0A6F3C0492B0}"/>
+                  </a:ext>
+                </a:extLst>
+              </p:cNvPr>
+              <p:cNvSpPr txBox="1">
+                <a:spLocks noRot="1" noChangeAspect="1" noMove="1" noResize="1" noEditPoints="1" noAdjustHandles="1" noChangeArrowheads="1" noChangeShapeType="1" noTextEdit="1"/>
+              </p:cNvSpPr>
+              <p:nvPr/>
+            </p:nvSpPr>
+            <p:spPr>
+              <a:xfrm>
+                <a:off x="8028571" y="1360413"/>
+                <a:ext cx="320963" cy="492443"/>
+              </a:xfrm>
+              <a:prstGeom prst="rect">
+                <a:avLst/>
+              </a:prstGeom>
+              <a:blipFill>
+                <a:blip r:embed="rId6"/>
+                <a:stretch>
+                  <a:fillRect/>
+                </a:stretch>
+              </a:blipFill>
+            </p:spPr>
+            <p:txBody>
+              <a:bodyPr/>
+              <a:lstStyle/>
+              <a:p>
+                <a:r>
+                  <a:rPr lang="en-US">
+                    <a:noFill/>
+                  </a:rPr>
+                  <a:t> </a:t>
+                </a:r>
+              </a:p>
+            </p:txBody>
+          </p:sp>
+        </mc:Fallback>
+      </mc:AlternateContent>
+      <mc:AlternateContent xmlns:mc="http://schemas.openxmlformats.org/markup-compatibility/2006">
+        <mc:Choice xmlns:a14="http://schemas.microsoft.com/office/drawing/2010/main" Requires="a14">
+          <p:sp>
+            <p:nvSpPr>
+              <p:cNvPr id="8" name="TextBox 7">
+                <a:extLst>
+                  <a:ext uri="{FF2B5EF4-FFF2-40B4-BE49-F238E27FC236}">
+                    <a16:creationId xmlns:a16="http://schemas.microsoft.com/office/drawing/2014/main" id="{D1DBAF52-26E6-DECA-3E7A-80A3680B4D36}"/>
+                  </a:ext>
+                </a:extLst>
+              </p:cNvPr>
+              <p:cNvSpPr txBox="1"/>
+              <p:nvPr/>
+            </p:nvSpPr>
+            <p:spPr>
+              <a:xfrm>
+                <a:off x="3996495" y="5441805"/>
+                <a:ext cx="183319" cy="276999"/>
+              </a:xfrm>
+              <a:prstGeom prst="rect">
+                <a:avLst/>
+              </a:prstGeom>
+              <a:noFill/>
+            </p:spPr>
+            <p:txBody>
+              <a:bodyPr wrap="none" lIns="0" tIns="0" rIns="0" bIns="0" rtlCol="0">
+                <a:spAutoFit/>
+              </a:bodyPr>
+              <a:lstStyle/>
+              <a:p>
+                <a:pPr/>
+                <a14:m>
+                  <m:oMathPara xmlns:m="http://schemas.openxmlformats.org/officeDocument/2006/math">
+                    <m:oMathParaPr>
+                      <m:jc m:val="centerGroup"/>
+                    </m:oMathParaPr>
+                    <m:oMath xmlns:m="http://schemas.openxmlformats.org/officeDocument/2006/math">
+                      <m:r>
+                        <a:rPr lang="en-US" b="0" i="1" smtClean="0">
+                          <a:solidFill>
+                            <a:srgbClr val="FF0000"/>
+                          </a:solidFill>
+                          <a:latin typeface="Cambria Math" panose="02040503050406030204" pitchFamily="18" charset="0"/>
+                        </a:rPr>
+                        <m:t>𝑥</m:t>
+                      </m:r>
+                    </m:oMath>
+                  </m:oMathPara>
+                </a14:m>
+                <a:endParaRPr lang="en-US" dirty="0"/>
+              </a:p>
+            </p:txBody>
+          </p:sp>
+        </mc:Choice>
+        <mc:Fallback>
+          <p:sp>
+            <p:nvSpPr>
+              <p:cNvPr id="8" name="TextBox 7">
+                <a:extLst>
+                  <a:ext uri="{FF2B5EF4-FFF2-40B4-BE49-F238E27FC236}">
+                    <a16:creationId xmlns:a16="http://schemas.microsoft.com/office/drawing/2014/main" id="{D1DBAF52-26E6-DECA-3E7A-80A3680B4D36}"/>
+                  </a:ext>
+                </a:extLst>
+              </p:cNvPr>
+              <p:cNvSpPr txBox="1">
+                <a:spLocks noRot="1" noChangeAspect="1" noMove="1" noResize="1" noEditPoints="1" noAdjustHandles="1" noChangeArrowheads="1" noChangeShapeType="1" noTextEdit="1"/>
+              </p:cNvSpPr>
+              <p:nvPr/>
+            </p:nvSpPr>
+            <p:spPr>
+              <a:xfrm>
+                <a:off x="3996495" y="5441805"/>
+                <a:ext cx="183319" cy="276999"/>
+              </a:xfrm>
+              <a:prstGeom prst="rect">
+                <a:avLst/>
+              </a:prstGeom>
+              <a:blipFill>
+                <a:blip r:embed="rId7"/>
+                <a:stretch>
+                  <a:fillRect l="-20000" r="-13333"/>
+                </a:stretch>
+              </a:blipFill>
+            </p:spPr>
+            <p:txBody>
+              <a:bodyPr/>
+              <a:lstStyle/>
+              <a:p>
+                <a:r>
+                  <a:rPr lang="en-US">
+                    <a:noFill/>
+                  </a:rPr>
+                  <a:t> </a:t>
+                </a:r>
+              </a:p>
+            </p:txBody>
+          </p:sp>
+        </mc:Fallback>
+      </mc:AlternateContent>
+      <mc:AlternateContent xmlns:mc="http://schemas.openxmlformats.org/markup-compatibility/2006">
+        <mc:Choice xmlns:a14="http://schemas.microsoft.com/office/drawing/2010/main" Requires="a14">
+          <p:sp>
+            <p:nvSpPr>
+              <p:cNvPr id="9" name="TextBox 8">
+                <a:extLst>
+                  <a:ext uri="{FF2B5EF4-FFF2-40B4-BE49-F238E27FC236}">
+                    <a16:creationId xmlns:a16="http://schemas.microsoft.com/office/drawing/2014/main" id="{97C6C0B9-D349-AF74-61B1-137FA0B0BBE9}"/>
+                  </a:ext>
+                </a:extLst>
+              </p:cNvPr>
+              <p:cNvSpPr txBox="1"/>
+              <p:nvPr/>
+            </p:nvSpPr>
+            <p:spPr>
+              <a:xfrm>
+                <a:off x="3185847" y="4594010"/>
+                <a:ext cx="186718" cy="276999"/>
+              </a:xfrm>
+              <a:prstGeom prst="rect">
+                <a:avLst/>
+              </a:prstGeom>
+              <a:noFill/>
+            </p:spPr>
+            <p:txBody>
+              <a:bodyPr wrap="none" lIns="0" tIns="0" rIns="0" bIns="0" rtlCol="0">
+                <a:spAutoFit/>
+              </a:bodyPr>
+              <a:lstStyle/>
+              <a:p>
+                <a:pPr/>
+                <a14:m>
+                  <m:oMathPara xmlns:m="http://schemas.openxmlformats.org/officeDocument/2006/math">
+                    <m:oMathParaPr>
+                      <m:jc m:val="centerGroup"/>
+                    </m:oMathParaPr>
+                    <m:oMath xmlns:m="http://schemas.openxmlformats.org/officeDocument/2006/math">
+                      <m:r>
+                        <a:rPr lang="en-US" b="0" i="1" smtClean="0">
+                          <a:solidFill>
+                            <a:srgbClr val="00B050"/>
+                          </a:solidFill>
+                          <a:latin typeface="Cambria Math" panose="02040503050406030204" pitchFamily="18" charset="0"/>
+                        </a:rPr>
+                        <m:t>𝑦</m:t>
+                      </m:r>
+                    </m:oMath>
+                  </m:oMathPara>
+                </a14:m>
+                <a:endParaRPr lang="en-US" dirty="0"/>
+              </a:p>
+            </p:txBody>
+          </p:sp>
+        </mc:Choice>
+        <mc:Fallback>
+          <p:sp>
+            <p:nvSpPr>
+              <p:cNvPr id="9" name="TextBox 8">
+                <a:extLst>
+                  <a:ext uri="{FF2B5EF4-FFF2-40B4-BE49-F238E27FC236}">
+                    <a16:creationId xmlns:a16="http://schemas.microsoft.com/office/drawing/2014/main" id="{97C6C0B9-D349-AF74-61B1-137FA0B0BBE9}"/>
+                  </a:ext>
+                </a:extLst>
+              </p:cNvPr>
+              <p:cNvSpPr txBox="1">
+                <a:spLocks noRot="1" noChangeAspect="1" noMove="1" noResize="1" noEditPoints="1" noAdjustHandles="1" noChangeArrowheads="1" noChangeShapeType="1" noTextEdit="1"/>
+              </p:cNvSpPr>
+              <p:nvPr/>
+            </p:nvSpPr>
+            <p:spPr>
+              <a:xfrm>
+                <a:off x="3185847" y="4594010"/>
+                <a:ext cx="186718" cy="276999"/>
+              </a:xfrm>
+              <a:prstGeom prst="rect">
+                <a:avLst/>
+              </a:prstGeom>
+              <a:blipFill>
+                <a:blip r:embed="rId8"/>
+                <a:stretch>
+                  <a:fillRect l="-33333" r="-30000" b="-26667"/>
+                </a:stretch>
+              </a:blipFill>
+            </p:spPr>
+            <p:txBody>
+              <a:bodyPr/>
+              <a:lstStyle/>
+              <a:p>
+                <a:r>
+                  <a:rPr lang="en-US">
+                    <a:noFill/>
+                  </a:rPr>
+                  <a:t> </a:t>
+                </a:r>
+              </a:p>
+            </p:txBody>
+          </p:sp>
+        </mc:Fallback>
+      </mc:AlternateContent>
+      <mc:AlternateContent xmlns:mc="http://schemas.openxmlformats.org/markup-compatibility/2006">
+        <mc:Choice xmlns:a14="http://schemas.microsoft.com/office/drawing/2010/main" Requires="a14">
+          <p:sp>
+            <p:nvSpPr>
+              <p:cNvPr id="10" name="TextBox 9">
+                <a:extLst>
+                  <a:ext uri="{FF2B5EF4-FFF2-40B4-BE49-F238E27FC236}">
+                    <a16:creationId xmlns:a16="http://schemas.microsoft.com/office/drawing/2014/main" id="{2E4C11B8-4346-1677-BD9C-6404D3BDDAB7}"/>
+                  </a:ext>
+                </a:extLst>
+              </p:cNvPr>
+              <p:cNvSpPr txBox="1"/>
+              <p:nvPr/>
+            </p:nvSpPr>
+            <p:spPr>
+              <a:xfrm>
+                <a:off x="3627242" y="5801931"/>
+                <a:ext cx="169084" cy="276999"/>
+              </a:xfrm>
+              <a:prstGeom prst="rect">
+                <a:avLst/>
+              </a:prstGeom>
+              <a:noFill/>
+            </p:spPr>
+            <p:txBody>
+              <a:bodyPr wrap="none" lIns="0" tIns="0" rIns="0" bIns="0" rtlCol="0">
+                <a:spAutoFit/>
+              </a:bodyPr>
+              <a:lstStyle/>
+              <a:p>
+                <a:pPr/>
+                <a14:m>
+                  <m:oMathPara xmlns:m="http://schemas.openxmlformats.org/officeDocument/2006/math">
+                    <m:oMathParaPr>
+                      <m:jc m:val="centerGroup"/>
+                    </m:oMathParaPr>
+                    <m:oMath xmlns:m="http://schemas.openxmlformats.org/officeDocument/2006/math">
+                      <m:r>
+                        <a:rPr lang="en-US" b="0" i="1" smtClean="0">
+                          <a:solidFill>
+                            <a:srgbClr val="002060"/>
+                          </a:solidFill>
+                          <a:latin typeface="Cambria Math" panose="02040503050406030204" pitchFamily="18" charset="0"/>
+                        </a:rPr>
+                        <m:t>𝑧</m:t>
+                      </m:r>
+                    </m:oMath>
+                  </m:oMathPara>
+                </a14:m>
+                <a:endParaRPr lang="en-US" dirty="0">
+                  <a:solidFill>
+                    <a:srgbClr val="002060"/>
+                  </a:solidFill>
+                </a:endParaRPr>
+              </a:p>
+            </p:txBody>
+          </p:sp>
+        </mc:Choice>
+        <mc:Fallback>
+          <p:sp>
+            <p:nvSpPr>
+              <p:cNvPr id="10" name="TextBox 9">
+                <a:extLst>
+                  <a:ext uri="{FF2B5EF4-FFF2-40B4-BE49-F238E27FC236}">
+                    <a16:creationId xmlns:a16="http://schemas.microsoft.com/office/drawing/2014/main" id="{2E4C11B8-4346-1677-BD9C-6404D3BDDAB7}"/>
+                  </a:ext>
+                </a:extLst>
+              </p:cNvPr>
+              <p:cNvSpPr txBox="1">
+                <a:spLocks noRot="1" noChangeAspect="1" noMove="1" noResize="1" noEditPoints="1" noAdjustHandles="1" noChangeArrowheads="1" noChangeShapeType="1" noTextEdit="1"/>
+              </p:cNvSpPr>
+              <p:nvPr/>
+            </p:nvSpPr>
+            <p:spPr>
+              <a:xfrm>
+                <a:off x="3627242" y="5801931"/>
+                <a:ext cx="169084" cy="276999"/>
+              </a:xfrm>
+              <a:prstGeom prst="rect">
+                <a:avLst/>
+              </a:prstGeom>
+              <a:blipFill>
+                <a:blip r:embed="rId9"/>
+                <a:stretch>
+                  <a:fillRect l="-21429" r="-14286"/>
+                </a:stretch>
+              </a:blipFill>
+            </p:spPr>
+            <p:txBody>
+              <a:bodyPr/>
+              <a:lstStyle/>
+              <a:p>
+                <a:r>
+                  <a:rPr lang="en-US">
+                    <a:noFill/>
+                  </a:rPr>
+                  <a:t> </a:t>
+                </a:r>
+              </a:p>
+            </p:txBody>
+          </p:sp>
+        </mc:Fallback>
+      </mc:AlternateContent>
+    </p:spTree>
+    <p:extLst>
+      <p:ext uri="{BB962C8B-B14F-4D97-AF65-F5344CB8AC3E}">
+        <p14:creationId xmlns:p14="http://schemas.microsoft.com/office/powerpoint/2010/main" val="1800400143"/>
+      </p:ext>
+    </p:extLst>
+  </p:cSld>
+  <p:clrMapOvr>
+    <a:masterClrMapping/>
+  </p:clrMapOvr>
+</p:sld>
+</file>
+
+<file path=ppt/slides/slide15.xml><?xml version="1.0" encoding="utf-8"?>
+<p:sld xmlns:a="http://schemas.openxmlformats.org/drawingml/2006/main" xmlns:r="http://schemas.openxmlformats.org/officeDocument/2006/relationships" xmlns:p="http://schemas.openxmlformats.org/presentationml/2006/main">
+  <p:cSld>
+    <p:spTree>
+      <p:nvGrpSpPr>
+        <p:cNvPr id="1" name=""/>
+        <p:cNvGrpSpPr/>
+        <p:nvPr/>
+      </p:nvGrpSpPr>
+      <p:grpSpPr>
+        <a:xfrm>
+          <a:off x="0" y="0"/>
+          <a:ext cx="0" cy="0"/>
+          <a:chOff x="0" y="0"/>
+          <a:chExt cx="0" cy="0"/>
+        </a:xfrm>
+      </p:grpSpPr>
+      <p:pic>
+        <p:nvPicPr>
+          <p:cNvPr id="11" name="Picture 10">
+            <a:extLst>
+              <a:ext uri="{FF2B5EF4-FFF2-40B4-BE49-F238E27FC236}">
+                <a16:creationId xmlns:a16="http://schemas.microsoft.com/office/drawing/2014/main" id="{957EFDCE-B5A2-56DD-D097-DBCCFF442CC3}"/>
+              </a:ext>
+            </a:extLst>
+          </p:cNvPr>
+          <p:cNvPicPr>
+            <a:picLocks noChangeAspect="1"/>
+          </p:cNvPicPr>
+          <p:nvPr/>
+        </p:nvPicPr>
+        <p:blipFill>
+          <a:blip r:embed="rId2"/>
+          <a:stretch>
+            <a:fillRect/>
+          </a:stretch>
+        </p:blipFill>
+        <p:spPr>
+          <a:xfrm>
+            <a:off x="2286000" y="571500"/>
+            <a:ext cx="7620000" cy="5715000"/>
+          </a:xfrm>
+          <a:prstGeom prst="rect">
+            <a:avLst/>
+          </a:prstGeom>
+        </p:spPr>
+      </p:pic>
+      <mc:AlternateContent xmlns:mc="http://schemas.openxmlformats.org/markup-compatibility/2006">
+        <mc:Choice xmlns:a14="http://schemas.microsoft.com/office/drawing/2010/main" Requires="a14">
+          <p:sp>
+            <p:nvSpPr>
+              <p:cNvPr id="3" name="TextBox 2">
+                <a:extLst>
+                  <a:ext uri="{FF2B5EF4-FFF2-40B4-BE49-F238E27FC236}">
+                    <a16:creationId xmlns:a16="http://schemas.microsoft.com/office/drawing/2014/main" id="{4D9E2945-A2AA-1FA8-C46A-142A0141F31F}"/>
+                  </a:ext>
+                </a:extLst>
+              </p:cNvPr>
+              <p:cNvSpPr txBox="1"/>
+              <p:nvPr/>
+            </p:nvSpPr>
+            <p:spPr>
+              <a:xfrm>
+                <a:off x="3796326" y="4935665"/>
+                <a:ext cx="320963" cy="492443"/>
+              </a:xfrm>
+              <a:prstGeom prst="rect">
+                <a:avLst/>
+              </a:prstGeom>
+              <a:noFill/>
+            </p:spPr>
+            <p:txBody>
+              <a:bodyPr wrap="square" lIns="0" tIns="0" rIns="0" bIns="0" rtlCol="0">
+                <a:spAutoFit/>
+              </a:bodyPr>
+              <a:lstStyle/>
+              <a:p>
+                <a:pPr/>
+                <a14:m>
+                  <m:oMathPara xmlns:m="http://schemas.openxmlformats.org/officeDocument/2006/math">
+                    <m:oMathParaPr>
+                      <m:jc m:val="centerGroup"/>
+                    </m:oMathParaPr>
+                    <m:oMath xmlns:m="http://schemas.openxmlformats.org/officeDocument/2006/math">
+                      <m:r>
+                        <a:rPr lang="en-US" sz="3200" b="0" i="1" smtClean="0">
+                          <a:solidFill>
+                            <a:schemeClr val="tx1"/>
+                          </a:solidFill>
+                          <a:latin typeface="Cambria Math" panose="02040503050406030204" pitchFamily="18" charset="0"/>
+                        </a:rPr>
+                        <m:t>0</m:t>
+                      </m:r>
+                    </m:oMath>
+                  </m:oMathPara>
+                </a14:m>
+                <a:endParaRPr lang="en-US" sz="1600" dirty="0">
+                  <a:solidFill>
+                    <a:schemeClr val="tx1"/>
+                  </a:solidFill>
+                </a:endParaRPr>
+              </a:p>
+            </p:txBody>
+          </p:sp>
+        </mc:Choice>
+        <mc:Fallback>
+          <p:sp>
+            <p:nvSpPr>
+              <p:cNvPr id="3" name="TextBox 2">
+                <a:extLst>
+                  <a:ext uri="{FF2B5EF4-FFF2-40B4-BE49-F238E27FC236}">
+                    <a16:creationId xmlns:a16="http://schemas.microsoft.com/office/drawing/2014/main" id="{4D9E2945-A2AA-1FA8-C46A-142A0141F31F}"/>
+                  </a:ext>
+                </a:extLst>
+              </p:cNvPr>
+              <p:cNvSpPr txBox="1">
+                <a:spLocks noRot="1" noChangeAspect="1" noMove="1" noResize="1" noEditPoints="1" noAdjustHandles="1" noChangeArrowheads="1" noChangeShapeType="1" noTextEdit="1"/>
+              </p:cNvSpPr>
+              <p:nvPr/>
+            </p:nvSpPr>
+            <p:spPr>
+              <a:xfrm>
+                <a:off x="3796326" y="4935665"/>
+                <a:ext cx="320963" cy="492443"/>
+              </a:xfrm>
+              <a:prstGeom prst="rect">
+                <a:avLst/>
+              </a:prstGeom>
+              <a:blipFill>
+                <a:blip r:embed="rId3"/>
+                <a:stretch>
+                  <a:fillRect/>
+                </a:stretch>
+              </a:blipFill>
+            </p:spPr>
+            <p:txBody>
+              <a:bodyPr/>
+              <a:lstStyle/>
+              <a:p>
+                <a:r>
+                  <a:rPr lang="en-US">
+                    <a:noFill/>
+                  </a:rPr>
+                  <a:t> </a:t>
+                </a:r>
+              </a:p>
+            </p:txBody>
+          </p:sp>
+        </mc:Fallback>
+      </mc:AlternateContent>
+      <mc:AlternateContent xmlns:mc="http://schemas.openxmlformats.org/markup-compatibility/2006">
+        <mc:Choice xmlns:a14="http://schemas.microsoft.com/office/drawing/2010/main" Requires="a14">
+          <p:sp>
+            <p:nvSpPr>
+              <p:cNvPr id="4" name="TextBox 3">
+                <a:extLst>
+                  <a:ext uri="{FF2B5EF4-FFF2-40B4-BE49-F238E27FC236}">
+                    <a16:creationId xmlns:a16="http://schemas.microsoft.com/office/drawing/2014/main" id="{4DFC371D-47A2-39D0-4A80-A0EE52822704}"/>
+                  </a:ext>
+                </a:extLst>
+              </p:cNvPr>
+              <p:cNvSpPr txBox="1"/>
+              <p:nvPr/>
+            </p:nvSpPr>
+            <p:spPr>
+              <a:xfrm>
+                <a:off x="6608035" y="4935664"/>
+                <a:ext cx="320963" cy="492443"/>
+              </a:xfrm>
+              <a:prstGeom prst="rect">
+                <a:avLst/>
+              </a:prstGeom>
+              <a:noFill/>
+            </p:spPr>
+            <p:txBody>
+              <a:bodyPr wrap="square" lIns="0" tIns="0" rIns="0" bIns="0" rtlCol="0">
+                <a:spAutoFit/>
+              </a:bodyPr>
+              <a:lstStyle/>
+              <a:p>
+                <a:pPr/>
+                <a14:m>
+                  <m:oMathPara xmlns:m="http://schemas.openxmlformats.org/officeDocument/2006/math">
+                    <m:oMathParaPr>
+                      <m:jc m:val="centerGroup"/>
+                    </m:oMathParaPr>
+                    <m:oMath xmlns:m="http://schemas.openxmlformats.org/officeDocument/2006/math">
+                      <m:r>
+                        <a:rPr lang="en-US" sz="3200" b="0" i="1" smtClean="0">
+                          <a:solidFill>
+                            <a:schemeClr val="tx1"/>
+                          </a:solidFill>
+                          <a:latin typeface="Cambria Math" panose="02040503050406030204" pitchFamily="18" charset="0"/>
+                        </a:rPr>
+                        <m:t>1</m:t>
+                      </m:r>
+                    </m:oMath>
+                  </m:oMathPara>
+                </a14:m>
+                <a:endParaRPr lang="en-US" sz="1600" dirty="0">
+                  <a:solidFill>
+                    <a:schemeClr val="tx1"/>
+                  </a:solidFill>
+                </a:endParaRPr>
+              </a:p>
+            </p:txBody>
+          </p:sp>
+        </mc:Choice>
+        <mc:Fallback>
+          <p:sp>
+            <p:nvSpPr>
+              <p:cNvPr id="4" name="TextBox 3">
+                <a:extLst>
+                  <a:ext uri="{FF2B5EF4-FFF2-40B4-BE49-F238E27FC236}">
+                    <a16:creationId xmlns:a16="http://schemas.microsoft.com/office/drawing/2014/main" id="{4DFC371D-47A2-39D0-4A80-A0EE52822704}"/>
+                  </a:ext>
+                </a:extLst>
+              </p:cNvPr>
+              <p:cNvSpPr txBox="1">
+                <a:spLocks noRot="1" noChangeAspect="1" noMove="1" noResize="1" noEditPoints="1" noAdjustHandles="1" noChangeArrowheads="1" noChangeShapeType="1" noTextEdit="1"/>
+              </p:cNvSpPr>
+              <p:nvPr/>
+            </p:nvSpPr>
+            <p:spPr>
+              <a:xfrm>
+                <a:off x="6608035" y="4935664"/>
+                <a:ext cx="320963" cy="492443"/>
+              </a:xfrm>
+              <a:prstGeom prst="rect">
+                <a:avLst/>
+              </a:prstGeom>
+              <a:blipFill>
+                <a:blip r:embed="rId4"/>
+                <a:stretch>
+                  <a:fillRect/>
+                </a:stretch>
+              </a:blipFill>
+            </p:spPr>
+            <p:txBody>
+              <a:bodyPr/>
+              <a:lstStyle/>
+              <a:p>
+                <a:r>
+                  <a:rPr lang="en-US">
+                    <a:noFill/>
+                  </a:rPr>
+                  <a:t> </a:t>
+                </a:r>
+              </a:p>
+            </p:txBody>
+          </p:sp>
+        </mc:Fallback>
+      </mc:AlternateContent>
+      <mc:AlternateContent xmlns:mc="http://schemas.openxmlformats.org/markup-compatibility/2006">
+        <mc:Choice xmlns:a14="http://schemas.microsoft.com/office/drawing/2010/main" Requires="a14">
+          <p:sp>
+            <p:nvSpPr>
+              <p:cNvPr id="5" name="TextBox 4">
+                <a:extLst>
+                  <a:ext uri="{FF2B5EF4-FFF2-40B4-BE49-F238E27FC236}">
+                    <a16:creationId xmlns:a16="http://schemas.microsoft.com/office/drawing/2014/main" id="{DC0B4C16-AB02-047A-5E64-4C64E090C454}"/>
+                  </a:ext>
+                </a:extLst>
+              </p:cNvPr>
+              <p:cNvSpPr txBox="1"/>
+              <p:nvPr/>
+            </p:nvSpPr>
+            <p:spPr>
+              <a:xfrm>
+                <a:off x="5191694" y="1360414"/>
+                <a:ext cx="320963" cy="492443"/>
+              </a:xfrm>
+              <a:prstGeom prst="rect">
+                <a:avLst/>
+              </a:prstGeom>
+              <a:noFill/>
+            </p:spPr>
+            <p:txBody>
+              <a:bodyPr wrap="square" lIns="0" tIns="0" rIns="0" bIns="0" rtlCol="0">
+                <a:spAutoFit/>
+              </a:bodyPr>
+              <a:lstStyle/>
+              <a:p>
+                <a:pPr/>
+                <a14:m>
+                  <m:oMathPara xmlns:m="http://schemas.openxmlformats.org/officeDocument/2006/math">
+                    <m:oMathParaPr>
+                      <m:jc m:val="centerGroup"/>
+                    </m:oMathParaPr>
+                    <m:oMath xmlns:m="http://schemas.openxmlformats.org/officeDocument/2006/math">
+                      <m:r>
+                        <a:rPr lang="en-US" sz="3200" b="0" i="1" smtClean="0">
+                          <a:solidFill>
+                            <a:schemeClr val="tx1"/>
+                          </a:solidFill>
+                          <a:latin typeface="Cambria Math" panose="02040503050406030204" pitchFamily="18" charset="0"/>
+                        </a:rPr>
+                        <m:t>2</m:t>
+                      </m:r>
+                    </m:oMath>
+                  </m:oMathPara>
+                </a14:m>
+                <a:endParaRPr lang="en-US" sz="1600" dirty="0">
+                  <a:solidFill>
+                    <a:schemeClr val="tx1"/>
+                  </a:solidFill>
+                </a:endParaRPr>
+              </a:p>
+            </p:txBody>
+          </p:sp>
+        </mc:Choice>
+        <mc:Fallback>
+          <p:sp>
+            <p:nvSpPr>
+              <p:cNvPr id="5" name="TextBox 4">
+                <a:extLst>
+                  <a:ext uri="{FF2B5EF4-FFF2-40B4-BE49-F238E27FC236}">
+                    <a16:creationId xmlns:a16="http://schemas.microsoft.com/office/drawing/2014/main" id="{DC0B4C16-AB02-047A-5E64-4C64E090C454}"/>
+                  </a:ext>
+                </a:extLst>
+              </p:cNvPr>
+              <p:cNvSpPr txBox="1">
+                <a:spLocks noRot="1" noChangeAspect="1" noMove="1" noResize="1" noEditPoints="1" noAdjustHandles="1" noChangeArrowheads="1" noChangeShapeType="1" noTextEdit="1"/>
+              </p:cNvSpPr>
+              <p:nvPr/>
+            </p:nvSpPr>
+            <p:spPr>
+              <a:xfrm>
+                <a:off x="5191694" y="1360414"/>
+                <a:ext cx="320963" cy="492443"/>
+              </a:xfrm>
+              <a:prstGeom prst="rect">
+                <a:avLst/>
+              </a:prstGeom>
+              <a:blipFill>
+                <a:blip r:embed="rId5"/>
+                <a:stretch>
+                  <a:fillRect/>
+                </a:stretch>
+              </a:blipFill>
+            </p:spPr>
+            <p:txBody>
+              <a:bodyPr/>
+              <a:lstStyle/>
+              <a:p>
+                <a:r>
+                  <a:rPr lang="en-US">
+                    <a:noFill/>
+                  </a:rPr>
+                  <a:t> </a:t>
+                </a:r>
+              </a:p>
+            </p:txBody>
+          </p:sp>
+        </mc:Fallback>
+      </mc:AlternateContent>
+      <mc:AlternateContent xmlns:mc="http://schemas.openxmlformats.org/markup-compatibility/2006">
+        <mc:Choice xmlns:a14="http://schemas.microsoft.com/office/drawing/2010/main" Requires="a14">
+          <p:sp>
+            <p:nvSpPr>
+              <p:cNvPr id="6" name="TextBox 5">
+                <a:extLst>
+                  <a:ext uri="{FF2B5EF4-FFF2-40B4-BE49-F238E27FC236}">
+                    <a16:creationId xmlns:a16="http://schemas.microsoft.com/office/drawing/2014/main" id="{03BAED7F-5D93-FE0C-64F8-E14E066DB884}"/>
+                  </a:ext>
+                </a:extLst>
+              </p:cNvPr>
+              <p:cNvSpPr txBox="1"/>
+              <p:nvPr/>
+            </p:nvSpPr>
+            <p:spPr>
+              <a:xfrm>
+                <a:off x="8028571" y="1360413"/>
+                <a:ext cx="320963" cy="492443"/>
+              </a:xfrm>
+              <a:prstGeom prst="rect">
+                <a:avLst/>
+              </a:prstGeom>
+              <a:noFill/>
+            </p:spPr>
+            <p:txBody>
+              <a:bodyPr wrap="square" lIns="0" tIns="0" rIns="0" bIns="0" rtlCol="0">
+                <a:spAutoFit/>
+              </a:bodyPr>
+              <a:lstStyle/>
+              <a:p>
+                <a:pPr/>
+                <a14:m>
+                  <m:oMathPara xmlns:m="http://schemas.openxmlformats.org/officeDocument/2006/math">
+                    <m:oMathParaPr>
+                      <m:jc m:val="centerGroup"/>
+                    </m:oMathParaPr>
+                    <m:oMath xmlns:m="http://schemas.openxmlformats.org/officeDocument/2006/math">
+                      <m:r>
+                        <a:rPr lang="en-US" sz="3200" i="1">
+                          <a:latin typeface="Cambria Math" panose="02040503050406030204" pitchFamily="18" charset="0"/>
+                        </a:rPr>
+                        <m:t>3</m:t>
+                      </m:r>
+                    </m:oMath>
+                  </m:oMathPara>
+                </a14:m>
+                <a:endParaRPr lang="en-US" sz="1600" dirty="0">
+                  <a:solidFill>
+                    <a:schemeClr val="tx1"/>
+                  </a:solidFill>
+                </a:endParaRPr>
+              </a:p>
+            </p:txBody>
+          </p:sp>
+        </mc:Choice>
+        <mc:Fallback>
+          <p:sp>
+            <p:nvSpPr>
+              <p:cNvPr id="6" name="TextBox 5">
+                <a:extLst>
+                  <a:ext uri="{FF2B5EF4-FFF2-40B4-BE49-F238E27FC236}">
+                    <a16:creationId xmlns:a16="http://schemas.microsoft.com/office/drawing/2014/main" id="{03BAED7F-5D93-FE0C-64F8-E14E066DB884}"/>
+                  </a:ext>
+                </a:extLst>
+              </p:cNvPr>
+              <p:cNvSpPr txBox="1">
+                <a:spLocks noRot="1" noChangeAspect="1" noMove="1" noResize="1" noEditPoints="1" noAdjustHandles="1" noChangeArrowheads="1" noChangeShapeType="1" noTextEdit="1"/>
+              </p:cNvSpPr>
+              <p:nvPr/>
+            </p:nvSpPr>
+            <p:spPr>
+              <a:xfrm>
+                <a:off x="8028571" y="1360413"/>
+                <a:ext cx="320963" cy="492443"/>
+              </a:xfrm>
+              <a:prstGeom prst="rect">
+                <a:avLst/>
+              </a:prstGeom>
+              <a:blipFill>
+                <a:blip r:embed="rId6"/>
+                <a:stretch>
+                  <a:fillRect/>
+                </a:stretch>
+              </a:blipFill>
+            </p:spPr>
+            <p:txBody>
+              <a:bodyPr/>
+              <a:lstStyle/>
+              <a:p>
+                <a:r>
+                  <a:rPr lang="en-US">
+                    <a:noFill/>
+                  </a:rPr>
+                  <a:t> </a:t>
+                </a:r>
+              </a:p>
+            </p:txBody>
+          </p:sp>
+        </mc:Fallback>
+      </mc:AlternateContent>
+      <mc:AlternateContent xmlns:mc="http://schemas.openxmlformats.org/markup-compatibility/2006">
+        <mc:Choice xmlns:a14="http://schemas.microsoft.com/office/drawing/2010/main" Requires="a14">
+          <p:sp>
+            <p:nvSpPr>
+              <p:cNvPr id="7" name="TextBox 6">
+                <a:extLst>
+                  <a:ext uri="{FF2B5EF4-FFF2-40B4-BE49-F238E27FC236}">
+                    <a16:creationId xmlns:a16="http://schemas.microsoft.com/office/drawing/2014/main" id="{B7D4234B-4EF7-C1C1-6503-7A027F6E7849}"/>
+                  </a:ext>
+                </a:extLst>
+              </p:cNvPr>
+              <p:cNvSpPr txBox="1"/>
+              <p:nvPr/>
+            </p:nvSpPr>
+            <p:spPr>
+              <a:xfrm>
+                <a:off x="3996495" y="5441805"/>
+                <a:ext cx="183319" cy="276999"/>
+              </a:xfrm>
+              <a:prstGeom prst="rect">
+                <a:avLst/>
+              </a:prstGeom>
+              <a:noFill/>
+            </p:spPr>
+            <p:txBody>
+              <a:bodyPr wrap="none" lIns="0" tIns="0" rIns="0" bIns="0" rtlCol="0">
+                <a:spAutoFit/>
+              </a:bodyPr>
+              <a:lstStyle/>
+              <a:p>
+                <a:pPr/>
+                <a14:m>
+                  <m:oMathPara xmlns:m="http://schemas.openxmlformats.org/officeDocument/2006/math">
+                    <m:oMathParaPr>
+                      <m:jc m:val="centerGroup"/>
+                    </m:oMathParaPr>
+                    <m:oMath xmlns:m="http://schemas.openxmlformats.org/officeDocument/2006/math">
+                      <m:r>
+                        <a:rPr lang="en-US" b="0" i="1" smtClean="0">
+                          <a:solidFill>
+                            <a:srgbClr val="FF0000"/>
+                          </a:solidFill>
+                          <a:latin typeface="Cambria Math" panose="02040503050406030204" pitchFamily="18" charset="0"/>
+                        </a:rPr>
+                        <m:t>𝑥</m:t>
+                      </m:r>
+                    </m:oMath>
+                  </m:oMathPara>
+                </a14:m>
+                <a:endParaRPr lang="en-US" dirty="0"/>
+              </a:p>
+            </p:txBody>
+          </p:sp>
+        </mc:Choice>
+        <mc:Fallback>
+          <p:sp>
+            <p:nvSpPr>
+              <p:cNvPr id="7" name="TextBox 6">
+                <a:extLst>
+                  <a:ext uri="{FF2B5EF4-FFF2-40B4-BE49-F238E27FC236}">
+                    <a16:creationId xmlns:a16="http://schemas.microsoft.com/office/drawing/2014/main" id="{B7D4234B-4EF7-C1C1-6503-7A027F6E7849}"/>
+                  </a:ext>
+                </a:extLst>
+              </p:cNvPr>
+              <p:cNvSpPr txBox="1">
+                <a:spLocks noRot="1" noChangeAspect="1" noMove="1" noResize="1" noEditPoints="1" noAdjustHandles="1" noChangeArrowheads="1" noChangeShapeType="1" noTextEdit="1"/>
+              </p:cNvSpPr>
+              <p:nvPr/>
+            </p:nvSpPr>
+            <p:spPr>
+              <a:xfrm>
+                <a:off x="3996495" y="5441805"/>
+                <a:ext cx="183319" cy="276999"/>
+              </a:xfrm>
+              <a:prstGeom prst="rect">
+                <a:avLst/>
+              </a:prstGeom>
+              <a:blipFill>
+                <a:blip r:embed="rId7"/>
+                <a:stretch>
+                  <a:fillRect l="-20000" r="-13333"/>
+                </a:stretch>
+              </a:blipFill>
+            </p:spPr>
+            <p:txBody>
+              <a:bodyPr/>
+              <a:lstStyle/>
+              <a:p>
+                <a:r>
+                  <a:rPr lang="en-US">
+                    <a:noFill/>
+                  </a:rPr>
+                  <a:t> </a:t>
+                </a:r>
+              </a:p>
+            </p:txBody>
+          </p:sp>
+        </mc:Fallback>
+      </mc:AlternateContent>
+      <mc:AlternateContent xmlns:mc="http://schemas.openxmlformats.org/markup-compatibility/2006">
+        <mc:Choice xmlns:a14="http://schemas.microsoft.com/office/drawing/2010/main" Requires="a14">
+          <p:sp>
+            <p:nvSpPr>
+              <p:cNvPr id="8" name="TextBox 7">
+                <a:extLst>
+                  <a:ext uri="{FF2B5EF4-FFF2-40B4-BE49-F238E27FC236}">
+                    <a16:creationId xmlns:a16="http://schemas.microsoft.com/office/drawing/2014/main" id="{C8C44366-CB9C-7D37-D463-27C59DEEF61A}"/>
+                  </a:ext>
+                </a:extLst>
+              </p:cNvPr>
+              <p:cNvSpPr txBox="1"/>
+              <p:nvPr/>
+            </p:nvSpPr>
+            <p:spPr>
+              <a:xfrm>
+                <a:off x="3185847" y="4594010"/>
+                <a:ext cx="186718" cy="276999"/>
+              </a:xfrm>
+              <a:prstGeom prst="rect">
+                <a:avLst/>
+              </a:prstGeom>
+              <a:noFill/>
+            </p:spPr>
+            <p:txBody>
+              <a:bodyPr wrap="none" lIns="0" tIns="0" rIns="0" bIns="0" rtlCol="0">
+                <a:spAutoFit/>
+              </a:bodyPr>
+              <a:lstStyle/>
+              <a:p>
+                <a:pPr/>
+                <a14:m>
+                  <m:oMathPara xmlns:m="http://schemas.openxmlformats.org/officeDocument/2006/math">
+                    <m:oMathParaPr>
+                      <m:jc m:val="centerGroup"/>
+                    </m:oMathParaPr>
+                    <m:oMath xmlns:m="http://schemas.openxmlformats.org/officeDocument/2006/math">
+                      <m:r>
+                        <a:rPr lang="en-US" b="0" i="1" smtClean="0">
+                          <a:solidFill>
+                            <a:srgbClr val="00B050"/>
+                          </a:solidFill>
+                          <a:latin typeface="Cambria Math" panose="02040503050406030204" pitchFamily="18" charset="0"/>
+                        </a:rPr>
+                        <m:t>𝑦</m:t>
+                      </m:r>
+                    </m:oMath>
+                  </m:oMathPara>
+                </a14:m>
+                <a:endParaRPr lang="en-US" dirty="0"/>
+              </a:p>
+            </p:txBody>
+          </p:sp>
+        </mc:Choice>
+        <mc:Fallback>
+          <p:sp>
+            <p:nvSpPr>
+              <p:cNvPr id="8" name="TextBox 7">
+                <a:extLst>
+                  <a:ext uri="{FF2B5EF4-FFF2-40B4-BE49-F238E27FC236}">
+                    <a16:creationId xmlns:a16="http://schemas.microsoft.com/office/drawing/2014/main" id="{C8C44366-CB9C-7D37-D463-27C59DEEF61A}"/>
+                  </a:ext>
+                </a:extLst>
+              </p:cNvPr>
+              <p:cNvSpPr txBox="1">
+                <a:spLocks noRot="1" noChangeAspect="1" noMove="1" noResize="1" noEditPoints="1" noAdjustHandles="1" noChangeArrowheads="1" noChangeShapeType="1" noTextEdit="1"/>
+              </p:cNvSpPr>
+              <p:nvPr/>
+            </p:nvSpPr>
+            <p:spPr>
+              <a:xfrm>
+                <a:off x="3185847" y="4594010"/>
+                <a:ext cx="186718" cy="276999"/>
+              </a:xfrm>
+              <a:prstGeom prst="rect">
+                <a:avLst/>
+              </a:prstGeom>
+              <a:blipFill>
+                <a:blip r:embed="rId8"/>
+                <a:stretch>
+                  <a:fillRect l="-33333" r="-30000" b="-26667"/>
+                </a:stretch>
+              </a:blipFill>
+            </p:spPr>
+            <p:txBody>
+              <a:bodyPr/>
+              <a:lstStyle/>
+              <a:p>
+                <a:r>
+                  <a:rPr lang="en-US">
+                    <a:noFill/>
+                  </a:rPr>
+                  <a:t> </a:t>
+                </a:r>
+              </a:p>
+            </p:txBody>
+          </p:sp>
+        </mc:Fallback>
+      </mc:AlternateContent>
+      <mc:AlternateContent xmlns:mc="http://schemas.openxmlformats.org/markup-compatibility/2006">
+        <mc:Choice xmlns:a14="http://schemas.microsoft.com/office/drawing/2010/main" Requires="a14">
+          <p:sp>
+            <p:nvSpPr>
+              <p:cNvPr id="9" name="TextBox 8">
+                <a:extLst>
+                  <a:ext uri="{FF2B5EF4-FFF2-40B4-BE49-F238E27FC236}">
+                    <a16:creationId xmlns:a16="http://schemas.microsoft.com/office/drawing/2014/main" id="{B663228A-DB03-D1E1-1DC5-06906699FC7C}"/>
+                  </a:ext>
+                </a:extLst>
+              </p:cNvPr>
+              <p:cNvSpPr txBox="1"/>
+              <p:nvPr/>
+            </p:nvSpPr>
+            <p:spPr>
+              <a:xfrm>
+                <a:off x="3627242" y="5801931"/>
+                <a:ext cx="169084" cy="276999"/>
+              </a:xfrm>
+              <a:prstGeom prst="rect">
+                <a:avLst/>
+              </a:prstGeom>
+              <a:noFill/>
+            </p:spPr>
+            <p:txBody>
+              <a:bodyPr wrap="none" lIns="0" tIns="0" rIns="0" bIns="0" rtlCol="0">
+                <a:spAutoFit/>
+              </a:bodyPr>
+              <a:lstStyle/>
+              <a:p>
+                <a:pPr/>
+                <a14:m>
+                  <m:oMathPara xmlns:m="http://schemas.openxmlformats.org/officeDocument/2006/math">
+                    <m:oMathParaPr>
+                      <m:jc m:val="centerGroup"/>
+                    </m:oMathParaPr>
+                    <m:oMath xmlns:m="http://schemas.openxmlformats.org/officeDocument/2006/math">
+                      <m:r>
+                        <a:rPr lang="en-US" b="0" i="1" smtClean="0">
+                          <a:solidFill>
+                            <a:srgbClr val="002060"/>
+                          </a:solidFill>
+                          <a:latin typeface="Cambria Math" panose="02040503050406030204" pitchFamily="18" charset="0"/>
+                        </a:rPr>
+                        <m:t>𝑧</m:t>
+                      </m:r>
+                    </m:oMath>
+                  </m:oMathPara>
+                </a14:m>
+                <a:endParaRPr lang="en-US" dirty="0">
+                  <a:solidFill>
+                    <a:srgbClr val="002060"/>
+                  </a:solidFill>
+                </a:endParaRPr>
+              </a:p>
+            </p:txBody>
+          </p:sp>
+        </mc:Choice>
+        <mc:Fallback>
+          <p:sp>
+            <p:nvSpPr>
+              <p:cNvPr id="9" name="TextBox 8">
+                <a:extLst>
+                  <a:ext uri="{FF2B5EF4-FFF2-40B4-BE49-F238E27FC236}">
+                    <a16:creationId xmlns:a16="http://schemas.microsoft.com/office/drawing/2014/main" id="{B663228A-DB03-D1E1-1DC5-06906699FC7C}"/>
+                  </a:ext>
+                </a:extLst>
+              </p:cNvPr>
+              <p:cNvSpPr txBox="1">
+                <a:spLocks noRot="1" noChangeAspect="1" noMove="1" noResize="1" noEditPoints="1" noAdjustHandles="1" noChangeArrowheads="1" noChangeShapeType="1" noTextEdit="1"/>
+              </p:cNvSpPr>
+              <p:nvPr/>
+            </p:nvSpPr>
+            <p:spPr>
+              <a:xfrm>
+                <a:off x="3627242" y="5801931"/>
+                <a:ext cx="169084" cy="276999"/>
+              </a:xfrm>
+              <a:prstGeom prst="rect">
+                <a:avLst/>
+              </a:prstGeom>
+              <a:blipFill>
+                <a:blip r:embed="rId9"/>
+                <a:stretch>
+                  <a:fillRect l="-21429" r="-14286"/>
+                </a:stretch>
+              </a:blipFill>
+            </p:spPr>
+            <p:txBody>
+              <a:bodyPr/>
+              <a:lstStyle/>
+              <a:p>
+                <a:r>
+                  <a:rPr lang="en-US">
+                    <a:noFill/>
+                  </a:rPr>
+                  <a:t> </a:t>
+                </a:r>
+              </a:p>
+            </p:txBody>
+          </p:sp>
+        </mc:Fallback>
+      </mc:AlternateContent>
+    </p:spTree>
+    <p:extLst>
+      <p:ext uri="{BB962C8B-B14F-4D97-AF65-F5344CB8AC3E}">
+        <p14:creationId xmlns:p14="http://schemas.microsoft.com/office/powerpoint/2010/main" val="3131602631"/>
+      </p:ext>
+    </p:extLst>
+  </p:cSld>
+  <p:clrMapOvr>
+    <a:masterClrMapping/>
+  </p:clrMapOvr>
+</p:sld>
+</file>
+
+<file path=ppt/slides/slide16.xml><?xml version="1.0" encoding="utf-8"?>
+<p:sld xmlns:a="http://schemas.openxmlformats.org/drawingml/2006/main" xmlns:r="http://schemas.openxmlformats.org/officeDocument/2006/relationships" xmlns:p="http://schemas.openxmlformats.org/presentationml/2006/main">
+  <p:cSld>
+    <p:spTree>
+      <p:nvGrpSpPr>
+        <p:cNvPr id="1" name=""/>
+        <p:cNvGrpSpPr/>
+        <p:nvPr/>
+      </p:nvGrpSpPr>
+      <p:grpSpPr>
+        <a:xfrm>
+          <a:off x="0" y="0"/>
+          <a:ext cx="0" cy="0"/>
+          <a:chOff x="0" y="0"/>
+          <a:chExt cx="0" cy="0"/>
+        </a:xfrm>
+      </p:grpSpPr>
+      <p:pic>
+        <p:nvPicPr>
+          <p:cNvPr id="11" name="Picture 10">
+            <a:extLst>
+              <a:ext uri="{FF2B5EF4-FFF2-40B4-BE49-F238E27FC236}">
+                <a16:creationId xmlns:a16="http://schemas.microsoft.com/office/drawing/2014/main" id="{1F867B74-B9E5-CAEC-D085-379F68CEF9AC}"/>
+              </a:ext>
+            </a:extLst>
+          </p:cNvPr>
+          <p:cNvPicPr>
+            <a:picLocks noChangeAspect="1"/>
+          </p:cNvPicPr>
+          <p:nvPr/>
+        </p:nvPicPr>
+        <p:blipFill>
+          <a:blip r:embed="rId2"/>
+          <a:stretch>
+            <a:fillRect/>
+          </a:stretch>
+        </p:blipFill>
+        <p:spPr>
+          <a:xfrm>
+            <a:off x="2286000" y="571500"/>
+            <a:ext cx="7620000" cy="5715000"/>
+          </a:xfrm>
+          <a:prstGeom prst="rect">
+            <a:avLst/>
+          </a:prstGeom>
+        </p:spPr>
+      </p:pic>
+      <mc:AlternateContent xmlns:mc="http://schemas.openxmlformats.org/markup-compatibility/2006">
+        <mc:Choice xmlns:a14="http://schemas.microsoft.com/office/drawing/2010/main" Requires="a14">
+          <p:sp>
+            <p:nvSpPr>
+              <p:cNvPr id="3" name="TextBox 2">
+                <a:extLst>
+                  <a:ext uri="{FF2B5EF4-FFF2-40B4-BE49-F238E27FC236}">
+                    <a16:creationId xmlns:a16="http://schemas.microsoft.com/office/drawing/2014/main" id="{75416335-141F-FDDA-BFA6-CFB131265C69}"/>
+                  </a:ext>
+                </a:extLst>
+              </p:cNvPr>
+              <p:cNvSpPr txBox="1"/>
+              <p:nvPr/>
+            </p:nvSpPr>
+            <p:spPr>
+              <a:xfrm>
+                <a:off x="3796326" y="4935665"/>
+                <a:ext cx="320963" cy="492443"/>
+              </a:xfrm>
+              <a:prstGeom prst="rect">
+                <a:avLst/>
+              </a:prstGeom>
+              <a:noFill/>
+            </p:spPr>
+            <p:txBody>
+              <a:bodyPr wrap="square" lIns="0" tIns="0" rIns="0" bIns="0" rtlCol="0">
+                <a:spAutoFit/>
+              </a:bodyPr>
+              <a:lstStyle/>
+              <a:p>
+                <a:pPr/>
+                <a14:m>
+                  <m:oMathPara xmlns:m="http://schemas.openxmlformats.org/officeDocument/2006/math">
+                    <m:oMathParaPr>
+                      <m:jc m:val="centerGroup"/>
+                    </m:oMathParaPr>
+                    <m:oMath xmlns:m="http://schemas.openxmlformats.org/officeDocument/2006/math">
+                      <m:r>
+                        <a:rPr lang="en-US" sz="3200" b="0" i="1" smtClean="0">
+                          <a:solidFill>
+                            <a:schemeClr val="tx1"/>
+                          </a:solidFill>
+                          <a:latin typeface="Cambria Math" panose="02040503050406030204" pitchFamily="18" charset="0"/>
+                        </a:rPr>
+                        <m:t>0</m:t>
+                      </m:r>
+                    </m:oMath>
+                  </m:oMathPara>
+                </a14:m>
+                <a:endParaRPr lang="en-US" sz="1600" dirty="0">
+                  <a:solidFill>
+                    <a:schemeClr val="tx1"/>
+                  </a:solidFill>
+                </a:endParaRPr>
+              </a:p>
+            </p:txBody>
+          </p:sp>
+        </mc:Choice>
+        <mc:Fallback>
+          <p:sp>
+            <p:nvSpPr>
+              <p:cNvPr id="3" name="TextBox 2">
+                <a:extLst>
+                  <a:ext uri="{FF2B5EF4-FFF2-40B4-BE49-F238E27FC236}">
+                    <a16:creationId xmlns:a16="http://schemas.microsoft.com/office/drawing/2014/main" id="{75416335-141F-FDDA-BFA6-CFB131265C69}"/>
+                  </a:ext>
+                </a:extLst>
+              </p:cNvPr>
+              <p:cNvSpPr txBox="1">
+                <a:spLocks noRot="1" noChangeAspect="1" noMove="1" noResize="1" noEditPoints="1" noAdjustHandles="1" noChangeArrowheads="1" noChangeShapeType="1" noTextEdit="1"/>
+              </p:cNvSpPr>
+              <p:nvPr/>
+            </p:nvSpPr>
+            <p:spPr>
+              <a:xfrm>
+                <a:off x="3796326" y="4935665"/>
+                <a:ext cx="320963" cy="492443"/>
+              </a:xfrm>
+              <a:prstGeom prst="rect">
+                <a:avLst/>
+              </a:prstGeom>
+              <a:blipFill>
+                <a:blip r:embed="rId3"/>
+                <a:stretch>
+                  <a:fillRect/>
+                </a:stretch>
+              </a:blipFill>
+            </p:spPr>
+            <p:txBody>
+              <a:bodyPr/>
+              <a:lstStyle/>
+              <a:p>
+                <a:r>
+                  <a:rPr lang="en-US">
+                    <a:noFill/>
+                  </a:rPr>
+                  <a:t> </a:t>
+                </a:r>
+              </a:p>
+            </p:txBody>
+          </p:sp>
+        </mc:Fallback>
+      </mc:AlternateContent>
+      <mc:AlternateContent xmlns:mc="http://schemas.openxmlformats.org/markup-compatibility/2006">
+        <mc:Choice xmlns:a14="http://schemas.microsoft.com/office/drawing/2010/main" Requires="a14">
+          <p:sp>
+            <p:nvSpPr>
+              <p:cNvPr id="4" name="TextBox 3">
+                <a:extLst>
+                  <a:ext uri="{FF2B5EF4-FFF2-40B4-BE49-F238E27FC236}">
+                    <a16:creationId xmlns:a16="http://schemas.microsoft.com/office/drawing/2014/main" id="{4765531E-AA47-F150-6BAE-E10BD13F040F}"/>
+                  </a:ext>
+                </a:extLst>
+              </p:cNvPr>
+              <p:cNvSpPr txBox="1"/>
+              <p:nvPr/>
+            </p:nvSpPr>
+            <p:spPr>
+              <a:xfrm>
+                <a:off x="6608035" y="4935664"/>
+                <a:ext cx="320963" cy="492443"/>
+              </a:xfrm>
+              <a:prstGeom prst="rect">
+                <a:avLst/>
+              </a:prstGeom>
+              <a:noFill/>
+            </p:spPr>
+            <p:txBody>
+              <a:bodyPr wrap="square" lIns="0" tIns="0" rIns="0" bIns="0" rtlCol="0">
+                <a:spAutoFit/>
+              </a:bodyPr>
+              <a:lstStyle/>
+              <a:p>
+                <a:pPr/>
+                <a14:m>
+                  <m:oMathPara xmlns:m="http://schemas.openxmlformats.org/officeDocument/2006/math">
+                    <m:oMathParaPr>
+                      <m:jc m:val="centerGroup"/>
+                    </m:oMathParaPr>
+                    <m:oMath xmlns:m="http://schemas.openxmlformats.org/officeDocument/2006/math">
+                      <m:r>
+                        <a:rPr lang="en-US" sz="3200" b="0" i="1" smtClean="0">
+                          <a:solidFill>
+                            <a:schemeClr val="tx1"/>
+                          </a:solidFill>
+                          <a:latin typeface="Cambria Math" panose="02040503050406030204" pitchFamily="18" charset="0"/>
+                        </a:rPr>
+                        <m:t>1</m:t>
+                      </m:r>
+                    </m:oMath>
+                  </m:oMathPara>
+                </a14:m>
+                <a:endParaRPr lang="en-US" sz="1600" dirty="0">
+                  <a:solidFill>
+                    <a:schemeClr val="tx1"/>
+                  </a:solidFill>
+                </a:endParaRPr>
+              </a:p>
+            </p:txBody>
+          </p:sp>
+        </mc:Choice>
+        <mc:Fallback>
+          <p:sp>
+            <p:nvSpPr>
+              <p:cNvPr id="4" name="TextBox 3">
+                <a:extLst>
+                  <a:ext uri="{FF2B5EF4-FFF2-40B4-BE49-F238E27FC236}">
+                    <a16:creationId xmlns:a16="http://schemas.microsoft.com/office/drawing/2014/main" id="{4765531E-AA47-F150-6BAE-E10BD13F040F}"/>
+                  </a:ext>
+                </a:extLst>
+              </p:cNvPr>
+              <p:cNvSpPr txBox="1">
+                <a:spLocks noRot="1" noChangeAspect="1" noMove="1" noResize="1" noEditPoints="1" noAdjustHandles="1" noChangeArrowheads="1" noChangeShapeType="1" noTextEdit="1"/>
+              </p:cNvSpPr>
+              <p:nvPr/>
+            </p:nvSpPr>
+            <p:spPr>
+              <a:xfrm>
+                <a:off x="6608035" y="4935664"/>
+                <a:ext cx="320963" cy="492443"/>
+              </a:xfrm>
+              <a:prstGeom prst="rect">
+                <a:avLst/>
+              </a:prstGeom>
+              <a:blipFill>
+                <a:blip r:embed="rId4"/>
+                <a:stretch>
+                  <a:fillRect/>
+                </a:stretch>
+              </a:blipFill>
+            </p:spPr>
+            <p:txBody>
+              <a:bodyPr/>
+              <a:lstStyle/>
+              <a:p>
+                <a:r>
+                  <a:rPr lang="en-US">
+                    <a:noFill/>
+                  </a:rPr>
+                  <a:t> </a:t>
+                </a:r>
+              </a:p>
+            </p:txBody>
+          </p:sp>
+        </mc:Fallback>
+      </mc:AlternateContent>
+      <mc:AlternateContent xmlns:mc="http://schemas.openxmlformats.org/markup-compatibility/2006">
+        <mc:Choice xmlns:a14="http://schemas.microsoft.com/office/drawing/2010/main" Requires="a14">
+          <p:sp>
+            <p:nvSpPr>
+              <p:cNvPr id="5" name="TextBox 4">
+                <a:extLst>
+                  <a:ext uri="{FF2B5EF4-FFF2-40B4-BE49-F238E27FC236}">
+                    <a16:creationId xmlns:a16="http://schemas.microsoft.com/office/drawing/2014/main" id="{E137654A-2700-8453-9C32-33BA8910D72D}"/>
+                  </a:ext>
+                </a:extLst>
+              </p:cNvPr>
+              <p:cNvSpPr txBox="1"/>
+              <p:nvPr/>
+            </p:nvSpPr>
+            <p:spPr>
+              <a:xfrm>
+                <a:off x="5191694" y="1360414"/>
+                <a:ext cx="320963" cy="492443"/>
+              </a:xfrm>
+              <a:prstGeom prst="rect">
+                <a:avLst/>
+              </a:prstGeom>
+              <a:noFill/>
+            </p:spPr>
+            <p:txBody>
+              <a:bodyPr wrap="square" lIns="0" tIns="0" rIns="0" bIns="0" rtlCol="0">
+                <a:spAutoFit/>
+              </a:bodyPr>
+              <a:lstStyle/>
+              <a:p>
+                <a:pPr/>
+                <a14:m>
+                  <m:oMathPara xmlns:m="http://schemas.openxmlformats.org/officeDocument/2006/math">
+                    <m:oMathParaPr>
+                      <m:jc m:val="centerGroup"/>
+                    </m:oMathParaPr>
+                    <m:oMath xmlns:m="http://schemas.openxmlformats.org/officeDocument/2006/math">
+                      <m:r>
+                        <a:rPr lang="en-US" sz="3200" b="0" i="1" smtClean="0">
+                          <a:solidFill>
+                            <a:schemeClr val="tx1"/>
+                          </a:solidFill>
+                          <a:latin typeface="Cambria Math" panose="02040503050406030204" pitchFamily="18" charset="0"/>
+                        </a:rPr>
+                        <m:t>2</m:t>
+                      </m:r>
+                    </m:oMath>
+                  </m:oMathPara>
+                </a14:m>
+                <a:endParaRPr lang="en-US" sz="1600" dirty="0">
+                  <a:solidFill>
+                    <a:schemeClr val="tx1"/>
+                  </a:solidFill>
+                </a:endParaRPr>
+              </a:p>
+            </p:txBody>
+          </p:sp>
+        </mc:Choice>
+        <mc:Fallback>
+          <p:sp>
+            <p:nvSpPr>
+              <p:cNvPr id="5" name="TextBox 4">
+                <a:extLst>
+                  <a:ext uri="{FF2B5EF4-FFF2-40B4-BE49-F238E27FC236}">
+                    <a16:creationId xmlns:a16="http://schemas.microsoft.com/office/drawing/2014/main" id="{E137654A-2700-8453-9C32-33BA8910D72D}"/>
+                  </a:ext>
+                </a:extLst>
+              </p:cNvPr>
+              <p:cNvSpPr txBox="1">
+                <a:spLocks noRot="1" noChangeAspect="1" noMove="1" noResize="1" noEditPoints="1" noAdjustHandles="1" noChangeArrowheads="1" noChangeShapeType="1" noTextEdit="1"/>
+              </p:cNvSpPr>
+              <p:nvPr/>
+            </p:nvSpPr>
+            <p:spPr>
+              <a:xfrm>
+                <a:off x="5191694" y="1360414"/>
+                <a:ext cx="320963" cy="492443"/>
+              </a:xfrm>
+              <a:prstGeom prst="rect">
+                <a:avLst/>
+              </a:prstGeom>
+              <a:blipFill>
+                <a:blip r:embed="rId5"/>
+                <a:stretch>
+                  <a:fillRect/>
+                </a:stretch>
+              </a:blipFill>
+            </p:spPr>
+            <p:txBody>
+              <a:bodyPr/>
+              <a:lstStyle/>
+              <a:p>
+                <a:r>
+                  <a:rPr lang="en-US">
+                    <a:noFill/>
+                  </a:rPr>
+                  <a:t> </a:t>
+                </a:r>
+              </a:p>
+            </p:txBody>
+          </p:sp>
+        </mc:Fallback>
+      </mc:AlternateContent>
+      <mc:AlternateContent xmlns:mc="http://schemas.openxmlformats.org/markup-compatibility/2006">
+        <mc:Choice xmlns:a14="http://schemas.microsoft.com/office/drawing/2010/main" Requires="a14">
+          <p:sp>
+            <p:nvSpPr>
+              <p:cNvPr id="6" name="TextBox 5">
+                <a:extLst>
+                  <a:ext uri="{FF2B5EF4-FFF2-40B4-BE49-F238E27FC236}">
+                    <a16:creationId xmlns:a16="http://schemas.microsoft.com/office/drawing/2014/main" id="{A074F130-F846-5B56-24F5-A971473A518C}"/>
+                  </a:ext>
+                </a:extLst>
+              </p:cNvPr>
+              <p:cNvSpPr txBox="1"/>
+              <p:nvPr/>
+            </p:nvSpPr>
+            <p:spPr>
+              <a:xfrm>
+                <a:off x="8028571" y="1360413"/>
+                <a:ext cx="320963" cy="492443"/>
+              </a:xfrm>
+              <a:prstGeom prst="rect">
+                <a:avLst/>
+              </a:prstGeom>
+              <a:noFill/>
+            </p:spPr>
+            <p:txBody>
+              <a:bodyPr wrap="square" lIns="0" tIns="0" rIns="0" bIns="0" rtlCol="0">
+                <a:spAutoFit/>
+              </a:bodyPr>
+              <a:lstStyle/>
+              <a:p>
+                <a:pPr/>
+                <a14:m>
+                  <m:oMathPara xmlns:m="http://schemas.openxmlformats.org/officeDocument/2006/math">
+                    <m:oMathParaPr>
+                      <m:jc m:val="centerGroup"/>
+                    </m:oMathParaPr>
+                    <m:oMath xmlns:m="http://schemas.openxmlformats.org/officeDocument/2006/math">
+                      <m:r>
+                        <a:rPr lang="en-US" sz="3200" i="1">
+                          <a:latin typeface="Cambria Math" panose="02040503050406030204" pitchFamily="18" charset="0"/>
+                        </a:rPr>
+                        <m:t>3</m:t>
+                      </m:r>
+                    </m:oMath>
+                  </m:oMathPara>
+                </a14:m>
+                <a:endParaRPr lang="en-US" sz="1600" dirty="0">
+                  <a:solidFill>
+                    <a:schemeClr val="tx1"/>
+                  </a:solidFill>
+                </a:endParaRPr>
+              </a:p>
+            </p:txBody>
+          </p:sp>
+        </mc:Choice>
+        <mc:Fallback>
+          <p:sp>
+            <p:nvSpPr>
+              <p:cNvPr id="6" name="TextBox 5">
+                <a:extLst>
+                  <a:ext uri="{FF2B5EF4-FFF2-40B4-BE49-F238E27FC236}">
+                    <a16:creationId xmlns:a16="http://schemas.microsoft.com/office/drawing/2014/main" id="{A074F130-F846-5B56-24F5-A971473A518C}"/>
+                  </a:ext>
+                </a:extLst>
+              </p:cNvPr>
+              <p:cNvSpPr txBox="1">
+                <a:spLocks noRot="1" noChangeAspect="1" noMove="1" noResize="1" noEditPoints="1" noAdjustHandles="1" noChangeArrowheads="1" noChangeShapeType="1" noTextEdit="1"/>
+              </p:cNvSpPr>
+              <p:nvPr/>
+            </p:nvSpPr>
+            <p:spPr>
+              <a:xfrm>
+                <a:off x="8028571" y="1360413"/>
+                <a:ext cx="320963" cy="492443"/>
+              </a:xfrm>
+              <a:prstGeom prst="rect">
+                <a:avLst/>
+              </a:prstGeom>
+              <a:blipFill>
+                <a:blip r:embed="rId6"/>
+                <a:stretch>
+                  <a:fillRect/>
+                </a:stretch>
+              </a:blipFill>
+            </p:spPr>
+            <p:txBody>
+              <a:bodyPr/>
+              <a:lstStyle/>
+              <a:p>
+                <a:r>
+                  <a:rPr lang="en-US">
+                    <a:noFill/>
+                  </a:rPr>
+                  <a:t> </a:t>
+                </a:r>
+              </a:p>
+            </p:txBody>
+          </p:sp>
+        </mc:Fallback>
+      </mc:AlternateContent>
+      <mc:AlternateContent xmlns:mc="http://schemas.openxmlformats.org/markup-compatibility/2006">
+        <mc:Choice xmlns:a14="http://schemas.microsoft.com/office/drawing/2010/main" Requires="a14">
+          <p:sp>
+            <p:nvSpPr>
+              <p:cNvPr id="7" name="TextBox 6">
+                <a:extLst>
+                  <a:ext uri="{FF2B5EF4-FFF2-40B4-BE49-F238E27FC236}">
+                    <a16:creationId xmlns:a16="http://schemas.microsoft.com/office/drawing/2014/main" id="{EB43BC4B-62C7-C7E8-1A84-31229F3FCD40}"/>
+                  </a:ext>
+                </a:extLst>
+              </p:cNvPr>
+              <p:cNvSpPr txBox="1"/>
+              <p:nvPr/>
+            </p:nvSpPr>
+            <p:spPr>
+              <a:xfrm>
+                <a:off x="3996495" y="5441805"/>
+                <a:ext cx="183319" cy="276999"/>
+              </a:xfrm>
+              <a:prstGeom prst="rect">
+                <a:avLst/>
+              </a:prstGeom>
+              <a:noFill/>
+            </p:spPr>
+            <p:txBody>
+              <a:bodyPr wrap="none" lIns="0" tIns="0" rIns="0" bIns="0" rtlCol="0">
+                <a:spAutoFit/>
+              </a:bodyPr>
+              <a:lstStyle/>
+              <a:p>
+                <a:pPr/>
+                <a14:m>
+                  <m:oMathPara xmlns:m="http://schemas.openxmlformats.org/officeDocument/2006/math">
+                    <m:oMathParaPr>
+                      <m:jc m:val="centerGroup"/>
+                    </m:oMathParaPr>
+                    <m:oMath xmlns:m="http://schemas.openxmlformats.org/officeDocument/2006/math">
+                      <m:r>
+                        <a:rPr lang="en-US" b="0" i="1" smtClean="0">
+                          <a:solidFill>
+                            <a:srgbClr val="FF0000"/>
+                          </a:solidFill>
+                          <a:latin typeface="Cambria Math" panose="02040503050406030204" pitchFamily="18" charset="0"/>
+                        </a:rPr>
+                        <m:t>𝑥</m:t>
+                      </m:r>
+                    </m:oMath>
+                  </m:oMathPara>
+                </a14:m>
+                <a:endParaRPr lang="en-US" dirty="0"/>
+              </a:p>
+            </p:txBody>
+          </p:sp>
+        </mc:Choice>
+        <mc:Fallback>
+          <p:sp>
+            <p:nvSpPr>
+              <p:cNvPr id="7" name="TextBox 6">
+                <a:extLst>
+                  <a:ext uri="{FF2B5EF4-FFF2-40B4-BE49-F238E27FC236}">
+                    <a16:creationId xmlns:a16="http://schemas.microsoft.com/office/drawing/2014/main" id="{EB43BC4B-62C7-C7E8-1A84-31229F3FCD40}"/>
+                  </a:ext>
+                </a:extLst>
+              </p:cNvPr>
+              <p:cNvSpPr txBox="1">
+                <a:spLocks noRot="1" noChangeAspect="1" noMove="1" noResize="1" noEditPoints="1" noAdjustHandles="1" noChangeArrowheads="1" noChangeShapeType="1" noTextEdit="1"/>
+              </p:cNvSpPr>
+              <p:nvPr/>
+            </p:nvSpPr>
+            <p:spPr>
+              <a:xfrm>
+                <a:off x="3996495" y="5441805"/>
+                <a:ext cx="183319" cy="276999"/>
+              </a:xfrm>
+              <a:prstGeom prst="rect">
+                <a:avLst/>
+              </a:prstGeom>
+              <a:blipFill>
+                <a:blip r:embed="rId7"/>
+                <a:stretch>
+                  <a:fillRect l="-20000" r="-13333"/>
+                </a:stretch>
+              </a:blipFill>
+            </p:spPr>
+            <p:txBody>
+              <a:bodyPr/>
+              <a:lstStyle/>
+              <a:p>
+                <a:r>
+                  <a:rPr lang="en-US">
+                    <a:noFill/>
+                  </a:rPr>
+                  <a:t> </a:t>
+                </a:r>
+              </a:p>
+            </p:txBody>
+          </p:sp>
+        </mc:Fallback>
+      </mc:AlternateContent>
+      <mc:AlternateContent xmlns:mc="http://schemas.openxmlformats.org/markup-compatibility/2006">
+        <mc:Choice xmlns:a14="http://schemas.microsoft.com/office/drawing/2010/main" Requires="a14">
+          <p:sp>
+            <p:nvSpPr>
+              <p:cNvPr id="8" name="TextBox 7">
+                <a:extLst>
+                  <a:ext uri="{FF2B5EF4-FFF2-40B4-BE49-F238E27FC236}">
+                    <a16:creationId xmlns:a16="http://schemas.microsoft.com/office/drawing/2014/main" id="{0D481F8B-1622-DDE9-10B8-0017A203B681}"/>
+                  </a:ext>
+                </a:extLst>
+              </p:cNvPr>
+              <p:cNvSpPr txBox="1"/>
+              <p:nvPr/>
+            </p:nvSpPr>
+            <p:spPr>
+              <a:xfrm>
+                <a:off x="3185847" y="4594010"/>
+                <a:ext cx="186718" cy="276999"/>
+              </a:xfrm>
+              <a:prstGeom prst="rect">
+                <a:avLst/>
+              </a:prstGeom>
+              <a:noFill/>
+            </p:spPr>
+            <p:txBody>
+              <a:bodyPr wrap="none" lIns="0" tIns="0" rIns="0" bIns="0" rtlCol="0">
+                <a:spAutoFit/>
+              </a:bodyPr>
+              <a:lstStyle/>
+              <a:p>
+                <a:pPr/>
+                <a14:m>
+                  <m:oMathPara xmlns:m="http://schemas.openxmlformats.org/officeDocument/2006/math">
+                    <m:oMathParaPr>
+                      <m:jc m:val="centerGroup"/>
+                    </m:oMathParaPr>
+                    <m:oMath xmlns:m="http://schemas.openxmlformats.org/officeDocument/2006/math">
+                      <m:r>
+                        <a:rPr lang="en-US" b="0" i="1" smtClean="0">
+                          <a:solidFill>
+                            <a:srgbClr val="00B050"/>
+                          </a:solidFill>
+                          <a:latin typeface="Cambria Math" panose="02040503050406030204" pitchFamily="18" charset="0"/>
+                        </a:rPr>
+                        <m:t>𝑦</m:t>
+                      </m:r>
+                    </m:oMath>
+                  </m:oMathPara>
+                </a14:m>
+                <a:endParaRPr lang="en-US" dirty="0"/>
+              </a:p>
+            </p:txBody>
+          </p:sp>
+        </mc:Choice>
+        <mc:Fallback>
+          <p:sp>
+            <p:nvSpPr>
+              <p:cNvPr id="8" name="TextBox 7">
+                <a:extLst>
+                  <a:ext uri="{FF2B5EF4-FFF2-40B4-BE49-F238E27FC236}">
+                    <a16:creationId xmlns:a16="http://schemas.microsoft.com/office/drawing/2014/main" id="{0D481F8B-1622-DDE9-10B8-0017A203B681}"/>
+                  </a:ext>
+                </a:extLst>
+              </p:cNvPr>
+              <p:cNvSpPr txBox="1">
+                <a:spLocks noRot="1" noChangeAspect="1" noMove="1" noResize="1" noEditPoints="1" noAdjustHandles="1" noChangeArrowheads="1" noChangeShapeType="1" noTextEdit="1"/>
+              </p:cNvSpPr>
+              <p:nvPr/>
+            </p:nvSpPr>
+            <p:spPr>
+              <a:xfrm>
+                <a:off x="3185847" y="4594010"/>
+                <a:ext cx="186718" cy="276999"/>
+              </a:xfrm>
+              <a:prstGeom prst="rect">
+                <a:avLst/>
+              </a:prstGeom>
+              <a:blipFill>
+                <a:blip r:embed="rId8"/>
+                <a:stretch>
+                  <a:fillRect l="-33333" r="-30000" b="-26667"/>
+                </a:stretch>
+              </a:blipFill>
+            </p:spPr>
+            <p:txBody>
+              <a:bodyPr/>
+              <a:lstStyle/>
+              <a:p>
+                <a:r>
+                  <a:rPr lang="en-US">
+                    <a:noFill/>
+                  </a:rPr>
+                  <a:t> </a:t>
+                </a:r>
+              </a:p>
+            </p:txBody>
+          </p:sp>
+        </mc:Fallback>
+      </mc:AlternateContent>
+      <mc:AlternateContent xmlns:mc="http://schemas.openxmlformats.org/markup-compatibility/2006">
+        <mc:Choice xmlns:a14="http://schemas.microsoft.com/office/drawing/2010/main" Requires="a14">
+          <p:sp>
+            <p:nvSpPr>
+              <p:cNvPr id="9" name="TextBox 8">
+                <a:extLst>
+                  <a:ext uri="{FF2B5EF4-FFF2-40B4-BE49-F238E27FC236}">
+                    <a16:creationId xmlns:a16="http://schemas.microsoft.com/office/drawing/2014/main" id="{3E3905C6-3F49-C415-3143-B666C8781606}"/>
+                  </a:ext>
+                </a:extLst>
+              </p:cNvPr>
+              <p:cNvSpPr txBox="1"/>
+              <p:nvPr/>
+            </p:nvSpPr>
+            <p:spPr>
+              <a:xfrm>
+                <a:off x="3627242" y="5801931"/>
+                <a:ext cx="169084" cy="276999"/>
+              </a:xfrm>
+              <a:prstGeom prst="rect">
+                <a:avLst/>
+              </a:prstGeom>
+              <a:noFill/>
+            </p:spPr>
+            <p:txBody>
+              <a:bodyPr wrap="none" lIns="0" tIns="0" rIns="0" bIns="0" rtlCol="0">
+                <a:spAutoFit/>
+              </a:bodyPr>
+              <a:lstStyle/>
+              <a:p>
+                <a:pPr/>
+                <a14:m>
+                  <m:oMathPara xmlns:m="http://schemas.openxmlformats.org/officeDocument/2006/math">
+                    <m:oMathParaPr>
+                      <m:jc m:val="centerGroup"/>
+                    </m:oMathParaPr>
+                    <m:oMath xmlns:m="http://schemas.openxmlformats.org/officeDocument/2006/math">
+                      <m:r>
+                        <a:rPr lang="en-US" b="0" i="1" smtClean="0">
+                          <a:solidFill>
+                            <a:srgbClr val="002060"/>
+                          </a:solidFill>
+                          <a:latin typeface="Cambria Math" panose="02040503050406030204" pitchFamily="18" charset="0"/>
+                        </a:rPr>
+                        <m:t>𝑧</m:t>
+                      </m:r>
+                    </m:oMath>
+                  </m:oMathPara>
+                </a14:m>
+                <a:endParaRPr lang="en-US" dirty="0">
+                  <a:solidFill>
+                    <a:srgbClr val="002060"/>
+                  </a:solidFill>
+                </a:endParaRPr>
+              </a:p>
+            </p:txBody>
+          </p:sp>
+        </mc:Choice>
+        <mc:Fallback>
+          <p:sp>
+            <p:nvSpPr>
+              <p:cNvPr id="9" name="TextBox 8">
+                <a:extLst>
+                  <a:ext uri="{FF2B5EF4-FFF2-40B4-BE49-F238E27FC236}">
+                    <a16:creationId xmlns:a16="http://schemas.microsoft.com/office/drawing/2014/main" id="{3E3905C6-3F49-C415-3143-B666C8781606}"/>
+                  </a:ext>
+                </a:extLst>
+              </p:cNvPr>
+              <p:cNvSpPr txBox="1">
+                <a:spLocks noRot="1" noChangeAspect="1" noMove="1" noResize="1" noEditPoints="1" noAdjustHandles="1" noChangeArrowheads="1" noChangeShapeType="1" noTextEdit="1"/>
+              </p:cNvSpPr>
+              <p:nvPr/>
+            </p:nvSpPr>
+            <p:spPr>
+              <a:xfrm>
+                <a:off x="3627242" y="5801931"/>
+                <a:ext cx="169084" cy="276999"/>
+              </a:xfrm>
+              <a:prstGeom prst="rect">
+                <a:avLst/>
+              </a:prstGeom>
+              <a:blipFill>
+                <a:blip r:embed="rId9"/>
+                <a:stretch>
+                  <a:fillRect l="-21429" r="-14286"/>
+                </a:stretch>
+              </a:blipFill>
+            </p:spPr>
+            <p:txBody>
+              <a:bodyPr/>
+              <a:lstStyle/>
+              <a:p>
+                <a:r>
+                  <a:rPr lang="en-US">
+                    <a:noFill/>
+                  </a:rPr>
+                  <a:t> </a:t>
+                </a:r>
+              </a:p>
+            </p:txBody>
+          </p:sp>
+        </mc:Fallback>
+      </mc:AlternateContent>
+      <p:sp>
+        <p:nvSpPr>
+          <p:cNvPr id="12" name="TextBox 11">
+            <a:extLst>
+              <a:ext uri="{FF2B5EF4-FFF2-40B4-BE49-F238E27FC236}">
+                <a16:creationId xmlns:a16="http://schemas.microsoft.com/office/drawing/2014/main" id="{58B55E66-CAE5-3B74-3947-5926FC2ADFE1}"/>
+              </a:ext>
+            </a:extLst>
+          </p:cNvPr>
+          <p:cNvSpPr txBox="1"/>
+          <p:nvPr/>
+        </p:nvSpPr>
+        <p:spPr>
+          <a:xfrm>
+            <a:off x="3186223" y="1059261"/>
+            <a:ext cx="954107" cy="1015663"/>
+          </a:xfrm>
+          <a:prstGeom prst="rect">
+            <a:avLst/>
+          </a:prstGeom>
+          <a:noFill/>
+        </p:spPr>
+        <p:txBody>
+          <a:bodyPr wrap="none" rtlCol="0">
+            <a:spAutoFit/>
+          </a:bodyPr>
+          <a:lstStyle/>
+          <a:p>
+            <a:r>
+              <a:rPr lang="ja-JP" altLang="en-US" sz="6000" b="1" i="0" dirty="0">
+                <a:solidFill>
+                  <a:srgbClr val="00B050"/>
+                </a:solidFill>
+                <a:effectLst/>
+                <a:latin typeface="Times New Roman" panose="02020603050405020304" pitchFamily="18" charset="0"/>
+              </a:rPr>
+              <a:t>〇</a:t>
+            </a:r>
+            <a:endParaRPr lang="en-US" sz="6000" dirty="0">
+              <a:solidFill>
+                <a:srgbClr val="00B050"/>
+              </a:solidFill>
+            </a:endParaRPr>
+          </a:p>
+        </p:txBody>
+      </p:sp>
+    </p:spTree>
+    <p:extLst>
+      <p:ext uri="{BB962C8B-B14F-4D97-AF65-F5344CB8AC3E}">
+        <p14:creationId xmlns:p14="http://schemas.microsoft.com/office/powerpoint/2010/main" val="3964578194"/>
+      </p:ext>
+    </p:extLst>
+  </p:cSld>
+  <p:clrMapOvr>
+    <a:masterClrMapping/>
+  </p:clrMapOvr>
+</p:sld>
+</file>
+
+<file path=ppt/slides/slide17.xml><?xml version="1.0" encoding="utf-8"?>
+<p:sld xmlns:a="http://schemas.openxmlformats.org/drawingml/2006/main" xmlns:r="http://schemas.openxmlformats.org/officeDocument/2006/relationships" xmlns:p="http://schemas.openxmlformats.org/presentationml/2006/main">
+  <p:cSld>
+    <p:spTree>
+      <p:nvGrpSpPr>
+        <p:cNvPr id="1" name=""/>
+        <p:cNvGrpSpPr/>
+        <p:nvPr/>
+      </p:nvGrpSpPr>
+      <p:grpSpPr>
+        <a:xfrm>
+          <a:off x="0" y="0"/>
+          <a:ext cx="0" cy="0"/>
+          <a:chOff x="0" y="0"/>
+          <a:chExt cx="0" cy="0"/>
+        </a:xfrm>
+      </p:grpSpPr>
+      <p:pic>
+        <p:nvPicPr>
+          <p:cNvPr id="11" name="Picture 10">
+            <a:extLst>
+              <a:ext uri="{FF2B5EF4-FFF2-40B4-BE49-F238E27FC236}">
+                <a16:creationId xmlns:a16="http://schemas.microsoft.com/office/drawing/2014/main" id="{ACBFCD82-5026-0DBE-A3DE-6063403D3980}"/>
+              </a:ext>
+            </a:extLst>
+          </p:cNvPr>
+          <p:cNvPicPr>
+            <a:picLocks noChangeAspect="1"/>
+          </p:cNvPicPr>
+          <p:nvPr/>
+        </p:nvPicPr>
+        <p:blipFill>
+          <a:blip r:embed="rId2"/>
+          <a:stretch>
+            <a:fillRect/>
+          </a:stretch>
+        </p:blipFill>
+        <p:spPr>
+          <a:xfrm>
+            <a:off x="2286000" y="571500"/>
+            <a:ext cx="7620000" cy="5715000"/>
+          </a:xfrm>
+          <a:prstGeom prst="rect">
+            <a:avLst/>
+          </a:prstGeom>
+        </p:spPr>
+      </p:pic>
+      <mc:AlternateContent xmlns:mc="http://schemas.openxmlformats.org/markup-compatibility/2006">
+        <mc:Choice xmlns:a14="http://schemas.microsoft.com/office/drawing/2010/main" Requires="a14">
+          <p:sp>
+            <p:nvSpPr>
+              <p:cNvPr id="3" name="TextBox 2">
+                <a:extLst>
+                  <a:ext uri="{FF2B5EF4-FFF2-40B4-BE49-F238E27FC236}">
+                    <a16:creationId xmlns:a16="http://schemas.microsoft.com/office/drawing/2014/main" id="{1213A612-2216-9ADC-50C5-517C580CDEBF}"/>
+                  </a:ext>
+                </a:extLst>
+              </p:cNvPr>
+              <p:cNvSpPr txBox="1"/>
+              <p:nvPr/>
+            </p:nvSpPr>
+            <p:spPr>
+              <a:xfrm>
+                <a:off x="3796326" y="4935665"/>
+                <a:ext cx="320963" cy="492443"/>
+              </a:xfrm>
+              <a:prstGeom prst="rect">
+                <a:avLst/>
+              </a:prstGeom>
+              <a:noFill/>
+            </p:spPr>
+            <p:txBody>
+              <a:bodyPr wrap="square" lIns="0" tIns="0" rIns="0" bIns="0" rtlCol="0">
+                <a:spAutoFit/>
+              </a:bodyPr>
+              <a:lstStyle/>
+              <a:p>
+                <a:pPr/>
+                <a14:m>
+                  <m:oMathPara xmlns:m="http://schemas.openxmlformats.org/officeDocument/2006/math">
+                    <m:oMathParaPr>
+                      <m:jc m:val="centerGroup"/>
+                    </m:oMathParaPr>
+                    <m:oMath xmlns:m="http://schemas.openxmlformats.org/officeDocument/2006/math">
+                      <m:r>
+                        <a:rPr lang="en-US" sz="3200" b="0" i="1" smtClean="0">
+                          <a:solidFill>
+                            <a:schemeClr val="tx1"/>
+                          </a:solidFill>
+                          <a:latin typeface="Cambria Math" panose="02040503050406030204" pitchFamily="18" charset="0"/>
+                        </a:rPr>
+                        <m:t>0</m:t>
+                      </m:r>
+                    </m:oMath>
+                  </m:oMathPara>
+                </a14:m>
+                <a:endParaRPr lang="en-US" sz="1600" dirty="0">
+                  <a:solidFill>
+                    <a:schemeClr val="tx1"/>
+                  </a:solidFill>
+                </a:endParaRPr>
+              </a:p>
+            </p:txBody>
+          </p:sp>
+        </mc:Choice>
+        <mc:Fallback>
+          <p:sp>
+            <p:nvSpPr>
+              <p:cNvPr id="3" name="TextBox 2">
+                <a:extLst>
+                  <a:ext uri="{FF2B5EF4-FFF2-40B4-BE49-F238E27FC236}">
+                    <a16:creationId xmlns:a16="http://schemas.microsoft.com/office/drawing/2014/main" id="{1213A612-2216-9ADC-50C5-517C580CDEBF}"/>
+                  </a:ext>
+                </a:extLst>
+              </p:cNvPr>
+              <p:cNvSpPr txBox="1">
+                <a:spLocks noRot="1" noChangeAspect="1" noMove="1" noResize="1" noEditPoints="1" noAdjustHandles="1" noChangeArrowheads="1" noChangeShapeType="1" noTextEdit="1"/>
+              </p:cNvSpPr>
+              <p:nvPr/>
+            </p:nvSpPr>
+            <p:spPr>
+              <a:xfrm>
+                <a:off x="3796326" y="4935665"/>
+                <a:ext cx="320963" cy="492443"/>
+              </a:xfrm>
+              <a:prstGeom prst="rect">
+                <a:avLst/>
+              </a:prstGeom>
+              <a:blipFill>
+                <a:blip r:embed="rId3"/>
+                <a:stretch>
+                  <a:fillRect/>
+                </a:stretch>
+              </a:blipFill>
+            </p:spPr>
+            <p:txBody>
+              <a:bodyPr/>
+              <a:lstStyle/>
+              <a:p>
+                <a:r>
+                  <a:rPr lang="en-US">
+                    <a:noFill/>
+                  </a:rPr>
+                  <a:t> </a:t>
+                </a:r>
+              </a:p>
+            </p:txBody>
+          </p:sp>
+        </mc:Fallback>
+      </mc:AlternateContent>
+      <mc:AlternateContent xmlns:mc="http://schemas.openxmlformats.org/markup-compatibility/2006">
+        <mc:Choice xmlns:a14="http://schemas.microsoft.com/office/drawing/2010/main" Requires="a14">
+          <p:sp>
+            <p:nvSpPr>
+              <p:cNvPr id="4" name="TextBox 3">
+                <a:extLst>
+                  <a:ext uri="{FF2B5EF4-FFF2-40B4-BE49-F238E27FC236}">
+                    <a16:creationId xmlns:a16="http://schemas.microsoft.com/office/drawing/2014/main" id="{D36379F6-0DB9-CD5B-FAC3-8E757CD4ECA9}"/>
+                  </a:ext>
+                </a:extLst>
+              </p:cNvPr>
+              <p:cNvSpPr txBox="1"/>
+              <p:nvPr/>
+            </p:nvSpPr>
+            <p:spPr>
+              <a:xfrm>
+                <a:off x="6608035" y="4935664"/>
+                <a:ext cx="320963" cy="492443"/>
+              </a:xfrm>
+              <a:prstGeom prst="rect">
+                <a:avLst/>
+              </a:prstGeom>
+              <a:noFill/>
+            </p:spPr>
+            <p:txBody>
+              <a:bodyPr wrap="square" lIns="0" tIns="0" rIns="0" bIns="0" rtlCol="0">
+                <a:spAutoFit/>
+              </a:bodyPr>
+              <a:lstStyle/>
+              <a:p>
+                <a:pPr/>
+                <a14:m>
+                  <m:oMathPara xmlns:m="http://schemas.openxmlformats.org/officeDocument/2006/math">
+                    <m:oMathParaPr>
+                      <m:jc m:val="centerGroup"/>
+                    </m:oMathParaPr>
+                    <m:oMath xmlns:m="http://schemas.openxmlformats.org/officeDocument/2006/math">
+                      <m:r>
+                        <a:rPr lang="en-US" sz="3200" b="0" i="1" smtClean="0">
+                          <a:solidFill>
+                            <a:schemeClr val="tx1"/>
+                          </a:solidFill>
+                          <a:latin typeface="Cambria Math" panose="02040503050406030204" pitchFamily="18" charset="0"/>
+                        </a:rPr>
+                        <m:t>1</m:t>
+                      </m:r>
+                    </m:oMath>
+                  </m:oMathPara>
+                </a14:m>
+                <a:endParaRPr lang="en-US" sz="1600" dirty="0">
+                  <a:solidFill>
+                    <a:schemeClr val="tx1"/>
+                  </a:solidFill>
+                </a:endParaRPr>
+              </a:p>
+            </p:txBody>
+          </p:sp>
+        </mc:Choice>
+        <mc:Fallback>
+          <p:sp>
+            <p:nvSpPr>
+              <p:cNvPr id="4" name="TextBox 3">
+                <a:extLst>
+                  <a:ext uri="{FF2B5EF4-FFF2-40B4-BE49-F238E27FC236}">
+                    <a16:creationId xmlns:a16="http://schemas.microsoft.com/office/drawing/2014/main" id="{D36379F6-0DB9-CD5B-FAC3-8E757CD4ECA9}"/>
+                  </a:ext>
+                </a:extLst>
+              </p:cNvPr>
+              <p:cNvSpPr txBox="1">
+                <a:spLocks noRot="1" noChangeAspect="1" noMove="1" noResize="1" noEditPoints="1" noAdjustHandles="1" noChangeArrowheads="1" noChangeShapeType="1" noTextEdit="1"/>
+              </p:cNvSpPr>
+              <p:nvPr/>
+            </p:nvSpPr>
+            <p:spPr>
+              <a:xfrm>
+                <a:off x="6608035" y="4935664"/>
+                <a:ext cx="320963" cy="492443"/>
+              </a:xfrm>
+              <a:prstGeom prst="rect">
+                <a:avLst/>
+              </a:prstGeom>
+              <a:blipFill>
+                <a:blip r:embed="rId4"/>
+                <a:stretch>
+                  <a:fillRect/>
+                </a:stretch>
+              </a:blipFill>
+            </p:spPr>
+            <p:txBody>
+              <a:bodyPr/>
+              <a:lstStyle/>
+              <a:p>
+                <a:r>
+                  <a:rPr lang="en-US">
+                    <a:noFill/>
+                  </a:rPr>
+                  <a:t> </a:t>
+                </a:r>
+              </a:p>
+            </p:txBody>
+          </p:sp>
+        </mc:Fallback>
+      </mc:AlternateContent>
+      <mc:AlternateContent xmlns:mc="http://schemas.openxmlformats.org/markup-compatibility/2006">
+        <mc:Choice xmlns:a14="http://schemas.microsoft.com/office/drawing/2010/main" Requires="a14">
+          <p:sp>
+            <p:nvSpPr>
+              <p:cNvPr id="5" name="TextBox 4">
+                <a:extLst>
+                  <a:ext uri="{FF2B5EF4-FFF2-40B4-BE49-F238E27FC236}">
+                    <a16:creationId xmlns:a16="http://schemas.microsoft.com/office/drawing/2014/main" id="{C59621CE-7455-06AA-EE26-5D300C5190F4}"/>
+                  </a:ext>
+                </a:extLst>
+              </p:cNvPr>
+              <p:cNvSpPr txBox="1"/>
+              <p:nvPr/>
+            </p:nvSpPr>
+            <p:spPr>
+              <a:xfrm>
+                <a:off x="5191694" y="1360414"/>
+                <a:ext cx="320963" cy="492443"/>
+              </a:xfrm>
+              <a:prstGeom prst="rect">
+                <a:avLst/>
+              </a:prstGeom>
+              <a:noFill/>
+            </p:spPr>
+            <p:txBody>
+              <a:bodyPr wrap="square" lIns="0" tIns="0" rIns="0" bIns="0" rtlCol="0">
+                <a:spAutoFit/>
+              </a:bodyPr>
+              <a:lstStyle/>
+              <a:p>
+                <a:pPr/>
+                <a14:m>
+                  <m:oMathPara xmlns:m="http://schemas.openxmlformats.org/officeDocument/2006/math">
+                    <m:oMathParaPr>
+                      <m:jc m:val="centerGroup"/>
+                    </m:oMathParaPr>
+                    <m:oMath xmlns:m="http://schemas.openxmlformats.org/officeDocument/2006/math">
+                      <m:r>
+                        <a:rPr lang="en-US" sz="3200" b="0" i="1" smtClean="0">
+                          <a:solidFill>
+                            <a:schemeClr val="tx1"/>
+                          </a:solidFill>
+                          <a:latin typeface="Cambria Math" panose="02040503050406030204" pitchFamily="18" charset="0"/>
+                        </a:rPr>
+                        <m:t>2</m:t>
+                      </m:r>
+                    </m:oMath>
+                  </m:oMathPara>
+                </a14:m>
+                <a:endParaRPr lang="en-US" sz="1600" dirty="0">
+                  <a:solidFill>
+                    <a:schemeClr val="tx1"/>
+                  </a:solidFill>
+                </a:endParaRPr>
+              </a:p>
+            </p:txBody>
+          </p:sp>
+        </mc:Choice>
+        <mc:Fallback>
+          <p:sp>
+            <p:nvSpPr>
+              <p:cNvPr id="5" name="TextBox 4">
+                <a:extLst>
+                  <a:ext uri="{FF2B5EF4-FFF2-40B4-BE49-F238E27FC236}">
+                    <a16:creationId xmlns:a16="http://schemas.microsoft.com/office/drawing/2014/main" id="{C59621CE-7455-06AA-EE26-5D300C5190F4}"/>
+                  </a:ext>
+                </a:extLst>
+              </p:cNvPr>
+              <p:cNvSpPr txBox="1">
+                <a:spLocks noRot="1" noChangeAspect="1" noMove="1" noResize="1" noEditPoints="1" noAdjustHandles="1" noChangeArrowheads="1" noChangeShapeType="1" noTextEdit="1"/>
+              </p:cNvSpPr>
+              <p:nvPr/>
+            </p:nvSpPr>
+            <p:spPr>
+              <a:xfrm>
+                <a:off x="5191694" y="1360414"/>
+                <a:ext cx="320963" cy="492443"/>
+              </a:xfrm>
+              <a:prstGeom prst="rect">
+                <a:avLst/>
+              </a:prstGeom>
+              <a:blipFill>
+                <a:blip r:embed="rId5"/>
+                <a:stretch>
+                  <a:fillRect/>
+                </a:stretch>
+              </a:blipFill>
+            </p:spPr>
+            <p:txBody>
+              <a:bodyPr/>
+              <a:lstStyle/>
+              <a:p>
+                <a:r>
+                  <a:rPr lang="en-US">
+                    <a:noFill/>
+                  </a:rPr>
+                  <a:t> </a:t>
+                </a:r>
+              </a:p>
+            </p:txBody>
+          </p:sp>
+        </mc:Fallback>
+      </mc:AlternateContent>
+      <mc:AlternateContent xmlns:mc="http://schemas.openxmlformats.org/markup-compatibility/2006">
+        <mc:Choice xmlns:a14="http://schemas.microsoft.com/office/drawing/2010/main" Requires="a14">
+          <p:sp>
+            <p:nvSpPr>
+              <p:cNvPr id="6" name="TextBox 5">
+                <a:extLst>
+                  <a:ext uri="{FF2B5EF4-FFF2-40B4-BE49-F238E27FC236}">
+                    <a16:creationId xmlns:a16="http://schemas.microsoft.com/office/drawing/2014/main" id="{4BEBE539-FD02-E98B-A478-AF8A0026282D}"/>
+                  </a:ext>
+                </a:extLst>
+              </p:cNvPr>
+              <p:cNvSpPr txBox="1"/>
+              <p:nvPr/>
+            </p:nvSpPr>
+            <p:spPr>
+              <a:xfrm>
+                <a:off x="8028571" y="1360413"/>
+                <a:ext cx="320963" cy="492443"/>
+              </a:xfrm>
+              <a:prstGeom prst="rect">
+                <a:avLst/>
+              </a:prstGeom>
+              <a:noFill/>
+            </p:spPr>
+            <p:txBody>
+              <a:bodyPr wrap="square" lIns="0" tIns="0" rIns="0" bIns="0" rtlCol="0">
+                <a:spAutoFit/>
+              </a:bodyPr>
+              <a:lstStyle/>
+              <a:p>
+                <a:pPr/>
+                <a14:m>
+                  <m:oMathPara xmlns:m="http://schemas.openxmlformats.org/officeDocument/2006/math">
+                    <m:oMathParaPr>
+                      <m:jc m:val="centerGroup"/>
+                    </m:oMathParaPr>
+                    <m:oMath xmlns:m="http://schemas.openxmlformats.org/officeDocument/2006/math">
+                      <m:r>
+                        <a:rPr lang="en-US" sz="3200" i="1">
+                          <a:latin typeface="Cambria Math" panose="02040503050406030204" pitchFamily="18" charset="0"/>
+                        </a:rPr>
+                        <m:t>3</m:t>
+                      </m:r>
+                    </m:oMath>
+                  </m:oMathPara>
+                </a14:m>
+                <a:endParaRPr lang="en-US" sz="1600" dirty="0">
+                  <a:solidFill>
+                    <a:schemeClr val="tx1"/>
+                  </a:solidFill>
+                </a:endParaRPr>
+              </a:p>
+            </p:txBody>
+          </p:sp>
+        </mc:Choice>
+        <mc:Fallback>
+          <p:sp>
+            <p:nvSpPr>
+              <p:cNvPr id="6" name="TextBox 5">
+                <a:extLst>
+                  <a:ext uri="{FF2B5EF4-FFF2-40B4-BE49-F238E27FC236}">
+                    <a16:creationId xmlns:a16="http://schemas.microsoft.com/office/drawing/2014/main" id="{4BEBE539-FD02-E98B-A478-AF8A0026282D}"/>
+                  </a:ext>
+                </a:extLst>
+              </p:cNvPr>
+              <p:cNvSpPr txBox="1">
+                <a:spLocks noRot="1" noChangeAspect="1" noMove="1" noResize="1" noEditPoints="1" noAdjustHandles="1" noChangeArrowheads="1" noChangeShapeType="1" noTextEdit="1"/>
+              </p:cNvSpPr>
+              <p:nvPr/>
+            </p:nvSpPr>
+            <p:spPr>
+              <a:xfrm>
+                <a:off x="8028571" y="1360413"/>
+                <a:ext cx="320963" cy="492443"/>
+              </a:xfrm>
+              <a:prstGeom prst="rect">
+                <a:avLst/>
+              </a:prstGeom>
+              <a:blipFill>
+                <a:blip r:embed="rId6"/>
+                <a:stretch>
+                  <a:fillRect/>
+                </a:stretch>
+              </a:blipFill>
+            </p:spPr>
+            <p:txBody>
+              <a:bodyPr/>
+              <a:lstStyle/>
+              <a:p>
+                <a:r>
+                  <a:rPr lang="en-US">
+                    <a:noFill/>
+                  </a:rPr>
+                  <a:t> </a:t>
+                </a:r>
+              </a:p>
+            </p:txBody>
+          </p:sp>
+        </mc:Fallback>
+      </mc:AlternateContent>
+      <mc:AlternateContent xmlns:mc="http://schemas.openxmlformats.org/markup-compatibility/2006">
+        <mc:Choice xmlns:a14="http://schemas.microsoft.com/office/drawing/2010/main" Requires="a14">
+          <p:sp>
+            <p:nvSpPr>
+              <p:cNvPr id="7" name="TextBox 6">
+                <a:extLst>
+                  <a:ext uri="{FF2B5EF4-FFF2-40B4-BE49-F238E27FC236}">
+                    <a16:creationId xmlns:a16="http://schemas.microsoft.com/office/drawing/2014/main" id="{11AA06A5-D939-C92A-21B6-70BC2DB5DDB7}"/>
+                  </a:ext>
+                </a:extLst>
+              </p:cNvPr>
+              <p:cNvSpPr txBox="1"/>
+              <p:nvPr/>
+            </p:nvSpPr>
+            <p:spPr>
+              <a:xfrm>
+                <a:off x="3996495" y="5441805"/>
+                <a:ext cx="183319" cy="276999"/>
+              </a:xfrm>
+              <a:prstGeom prst="rect">
+                <a:avLst/>
+              </a:prstGeom>
+              <a:noFill/>
+            </p:spPr>
+            <p:txBody>
+              <a:bodyPr wrap="none" lIns="0" tIns="0" rIns="0" bIns="0" rtlCol="0">
+                <a:spAutoFit/>
+              </a:bodyPr>
+              <a:lstStyle/>
+              <a:p>
+                <a:pPr/>
+                <a14:m>
+                  <m:oMathPara xmlns:m="http://schemas.openxmlformats.org/officeDocument/2006/math">
+                    <m:oMathParaPr>
+                      <m:jc m:val="centerGroup"/>
+                    </m:oMathParaPr>
+                    <m:oMath xmlns:m="http://schemas.openxmlformats.org/officeDocument/2006/math">
+                      <m:r>
+                        <a:rPr lang="en-US" b="0" i="1" smtClean="0">
+                          <a:solidFill>
+                            <a:srgbClr val="FF0000"/>
+                          </a:solidFill>
+                          <a:latin typeface="Cambria Math" panose="02040503050406030204" pitchFamily="18" charset="0"/>
+                        </a:rPr>
+                        <m:t>𝑥</m:t>
+                      </m:r>
+                    </m:oMath>
+                  </m:oMathPara>
+                </a14:m>
+                <a:endParaRPr lang="en-US" dirty="0"/>
+              </a:p>
+            </p:txBody>
+          </p:sp>
+        </mc:Choice>
+        <mc:Fallback>
+          <p:sp>
+            <p:nvSpPr>
+              <p:cNvPr id="7" name="TextBox 6">
+                <a:extLst>
+                  <a:ext uri="{FF2B5EF4-FFF2-40B4-BE49-F238E27FC236}">
+                    <a16:creationId xmlns:a16="http://schemas.microsoft.com/office/drawing/2014/main" id="{11AA06A5-D939-C92A-21B6-70BC2DB5DDB7}"/>
+                  </a:ext>
+                </a:extLst>
+              </p:cNvPr>
+              <p:cNvSpPr txBox="1">
+                <a:spLocks noRot="1" noChangeAspect="1" noMove="1" noResize="1" noEditPoints="1" noAdjustHandles="1" noChangeArrowheads="1" noChangeShapeType="1" noTextEdit="1"/>
+              </p:cNvSpPr>
+              <p:nvPr/>
+            </p:nvSpPr>
+            <p:spPr>
+              <a:xfrm>
+                <a:off x="3996495" y="5441805"/>
+                <a:ext cx="183319" cy="276999"/>
+              </a:xfrm>
+              <a:prstGeom prst="rect">
+                <a:avLst/>
+              </a:prstGeom>
+              <a:blipFill>
+                <a:blip r:embed="rId7"/>
+                <a:stretch>
+                  <a:fillRect l="-20000" r="-13333"/>
+                </a:stretch>
+              </a:blipFill>
+            </p:spPr>
+            <p:txBody>
+              <a:bodyPr/>
+              <a:lstStyle/>
+              <a:p>
+                <a:r>
+                  <a:rPr lang="en-US">
+                    <a:noFill/>
+                  </a:rPr>
+                  <a:t> </a:t>
+                </a:r>
+              </a:p>
+            </p:txBody>
+          </p:sp>
+        </mc:Fallback>
+      </mc:AlternateContent>
+      <mc:AlternateContent xmlns:mc="http://schemas.openxmlformats.org/markup-compatibility/2006">
+        <mc:Choice xmlns:a14="http://schemas.microsoft.com/office/drawing/2010/main" Requires="a14">
+          <p:sp>
+            <p:nvSpPr>
+              <p:cNvPr id="8" name="TextBox 7">
+                <a:extLst>
+                  <a:ext uri="{FF2B5EF4-FFF2-40B4-BE49-F238E27FC236}">
+                    <a16:creationId xmlns:a16="http://schemas.microsoft.com/office/drawing/2014/main" id="{76F55EB0-899A-CCA4-4515-CD7A69218A01}"/>
+                  </a:ext>
+                </a:extLst>
+              </p:cNvPr>
+              <p:cNvSpPr txBox="1"/>
+              <p:nvPr/>
+            </p:nvSpPr>
+            <p:spPr>
+              <a:xfrm>
+                <a:off x="3185847" y="4594010"/>
+                <a:ext cx="186718" cy="276999"/>
+              </a:xfrm>
+              <a:prstGeom prst="rect">
+                <a:avLst/>
+              </a:prstGeom>
+              <a:noFill/>
+            </p:spPr>
+            <p:txBody>
+              <a:bodyPr wrap="none" lIns="0" tIns="0" rIns="0" bIns="0" rtlCol="0">
+                <a:spAutoFit/>
+              </a:bodyPr>
+              <a:lstStyle/>
+              <a:p>
+                <a:pPr/>
+                <a14:m>
+                  <m:oMathPara xmlns:m="http://schemas.openxmlformats.org/officeDocument/2006/math">
+                    <m:oMathParaPr>
+                      <m:jc m:val="centerGroup"/>
+                    </m:oMathParaPr>
+                    <m:oMath xmlns:m="http://schemas.openxmlformats.org/officeDocument/2006/math">
+                      <m:r>
+                        <a:rPr lang="en-US" b="0" i="1" smtClean="0">
+                          <a:solidFill>
+                            <a:srgbClr val="00B050"/>
+                          </a:solidFill>
+                          <a:latin typeface="Cambria Math" panose="02040503050406030204" pitchFamily="18" charset="0"/>
+                        </a:rPr>
+                        <m:t>𝑦</m:t>
+                      </m:r>
+                    </m:oMath>
+                  </m:oMathPara>
+                </a14:m>
+                <a:endParaRPr lang="en-US" dirty="0"/>
+              </a:p>
+            </p:txBody>
+          </p:sp>
+        </mc:Choice>
+        <mc:Fallback>
+          <p:sp>
+            <p:nvSpPr>
+              <p:cNvPr id="8" name="TextBox 7">
+                <a:extLst>
+                  <a:ext uri="{FF2B5EF4-FFF2-40B4-BE49-F238E27FC236}">
+                    <a16:creationId xmlns:a16="http://schemas.microsoft.com/office/drawing/2014/main" id="{76F55EB0-899A-CCA4-4515-CD7A69218A01}"/>
+                  </a:ext>
+                </a:extLst>
+              </p:cNvPr>
+              <p:cNvSpPr txBox="1">
+                <a:spLocks noRot="1" noChangeAspect="1" noMove="1" noResize="1" noEditPoints="1" noAdjustHandles="1" noChangeArrowheads="1" noChangeShapeType="1" noTextEdit="1"/>
+              </p:cNvSpPr>
+              <p:nvPr/>
+            </p:nvSpPr>
+            <p:spPr>
+              <a:xfrm>
+                <a:off x="3185847" y="4594010"/>
+                <a:ext cx="186718" cy="276999"/>
+              </a:xfrm>
+              <a:prstGeom prst="rect">
+                <a:avLst/>
+              </a:prstGeom>
+              <a:blipFill>
+                <a:blip r:embed="rId8"/>
+                <a:stretch>
+                  <a:fillRect l="-33333" r="-30000" b="-26667"/>
+                </a:stretch>
+              </a:blipFill>
+            </p:spPr>
+            <p:txBody>
+              <a:bodyPr/>
+              <a:lstStyle/>
+              <a:p>
+                <a:r>
+                  <a:rPr lang="en-US">
+                    <a:noFill/>
+                  </a:rPr>
+                  <a:t> </a:t>
+                </a:r>
+              </a:p>
+            </p:txBody>
+          </p:sp>
+        </mc:Fallback>
+      </mc:AlternateContent>
+      <mc:AlternateContent xmlns:mc="http://schemas.openxmlformats.org/markup-compatibility/2006">
+        <mc:Choice xmlns:a14="http://schemas.microsoft.com/office/drawing/2010/main" Requires="a14">
+          <p:sp>
+            <p:nvSpPr>
+              <p:cNvPr id="9" name="TextBox 8">
+                <a:extLst>
+                  <a:ext uri="{FF2B5EF4-FFF2-40B4-BE49-F238E27FC236}">
+                    <a16:creationId xmlns:a16="http://schemas.microsoft.com/office/drawing/2014/main" id="{8E3C1DD0-3CE3-12A3-0225-84B27459446E}"/>
+                  </a:ext>
+                </a:extLst>
+              </p:cNvPr>
+              <p:cNvSpPr txBox="1"/>
+              <p:nvPr/>
+            </p:nvSpPr>
+            <p:spPr>
+              <a:xfrm>
+                <a:off x="3627242" y="5801931"/>
+                <a:ext cx="169084" cy="276999"/>
+              </a:xfrm>
+              <a:prstGeom prst="rect">
+                <a:avLst/>
+              </a:prstGeom>
+              <a:noFill/>
+            </p:spPr>
+            <p:txBody>
+              <a:bodyPr wrap="none" lIns="0" tIns="0" rIns="0" bIns="0" rtlCol="0">
+                <a:spAutoFit/>
+              </a:bodyPr>
+              <a:lstStyle/>
+              <a:p>
+                <a:pPr/>
+                <a14:m>
+                  <m:oMathPara xmlns:m="http://schemas.openxmlformats.org/officeDocument/2006/math">
+                    <m:oMathParaPr>
+                      <m:jc m:val="centerGroup"/>
+                    </m:oMathParaPr>
+                    <m:oMath xmlns:m="http://schemas.openxmlformats.org/officeDocument/2006/math">
+                      <m:r>
+                        <a:rPr lang="en-US" b="0" i="1" smtClean="0">
+                          <a:solidFill>
+                            <a:srgbClr val="002060"/>
+                          </a:solidFill>
+                          <a:latin typeface="Cambria Math" panose="02040503050406030204" pitchFamily="18" charset="0"/>
+                        </a:rPr>
+                        <m:t>𝑧</m:t>
+                      </m:r>
+                    </m:oMath>
+                  </m:oMathPara>
+                </a14:m>
+                <a:endParaRPr lang="en-US" dirty="0">
+                  <a:solidFill>
+                    <a:srgbClr val="002060"/>
+                  </a:solidFill>
+                </a:endParaRPr>
+              </a:p>
+            </p:txBody>
+          </p:sp>
+        </mc:Choice>
+        <mc:Fallback>
+          <p:sp>
+            <p:nvSpPr>
+              <p:cNvPr id="9" name="TextBox 8">
+                <a:extLst>
+                  <a:ext uri="{FF2B5EF4-FFF2-40B4-BE49-F238E27FC236}">
+                    <a16:creationId xmlns:a16="http://schemas.microsoft.com/office/drawing/2014/main" id="{8E3C1DD0-3CE3-12A3-0225-84B27459446E}"/>
+                  </a:ext>
+                </a:extLst>
+              </p:cNvPr>
+              <p:cNvSpPr txBox="1">
+                <a:spLocks noRot="1" noChangeAspect="1" noMove="1" noResize="1" noEditPoints="1" noAdjustHandles="1" noChangeArrowheads="1" noChangeShapeType="1" noTextEdit="1"/>
+              </p:cNvSpPr>
+              <p:nvPr/>
+            </p:nvSpPr>
+            <p:spPr>
+              <a:xfrm>
+                <a:off x="3627242" y="5801931"/>
+                <a:ext cx="169084" cy="276999"/>
+              </a:xfrm>
+              <a:prstGeom prst="rect">
+                <a:avLst/>
+              </a:prstGeom>
+              <a:blipFill>
+                <a:blip r:embed="rId9"/>
+                <a:stretch>
+                  <a:fillRect l="-21429" r="-14286"/>
+                </a:stretch>
+              </a:blipFill>
+            </p:spPr>
+            <p:txBody>
+              <a:bodyPr/>
+              <a:lstStyle/>
+              <a:p>
+                <a:r>
+                  <a:rPr lang="en-US">
+                    <a:noFill/>
+                  </a:rPr>
+                  <a:t> </a:t>
+                </a:r>
+              </a:p>
+            </p:txBody>
+          </p:sp>
+        </mc:Fallback>
+      </mc:AlternateContent>
+    </p:spTree>
+    <p:extLst>
+      <p:ext uri="{BB962C8B-B14F-4D97-AF65-F5344CB8AC3E}">
+        <p14:creationId xmlns:p14="http://schemas.microsoft.com/office/powerpoint/2010/main" val="3855553712"/>
+      </p:ext>
+    </p:extLst>
+  </p:cSld>
+  <p:clrMapOvr>
+    <a:masterClrMapping/>
+  </p:clrMapOvr>
+</p:sld>
+</file>
+
+<file path=ppt/slides/slide18.xml><?xml version="1.0" encoding="utf-8"?>
+<p:sld xmlns:a="http://schemas.openxmlformats.org/drawingml/2006/main" xmlns:r="http://schemas.openxmlformats.org/officeDocument/2006/relationships" xmlns:p="http://schemas.openxmlformats.org/presentationml/2006/main">
+  <p:cSld>
+    <p:spTree>
+      <p:nvGrpSpPr>
+        <p:cNvPr id="1" name=""/>
+        <p:cNvGrpSpPr/>
+        <p:nvPr/>
+      </p:nvGrpSpPr>
+      <p:grpSpPr>
+        <a:xfrm>
+          <a:off x="0" y="0"/>
+          <a:ext cx="0" cy="0"/>
+          <a:chOff x="0" y="0"/>
+          <a:chExt cx="0" cy="0"/>
+        </a:xfrm>
+      </p:grpSpPr>
+      <p:pic>
+        <p:nvPicPr>
+          <p:cNvPr id="11" name="Picture 10">
+            <a:extLst>
+              <a:ext uri="{FF2B5EF4-FFF2-40B4-BE49-F238E27FC236}">
+                <a16:creationId xmlns:a16="http://schemas.microsoft.com/office/drawing/2014/main" id="{9D97CD43-8EF9-B4D9-9D50-5F9F74288705}"/>
+              </a:ext>
+            </a:extLst>
+          </p:cNvPr>
+          <p:cNvPicPr>
+            <a:picLocks noChangeAspect="1"/>
+          </p:cNvPicPr>
+          <p:nvPr/>
+        </p:nvPicPr>
+        <p:blipFill>
+          <a:blip r:embed="rId2"/>
+          <a:stretch>
+            <a:fillRect/>
+          </a:stretch>
+        </p:blipFill>
+        <p:spPr>
+          <a:xfrm>
+            <a:off x="2286000" y="571500"/>
+            <a:ext cx="7620000" cy="5715000"/>
+          </a:xfrm>
+          <a:prstGeom prst="rect">
+            <a:avLst/>
+          </a:prstGeom>
+        </p:spPr>
+      </p:pic>
+      <mc:AlternateContent xmlns:mc="http://schemas.openxmlformats.org/markup-compatibility/2006">
+        <mc:Choice xmlns:a14="http://schemas.microsoft.com/office/drawing/2010/main" Requires="a14">
+          <p:sp>
+            <p:nvSpPr>
+              <p:cNvPr id="3" name="TextBox 2">
+                <a:extLst>
+                  <a:ext uri="{FF2B5EF4-FFF2-40B4-BE49-F238E27FC236}">
+                    <a16:creationId xmlns:a16="http://schemas.microsoft.com/office/drawing/2014/main" id="{5095C3D0-6F88-83B3-C6F8-EE1C952210C6}"/>
+                  </a:ext>
+                </a:extLst>
+              </p:cNvPr>
+              <p:cNvSpPr txBox="1"/>
+              <p:nvPr/>
+            </p:nvSpPr>
+            <p:spPr>
+              <a:xfrm>
+                <a:off x="3796326" y="4935665"/>
+                <a:ext cx="320963" cy="492443"/>
+              </a:xfrm>
+              <a:prstGeom prst="rect">
+                <a:avLst/>
+              </a:prstGeom>
+              <a:noFill/>
+            </p:spPr>
+            <p:txBody>
+              <a:bodyPr wrap="square" lIns="0" tIns="0" rIns="0" bIns="0" rtlCol="0">
+                <a:spAutoFit/>
+              </a:bodyPr>
+              <a:lstStyle/>
+              <a:p>
+                <a:pPr/>
+                <a14:m>
+                  <m:oMathPara xmlns:m="http://schemas.openxmlformats.org/officeDocument/2006/math">
+                    <m:oMathParaPr>
+                      <m:jc m:val="centerGroup"/>
+                    </m:oMathParaPr>
+                    <m:oMath xmlns:m="http://schemas.openxmlformats.org/officeDocument/2006/math">
+                      <m:r>
+                        <a:rPr lang="en-US" sz="3200" b="0" i="1" smtClean="0">
+                          <a:solidFill>
+                            <a:schemeClr val="tx1"/>
+                          </a:solidFill>
+                          <a:latin typeface="Cambria Math" panose="02040503050406030204" pitchFamily="18" charset="0"/>
+                        </a:rPr>
+                        <m:t>0</m:t>
+                      </m:r>
+                    </m:oMath>
+                  </m:oMathPara>
+                </a14:m>
+                <a:endParaRPr lang="en-US" sz="1600" dirty="0">
+                  <a:solidFill>
+                    <a:schemeClr val="tx1"/>
+                  </a:solidFill>
+                </a:endParaRPr>
+              </a:p>
+            </p:txBody>
+          </p:sp>
+        </mc:Choice>
+        <mc:Fallback>
+          <p:sp>
+            <p:nvSpPr>
+              <p:cNvPr id="3" name="TextBox 2">
+                <a:extLst>
+                  <a:ext uri="{FF2B5EF4-FFF2-40B4-BE49-F238E27FC236}">
+                    <a16:creationId xmlns:a16="http://schemas.microsoft.com/office/drawing/2014/main" id="{5095C3D0-6F88-83B3-C6F8-EE1C952210C6}"/>
+                  </a:ext>
+                </a:extLst>
+              </p:cNvPr>
+              <p:cNvSpPr txBox="1">
+                <a:spLocks noRot="1" noChangeAspect="1" noMove="1" noResize="1" noEditPoints="1" noAdjustHandles="1" noChangeArrowheads="1" noChangeShapeType="1" noTextEdit="1"/>
+              </p:cNvSpPr>
+              <p:nvPr/>
+            </p:nvSpPr>
+            <p:spPr>
+              <a:xfrm>
+                <a:off x="3796326" y="4935665"/>
+                <a:ext cx="320963" cy="492443"/>
+              </a:xfrm>
+              <a:prstGeom prst="rect">
+                <a:avLst/>
+              </a:prstGeom>
+              <a:blipFill>
+                <a:blip r:embed="rId3"/>
+                <a:stretch>
+                  <a:fillRect/>
+                </a:stretch>
+              </a:blipFill>
+            </p:spPr>
+            <p:txBody>
+              <a:bodyPr/>
+              <a:lstStyle/>
+              <a:p>
+                <a:r>
+                  <a:rPr lang="en-US">
+                    <a:noFill/>
+                  </a:rPr>
+                  <a:t> </a:t>
+                </a:r>
+              </a:p>
+            </p:txBody>
+          </p:sp>
+        </mc:Fallback>
+      </mc:AlternateContent>
+      <mc:AlternateContent xmlns:mc="http://schemas.openxmlformats.org/markup-compatibility/2006">
+        <mc:Choice xmlns:a14="http://schemas.microsoft.com/office/drawing/2010/main" Requires="a14">
+          <p:sp>
+            <p:nvSpPr>
+              <p:cNvPr id="4" name="TextBox 3">
+                <a:extLst>
+                  <a:ext uri="{FF2B5EF4-FFF2-40B4-BE49-F238E27FC236}">
+                    <a16:creationId xmlns:a16="http://schemas.microsoft.com/office/drawing/2014/main" id="{62E47E06-EE47-7910-8346-AC13CCF7579C}"/>
+                  </a:ext>
+                </a:extLst>
+              </p:cNvPr>
+              <p:cNvSpPr txBox="1"/>
+              <p:nvPr/>
+            </p:nvSpPr>
+            <p:spPr>
+              <a:xfrm>
+                <a:off x="6608035" y="4935664"/>
+                <a:ext cx="320963" cy="492443"/>
+              </a:xfrm>
+              <a:prstGeom prst="rect">
+                <a:avLst/>
+              </a:prstGeom>
+              <a:noFill/>
+            </p:spPr>
+            <p:txBody>
+              <a:bodyPr wrap="square" lIns="0" tIns="0" rIns="0" bIns="0" rtlCol="0">
+                <a:spAutoFit/>
+              </a:bodyPr>
+              <a:lstStyle/>
+              <a:p>
+                <a:pPr/>
+                <a14:m>
+                  <m:oMathPara xmlns:m="http://schemas.openxmlformats.org/officeDocument/2006/math">
+                    <m:oMathParaPr>
+                      <m:jc m:val="centerGroup"/>
+                    </m:oMathParaPr>
+                    <m:oMath xmlns:m="http://schemas.openxmlformats.org/officeDocument/2006/math">
+                      <m:r>
+                        <a:rPr lang="en-US" sz="3200" b="0" i="1" smtClean="0">
+                          <a:solidFill>
+                            <a:schemeClr val="tx1"/>
+                          </a:solidFill>
+                          <a:latin typeface="Cambria Math" panose="02040503050406030204" pitchFamily="18" charset="0"/>
+                        </a:rPr>
+                        <m:t>1</m:t>
+                      </m:r>
+                    </m:oMath>
+                  </m:oMathPara>
+                </a14:m>
+                <a:endParaRPr lang="en-US" sz="1600" dirty="0">
+                  <a:solidFill>
+                    <a:schemeClr val="tx1"/>
+                  </a:solidFill>
+                </a:endParaRPr>
+              </a:p>
+            </p:txBody>
+          </p:sp>
+        </mc:Choice>
+        <mc:Fallback>
+          <p:sp>
+            <p:nvSpPr>
+              <p:cNvPr id="4" name="TextBox 3">
+                <a:extLst>
+                  <a:ext uri="{FF2B5EF4-FFF2-40B4-BE49-F238E27FC236}">
+                    <a16:creationId xmlns:a16="http://schemas.microsoft.com/office/drawing/2014/main" id="{62E47E06-EE47-7910-8346-AC13CCF7579C}"/>
+                  </a:ext>
+                </a:extLst>
+              </p:cNvPr>
+              <p:cNvSpPr txBox="1">
+                <a:spLocks noRot="1" noChangeAspect="1" noMove="1" noResize="1" noEditPoints="1" noAdjustHandles="1" noChangeArrowheads="1" noChangeShapeType="1" noTextEdit="1"/>
+              </p:cNvSpPr>
+              <p:nvPr/>
+            </p:nvSpPr>
+            <p:spPr>
+              <a:xfrm>
+                <a:off x="6608035" y="4935664"/>
+                <a:ext cx="320963" cy="492443"/>
+              </a:xfrm>
+              <a:prstGeom prst="rect">
+                <a:avLst/>
+              </a:prstGeom>
+              <a:blipFill>
+                <a:blip r:embed="rId4"/>
+                <a:stretch>
+                  <a:fillRect/>
+                </a:stretch>
+              </a:blipFill>
+            </p:spPr>
+            <p:txBody>
+              <a:bodyPr/>
+              <a:lstStyle/>
+              <a:p>
+                <a:r>
+                  <a:rPr lang="en-US">
+                    <a:noFill/>
+                  </a:rPr>
+                  <a:t> </a:t>
+                </a:r>
+              </a:p>
+            </p:txBody>
+          </p:sp>
+        </mc:Fallback>
+      </mc:AlternateContent>
+      <mc:AlternateContent xmlns:mc="http://schemas.openxmlformats.org/markup-compatibility/2006">
+        <mc:Choice xmlns:a14="http://schemas.microsoft.com/office/drawing/2010/main" Requires="a14">
+          <p:sp>
+            <p:nvSpPr>
+              <p:cNvPr id="5" name="TextBox 4">
+                <a:extLst>
+                  <a:ext uri="{FF2B5EF4-FFF2-40B4-BE49-F238E27FC236}">
+                    <a16:creationId xmlns:a16="http://schemas.microsoft.com/office/drawing/2014/main" id="{854C57CF-D7C3-EE6E-A7CB-4DAE487B6ECF}"/>
+                  </a:ext>
+                </a:extLst>
+              </p:cNvPr>
+              <p:cNvSpPr txBox="1"/>
+              <p:nvPr/>
+            </p:nvSpPr>
+            <p:spPr>
+              <a:xfrm>
+                <a:off x="5191694" y="1360414"/>
+                <a:ext cx="320963" cy="492443"/>
+              </a:xfrm>
+              <a:prstGeom prst="rect">
+                <a:avLst/>
+              </a:prstGeom>
+              <a:noFill/>
+            </p:spPr>
+            <p:txBody>
+              <a:bodyPr wrap="square" lIns="0" tIns="0" rIns="0" bIns="0" rtlCol="0">
+                <a:spAutoFit/>
+              </a:bodyPr>
+              <a:lstStyle/>
+              <a:p>
+                <a:pPr/>
+                <a14:m>
+                  <m:oMathPara xmlns:m="http://schemas.openxmlformats.org/officeDocument/2006/math">
+                    <m:oMathParaPr>
+                      <m:jc m:val="centerGroup"/>
+                    </m:oMathParaPr>
+                    <m:oMath xmlns:m="http://schemas.openxmlformats.org/officeDocument/2006/math">
+                      <m:r>
+                        <a:rPr lang="en-US" sz="3200" b="0" i="1" smtClean="0">
+                          <a:solidFill>
+                            <a:schemeClr val="tx1"/>
+                          </a:solidFill>
+                          <a:latin typeface="Cambria Math" panose="02040503050406030204" pitchFamily="18" charset="0"/>
+                        </a:rPr>
+                        <m:t>2</m:t>
+                      </m:r>
+                    </m:oMath>
+                  </m:oMathPara>
+                </a14:m>
+                <a:endParaRPr lang="en-US" sz="1600" dirty="0">
+                  <a:solidFill>
+                    <a:schemeClr val="tx1"/>
+                  </a:solidFill>
+                </a:endParaRPr>
+              </a:p>
+            </p:txBody>
+          </p:sp>
+        </mc:Choice>
+        <mc:Fallback>
+          <p:sp>
+            <p:nvSpPr>
+              <p:cNvPr id="5" name="TextBox 4">
+                <a:extLst>
+                  <a:ext uri="{FF2B5EF4-FFF2-40B4-BE49-F238E27FC236}">
+                    <a16:creationId xmlns:a16="http://schemas.microsoft.com/office/drawing/2014/main" id="{854C57CF-D7C3-EE6E-A7CB-4DAE487B6ECF}"/>
+                  </a:ext>
+                </a:extLst>
+              </p:cNvPr>
+              <p:cNvSpPr txBox="1">
+                <a:spLocks noRot="1" noChangeAspect="1" noMove="1" noResize="1" noEditPoints="1" noAdjustHandles="1" noChangeArrowheads="1" noChangeShapeType="1" noTextEdit="1"/>
+              </p:cNvSpPr>
+              <p:nvPr/>
+            </p:nvSpPr>
+            <p:spPr>
+              <a:xfrm>
+                <a:off x="5191694" y="1360414"/>
+                <a:ext cx="320963" cy="492443"/>
+              </a:xfrm>
+              <a:prstGeom prst="rect">
+                <a:avLst/>
+              </a:prstGeom>
+              <a:blipFill>
+                <a:blip r:embed="rId5"/>
+                <a:stretch>
+                  <a:fillRect/>
+                </a:stretch>
+              </a:blipFill>
+            </p:spPr>
+            <p:txBody>
+              <a:bodyPr/>
+              <a:lstStyle/>
+              <a:p>
+                <a:r>
+                  <a:rPr lang="en-US">
+                    <a:noFill/>
+                  </a:rPr>
+                  <a:t> </a:t>
+                </a:r>
+              </a:p>
+            </p:txBody>
+          </p:sp>
+        </mc:Fallback>
+      </mc:AlternateContent>
+      <mc:AlternateContent xmlns:mc="http://schemas.openxmlformats.org/markup-compatibility/2006">
+        <mc:Choice xmlns:a14="http://schemas.microsoft.com/office/drawing/2010/main" Requires="a14">
+          <p:sp>
+            <p:nvSpPr>
+              <p:cNvPr id="6" name="TextBox 5">
+                <a:extLst>
+                  <a:ext uri="{FF2B5EF4-FFF2-40B4-BE49-F238E27FC236}">
+                    <a16:creationId xmlns:a16="http://schemas.microsoft.com/office/drawing/2014/main" id="{3B669D59-C54C-EEE1-FE12-18EE7644C9FD}"/>
+                  </a:ext>
+                </a:extLst>
+              </p:cNvPr>
+              <p:cNvSpPr txBox="1"/>
+              <p:nvPr/>
+            </p:nvSpPr>
+            <p:spPr>
+              <a:xfrm>
+                <a:off x="8028571" y="1360413"/>
+                <a:ext cx="320963" cy="492443"/>
+              </a:xfrm>
+              <a:prstGeom prst="rect">
+                <a:avLst/>
+              </a:prstGeom>
+              <a:noFill/>
+            </p:spPr>
+            <p:txBody>
+              <a:bodyPr wrap="square" lIns="0" tIns="0" rIns="0" bIns="0" rtlCol="0">
+                <a:spAutoFit/>
+              </a:bodyPr>
+              <a:lstStyle/>
+              <a:p>
+                <a:pPr/>
+                <a14:m>
+                  <m:oMathPara xmlns:m="http://schemas.openxmlformats.org/officeDocument/2006/math">
+                    <m:oMathParaPr>
+                      <m:jc m:val="centerGroup"/>
+                    </m:oMathParaPr>
+                    <m:oMath xmlns:m="http://schemas.openxmlformats.org/officeDocument/2006/math">
+                      <m:r>
+                        <a:rPr lang="en-US" sz="3200" i="1">
+                          <a:latin typeface="Cambria Math" panose="02040503050406030204" pitchFamily="18" charset="0"/>
+                        </a:rPr>
+                        <m:t>3</m:t>
+                      </m:r>
+                    </m:oMath>
+                  </m:oMathPara>
+                </a14:m>
+                <a:endParaRPr lang="en-US" sz="1600" dirty="0">
+                  <a:solidFill>
+                    <a:schemeClr val="tx1"/>
+                  </a:solidFill>
+                </a:endParaRPr>
+              </a:p>
+            </p:txBody>
+          </p:sp>
+        </mc:Choice>
+        <mc:Fallback>
+          <p:sp>
+            <p:nvSpPr>
+              <p:cNvPr id="6" name="TextBox 5">
+                <a:extLst>
+                  <a:ext uri="{FF2B5EF4-FFF2-40B4-BE49-F238E27FC236}">
+                    <a16:creationId xmlns:a16="http://schemas.microsoft.com/office/drawing/2014/main" id="{3B669D59-C54C-EEE1-FE12-18EE7644C9FD}"/>
+                  </a:ext>
+                </a:extLst>
+              </p:cNvPr>
+              <p:cNvSpPr txBox="1">
+                <a:spLocks noRot="1" noChangeAspect="1" noMove="1" noResize="1" noEditPoints="1" noAdjustHandles="1" noChangeArrowheads="1" noChangeShapeType="1" noTextEdit="1"/>
+              </p:cNvSpPr>
+              <p:nvPr/>
+            </p:nvSpPr>
+            <p:spPr>
+              <a:xfrm>
+                <a:off x="8028571" y="1360413"/>
+                <a:ext cx="320963" cy="492443"/>
+              </a:xfrm>
+              <a:prstGeom prst="rect">
+                <a:avLst/>
+              </a:prstGeom>
+              <a:blipFill>
+                <a:blip r:embed="rId6"/>
+                <a:stretch>
+                  <a:fillRect/>
+                </a:stretch>
+              </a:blipFill>
+            </p:spPr>
+            <p:txBody>
+              <a:bodyPr/>
+              <a:lstStyle/>
+              <a:p>
+                <a:r>
+                  <a:rPr lang="en-US">
+                    <a:noFill/>
+                  </a:rPr>
+                  <a:t> </a:t>
+                </a:r>
+              </a:p>
+            </p:txBody>
+          </p:sp>
+        </mc:Fallback>
+      </mc:AlternateContent>
+      <mc:AlternateContent xmlns:mc="http://schemas.openxmlformats.org/markup-compatibility/2006">
+        <mc:Choice xmlns:a14="http://schemas.microsoft.com/office/drawing/2010/main" Requires="a14">
+          <p:sp>
+            <p:nvSpPr>
+              <p:cNvPr id="7" name="TextBox 6">
+                <a:extLst>
+                  <a:ext uri="{FF2B5EF4-FFF2-40B4-BE49-F238E27FC236}">
+                    <a16:creationId xmlns:a16="http://schemas.microsoft.com/office/drawing/2014/main" id="{5D62E030-53E2-83F8-68D9-C66BDCE983D2}"/>
+                  </a:ext>
+                </a:extLst>
+              </p:cNvPr>
+              <p:cNvSpPr txBox="1"/>
+              <p:nvPr/>
+            </p:nvSpPr>
+            <p:spPr>
+              <a:xfrm>
+                <a:off x="3996495" y="5441805"/>
+                <a:ext cx="183319" cy="276999"/>
+              </a:xfrm>
+              <a:prstGeom prst="rect">
+                <a:avLst/>
+              </a:prstGeom>
+              <a:noFill/>
+            </p:spPr>
+            <p:txBody>
+              <a:bodyPr wrap="none" lIns="0" tIns="0" rIns="0" bIns="0" rtlCol="0">
+                <a:spAutoFit/>
+              </a:bodyPr>
+              <a:lstStyle/>
+              <a:p>
+                <a:pPr/>
+                <a14:m>
+                  <m:oMathPara xmlns:m="http://schemas.openxmlformats.org/officeDocument/2006/math">
+                    <m:oMathParaPr>
+                      <m:jc m:val="centerGroup"/>
+                    </m:oMathParaPr>
+                    <m:oMath xmlns:m="http://schemas.openxmlformats.org/officeDocument/2006/math">
+                      <m:r>
+                        <a:rPr lang="en-US" b="0" i="1" smtClean="0">
+                          <a:solidFill>
+                            <a:srgbClr val="FF0000"/>
+                          </a:solidFill>
+                          <a:latin typeface="Cambria Math" panose="02040503050406030204" pitchFamily="18" charset="0"/>
+                        </a:rPr>
+                        <m:t>𝑥</m:t>
+                      </m:r>
+                    </m:oMath>
+                  </m:oMathPara>
+                </a14:m>
+                <a:endParaRPr lang="en-US" dirty="0"/>
+              </a:p>
+            </p:txBody>
+          </p:sp>
+        </mc:Choice>
+        <mc:Fallback>
+          <p:sp>
+            <p:nvSpPr>
+              <p:cNvPr id="7" name="TextBox 6">
+                <a:extLst>
+                  <a:ext uri="{FF2B5EF4-FFF2-40B4-BE49-F238E27FC236}">
+                    <a16:creationId xmlns:a16="http://schemas.microsoft.com/office/drawing/2014/main" id="{5D62E030-53E2-83F8-68D9-C66BDCE983D2}"/>
+                  </a:ext>
+                </a:extLst>
+              </p:cNvPr>
+              <p:cNvSpPr txBox="1">
+                <a:spLocks noRot="1" noChangeAspect="1" noMove="1" noResize="1" noEditPoints="1" noAdjustHandles="1" noChangeArrowheads="1" noChangeShapeType="1" noTextEdit="1"/>
+              </p:cNvSpPr>
+              <p:nvPr/>
+            </p:nvSpPr>
+            <p:spPr>
+              <a:xfrm>
+                <a:off x="3996495" y="5441805"/>
+                <a:ext cx="183319" cy="276999"/>
+              </a:xfrm>
+              <a:prstGeom prst="rect">
+                <a:avLst/>
+              </a:prstGeom>
+              <a:blipFill>
+                <a:blip r:embed="rId7"/>
+                <a:stretch>
+                  <a:fillRect l="-20000" r="-13333"/>
+                </a:stretch>
+              </a:blipFill>
+            </p:spPr>
+            <p:txBody>
+              <a:bodyPr/>
+              <a:lstStyle/>
+              <a:p>
+                <a:r>
+                  <a:rPr lang="en-US">
+                    <a:noFill/>
+                  </a:rPr>
+                  <a:t> </a:t>
+                </a:r>
+              </a:p>
+            </p:txBody>
+          </p:sp>
+        </mc:Fallback>
+      </mc:AlternateContent>
+      <mc:AlternateContent xmlns:mc="http://schemas.openxmlformats.org/markup-compatibility/2006">
+        <mc:Choice xmlns:a14="http://schemas.microsoft.com/office/drawing/2010/main" Requires="a14">
+          <p:sp>
+            <p:nvSpPr>
+              <p:cNvPr id="8" name="TextBox 7">
+                <a:extLst>
+                  <a:ext uri="{FF2B5EF4-FFF2-40B4-BE49-F238E27FC236}">
+                    <a16:creationId xmlns:a16="http://schemas.microsoft.com/office/drawing/2014/main" id="{BDAF07FD-7FF9-20F5-BCB3-6C8283D23C1C}"/>
+                  </a:ext>
+                </a:extLst>
+              </p:cNvPr>
+              <p:cNvSpPr txBox="1"/>
+              <p:nvPr/>
+            </p:nvSpPr>
+            <p:spPr>
+              <a:xfrm>
+                <a:off x="3185847" y="4594010"/>
+                <a:ext cx="186718" cy="276999"/>
+              </a:xfrm>
+              <a:prstGeom prst="rect">
+                <a:avLst/>
+              </a:prstGeom>
+              <a:noFill/>
+            </p:spPr>
+            <p:txBody>
+              <a:bodyPr wrap="none" lIns="0" tIns="0" rIns="0" bIns="0" rtlCol="0">
+                <a:spAutoFit/>
+              </a:bodyPr>
+              <a:lstStyle/>
+              <a:p>
+                <a:pPr/>
+                <a14:m>
+                  <m:oMathPara xmlns:m="http://schemas.openxmlformats.org/officeDocument/2006/math">
+                    <m:oMathParaPr>
+                      <m:jc m:val="centerGroup"/>
+                    </m:oMathParaPr>
+                    <m:oMath xmlns:m="http://schemas.openxmlformats.org/officeDocument/2006/math">
+                      <m:r>
+                        <a:rPr lang="en-US" b="0" i="1" smtClean="0">
+                          <a:solidFill>
+                            <a:srgbClr val="00B050"/>
+                          </a:solidFill>
+                          <a:latin typeface="Cambria Math" panose="02040503050406030204" pitchFamily="18" charset="0"/>
+                        </a:rPr>
+                        <m:t>𝑦</m:t>
+                      </m:r>
+                    </m:oMath>
+                  </m:oMathPara>
+                </a14:m>
+                <a:endParaRPr lang="en-US" dirty="0"/>
+              </a:p>
+            </p:txBody>
+          </p:sp>
+        </mc:Choice>
+        <mc:Fallback>
+          <p:sp>
+            <p:nvSpPr>
+              <p:cNvPr id="8" name="TextBox 7">
+                <a:extLst>
+                  <a:ext uri="{FF2B5EF4-FFF2-40B4-BE49-F238E27FC236}">
+                    <a16:creationId xmlns:a16="http://schemas.microsoft.com/office/drawing/2014/main" id="{BDAF07FD-7FF9-20F5-BCB3-6C8283D23C1C}"/>
+                  </a:ext>
+                </a:extLst>
+              </p:cNvPr>
+              <p:cNvSpPr txBox="1">
+                <a:spLocks noRot="1" noChangeAspect="1" noMove="1" noResize="1" noEditPoints="1" noAdjustHandles="1" noChangeArrowheads="1" noChangeShapeType="1" noTextEdit="1"/>
+              </p:cNvSpPr>
+              <p:nvPr/>
+            </p:nvSpPr>
+            <p:spPr>
+              <a:xfrm>
+                <a:off x="3185847" y="4594010"/>
+                <a:ext cx="186718" cy="276999"/>
+              </a:xfrm>
+              <a:prstGeom prst="rect">
+                <a:avLst/>
+              </a:prstGeom>
+              <a:blipFill>
+                <a:blip r:embed="rId8"/>
+                <a:stretch>
+                  <a:fillRect l="-33333" r="-30000" b="-26667"/>
+                </a:stretch>
+              </a:blipFill>
+            </p:spPr>
+            <p:txBody>
+              <a:bodyPr/>
+              <a:lstStyle/>
+              <a:p>
+                <a:r>
+                  <a:rPr lang="en-US">
+                    <a:noFill/>
+                  </a:rPr>
+                  <a:t> </a:t>
+                </a:r>
+              </a:p>
+            </p:txBody>
+          </p:sp>
+        </mc:Fallback>
+      </mc:AlternateContent>
+      <mc:AlternateContent xmlns:mc="http://schemas.openxmlformats.org/markup-compatibility/2006">
+        <mc:Choice xmlns:a14="http://schemas.microsoft.com/office/drawing/2010/main" Requires="a14">
+          <p:sp>
+            <p:nvSpPr>
+              <p:cNvPr id="9" name="TextBox 8">
+                <a:extLst>
+                  <a:ext uri="{FF2B5EF4-FFF2-40B4-BE49-F238E27FC236}">
+                    <a16:creationId xmlns:a16="http://schemas.microsoft.com/office/drawing/2014/main" id="{3BFE5EA7-1F5E-2C1C-7583-0CCABAF2D493}"/>
+                  </a:ext>
+                </a:extLst>
+              </p:cNvPr>
+              <p:cNvSpPr txBox="1"/>
+              <p:nvPr/>
+            </p:nvSpPr>
+            <p:spPr>
+              <a:xfrm>
+                <a:off x="3627242" y="5801931"/>
+                <a:ext cx="169084" cy="276999"/>
+              </a:xfrm>
+              <a:prstGeom prst="rect">
+                <a:avLst/>
+              </a:prstGeom>
+              <a:noFill/>
+            </p:spPr>
+            <p:txBody>
+              <a:bodyPr wrap="none" lIns="0" tIns="0" rIns="0" bIns="0" rtlCol="0">
+                <a:spAutoFit/>
+              </a:bodyPr>
+              <a:lstStyle/>
+              <a:p>
+                <a:pPr/>
+                <a14:m>
+                  <m:oMathPara xmlns:m="http://schemas.openxmlformats.org/officeDocument/2006/math">
+                    <m:oMathParaPr>
+                      <m:jc m:val="centerGroup"/>
+                    </m:oMathParaPr>
+                    <m:oMath xmlns:m="http://schemas.openxmlformats.org/officeDocument/2006/math">
+                      <m:r>
+                        <a:rPr lang="en-US" b="0" i="1" smtClean="0">
+                          <a:solidFill>
+                            <a:srgbClr val="002060"/>
+                          </a:solidFill>
+                          <a:latin typeface="Cambria Math" panose="02040503050406030204" pitchFamily="18" charset="0"/>
+                        </a:rPr>
+                        <m:t>𝑧</m:t>
+                      </m:r>
+                    </m:oMath>
+                  </m:oMathPara>
+                </a14:m>
+                <a:endParaRPr lang="en-US" dirty="0">
+                  <a:solidFill>
+                    <a:srgbClr val="002060"/>
+                  </a:solidFill>
+                </a:endParaRPr>
+              </a:p>
+            </p:txBody>
+          </p:sp>
+        </mc:Choice>
+        <mc:Fallback>
+          <p:sp>
+            <p:nvSpPr>
+              <p:cNvPr id="9" name="TextBox 8">
+                <a:extLst>
+                  <a:ext uri="{FF2B5EF4-FFF2-40B4-BE49-F238E27FC236}">
+                    <a16:creationId xmlns:a16="http://schemas.microsoft.com/office/drawing/2014/main" id="{3BFE5EA7-1F5E-2C1C-7583-0CCABAF2D493}"/>
+                  </a:ext>
+                </a:extLst>
+              </p:cNvPr>
+              <p:cNvSpPr txBox="1">
+                <a:spLocks noRot="1" noChangeAspect="1" noMove="1" noResize="1" noEditPoints="1" noAdjustHandles="1" noChangeArrowheads="1" noChangeShapeType="1" noTextEdit="1"/>
+              </p:cNvSpPr>
+              <p:nvPr/>
+            </p:nvSpPr>
+            <p:spPr>
+              <a:xfrm>
+                <a:off x="3627242" y="5801931"/>
+                <a:ext cx="169084" cy="276999"/>
+              </a:xfrm>
+              <a:prstGeom prst="rect">
+                <a:avLst/>
+              </a:prstGeom>
+              <a:blipFill>
+                <a:blip r:embed="rId9"/>
+                <a:stretch>
+                  <a:fillRect l="-21429" r="-14286"/>
+                </a:stretch>
+              </a:blipFill>
+            </p:spPr>
+            <p:txBody>
+              <a:bodyPr/>
+              <a:lstStyle/>
+              <a:p>
+                <a:r>
+                  <a:rPr lang="en-US">
+                    <a:noFill/>
+                  </a:rPr>
+                  <a:t> </a:t>
+                </a:r>
+              </a:p>
+            </p:txBody>
+          </p:sp>
+        </mc:Fallback>
+      </mc:AlternateContent>
+      <p:sp>
+        <p:nvSpPr>
+          <p:cNvPr id="12" name="TextBox 11">
+            <a:extLst>
+              <a:ext uri="{FF2B5EF4-FFF2-40B4-BE49-F238E27FC236}">
+                <a16:creationId xmlns:a16="http://schemas.microsoft.com/office/drawing/2014/main" id="{24E783EF-3930-22CB-5299-5D09A466D1AA}"/>
+              </a:ext>
+            </a:extLst>
+          </p:cNvPr>
+          <p:cNvSpPr txBox="1"/>
+          <p:nvPr/>
+        </p:nvSpPr>
+        <p:spPr>
+          <a:xfrm>
+            <a:off x="3186223" y="1059261"/>
+            <a:ext cx="813043" cy="1015663"/>
+          </a:xfrm>
+          <a:prstGeom prst="rect">
+            <a:avLst/>
+          </a:prstGeom>
+          <a:noFill/>
+        </p:spPr>
+        <p:txBody>
+          <a:bodyPr wrap="none" rtlCol="0">
+            <a:spAutoFit/>
+          </a:bodyPr>
+          <a:lstStyle/>
+          <a:p>
+            <a:r>
+              <a:rPr lang="ja-JP" altLang="en-US" sz="6000" b="1" i="0" dirty="0">
+                <a:solidFill>
+                  <a:srgbClr val="FF0000"/>
+                </a:solidFill>
+                <a:effectLst/>
+                <a:latin typeface="Times New Roman" panose="02020603050405020304" pitchFamily="18" charset="0"/>
+              </a:rPr>
+              <a:t>✖</a:t>
+            </a:r>
+            <a:endParaRPr lang="en-US" sz="6000" dirty="0">
+              <a:solidFill>
+                <a:srgbClr val="FF0000"/>
+              </a:solidFill>
+            </a:endParaRPr>
+          </a:p>
+        </p:txBody>
+      </p:sp>
+    </p:spTree>
+    <p:extLst>
+      <p:ext uri="{BB962C8B-B14F-4D97-AF65-F5344CB8AC3E}">
+        <p14:creationId xmlns:p14="http://schemas.microsoft.com/office/powerpoint/2010/main" val="2370867100"/>
       </p:ext>
     </p:extLst>
   </p:cSld>
@@ -12794,8 +16741,8 @@
           </a:prstGeom>
         </p:spPr>
       </p:pic>
-      <mc:AlternateContent xmlns:mc="http://schemas.openxmlformats.org/markup-compatibility/2006">
-        <mc:Choice xmlns:a14="http://schemas.microsoft.com/office/drawing/2010/main" Requires="a14">
+      <mc:AlternateContent xmlns:mc="http://schemas.openxmlformats.org/markup-compatibility/2006" xmlns:a14="http://schemas.microsoft.com/office/drawing/2010/main">
+        <mc:Choice Requires="a14">
           <p:sp>
             <p:nvSpPr>
               <p:cNvPr id="4" name="TextBox 3">
@@ -12848,7 +16795,7 @@
             </p:txBody>
           </p:sp>
         </mc:Choice>
-        <mc:Fallback>
+        <mc:Fallback xmlns="">
           <p:sp>
             <p:nvSpPr>
               <p:cNvPr id="4" name="TextBox 3">
@@ -12893,8 +16840,8 @@
           </p:sp>
         </mc:Fallback>
       </mc:AlternateContent>
-      <mc:AlternateContent xmlns:mc="http://schemas.openxmlformats.org/markup-compatibility/2006">
-        <mc:Choice xmlns:a14="http://schemas.microsoft.com/office/drawing/2010/main" Requires="a14">
+      <mc:AlternateContent xmlns:mc="http://schemas.openxmlformats.org/markup-compatibility/2006" xmlns:a14="http://schemas.microsoft.com/office/drawing/2010/main">
+        <mc:Choice Requires="a14">
           <p:sp>
             <p:nvSpPr>
               <p:cNvPr id="5" name="TextBox 4">
@@ -12947,7 +16894,7 @@
             </p:txBody>
           </p:sp>
         </mc:Choice>
-        <mc:Fallback>
+        <mc:Fallback xmlns="">
           <p:sp>
             <p:nvSpPr>
               <p:cNvPr id="5" name="TextBox 4">
@@ -12992,8 +16939,8 @@
           </p:sp>
         </mc:Fallback>
       </mc:AlternateContent>
-      <mc:AlternateContent xmlns:mc="http://schemas.openxmlformats.org/markup-compatibility/2006">
-        <mc:Choice xmlns:a14="http://schemas.microsoft.com/office/drawing/2010/main" Requires="a14">
+      <mc:AlternateContent xmlns:mc="http://schemas.openxmlformats.org/markup-compatibility/2006" xmlns:a14="http://schemas.microsoft.com/office/drawing/2010/main">
+        <mc:Choice Requires="a14">
           <p:sp>
             <p:nvSpPr>
               <p:cNvPr id="6" name="TextBox 5">
@@ -13050,7 +16997,7 @@
             </p:txBody>
           </p:sp>
         </mc:Choice>
-        <mc:Fallback>
+        <mc:Fallback xmlns="">
           <p:sp>
             <p:nvSpPr>
               <p:cNvPr id="6" name="TextBox 5">
@@ -13095,8 +17042,8 @@
           </p:sp>
         </mc:Fallback>
       </mc:AlternateContent>
-      <mc:AlternateContent xmlns:mc="http://schemas.openxmlformats.org/markup-compatibility/2006">
-        <mc:Choice xmlns:a14="http://schemas.microsoft.com/office/drawing/2010/main" Requires="a14">
+      <mc:AlternateContent xmlns:mc="http://schemas.openxmlformats.org/markup-compatibility/2006" xmlns:a14="http://schemas.microsoft.com/office/drawing/2010/main">
+        <mc:Choice Requires="a14">
           <p:sp>
             <p:nvSpPr>
               <p:cNvPr id="7" name="TextBox 6">
@@ -13153,7 +17100,7 @@
             </p:txBody>
           </p:sp>
         </mc:Choice>
-        <mc:Fallback>
+        <mc:Fallback xmlns="">
           <p:sp>
             <p:nvSpPr>
               <p:cNvPr id="7" name="TextBox 6">
@@ -13198,8 +17145,8 @@
           </p:sp>
         </mc:Fallback>
       </mc:AlternateContent>
-      <mc:AlternateContent xmlns:mc="http://schemas.openxmlformats.org/markup-compatibility/2006">
-        <mc:Choice xmlns:a14="http://schemas.microsoft.com/office/drawing/2010/main" Requires="a14">
+      <mc:AlternateContent xmlns:mc="http://schemas.openxmlformats.org/markup-compatibility/2006" xmlns:a14="http://schemas.microsoft.com/office/drawing/2010/main">
+        <mc:Choice Requires="a14">
           <p:sp>
             <p:nvSpPr>
               <p:cNvPr id="8" name="TextBox 7">
@@ -13256,7 +17203,7 @@
             </p:txBody>
           </p:sp>
         </mc:Choice>
-        <mc:Fallback>
+        <mc:Fallback xmlns="">
           <p:sp>
             <p:nvSpPr>
               <p:cNvPr id="8" name="TextBox 7">
@@ -13301,8 +17248,8 @@
           </p:sp>
         </mc:Fallback>
       </mc:AlternateContent>
-      <mc:AlternateContent xmlns:mc="http://schemas.openxmlformats.org/markup-compatibility/2006">
-        <mc:Choice xmlns:a14="http://schemas.microsoft.com/office/drawing/2010/main" Requires="a14">
+      <mc:AlternateContent xmlns:mc="http://schemas.openxmlformats.org/markup-compatibility/2006" xmlns:a14="http://schemas.microsoft.com/office/drawing/2010/main">
+        <mc:Choice Requires="a14">
           <p:sp>
             <p:nvSpPr>
               <p:cNvPr id="9" name="TextBox 8">
@@ -13359,7 +17306,7 @@
             </p:txBody>
           </p:sp>
         </mc:Choice>
-        <mc:Fallback>
+        <mc:Fallback xmlns="">
           <p:sp>
             <p:nvSpPr>
               <p:cNvPr id="9" name="TextBox 8">
@@ -13464,8 +17411,8 @@
           </a:prstGeom>
         </p:spPr>
       </p:pic>
-      <mc:AlternateContent xmlns:mc="http://schemas.openxmlformats.org/markup-compatibility/2006">
-        <mc:Choice xmlns:a14="http://schemas.microsoft.com/office/drawing/2010/main" Requires="a14">
+      <mc:AlternateContent xmlns:mc="http://schemas.openxmlformats.org/markup-compatibility/2006" xmlns:a14="http://schemas.microsoft.com/office/drawing/2010/main">
+        <mc:Choice Requires="a14">
           <p:sp>
             <p:nvSpPr>
               <p:cNvPr id="4" name="TextBox 3">
@@ -13518,7 +17465,7 @@
             </p:txBody>
           </p:sp>
         </mc:Choice>
-        <mc:Fallback>
+        <mc:Fallback xmlns="">
           <p:sp>
             <p:nvSpPr>
               <p:cNvPr id="4" name="TextBox 3">
@@ -13563,8 +17510,8 @@
           </p:sp>
         </mc:Fallback>
       </mc:AlternateContent>
-      <mc:AlternateContent xmlns:mc="http://schemas.openxmlformats.org/markup-compatibility/2006">
-        <mc:Choice xmlns:a14="http://schemas.microsoft.com/office/drawing/2010/main" Requires="a14">
+      <mc:AlternateContent xmlns:mc="http://schemas.openxmlformats.org/markup-compatibility/2006" xmlns:a14="http://schemas.microsoft.com/office/drawing/2010/main">
+        <mc:Choice Requires="a14">
           <p:sp>
             <p:nvSpPr>
               <p:cNvPr id="5" name="TextBox 4">
@@ -13617,7 +17564,7 @@
             </p:txBody>
           </p:sp>
         </mc:Choice>
-        <mc:Fallback>
+        <mc:Fallback xmlns="">
           <p:sp>
             <p:nvSpPr>
               <p:cNvPr id="5" name="TextBox 4">
@@ -13662,8 +17609,8 @@
           </p:sp>
         </mc:Fallback>
       </mc:AlternateContent>
-      <mc:AlternateContent xmlns:mc="http://schemas.openxmlformats.org/markup-compatibility/2006">
-        <mc:Choice xmlns:a14="http://schemas.microsoft.com/office/drawing/2010/main" Requires="a14">
+      <mc:AlternateContent xmlns:mc="http://schemas.openxmlformats.org/markup-compatibility/2006" xmlns:a14="http://schemas.microsoft.com/office/drawing/2010/main">
+        <mc:Choice Requires="a14">
           <p:sp>
             <p:nvSpPr>
               <p:cNvPr id="6" name="TextBox 5">
@@ -13720,7 +17667,7 @@
             </p:txBody>
           </p:sp>
         </mc:Choice>
-        <mc:Fallback>
+        <mc:Fallback xmlns="">
           <p:sp>
             <p:nvSpPr>
               <p:cNvPr id="6" name="TextBox 5">
@@ -13765,8 +17712,8 @@
           </p:sp>
         </mc:Fallback>
       </mc:AlternateContent>
-      <mc:AlternateContent xmlns:mc="http://schemas.openxmlformats.org/markup-compatibility/2006">
-        <mc:Choice xmlns:a14="http://schemas.microsoft.com/office/drawing/2010/main" Requires="a14">
+      <mc:AlternateContent xmlns:mc="http://schemas.openxmlformats.org/markup-compatibility/2006" xmlns:a14="http://schemas.microsoft.com/office/drawing/2010/main">
+        <mc:Choice Requires="a14">
           <p:sp>
             <p:nvSpPr>
               <p:cNvPr id="7" name="TextBox 6">
@@ -13823,7 +17770,7 @@
             </p:txBody>
           </p:sp>
         </mc:Choice>
-        <mc:Fallback>
+        <mc:Fallback xmlns="">
           <p:sp>
             <p:nvSpPr>
               <p:cNvPr id="7" name="TextBox 6">
@@ -13868,8 +17815,8 @@
           </p:sp>
         </mc:Fallback>
       </mc:AlternateContent>
-      <mc:AlternateContent xmlns:mc="http://schemas.openxmlformats.org/markup-compatibility/2006">
-        <mc:Choice xmlns:a14="http://schemas.microsoft.com/office/drawing/2010/main" Requires="a14">
+      <mc:AlternateContent xmlns:mc="http://schemas.openxmlformats.org/markup-compatibility/2006" xmlns:a14="http://schemas.microsoft.com/office/drawing/2010/main">
+        <mc:Choice Requires="a14">
           <p:sp>
             <p:nvSpPr>
               <p:cNvPr id="8" name="TextBox 7">
@@ -13926,7 +17873,7 @@
             </p:txBody>
           </p:sp>
         </mc:Choice>
-        <mc:Fallback>
+        <mc:Fallback xmlns="">
           <p:sp>
             <p:nvSpPr>
               <p:cNvPr id="8" name="TextBox 7">
@@ -13971,8 +17918,8 @@
           </p:sp>
         </mc:Fallback>
       </mc:AlternateContent>
-      <mc:AlternateContent xmlns:mc="http://schemas.openxmlformats.org/markup-compatibility/2006">
-        <mc:Choice xmlns:a14="http://schemas.microsoft.com/office/drawing/2010/main" Requires="a14">
+      <mc:AlternateContent xmlns:mc="http://schemas.openxmlformats.org/markup-compatibility/2006" xmlns:a14="http://schemas.microsoft.com/office/drawing/2010/main">
+        <mc:Choice Requires="a14">
           <p:sp>
             <p:nvSpPr>
               <p:cNvPr id="9" name="TextBox 8">
@@ -14029,7 +17976,7 @@
             </p:txBody>
           </p:sp>
         </mc:Choice>
-        <mc:Fallback>
+        <mc:Fallback xmlns="">
           <p:sp>
             <p:nvSpPr>
               <p:cNvPr id="9" name="TextBox 8">

--- a/chapter-06/diagram.pptx
+++ b/chapter-06/diagram.pptx
@@ -23,6 +23,8 @@
     <p:sldId id="280" r:id="rId17"/>
     <p:sldId id="281" r:id="rId18"/>
     <p:sldId id="282" r:id="rId19"/>
+    <p:sldId id="283" r:id="rId20"/>
+    <p:sldId id="284" r:id="rId21"/>
   </p:sldIdLst>
   <p:sldSz cx="12192000" cy="6858000"/>
   <p:notesSz cx="6858000" cy="9144000"/>
@@ -276,7 +278,7 @@
           <a:p>
             <a:fld id="{B5F83089-3D20-4571-AA23-523345485B56}" type="datetimeFigureOut">
               <a:rPr lang="en-US" smtClean="0"/>
-              <a:t>8/20/2023</a:t>
+              <a:t>9/16/2023</a:t>
             </a:fld>
             <a:endParaRPr lang="en-US"/>
           </a:p>
@@ -474,7 +476,7 @@
           <a:p>
             <a:fld id="{B5F83089-3D20-4571-AA23-523345485B56}" type="datetimeFigureOut">
               <a:rPr lang="en-US" smtClean="0"/>
-              <a:t>8/20/2023</a:t>
+              <a:t>9/16/2023</a:t>
             </a:fld>
             <a:endParaRPr lang="en-US"/>
           </a:p>
@@ -682,7 +684,7 @@
           <a:p>
             <a:fld id="{B5F83089-3D20-4571-AA23-523345485B56}" type="datetimeFigureOut">
               <a:rPr lang="en-US" smtClean="0"/>
-              <a:t>8/20/2023</a:t>
+              <a:t>9/16/2023</a:t>
             </a:fld>
             <a:endParaRPr lang="en-US"/>
           </a:p>
@@ -880,7 +882,7 @@
           <a:p>
             <a:fld id="{B5F83089-3D20-4571-AA23-523345485B56}" type="datetimeFigureOut">
               <a:rPr lang="en-US" smtClean="0"/>
-              <a:t>8/20/2023</a:t>
+              <a:t>9/16/2023</a:t>
             </a:fld>
             <a:endParaRPr lang="en-US"/>
           </a:p>
@@ -1155,7 +1157,7 @@
           <a:p>
             <a:fld id="{B5F83089-3D20-4571-AA23-523345485B56}" type="datetimeFigureOut">
               <a:rPr lang="en-US" smtClean="0"/>
-              <a:t>8/20/2023</a:t>
+              <a:t>9/16/2023</a:t>
             </a:fld>
             <a:endParaRPr lang="en-US"/>
           </a:p>
@@ -1420,7 +1422,7 @@
           <a:p>
             <a:fld id="{B5F83089-3D20-4571-AA23-523345485B56}" type="datetimeFigureOut">
               <a:rPr lang="en-US" smtClean="0"/>
-              <a:t>8/20/2023</a:t>
+              <a:t>9/16/2023</a:t>
             </a:fld>
             <a:endParaRPr lang="en-US"/>
           </a:p>
@@ -1832,7 +1834,7 @@
           <a:p>
             <a:fld id="{B5F83089-3D20-4571-AA23-523345485B56}" type="datetimeFigureOut">
               <a:rPr lang="en-US" smtClean="0"/>
-              <a:t>8/20/2023</a:t>
+              <a:t>9/16/2023</a:t>
             </a:fld>
             <a:endParaRPr lang="en-US"/>
           </a:p>
@@ -1973,7 +1975,7 @@
           <a:p>
             <a:fld id="{B5F83089-3D20-4571-AA23-523345485B56}" type="datetimeFigureOut">
               <a:rPr lang="en-US" smtClean="0"/>
-              <a:t>8/20/2023</a:t>
+              <a:t>9/16/2023</a:t>
             </a:fld>
             <a:endParaRPr lang="en-US"/>
           </a:p>
@@ -2086,7 +2088,7 @@
           <a:p>
             <a:fld id="{B5F83089-3D20-4571-AA23-523345485B56}" type="datetimeFigureOut">
               <a:rPr lang="en-US" smtClean="0"/>
-              <a:t>8/20/2023</a:t>
+              <a:t>9/16/2023</a:t>
             </a:fld>
             <a:endParaRPr lang="en-US"/>
           </a:p>
@@ -2397,7 +2399,7 @@
           <a:p>
             <a:fld id="{B5F83089-3D20-4571-AA23-523345485B56}" type="datetimeFigureOut">
               <a:rPr lang="en-US" smtClean="0"/>
-              <a:t>8/20/2023</a:t>
+              <a:t>9/16/2023</a:t>
             </a:fld>
             <a:endParaRPr lang="en-US"/>
           </a:p>
@@ -2685,7 +2687,7 @@
           <a:p>
             <a:fld id="{B5F83089-3D20-4571-AA23-523345485B56}" type="datetimeFigureOut">
               <a:rPr lang="en-US" smtClean="0"/>
-              <a:t>8/20/2023</a:t>
+              <a:t>9/16/2023</a:t>
             </a:fld>
             <a:endParaRPr lang="en-US"/>
           </a:p>
@@ -2926,7 +2928,7 @@
           <a:p>
             <a:fld id="{B5F83089-3D20-4571-AA23-523345485B56}" type="datetimeFigureOut">
               <a:rPr lang="en-US" smtClean="0"/>
-              <a:t>8/20/2023</a:t>
+              <a:t>9/16/2023</a:t>
             </a:fld>
             <a:endParaRPr lang="en-US"/>
           </a:p>
@@ -8165,8 +8167,8 @@
           </a:prstGeom>
         </p:spPr>
       </p:pic>
-      <mc:AlternateContent xmlns:mc="http://schemas.openxmlformats.org/markup-compatibility/2006">
-        <mc:Choice xmlns:a14="http://schemas.microsoft.com/office/drawing/2010/main" Requires="a14">
+      <mc:AlternateContent xmlns:mc="http://schemas.openxmlformats.org/markup-compatibility/2006" xmlns:a14="http://schemas.microsoft.com/office/drawing/2010/main">
+        <mc:Choice Requires="a14">
           <p:sp>
             <p:nvSpPr>
               <p:cNvPr id="4" name="TextBox 3">
@@ -8223,7 +8225,7 @@
             </p:txBody>
           </p:sp>
         </mc:Choice>
-        <mc:Fallback>
+        <mc:Fallback xmlns="">
           <p:sp>
             <p:nvSpPr>
               <p:cNvPr id="4" name="TextBox 3">
@@ -8268,8 +8270,8 @@
           </p:sp>
         </mc:Fallback>
       </mc:AlternateContent>
-      <mc:AlternateContent xmlns:mc="http://schemas.openxmlformats.org/markup-compatibility/2006">
-        <mc:Choice xmlns:a14="http://schemas.microsoft.com/office/drawing/2010/main" Requires="a14">
+      <mc:AlternateContent xmlns:mc="http://schemas.openxmlformats.org/markup-compatibility/2006" xmlns:a14="http://schemas.microsoft.com/office/drawing/2010/main">
+        <mc:Choice Requires="a14">
           <p:sp>
             <p:nvSpPr>
               <p:cNvPr id="5" name="TextBox 4">
@@ -8326,7 +8328,7 @@
             </p:txBody>
           </p:sp>
         </mc:Choice>
-        <mc:Fallback>
+        <mc:Fallback xmlns="">
           <p:sp>
             <p:nvSpPr>
               <p:cNvPr id="5" name="TextBox 4">
@@ -8371,8 +8373,8 @@
           </p:sp>
         </mc:Fallback>
       </mc:AlternateContent>
-      <mc:AlternateContent xmlns:mc="http://schemas.openxmlformats.org/markup-compatibility/2006">
-        <mc:Choice xmlns:a14="http://schemas.microsoft.com/office/drawing/2010/main" Requires="a14">
+      <mc:AlternateContent xmlns:mc="http://schemas.openxmlformats.org/markup-compatibility/2006" xmlns:a14="http://schemas.microsoft.com/office/drawing/2010/main">
+        <mc:Choice Requires="a14">
           <p:sp>
             <p:nvSpPr>
               <p:cNvPr id="6" name="TextBox 5">
@@ -8429,7 +8431,7 @@
             </p:txBody>
           </p:sp>
         </mc:Choice>
-        <mc:Fallback>
+        <mc:Fallback xmlns="">
           <p:sp>
             <p:nvSpPr>
               <p:cNvPr id="6" name="TextBox 5">
@@ -8474,8 +8476,8 @@
           </p:sp>
         </mc:Fallback>
       </mc:AlternateContent>
-      <mc:AlternateContent xmlns:mc="http://schemas.openxmlformats.org/markup-compatibility/2006">
-        <mc:Choice xmlns:a14="http://schemas.microsoft.com/office/drawing/2010/main" Requires="a14">
+      <mc:AlternateContent xmlns:mc="http://schemas.openxmlformats.org/markup-compatibility/2006" xmlns:a14="http://schemas.microsoft.com/office/drawing/2010/main">
+        <mc:Choice Requires="a14">
           <p:sp>
             <p:nvSpPr>
               <p:cNvPr id="7" name="TextBox 6">
@@ -8529,7 +8531,7 @@
             </p:txBody>
           </p:sp>
         </mc:Choice>
-        <mc:Fallback>
+        <mc:Fallback xmlns="">
           <p:sp>
             <p:nvSpPr>
               <p:cNvPr id="7" name="TextBox 6">
@@ -8574,8 +8576,8 @@
           </p:sp>
         </mc:Fallback>
       </mc:AlternateContent>
-      <mc:AlternateContent xmlns:mc="http://schemas.openxmlformats.org/markup-compatibility/2006">
-        <mc:Choice xmlns:a14="http://schemas.microsoft.com/office/drawing/2010/main" Requires="a14">
+      <mc:AlternateContent xmlns:mc="http://schemas.openxmlformats.org/markup-compatibility/2006" xmlns:a14="http://schemas.microsoft.com/office/drawing/2010/main">
+        <mc:Choice Requires="a14">
           <p:sp>
             <p:nvSpPr>
               <p:cNvPr id="8" name="TextBox 7">
@@ -8628,7 +8630,7 @@
             </p:txBody>
           </p:sp>
         </mc:Choice>
-        <mc:Fallback>
+        <mc:Fallback xmlns="">
           <p:sp>
             <p:nvSpPr>
               <p:cNvPr id="8" name="TextBox 7">
@@ -8673,8 +8675,8 @@
           </p:sp>
         </mc:Fallback>
       </mc:AlternateContent>
-      <mc:AlternateContent xmlns:mc="http://schemas.openxmlformats.org/markup-compatibility/2006">
-        <mc:Choice xmlns:a14="http://schemas.microsoft.com/office/drawing/2010/main" Requires="a14">
+      <mc:AlternateContent xmlns:mc="http://schemas.openxmlformats.org/markup-compatibility/2006" xmlns:a14="http://schemas.microsoft.com/office/drawing/2010/main">
+        <mc:Choice Requires="a14">
           <p:sp>
             <p:nvSpPr>
               <p:cNvPr id="9" name="TextBox 8">
@@ -8727,7 +8729,7 @@
             </p:txBody>
           </p:sp>
         </mc:Choice>
-        <mc:Fallback>
+        <mc:Fallback xmlns="">
           <p:sp>
             <p:nvSpPr>
               <p:cNvPr id="9" name="TextBox 8">
@@ -8772,8 +8774,8 @@
           </p:sp>
         </mc:Fallback>
       </mc:AlternateContent>
-      <mc:AlternateContent xmlns:mc="http://schemas.openxmlformats.org/markup-compatibility/2006">
-        <mc:Choice xmlns:a14="http://schemas.microsoft.com/office/drawing/2010/main" Requires="a14">
+      <mc:AlternateContent xmlns:mc="http://schemas.openxmlformats.org/markup-compatibility/2006" xmlns:a14="http://schemas.microsoft.com/office/drawing/2010/main">
+        <mc:Choice Requires="a14">
           <p:sp>
             <p:nvSpPr>
               <p:cNvPr id="10" name="TextBox 9">
@@ -8830,7 +8832,7 @@
             </p:txBody>
           </p:sp>
         </mc:Choice>
-        <mc:Fallback>
+        <mc:Fallback xmlns="">
           <p:sp>
             <p:nvSpPr>
               <p:cNvPr id="10" name="TextBox 9">
@@ -8935,8 +8937,8 @@
           </a:prstGeom>
         </p:spPr>
       </p:pic>
-      <mc:AlternateContent xmlns:mc="http://schemas.openxmlformats.org/markup-compatibility/2006">
-        <mc:Choice xmlns:a14="http://schemas.microsoft.com/office/drawing/2010/main" Requires="a14">
+      <mc:AlternateContent xmlns:mc="http://schemas.openxmlformats.org/markup-compatibility/2006" xmlns:a14="http://schemas.microsoft.com/office/drawing/2010/main">
+        <mc:Choice Requires="a14">
           <p:sp>
             <p:nvSpPr>
               <p:cNvPr id="3" name="TextBox 2">
@@ -8993,7 +8995,7 @@
             </p:txBody>
           </p:sp>
         </mc:Choice>
-        <mc:Fallback>
+        <mc:Fallback xmlns="">
           <p:sp>
             <p:nvSpPr>
               <p:cNvPr id="3" name="TextBox 2">
@@ -9038,8 +9040,8 @@
           </p:sp>
         </mc:Fallback>
       </mc:AlternateContent>
-      <mc:AlternateContent xmlns:mc="http://schemas.openxmlformats.org/markup-compatibility/2006">
-        <mc:Choice xmlns:a14="http://schemas.microsoft.com/office/drawing/2010/main" Requires="a14">
+      <mc:AlternateContent xmlns:mc="http://schemas.openxmlformats.org/markup-compatibility/2006" xmlns:a14="http://schemas.microsoft.com/office/drawing/2010/main">
+        <mc:Choice Requires="a14">
           <p:sp>
             <p:nvSpPr>
               <p:cNvPr id="4" name="TextBox 3">
@@ -9096,7 +9098,7 @@
             </p:txBody>
           </p:sp>
         </mc:Choice>
-        <mc:Fallback>
+        <mc:Fallback xmlns="">
           <p:sp>
             <p:nvSpPr>
               <p:cNvPr id="4" name="TextBox 3">
@@ -9141,8 +9143,8 @@
           </p:sp>
         </mc:Fallback>
       </mc:AlternateContent>
-      <mc:AlternateContent xmlns:mc="http://schemas.openxmlformats.org/markup-compatibility/2006">
-        <mc:Choice xmlns:a14="http://schemas.microsoft.com/office/drawing/2010/main" Requires="a14">
+      <mc:AlternateContent xmlns:mc="http://schemas.openxmlformats.org/markup-compatibility/2006" xmlns:a14="http://schemas.microsoft.com/office/drawing/2010/main">
+        <mc:Choice Requires="a14">
           <p:sp>
             <p:nvSpPr>
               <p:cNvPr id="5" name="TextBox 4">
@@ -9199,7 +9201,7 @@
             </p:txBody>
           </p:sp>
         </mc:Choice>
-        <mc:Fallback>
+        <mc:Fallback xmlns="">
           <p:sp>
             <p:nvSpPr>
               <p:cNvPr id="5" name="TextBox 4">
@@ -9244,8 +9246,8 @@
           </p:sp>
         </mc:Fallback>
       </mc:AlternateContent>
-      <mc:AlternateContent xmlns:mc="http://schemas.openxmlformats.org/markup-compatibility/2006">
-        <mc:Choice xmlns:a14="http://schemas.microsoft.com/office/drawing/2010/main" Requires="a14">
+      <mc:AlternateContent xmlns:mc="http://schemas.openxmlformats.org/markup-compatibility/2006" xmlns:a14="http://schemas.microsoft.com/office/drawing/2010/main">
+        <mc:Choice Requires="a14">
           <p:sp>
             <p:nvSpPr>
               <p:cNvPr id="6" name="TextBox 5">
@@ -9299,7 +9301,7 @@
             </p:txBody>
           </p:sp>
         </mc:Choice>
-        <mc:Fallback>
+        <mc:Fallback xmlns="">
           <p:sp>
             <p:nvSpPr>
               <p:cNvPr id="6" name="TextBox 5">
@@ -9344,8 +9346,8 @@
           </p:sp>
         </mc:Fallback>
       </mc:AlternateContent>
-      <mc:AlternateContent xmlns:mc="http://schemas.openxmlformats.org/markup-compatibility/2006">
-        <mc:Choice xmlns:a14="http://schemas.microsoft.com/office/drawing/2010/main" Requires="a14">
+      <mc:AlternateContent xmlns:mc="http://schemas.openxmlformats.org/markup-compatibility/2006" xmlns:a14="http://schemas.microsoft.com/office/drawing/2010/main">
+        <mc:Choice Requires="a14">
           <p:sp>
             <p:nvSpPr>
               <p:cNvPr id="7" name="TextBox 6">
@@ -9398,7 +9400,7 @@
             </p:txBody>
           </p:sp>
         </mc:Choice>
-        <mc:Fallback>
+        <mc:Fallback xmlns="">
           <p:sp>
             <p:nvSpPr>
               <p:cNvPr id="7" name="TextBox 6">
@@ -9443,8 +9445,8 @@
           </p:sp>
         </mc:Fallback>
       </mc:AlternateContent>
-      <mc:AlternateContent xmlns:mc="http://schemas.openxmlformats.org/markup-compatibility/2006">
-        <mc:Choice xmlns:a14="http://schemas.microsoft.com/office/drawing/2010/main" Requires="a14">
+      <mc:AlternateContent xmlns:mc="http://schemas.openxmlformats.org/markup-compatibility/2006" xmlns:a14="http://schemas.microsoft.com/office/drawing/2010/main">
+        <mc:Choice Requires="a14">
           <p:sp>
             <p:nvSpPr>
               <p:cNvPr id="8" name="TextBox 7">
@@ -9497,7 +9499,7 @@
             </p:txBody>
           </p:sp>
         </mc:Choice>
-        <mc:Fallback>
+        <mc:Fallback xmlns="">
           <p:sp>
             <p:nvSpPr>
               <p:cNvPr id="8" name="TextBox 7">
@@ -9542,8 +9544,8 @@
           </p:sp>
         </mc:Fallback>
       </mc:AlternateContent>
-      <mc:AlternateContent xmlns:mc="http://schemas.openxmlformats.org/markup-compatibility/2006">
-        <mc:Choice xmlns:a14="http://schemas.microsoft.com/office/drawing/2010/main" Requires="a14">
+      <mc:AlternateContent xmlns:mc="http://schemas.openxmlformats.org/markup-compatibility/2006" xmlns:a14="http://schemas.microsoft.com/office/drawing/2010/main">
+        <mc:Choice Requires="a14">
           <p:sp>
             <p:nvSpPr>
               <p:cNvPr id="9" name="TextBox 8">
@@ -9600,7 +9602,7 @@
             </p:txBody>
           </p:sp>
         </mc:Choice>
-        <mc:Fallback>
+        <mc:Fallback xmlns="">
           <p:sp>
             <p:nvSpPr>
               <p:cNvPr id="9" name="TextBox 8">
@@ -9705,8 +9707,8 @@
           </a:prstGeom>
         </p:spPr>
       </p:pic>
-      <mc:AlternateContent xmlns:mc="http://schemas.openxmlformats.org/markup-compatibility/2006">
-        <mc:Choice xmlns:a14="http://schemas.microsoft.com/office/drawing/2010/main" Requires="a14">
+      <mc:AlternateContent xmlns:mc="http://schemas.openxmlformats.org/markup-compatibility/2006" xmlns:a14="http://schemas.microsoft.com/office/drawing/2010/main">
+        <mc:Choice Requires="a14">
           <p:sp>
             <p:nvSpPr>
               <p:cNvPr id="3" name="TextBox 2">
@@ -9763,7 +9765,7 @@
             </p:txBody>
           </p:sp>
         </mc:Choice>
-        <mc:Fallback>
+        <mc:Fallback xmlns="">
           <p:sp>
             <p:nvSpPr>
               <p:cNvPr id="3" name="TextBox 2">
@@ -9808,8 +9810,8 @@
           </p:sp>
         </mc:Fallback>
       </mc:AlternateContent>
-      <mc:AlternateContent xmlns:mc="http://schemas.openxmlformats.org/markup-compatibility/2006">
-        <mc:Choice xmlns:a14="http://schemas.microsoft.com/office/drawing/2010/main" Requires="a14">
+      <mc:AlternateContent xmlns:mc="http://schemas.openxmlformats.org/markup-compatibility/2006" xmlns:a14="http://schemas.microsoft.com/office/drawing/2010/main">
+        <mc:Choice Requires="a14">
           <p:sp>
             <p:nvSpPr>
               <p:cNvPr id="4" name="TextBox 3">
@@ -9866,7 +9868,7 @@
             </p:txBody>
           </p:sp>
         </mc:Choice>
-        <mc:Fallback>
+        <mc:Fallback xmlns="">
           <p:sp>
             <p:nvSpPr>
               <p:cNvPr id="4" name="TextBox 3">
@@ -9911,8 +9913,8 @@
           </p:sp>
         </mc:Fallback>
       </mc:AlternateContent>
-      <mc:AlternateContent xmlns:mc="http://schemas.openxmlformats.org/markup-compatibility/2006">
-        <mc:Choice xmlns:a14="http://schemas.microsoft.com/office/drawing/2010/main" Requires="a14">
+      <mc:AlternateContent xmlns:mc="http://schemas.openxmlformats.org/markup-compatibility/2006" xmlns:a14="http://schemas.microsoft.com/office/drawing/2010/main">
+        <mc:Choice Requires="a14">
           <p:sp>
             <p:nvSpPr>
               <p:cNvPr id="5" name="TextBox 4">
@@ -9969,7 +9971,7 @@
             </p:txBody>
           </p:sp>
         </mc:Choice>
-        <mc:Fallback>
+        <mc:Fallback xmlns="">
           <p:sp>
             <p:nvSpPr>
               <p:cNvPr id="5" name="TextBox 4">
@@ -10014,8 +10016,8 @@
           </p:sp>
         </mc:Fallback>
       </mc:AlternateContent>
-      <mc:AlternateContent xmlns:mc="http://schemas.openxmlformats.org/markup-compatibility/2006">
-        <mc:Choice xmlns:a14="http://schemas.microsoft.com/office/drawing/2010/main" Requires="a14">
+      <mc:AlternateContent xmlns:mc="http://schemas.openxmlformats.org/markup-compatibility/2006" xmlns:a14="http://schemas.microsoft.com/office/drawing/2010/main">
+        <mc:Choice Requires="a14">
           <p:sp>
             <p:nvSpPr>
               <p:cNvPr id="6" name="TextBox 5">
@@ -10069,7 +10071,7 @@
             </p:txBody>
           </p:sp>
         </mc:Choice>
-        <mc:Fallback>
+        <mc:Fallback xmlns="">
           <p:sp>
             <p:nvSpPr>
               <p:cNvPr id="6" name="TextBox 5">
@@ -10114,8 +10116,8 @@
           </p:sp>
         </mc:Fallback>
       </mc:AlternateContent>
-      <mc:AlternateContent xmlns:mc="http://schemas.openxmlformats.org/markup-compatibility/2006">
-        <mc:Choice xmlns:a14="http://schemas.microsoft.com/office/drawing/2010/main" Requires="a14">
+      <mc:AlternateContent xmlns:mc="http://schemas.openxmlformats.org/markup-compatibility/2006" xmlns:a14="http://schemas.microsoft.com/office/drawing/2010/main">
+        <mc:Choice Requires="a14">
           <p:sp>
             <p:nvSpPr>
               <p:cNvPr id="7" name="TextBox 6">
@@ -10168,7 +10170,7 @@
             </p:txBody>
           </p:sp>
         </mc:Choice>
-        <mc:Fallback>
+        <mc:Fallback xmlns="">
           <p:sp>
             <p:nvSpPr>
               <p:cNvPr id="7" name="TextBox 6">
@@ -10213,8 +10215,8 @@
           </p:sp>
         </mc:Fallback>
       </mc:AlternateContent>
-      <mc:AlternateContent xmlns:mc="http://schemas.openxmlformats.org/markup-compatibility/2006">
-        <mc:Choice xmlns:a14="http://schemas.microsoft.com/office/drawing/2010/main" Requires="a14">
+      <mc:AlternateContent xmlns:mc="http://schemas.openxmlformats.org/markup-compatibility/2006" xmlns:a14="http://schemas.microsoft.com/office/drawing/2010/main">
+        <mc:Choice Requires="a14">
           <p:sp>
             <p:nvSpPr>
               <p:cNvPr id="8" name="TextBox 7">
@@ -10267,7 +10269,7 @@
             </p:txBody>
           </p:sp>
         </mc:Choice>
-        <mc:Fallback>
+        <mc:Fallback xmlns="">
           <p:sp>
             <p:nvSpPr>
               <p:cNvPr id="8" name="TextBox 7">
@@ -10312,8 +10314,8 @@
           </p:sp>
         </mc:Fallback>
       </mc:AlternateContent>
-      <mc:AlternateContent xmlns:mc="http://schemas.openxmlformats.org/markup-compatibility/2006">
-        <mc:Choice xmlns:a14="http://schemas.microsoft.com/office/drawing/2010/main" Requires="a14">
+      <mc:AlternateContent xmlns:mc="http://schemas.openxmlformats.org/markup-compatibility/2006" xmlns:a14="http://schemas.microsoft.com/office/drawing/2010/main">
+        <mc:Choice Requires="a14">
           <p:sp>
             <p:nvSpPr>
               <p:cNvPr id="9" name="TextBox 8">
@@ -10370,7 +10372,7 @@
             </p:txBody>
           </p:sp>
         </mc:Choice>
-        <mc:Fallback>
+        <mc:Fallback xmlns="">
           <p:sp>
             <p:nvSpPr>
               <p:cNvPr id="9" name="TextBox 8">
@@ -10521,8 +10523,8 @@
           </a:prstGeom>
         </p:spPr>
       </p:pic>
-      <mc:AlternateContent xmlns:mc="http://schemas.openxmlformats.org/markup-compatibility/2006">
-        <mc:Choice xmlns:a14="http://schemas.microsoft.com/office/drawing/2010/main" Requires="a14">
+      <mc:AlternateContent xmlns:mc="http://schemas.openxmlformats.org/markup-compatibility/2006" xmlns:a14="http://schemas.microsoft.com/office/drawing/2010/main">
+        <mc:Choice Requires="a14">
           <p:sp>
             <p:nvSpPr>
               <p:cNvPr id="3" name="TextBox 2">
@@ -10579,7 +10581,7 @@
             </p:txBody>
           </p:sp>
         </mc:Choice>
-        <mc:Fallback>
+        <mc:Fallback xmlns="">
           <p:sp>
             <p:nvSpPr>
               <p:cNvPr id="3" name="TextBox 2">
@@ -10624,8 +10626,8 @@
           </p:sp>
         </mc:Fallback>
       </mc:AlternateContent>
-      <mc:AlternateContent xmlns:mc="http://schemas.openxmlformats.org/markup-compatibility/2006">
-        <mc:Choice xmlns:a14="http://schemas.microsoft.com/office/drawing/2010/main" Requires="a14">
+      <mc:AlternateContent xmlns:mc="http://schemas.openxmlformats.org/markup-compatibility/2006" xmlns:a14="http://schemas.microsoft.com/office/drawing/2010/main">
+        <mc:Choice Requires="a14">
           <p:sp>
             <p:nvSpPr>
               <p:cNvPr id="4" name="TextBox 3">
@@ -10682,7 +10684,7 @@
             </p:txBody>
           </p:sp>
         </mc:Choice>
-        <mc:Fallback>
+        <mc:Fallback xmlns="">
           <p:sp>
             <p:nvSpPr>
               <p:cNvPr id="4" name="TextBox 3">
@@ -10727,8 +10729,8 @@
           </p:sp>
         </mc:Fallback>
       </mc:AlternateContent>
-      <mc:AlternateContent xmlns:mc="http://schemas.openxmlformats.org/markup-compatibility/2006">
-        <mc:Choice xmlns:a14="http://schemas.microsoft.com/office/drawing/2010/main" Requires="a14">
+      <mc:AlternateContent xmlns:mc="http://schemas.openxmlformats.org/markup-compatibility/2006" xmlns:a14="http://schemas.microsoft.com/office/drawing/2010/main">
+        <mc:Choice Requires="a14">
           <p:sp>
             <p:nvSpPr>
               <p:cNvPr id="5" name="TextBox 4">
@@ -10785,7 +10787,7 @@
             </p:txBody>
           </p:sp>
         </mc:Choice>
-        <mc:Fallback>
+        <mc:Fallback xmlns="">
           <p:sp>
             <p:nvSpPr>
               <p:cNvPr id="5" name="TextBox 4">
@@ -10830,8 +10832,8 @@
           </p:sp>
         </mc:Fallback>
       </mc:AlternateContent>
-      <mc:AlternateContent xmlns:mc="http://schemas.openxmlformats.org/markup-compatibility/2006">
-        <mc:Choice xmlns:a14="http://schemas.microsoft.com/office/drawing/2010/main" Requires="a14">
+      <mc:AlternateContent xmlns:mc="http://schemas.openxmlformats.org/markup-compatibility/2006" xmlns:a14="http://schemas.microsoft.com/office/drawing/2010/main">
+        <mc:Choice Requires="a14">
           <p:sp>
             <p:nvSpPr>
               <p:cNvPr id="6" name="TextBox 5">
@@ -10885,7 +10887,7 @@
             </p:txBody>
           </p:sp>
         </mc:Choice>
-        <mc:Fallback>
+        <mc:Fallback xmlns="">
           <p:sp>
             <p:nvSpPr>
               <p:cNvPr id="6" name="TextBox 5">
@@ -10930,8 +10932,8 @@
           </p:sp>
         </mc:Fallback>
       </mc:AlternateContent>
-      <mc:AlternateContent xmlns:mc="http://schemas.openxmlformats.org/markup-compatibility/2006">
-        <mc:Choice xmlns:a14="http://schemas.microsoft.com/office/drawing/2010/main" Requires="a14">
+      <mc:AlternateContent xmlns:mc="http://schemas.openxmlformats.org/markup-compatibility/2006" xmlns:a14="http://schemas.microsoft.com/office/drawing/2010/main">
+        <mc:Choice Requires="a14">
           <p:sp>
             <p:nvSpPr>
               <p:cNvPr id="7" name="TextBox 6">
@@ -10984,7 +10986,7 @@
             </p:txBody>
           </p:sp>
         </mc:Choice>
-        <mc:Fallback>
+        <mc:Fallback xmlns="">
           <p:sp>
             <p:nvSpPr>
               <p:cNvPr id="7" name="TextBox 6">
@@ -11029,8 +11031,8 @@
           </p:sp>
         </mc:Fallback>
       </mc:AlternateContent>
-      <mc:AlternateContent xmlns:mc="http://schemas.openxmlformats.org/markup-compatibility/2006">
-        <mc:Choice xmlns:a14="http://schemas.microsoft.com/office/drawing/2010/main" Requires="a14">
+      <mc:AlternateContent xmlns:mc="http://schemas.openxmlformats.org/markup-compatibility/2006" xmlns:a14="http://schemas.microsoft.com/office/drawing/2010/main">
+        <mc:Choice Requires="a14">
           <p:sp>
             <p:nvSpPr>
               <p:cNvPr id="8" name="TextBox 7">
@@ -11083,7 +11085,7 @@
             </p:txBody>
           </p:sp>
         </mc:Choice>
-        <mc:Fallback>
+        <mc:Fallback xmlns="">
           <p:sp>
             <p:nvSpPr>
               <p:cNvPr id="8" name="TextBox 7">
@@ -11128,8 +11130,8 @@
           </p:sp>
         </mc:Fallback>
       </mc:AlternateContent>
-      <mc:AlternateContent xmlns:mc="http://schemas.openxmlformats.org/markup-compatibility/2006">
-        <mc:Choice xmlns:a14="http://schemas.microsoft.com/office/drawing/2010/main" Requires="a14">
+      <mc:AlternateContent xmlns:mc="http://schemas.openxmlformats.org/markup-compatibility/2006" xmlns:a14="http://schemas.microsoft.com/office/drawing/2010/main">
+        <mc:Choice Requires="a14">
           <p:sp>
             <p:nvSpPr>
               <p:cNvPr id="9" name="TextBox 8">
@@ -11186,7 +11188,7 @@
             </p:txBody>
           </p:sp>
         </mc:Choice>
-        <mc:Fallback>
+        <mc:Fallback xmlns="">
           <p:sp>
             <p:nvSpPr>
               <p:cNvPr id="9" name="TextBox 8">
@@ -11291,8 +11293,8 @@
           </a:prstGeom>
         </p:spPr>
       </p:pic>
-      <mc:AlternateContent xmlns:mc="http://schemas.openxmlformats.org/markup-compatibility/2006">
-        <mc:Choice xmlns:a14="http://schemas.microsoft.com/office/drawing/2010/main" Requires="a14">
+      <mc:AlternateContent xmlns:mc="http://schemas.openxmlformats.org/markup-compatibility/2006" xmlns:a14="http://schemas.microsoft.com/office/drawing/2010/main">
+        <mc:Choice Requires="a14">
           <p:sp>
             <p:nvSpPr>
               <p:cNvPr id="3" name="TextBox 2">
@@ -11349,7 +11351,7 @@
             </p:txBody>
           </p:sp>
         </mc:Choice>
-        <mc:Fallback>
+        <mc:Fallback xmlns="">
           <p:sp>
             <p:nvSpPr>
               <p:cNvPr id="3" name="TextBox 2">
@@ -11394,8 +11396,8 @@
           </p:sp>
         </mc:Fallback>
       </mc:AlternateContent>
-      <mc:AlternateContent xmlns:mc="http://schemas.openxmlformats.org/markup-compatibility/2006">
-        <mc:Choice xmlns:a14="http://schemas.microsoft.com/office/drawing/2010/main" Requires="a14">
+      <mc:AlternateContent xmlns:mc="http://schemas.openxmlformats.org/markup-compatibility/2006" xmlns:a14="http://schemas.microsoft.com/office/drawing/2010/main">
+        <mc:Choice Requires="a14">
           <p:sp>
             <p:nvSpPr>
               <p:cNvPr id="4" name="TextBox 3">
@@ -11452,7 +11454,7 @@
             </p:txBody>
           </p:sp>
         </mc:Choice>
-        <mc:Fallback>
+        <mc:Fallback xmlns="">
           <p:sp>
             <p:nvSpPr>
               <p:cNvPr id="4" name="TextBox 3">
@@ -11497,8 +11499,8 @@
           </p:sp>
         </mc:Fallback>
       </mc:AlternateContent>
-      <mc:AlternateContent xmlns:mc="http://schemas.openxmlformats.org/markup-compatibility/2006">
-        <mc:Choice xmlns:a14="http://schemas.microsoft.com/office/drawing/2010/main" Requires="a14">
+      <mc:AlternateContent xmlns:mc="http://schemas.openxmlformats.org/markup-compatibility/2006" xmlns:a14="http://schemas.microsoft.com/office/drawing/2010/main">
+        <mc:Choice Requires="a14">
           <p:sp>
             <p:nvSpPr>
               <p:cNvPr id="5" name="TextBox 4">
@@ -11555,7 +11557,7 @@
             </p:txBody>
           </p:sp>
         </mc:Choice>
-        <mc:Fallback>
+        <mc:Fallback xmlns="">
           <p:sp>
             <p:nvSpPr>
               <p:cNvPr id="5" name="TextBox 4">
@@ -11600,8 +11602,8 @@
           </p:sp>
         </mc:Fallback>
       </mc:AlternateContent>
-      <mc:AlternateContent xmlns:mc="http://schemas.openxmlformats.org/markup-compatibility/2006">
-        <mc:Choice xmlns:a14="http://schemas.microsoft.com/office/drawing/2010/main" Requires="a14">
+      <mc:AlternateContent xmlns:mc="http://schemas.openxmlformats.org/markup-compatibility/2006" xmlns:a14="http://schemas.microsoft.com/office/drawing/2010/main">
+        <mc:Choice Requires="a14">
           <p:sp>
             <p:nvSpPr>
               <p:cNvPr id="6" name="TextBox 5">
@@ -11655,7 +11657,7 @@
             </p:txBody>
           </p:sp>
         </mc:Choice>
-        <mc:Fallback>
+        <mc:Fallback xmlns="">
           <p:sp>
             <p:nvSpPr>
               <p:cNvPr id="6" name="TextBox 5">
@@ -11700,8 +11702,8 @@
           </p:sp>
         </mc:Fallback>
       </mc:AlternateContent>
-      <mc:AlternateContent xmlns:mc="http://schemas.openxmlformats.org/markup-compatibility/2006">
-        <mc:Choice xmlns:a14="http://schemas.microsoft.com/office/drawing/2010/main" Requires="a14">
+      <mc:AlternateContent xmlns:mc="http://schemas.openxmlformats.org/markup-compatibility/2006" xmlns:a14="http://schemas.microsoft.com/office/drawing/2010/main">
+        <mc:Choice Requires="a14">
           <p:sp>
             <p:nvSpPr>
               <p:cNvPr id="7" name="TextBox 6">
@@ -11754,7 +11756,7 @@
             </p:txBody>
           </p:sp>
         </mc:Choice>
-        <mc:Fallback>
+        <mc:Fallback xmlns="">
           <p:sp>
             <p:nvSpPr>
               <p:cNvPr id="7" name="TextBox 6">
@@ -11799,8 +11801,8 @@
           </p:sp>
         </mc:Fallback>
       </mc:AlternateContent>
-      <mc:AlternateContent xmlns:mc="http://schemas.openxmlformats.org/markup-compatibility/2006">
-        <mc:Choice xmlns:a14="http://schemas.microsoft.com/office/drawing/2010/main" Requires="a14">
+      <mc:AlternateContent xmlns:mc="http://schemas.openxmlformats.org/markup-compatibility/2006" xmlns:a14="http://schemas.microsoft.com/office/drawing/2010/main">
+        <mc:Choice Requires="a14">
           <p:sp>
             <p:nvSpPr>
               <p:cNvPr id="8" name="TextBox 7">
@@ -11853,7 +11855,7 @@
             </p:txBody>
           </p:sp>
         </mc:Choice>
-        <mc:Fallback>
+        <mc:Fallback xmlns="">
           <p:sp>
             <p:nvSpPr>
               <p:cNvPr id="8" name="TextBox 7">
@@ -11898,8 +11900,8 @@
           </p:sp>
         </mc:Fallback>
       </mc:AlternateContent>
-      <mc:AlternateContent xmlns:mc="http://schemas.openxmlformats.org/markup-compatibility/2006">
-        <mc:Choice xmlns:a14="http://schemas.microsoft.com/office/drawing/2010/main" Requires="a14">
+      <mc:AlternateContent xmlns:mc="http://schemas.openxmlformats.org/markup-compatibility/2006" xmlns:a14="http://schemas.microsoft.com/office/drawing/2010/main">
+        <mc:Choice Requires="a14">
           <p:sp>
             <p:nvSpPr>
               <p:cNvPr id="9" name="TextBox 8">
@@ -11956,7 +11958,7 @@
             </p:txBody>
           </p:sp>
         </mc:Choice>
-        <mc:Fallback>
+        <mc:Fallback xmlns="">
           <p:sp>
             <p:nvSpPr>
               <p:cNvPr id="9" name="TextBox 8">
@@ -12051,6 +12053,216 @@
     <p:extLst>
       <p:ext uri="{BB962C8B-B14F-4D97-AF65-F5344CB8AC3E}">
         <p14:creationId xmlns:p14="http://schemas.microsoft.com/office/powerpoint/2010/main" val="2370867100"/>
+      </p:ext>
+    </p:extLst>
+  </p:cSld>
+  <p:clrMapOvr>
+    <a:masterClrMapping/>
+  </p:clrMapOvr>
+</p:sld>
+</file>
+
+<file path=ppt/slides/slide19.xml><?xml version="1.0" encoding="utf-8"?>
+<p:sld xmlns:a="http://schemas.openxmlformats.org/drawingml/2006/main" xmlns:r="http://schemas.openxmlformats.org/officeDocument/2006/relationships" xmlns:p="http://schemas.openxmlformats.org/presentationml/2006/main">
+  <p:cSld>
+    <p:spTree>
+      <p:nvGrpSpPr>
+        <p:cNvPr id="1" name=""/>
+        <p:cNvGrpSpPr/>
+        <p:nvPr/>
+      </p:nvGrpSpPr>
+      <p:grpSpPr>
+        <a:xfrm>
+          <a:off x="0" y="0"/>
+          <a:ext cx="0" cy="0"/>
+          <a:chOff x="0" y="0"/>
+          <a:chExt cx="0" cy="0"/>
+        </a:xfrm>
+      </p:grpSpPr>
+      <p:pic>
+        <p:nvPicPr>
+          <p:cNvPr id="3" name="Picture 2">
+            <a:extLst>
+              <a:ext uri="{FF2B5EF4-FFF2-40B4-BE49-F238E27FC236}">
+                <a16:creationId xmlns:a16="http://schemas.microsoft.com/office/drawing/2014/main" id="{D1E7C8CF-5F66-FE4E-A429-48A47B791467}"/>
+              </a:ext>
+            </a:extLst>
+          </p:cNvPr>
+          <p:cNvPicPr>
+            <a:picLocks noChangeAspect="1"/>
+          </p:cNvPicPr>
+          <p:nvPr/>
+        </p:nvPicPr>
+        <p:blipFill>
+          <a:blip r:embed="rId2"/>
+          <a:stretch>
+            <a:fillRect/>
+          </a:stretch>
+        </p:blipFill>
+        <p:spPr>
+          <a:xfrm>
+            <a:off x="3238500" y="571500"/>
+            <a:ext cx="5715000" cy="5715000"/>
+          </a:xfrm>
+          <a:prstGeom prst="rect">
+            <a:avLst/>
+          </a:prstGeom>
+        </p:spPr>
+      </p:pic>
+      <p:sp>
+        <p:nvSpPr>
+          <p:cNvPr id="4" name="Rectangle 3">
+            <a:extLst>
+              <a:ext uri="{FF2B5EF4-FFF2-40B4-BE49-F238E27FC236}">
+                <a16:creationId xmlns:a16="http://schemas.microsoft.com/office/drawing/2014/main" id="{94B9D2A6-4B9D-F8B3-003E-917B8FFFA81A}"/>
+              </a:ext>
+            </a:extLst>
+          </p:cNvPr>
+          <p:cNvSpPr/>
+          <p:nvPr/>
+        </p:nvSpPr>
+        <p:spPr>
+          <a:xfrm>
+            <a:off x="3486308" y="4792659"/>
+            <a:ext cx="375407" cy="375407"/>
+          </a:xfrm>
+          <a:prstGeom prst="rect">
+            <a:avLst/>
+          </a:prstGeom>
+          <a:solidFill>
+            <a:srgbClr val="5C5CF5"/>
+          </a:solidFill>
+          <a:ln w="25400"/>
+        </p:spPr>
+        <p:style>
+          <a:lnRef idx="2">
+            <a:schemeClr val="accent1">
+              <a:shade val="15000"/>
+            </a:schemeClr>
+          </a:lnRef>
+          <a:fillRef idx="1">
+            <a:schemeClr val="accent1"/>
+          </a:fillRef>
+          <a:effectRef idx="0">
+            <a:schemeClr val="accent1"/>
+          </a:effectRef>
+          <a:fontRef idx="minor">
+            <a:schemeClr val="lt1"/>
+          </a:fontRef>
+        </p:style>
+        <p:txBody>
+          <a:bodyPr rtlCol="0" anchor="ctr"/>
+          <a:lstStyle/>
+          <a:p>
+            <a:pPr algn="ctr"/>
+            <a:endParaRPr lang="en-US" dirty="0"/>
+          </a:p>
+        </p:txBody>
+      </p:sp>
+      <p:sp>
+        <p:nvSpPr>
+          <p:cNvPr id="5" name="Rectangle 4">
+            <a:extLst>
+              <a:ext uri="{FF2B5EF4-FFF2-40B4-BE49-F238E27FC236}">
+                <a16:creationId xmlns:a16="http://schemas.microsoft.com/office/drawing/2014/main" id="{88752761-DA84-93C5-669F-E0949CB9C35E}"/>
+              </a:ext>
+            </a:extLst>
+          </p:cNvPr>
+          <p:cNvSpPr/>
+          <p:nvPr/>
+        </p:nvSpPr>
+        <p:spPr>
+          <a:xfrm>
+            <a:off x="5831402" y="1759118"/>
+            <a:ext cx="375407" cy="375407"/>
+          </a:xfrm>
+          <a:prstGeom prst="rect">
+            <a:avLst/>
+          </a:prstGeom>
+          <a:solidFill>
+            <a:srgbClr val="80A4F0"/>
+          </a:solidFill>
+          <a:ln w="25400"/>
+        </p:spPr>
+        <p:style>
+          <a:lnRef idx="2">
+            <a:schemeClr val="accent1">
+              <a:shade val="15000"/>
+            </a:schemeClr>
+          </a:lnRef>
+          <a:fillRef idx="1">
+            <a:schemeClr val="accent1"/>
+          </a:fillRef>
+          <a:effectRef idx="0">
+            <a:schemeClr val="accent1"/>
+          </a:effectRef>
+          <a:fontRef idx="minor">
+            <a:schemeClr val="lt1"/>
+          </a:fontRef>
+        </p:style>
+        <p:txBody>
+          <a:bodyPr rtlCol="0" anchor="ctr"/>
+          <a:lstStyle/>
+          <a:p>
+            <a:pPr algn="ctr"/>
+            <a:endParaRPr lang="en-US" dirty="0"/>
+          </a:p>
+        </p:txBody>
+      </p:sp>
+      <p:sp>
+        <p:nvSpPr>
+          <p:cNvPr id="7" name="Rectangle 6">
+            <a:extLst>
+              <a:ext uri="{FF2B5EF4-FFF2-40B4-BE49-F238E27FC236}">
+                <a16:creationId xmlns:a16="http://schemas.microsoft.com/office/drawing/2014/main" id="{785E017A-74B8-D2EB-C37D-B51B6EBC9251}"/>
+              </a:ext>
+            </a:extLst>
+          </p:cNvPr>
+          <p:cNvSpPr/>
+          <p:nvPr/>
+        </p:nvSpPr>
+        <p:spPr>
+          <a:xfrm>
+            <a:off x="7308749" y="4604955"/>
+            <a:ext cx="375407" cy="375407"/>
+          </a:xfrm>
+          <a:prstGeom prst="rect">
+            <a:avLst/>
+          </a:prstGeom>
+          <a:solidFill>
+            <a:srgbClr val="A35CF5"/>
+          </a:solidFill>
+          <a:ln w="25400"/>
+        </p:spPr>
+        <p:style>
+          <a:lnRef idx="2">
+            <a:schemeClr val="accent1">
+              <a:shade val="15000"/>
+            </a:schemeClr>
+          </a:lnRef>
+          <a:fillRef idx="1">
+            <a:schemeClr val="accent1"/>
+          </a:fillRef>
+          <a:effectRef idx="0">
+            <a:schemeClr val="accent1"/>
+          </a:effectRef>
+          <a:fontRef idx="minor">
+            <a:schemeClr val="lt1"/>
+          </a:fontRef>
+        </p:style>
+        <p:txBody>
+          <a:bodyPr rtlCol="0" anchor="ctr"/>
+          <a:lstStyle/>
+          <a:p>
+            <a:pPr algn="ctr"/>
+            <a:endParaRPr lang="en-US" dirty="0"/>
+          </a:p>
+        </p:txBody>
+      </p:sp>
+    </p:spTree>
+    <p:extLst>
+      <p:ext uri="{BB962C8B-B14F-4D97-AF65-F5344CB8AC3E}">
+        <p14:creationId xmlns:p14="http://schemas.microsoft.com/office/powerpoint/2010/main" val="3330867475"/>
       </p:ext>
     </p:extLst>
   </p:cSld>
@@ -13385,6 +13597,116 @@
     <p:extLst>
       <p:ext uri="{BB962C8B-B14F-4D97-AF65-F5344CB8AC3E}">
         <p14:creationId xmlns:p14="http://schemas.microsoft.com/office/powerpoint/2010/main" val="4078243434"/>
+      </p:ext>
+    </p:extLst>
+  </p:cSld>
+  <p:clrMapOvr>
+    <a:masterClrMapping/>
+  </p:clrMapOvr>
+</p:sld>
+</file>
+
+<file path=ppt/slides/slide20.xml><?xml version="1.0" encoding="utf-8"?>
+<p:sld xmlns:a="http://schemas.openxmlformats.org/drawingml/2006/main" xmlns:r="http://schemas.openxmlformats.org/officeDocument/2006/relationships" xmlns:p="http://schemas.openxmlformats.org/presentationml/2006/main">
+  <p:cSld>
+    <p:spTree>
+      <p:nvGrpSpPr>
+        <p:cNvPr id="1" name=""/>
+        <p:cNvGrpSpPr/>
+        <p:nvPr/>
+      </p:nvGrpSpPr>
+      <p:grpSpPr>
+        <a:xfrm>
+          <a:off x="0" y="0"/>
+          <a:ext cx="0" cy="0"/>
+          <a:chOff x="0" y="0"/>
+          <a:chExt cx="0" cy="0"/>
+        </a:xfrm>
+      </p:grpSpPr>
+      <p:pic>
+        <p:nvPicPr>
+          <p:cNvPr id="3" name="Picture 2">
+            <a:extLst>
+              <a:ext uri="{FF2B5EF4-FFF2-40B4-BE49-F238E27FC236}">
+                <a16:creationId xmlns:a16="http://schemas.microsoft.com/office/drawing/2014/main" id="{7C71E785-6E82-9633-B312-7424DA5C8639}"/>
+              </a:ext>
+            </a:extLst>
+          </p:cNvPr>
+          <p:cNvPicPr>
+            <a:picLocks noChangeAspect="1"/>
+          </p:cNvPicPr>
+          <p:nvPr/>
+        </p:nvPicPr>
+        <p:blipFill>
+          <a:blip r:embed="rId2"/>
+          <a:stretch>
+            <a:fillRect/>
+          </a:stretch>
+        </p:blipFill>
+        <p:spPr>
+          <a:xfrm>
+            <a:off x="3238500" y="571500"/>
+            <a:ext cx="5715000" cy="5715000"/>
+          </a:xfrm>
+          <a:prstGeom prst="rect">
+            <a:avLst/>
+          </a:prstGeom>
+        </p:spPr>
+      </p:pic>
+      <p:sp>
+        <p:nvSpPr>
+          <p:cNvPr id="4" name="Rectangle 3">
+            <a:extLst>
+              <a:ext uri="{FF2B5EF4-FFF2-40B4-BE49-F238E27FC236}">
+                <a16:creationId xmlns:a16="http://schemas.microsoft.com/office/drawing/2014/main" id="{AF7FB642-7270-59B8-7321-EE9F6E3E5295}"/>
+              </a:ext>
+            </a:extLst>
+          </p:cNvPr>
+          <p:cNvSpPr/>
+          <p:nvPr/>
+        </p:nvSpPr>
+        <p:spPr>
+          <a:xfrm>
+            <a:off x="6571631" y="3429000"/>
+            <a:ext cx="375407" cy="375407"/>
+          </a:xfrm>
+          <a:prstGeom prst="rect">
+            <a:avLst/>
+          </a:prstGeom>
+          <a:solidFill>
+            <a:srgbClr val="8080FF"/>
+          </a:solidFill>
+          <a:ln w="25400"/>
+        </p:spPr>
+        <p:style>
+          <a:lnRef idx="2">
+            <a:schemeClr val="accent1">
+              <a:shade val="15000"/>
+            </a:schemeClr>
+          </a:lnRef>
+          <a:fillRef idx="1">
+            <a:schemeClr val="accent1"/>
+          </a:fillRef>
+          <a:effectRef idx="0">
+            <a:schemeClr val="accent1"/>
+          </a:effectRef>
+          <a:fontRef idx="minor">
+            <a:schemeClr val="lt1"/>
+          </a:fontRef>
+        </p:style>
+        <p:txBody>
+          <a:bodyPr rtlCol="0" anchor="ctr"/>
+          <a:lstStyle/>
+          <a:p>
+            <a:pPr algn="ctr"/>
+            <a:endParaRPr lang="en-US" dirty="0"/>
+          </a:p>
+        </p:txBody>
+      </p:sp>
+    </p:spTree>
+    <p:extLst>
+      <p:ext uri="{BB962C8B-B14F-4D97-AF65-F5344CB8AC3E}">
+        <p14:creationId xmlns:p14="http://schemas.microsoft.com/office/powerpoint/2010/main" val="4183665398"/>
       </p:ext>
     </p:extLst>
   </p:cSld>

--- a/chapter-06/diagram.pptx
+++ b/chapter-06/diagram.pptx
@@ -25,6 +25,8 @@
     <p:sldId id="282" r:id="rId19"/>
     <p:sldId id="283" r:id="rId20"/>
     <p:sldId id="284" r:id="rId21"/>
+    <p:sldId id="285" r:id="rId22"/>
+    <p:sldId id="286" r:id="rId23"/>
   </p:sldIdLst>
   <p:sldSz cx="12192000" cy="6858000"/>
   <p:notesSz cx="6858000" cy="9144000"/>
@@ -278,7 +280,7 @@
           <a:p>
             <a:fld id="{B5F83089-3D20-4571-AA23-523345485B56}" type="datetimeFigureOut">
               <a:rPr lang="en-US" smtClean="0"/>
-              <a:t>9/16/2023</a:t>
+              <a:t>9/23/2023</a:t>
             </a:fld>
             <a:endParaRPr lang="en-US"/>
           </a:p>
@@ -476,7 +478,7 @@
           <a:p>
             <a:fld id="{B5F83089-3D20-4571-AA23-523345485B56}" type="datetimeFigureOut">
               <a:rPr lang="en-US" smtClean="0"/>
-              <a:t>9/16/2023</a:t>
+              <a:t>9/23/2023</a:t>
             </a:fld>
             <a:endParaRPr lang="en-US"/>
           </a:p>
@@ -684,7 +686,7 @@
           <a:p>
             <a:fld id="{B5F83089-3D20-4571-AA23-523345485B56}" type="datetimeFigureOut">
               <a:rPr lang="en-US" smtClean="0"/>
-              <a:t>9/16/2023</a:t>
+              <a:t>9/23/2023</a:t>
             </a:fld>
             <a:endParaRPr lang="en-US"/>
           </a:p>
@@ -882,7 +884,7 @@
           <a:p>
             <a:fld id="{B5F83089-3D20-4571-AA23-523345485B56}" type="datetimeFigureOut">
               <a:rPr lang="en-US" smtClean="0"/>
-              <a:t>9/16/2023</a:t>
+              <a:t>9/23/2023</a:t>
             </a:fld>
             <a:endParaRPr lang="en-US"/>
           </a:p>
@@ -1157,7 +1159,7 @@
           <a:p>
             <a:fld id="{B5F83089-3D20-4571-AA23-523345485B56}" type="datetimeFigureOut">
               <a:rPr lang="en-US" smtClean="0"/>
-              <a:t>9/16/2023</a:t>
+              <a:t>9/23/2023</a:t>
             </a:fld>
             <a:endParaRPr lang="en-US"/>
           </a:p>
@@ -1422,7 +1424,7 @@
           <a:p>
             <a:fld id="{B5F83089-3D20-4571-AA23-523345485B56}" type="datetimeFigureOut">
               <a:rPr lang="en-US" smtClean="0"/>
-              <a:t>9/16/2023</a:t>
+              <a:t>9/23/2023</a:t>
             </a:fld>
             <a:endParaRPr lang="en-US"/>
           </a:p>
@@ -1834,7 +1836,7 @@
           <a:p>
             <a:fld id="{B5F83089-3D20-4571-AA23-523345485B56}" type="datetimeFigureOut">
               <a:rPr lang="en-US" smtClean="0"/>
-              <a:t>9/16/2023</a:t>
+              <a:t>9/23/2023</a:t>
             </a:fld>
             <a:endParaRPr lang="en-US"/>
           </a:p>
@@ -1975,7 +1977,7 @@
           <a:p>
             <a:fld id="{B5F83089-3D20-4571-AA23-523345485B56}" type="datetimeFigureOut">
               <a:rPr lang="en-US" smtClean="0"/>
-              <a:t>9/16/2023</a:t>
+              <a:t>9/23/2023</a:t>
             </a:fld>
             <a:endParaRPr lang="en-US"/>
           </a:p>
@@ -2088,7 +2090,7 @@
           <a:p>
             <a:fld id="{B5F83089-3D20-4571-AA23-523345485B56}" type="datetimeFigureOut">
               <a:rPr lang="en-US" smtClean="0"/>
-              <a:t>9/16/2023</a:t>
+              <a:t>9/23/2023</a:t>
             </a:fld>
             <a:endParaRPr lang="en-US"/>
           </a:p>
@@ -2399,7 +2401,7 @@
           <a:p>
             <a:fld id="{B5F83089-3D20-4571-AA23-523345485B56}" type="datetimeFigureOut">
               <a:rPr lang="en-US" smtClean="0"/>
-              <a:t>9/16/2023</a:t>
+              <a:t>9/23/2023</a:t>
             </a:fld>
             <a:endParaRPr lang="en-US"/>
           </a:p>
@@ -2687,7 +2689,7 @@
           <a:p>
             <a:fld id="{B5F83089-3D20-4571-AA23-523345485B56}" type="datetimeFigureOut">
               <a:rPr lang="en-US" smtClean="0"/>
-              <a:t>9/16/2023</a:t>
+              <a:t>9/23/2023</a:t>
             </a:fld>
             <a:endParaRPr lang="en-US"/>
           </a:p>
@@ -2928,7 +2930,7 @@
           <a:p>
             <a:fld id="{B5F83089-3D20-4571-AA23-523345485B56}" type="datetimeFigureOut">
               <a:rPr lang="en-US" smtClean="0"/>
-              <a:t>9/16/2023</a:t>
+              <a:t>9/23/2023</a:t>
             </a:fld>
             <a:endParaRPr lang="en-US"/>
           </a:p>
@@ -13707,6 +13709,218 @@
     <p:extLst>
       <p:ext uri="{BB962C8B-B14F-4D97-AF65-F5344CB8AC3E}">
         <p14:creationId xmlns:p14="http://schemas.microsoft.com/office/powerpoint/2010/main" val="4183665398"/>
+      </p:ext>
+    </p:extLst>
+  </p:cSld>
+  <p:clrMapOvr>
+    <a:masterClrMapping/>
+  </p:clrMapOvr>
+</p:sld>
+</file>
+
+<file path=ppt/slides/slide21.xml><?xml version="1.0" encoding="utf-8"?>
+<p:sld xmlns:a="http://schemas.openxmlformats.org/drawingml/2006/main" xmlns:r="http://schemas.openxmlformats.org/officeDocument/2006/relationships" xmlns:p="http://schemas.openxmlformats.org/presentationml/2006/main">
+  <p:cSld>
+    <p:spTree>
+      <p:nvGrpSpPr>
+        <p:cNvPr id="1" name=""/>
+        <p:cNvGrpSpPr/>
+        <p:nvPr/>
+      </p:nvGrpSpPr>
+      <p:grpSpPr>
+        <a:xfrm>
+          <a:off x="0" y="0"/>
+          <a:ext cx="0" cy="0"/>
+          <a:chOff x="0" y="0"/>
+          <a:chExt cx="0" cy="0"/>
+        </a:xfrm>
+      </p:grpSpPr>
+      <p:pic>
+        <p:nvPicPr>
+          <p:cNvPr id="5" name="Picture 4">
+            <a:extLst>
+              <a:ext uri="{FF2B5EF4-FFF2-40B4-BE49-F238E27FC236}">
+                <a16:creationId xmlns:a16="http://schemas.microsoft.com/office/drawing/2014/main" id="{8E6D4703-3D5D-D818-0153-7AA7E2E203F4}"/>
+              </a:ext>
+            </a:extLst>
+          </p:cNvPr>
+          <p:cNvPicPr>
+            <a:picLocks noChangeAspect="1"/>
+          </p:cNvPicPr>
+          <p:nvPr/>
+        </p:nvPicPr>
+        <p:blipFill>
+          <a:blip r:embed="rId2"/>
+          <a:stretch>
+            <a:fillRect/>
+          </a:stretch>
+        </p:blipFill>
+        <p:spPr>
+          <a:xfrm>
+            <a:off x="3238500" y="571500"/>
+            <a:ext cx="5715000" cy="5715000"/>
+          </a:xfrm>
+          <a:prstGeom prst="rect">
+            <a:avLst/>
+          </a:prstGeom>
+        </p:spPr>
+      </p:pic>
+      <p:sp>
+        <p:nvSpPr>
+          <p:cNvPr id="6" name="TextBox 5">
+            <a:extLst>
+              <a:ext uri="{FF2B5EF4-FFF2-40B4-BE49-F238E27FC236}">
+                <a16:creationId xmlns:a16="http://schemas.microsoft.com/office/drawing/2014/main" id="{55F98BF4-B291-A62F-15EA-7B45F9377D03}"/>
+              </a:ext>
+            </a:extLst>
+          </p:cNvPr>
+          <p:cNvSpPr txBox="1"/>
+          <p:nvPr/>
+        </p:nvSpPr>
+        <p:spPr>
+          <a:xfrm>
+            <a:off x="3513393" y="732090"/>
+            <a:ext cx="954107" cy="1015663"/>
+          </a:xfrm>
+          <a:prstGeom prst="rect">
+            <a:avLst/>
+          </a:prstGeom>
+          <a:noFill/>
+        </p:spPr>
+        <p:txBody>
+          <a:bodyPr wrap="none" rtlCol="0">
+            <a:spAutoFit/>
+          </a:bodyPr>
+          <a:lstStyle/>
+          <a:p>
+            <a:r>
+              <a:rPr lang="ja-JP" altLang="en-US" sz="6000" b="1" i="0" dirty="0">
+                <a:solidFill>
+                  <a:srgbClr val="00B050"/>
+                </a:solidFill>
+                <a:effectLst/>
+                <a:latin typeface="Times New Roman" panose="02020603050405020304" pitchFamily="18" charset="0"/>
+              </a:rPr>
+              <a:t>〇</a:t>
+            </a:r>
+            <a:endParaRPr lang="en-US" sz="6000" dirty="0">
+              <a:solidFill>
+                <a:srgbClr val="00B050"/>
+              </a:solidFill>
+            </a:endParaRPr>
+          </a:p>
+        </p:txBody>
+      </p:sp>
+    </p:spTree>
+    <p:extLst>
+      <p:ext uri="{BB962C8B-B14F-4D97-AF65-F5344CB8AC3E}">
+        <p14:creationId xmlns:p14="http://schemas.microsoft.com/office/powerpoint/2010/main" val="2251643083"/>
+      </p:ext>
+    </p:extLst>
+  </p:cSld>
+  <p:clrMapOvr>
+    <a:masterClrMapping/>
+  </p:clrMapOvr>
+</p:sld>
+</file>
+
+<file path=ppt/slides/slide22.xml><?xml version="1.0" encoding="utf-8"?>
+<p:sld xmlns:a="http://schemas.openxmlformats.org/drawingml/2006/main" xmlns:r="http://schemas.openxmlformats.org/officeDocument/2006/relationships" xmlns:p="http://schemas.openxmlformats.org/presentationml/2006/main">
+  <p:cSld>
+    <p:spTree>
+      <p:nvGrpSpPr>
+        <p:cNvPr id="1" name=""/>
+        <p:cNvGrpSpPr/>
+        <p:nvPr/>
+      </p:nvGrpSpPr>
+      <p:grpSpPr>
+        <a:xfrm>
+          <a:off x="0" y="0"/>
+          <a:ext cx="0" cy="0"/>
+          <a:chOff x="0" y="0"/>
+          <a:chExt cx="0" cy="0"/>
+        </a:xfrm>
+      </p:grpSpPr>
+      <p:pic>
+        <p:nvPicPr>
+          <p:cNvPr id="3" name="Picture 2">
+            <a:extLst>
+              <a:ext uri="{FF2B5EF4-FFF2-40B4-BE49-F238E27FC236}">
+                <a16:creationId xmlns:a16="http://schemas.microsoft.com/office/drawing/2014/main" id="{C03C0849-2D92-95B0-ED2F-87CFF80C2E3E}"/>
+              </a:ext>
+            </a:extLst>
+          </p:cNvPr>
+          <p:cNvPicPr>
+            <a:picLocks noChangeAspect="1"/>
+          </p:cNvPicPr>
+          <p:nvPr/>
+        </p:nvPicPr>
+        <p:blipFill>
+          <a:blip r:embed="rId2"/>
+          <a:stretch>
+            <a:fillRect/>
+          </a:stretch>
+        </p:blipFill>
+        <p:spPr>
+          <a:xfrm>
+            <a:off x="3238500" y="571500"/>
+            <a:ext cx="5715000" cy="5715000"/>
+          </a:xfrm>
+          <a:prstGeom prst="rect">
+            <a:avLst/>
+          </a:prstGeom>
+        </p:spPr>
+      </p:pic>
+      <p:sp>
+        <p:nvSpPr>
+          <p:cNvPr id="4" name="TextBox 3">
+            <a:extLst>
+              <a:ext uri="{FF2B5EF4-FFF2-40B4-BE49-F238E27FC236}">
+                <a16:creationId xmlns:a16="http://schemas.microsoft.com/office/drawing/2014/main" id="{F857B5D2-2964-2615-F5D8-FF2E1F83EC67}"/>
+              </a:ext>
+            </a:extLst>
+          </p:cNvPr>
+          <p:cNvSpPr txBox="1"/>
+          <p:nvPr/>
+        </p:nvSpPr>
+        <p:spPr>
+          <a:xfrm>
+            <a:off x="3505004" y="681756"/>
+            <a:ext cx="813043" cy="1015663"/>
+          </a:xfrm>
+          <a:prstGeom prst="rect">
+            <a:avLst/>
+          </a:prstGeom>
+          <a:noFill/>
+        </p:spPr>
+        <p:txBody>
+          <a:bodyPr wrap="none" rtlCol="0">
+            <a:spAutoFit/>
+          </a:bodyPr>
+          <a:lstStyle/>
+          <a:p>
+            <a:r>
+              <a:rPr lang="ja-JP" altLang="en-US" sz="6000" b="1" i="0" dirty="0">
+                <a:solidFill>
+                  <a:srgbClr val="FF0000"/>
+                </a:solidFill>
+                <a:effectLst/>
+                <a:latin typeface="Times New Roman" panose="02020603050405020304" pitchFamily="18" charset="0"/>
+              </a:rPr>
+              <a:t>✖</a:t>
+            </a:r>
+            <a:endParaRPr lang="en-US" sz="6000" dirty="0">
+              <a:solidFill>
+                <a:srgbClr val="FF0000"/>
+              </a:solidFill>
+            </a:endParaRPr>
+          </a:p>
+        </p:txBody>
+      </p:sp>
+    </p:spTree>
+    <p:extLst>
+      <p:ext uri="{BB962C8B-B14F-4D97-AF65-F5344CB8AC3E}">
+        <p14:creationId xmlns:p14="http://schemas.microsoft.com/office/powerpoint/2010/main" val="3798248397"/>
       </p:ext>
     </p:extLst>
   </p:cSld>
